--- a/LDA Presentation CECS 550.pptx
+++ b/LDA Presentation CECS 550.pptx
@@ -5,23 +5,27 @@
     <p:sldMasterId id="2147483648" r:id="rId1"/>
   </p:sldMasterIdLst>
   <p:notesMasterIdLst>
-    <p:notesMasterId r:id="rId13"/>
+    <p:notesMasterId r:id="rId17"/>
   </p:notesMasterIdLst>
   <p:handoutMasterIdLst>
-    <p:handoutMasterId r:id="rId14"/>
+    <p:handoutMasterId r:id="rId18"/>
   </p:handoutMasterIdLst>
   <p:sldIdLst>
     <p:sldId id="256" r:id="rId2"/>
     <p:sldId id="268" r:id="rId3"/>
     <p:sldId id="271" r:id="rId4"/>
     <p:sldId id="272" r:id="rId5"/>
-    <p:sldId id="269" r:id="rId6"/>
-    <p:sldId id="266" r:id="rId7"/>
-    <p:sldId id="270" r:id="rId8"/>
-    <p:sldId id="267" r:id="rId9"/>
-    <p:sldId id="263" r:id="rId10"/>
-    <p:sldId id="262" r:id="rId11"/>
-    <p:sldId id="264" r:id="rId12"/>
+    <p:sldId id="273" r:id="rId6"/>
+    <p:sldId id="274" r:id="rId7"/>
+    <p:sldId id="275" r:id="rId8"/>
+    <p:sldId id="276" r:id="rId9"/>
+    <p:sldId id="269" r:id="rId10"/>
+    <p:sldId id="266" r:id="rId11"/>
+    <p:sldId id="270" r:id="rId12"/>
+    <p:sldId id="267" r:id="rId13"/>
+    <p:sldId id="263" r:id="rId14"/>
+    <p:sldId id="262" r:id="rId15"/>
+    <p:sldId id="264" r:id="rId16"/>
   </p:sldIdLst>
   <p:sldSz cx="12192000" cy="6858000"/>
   <p:notesSz cx="6858000" cy="9144000"/>
@@ -246,7 +250,7 @@
           <a:p>
             <a:fld id="{73B2889B-A0AC-4482-8592-5C96F2309420}" type="datetimeFigureOut">
               <a:rPr lang="en-US" smtClean="0"/>
-              <a:t>3/28/2023</a:t>
+              <a:t>4/3/2023</a:t>
             </a:fld>
             <a:endParaRPr lang="en-US"/>
           </a:p>
@@ -423,7 +427,7 @@
           <a:p>
             <a:fld id="{830EB223-FFC0-462A-A3B8-EAA7CE0F8CBD}" type="datetimeFigureOut">
               <a:rPr lang="en-US" smtClean="0"/>
-              <a:t>3/28/2023</a:t>
+              <a:t>4/3/2023</a:t>
             </a:fld>
             <a:endParaRPr lang="en-US" dirty="0"/>
           </a:p>
@@ -1009,16 +1013,6 @@
               <a:buNone/>
             </a:pPr>
             <a:r>
-              <a:rPr lang="en-US" b="0" i="0">
-                <a:solidFill>
-                  <a:srgbClr val="000000"/>
-                </a:solidFill>
-                <a:effectLst/>
-                <a:latin typeface="Söhne"/>
-              </a:rPr>
-              <a:t>- Future </a:t>
-            </a:r>
-            <a:r>
               <a:rPr lang="en-US" b="0" i="0" dirty="0">
                 <a:solidFill>
                   <a:srgbClr val="000000"/>
@@ -1026,7 +1020,7 @@
                 <a:effectLst/>
                 <a:latin typeface="Söhne"/>
               </a:rPr>
-              <a:t>work and potential areas for improvement</a:t>
+              <a:t>- Future work and potential areas for improvement</a:t>
             </a:r>
           </a:p>
           <a:p>
@@ -1128,397 +1122,72 @@
                 <a:latin typeface="Segoe UI" panose="020B0502040204020203" pitchFamily="34" charset="0"/>
                 <a:cs typeface="Segoe UI" panose="020B0502040204020203" pitchFamily="34" charset="0"/>
               </a:rPr>
-              <a:t>After you’ve done your research, it’s time to put your presentation together.  The first step in the process is to introduce the topic.  This is a great time to connect your topic to something that your audience can relate.  In other words, why should they listen to all the information you will be sharing in your research presentation?  What is in it for them?  You may also want to include a graphic or image to grab their attention.</a:t>
-            </a:r>
-          </a:p>
-          <a:p>
-            <a:endParaRPr lang="en-US" dirty="0">
-              <a:latin typeface="Segoe UI" panose="020B0502040204020203" pitchFamily="34" charset="0"/>
-              <a:cs typeface="Segoe UI" panose="020B0502040204020203" pitchFamily="34" charset="0"/>
-            </a:endParaRPr>
-          </a:p>
-          <a:p>
+              <a:t>When conducting research, it is easy to go to one source: Wikipedia.  However, you need to include a variety of sources in your research. Consider the following sources: </a:t>
+            </a:r>
+          </a:p>
+          <a:p>
+            <a:pPr marL="171450" indent="-171450">
+              <a:buFont typeface="Arial" panose="020B0604020202020204" pitchFamily="34" charset="0"/>
+              <a:buChar char="•"/>
+            </a:pPr>
             <a:r>
               <a:rPr lang="en-US" dirty="0">
                 <a:latin typeface="Segoe UI" panose="020B0502040204020203" pitchFamily="34" charset="0"/>
                 <a:cs typeface="Segoe UI" panose="020B0502040204020203" pitchFamily="34" charset="0"/>
               </a:rPr>
-              <a:t>Feel free to duplicate this slide by right-clicking on this slide in the slides pane to the left and select </a:t>
-            </a:r>
-            <a:r>
-              <a:rPr lang="en-US" b="1" dirty="0">
-                <a:latin typeface="Segoe UI" panose="020B0502040204020203" pitchFamily="34" charset="0"/>
-                <a:cs typeface="Segoe UI" panose="020B0502040204020203" pitchFamily="34" charset="0"/>
-              </a:rPr>
-              <a:t>Duplicate Slide</a:t>
-            </a:r>
+              <a:t>Who can I interview to get more information on the topic?</a:t>
+            </a:r>
+          </a:p>
+          <a:p>
+            <a:pPr marL="171450" indent="-171450">
+              <a:buFont typeface="Arial" panose="020B0604020202020204" pitchFamily="34" charset="0"/>
+              <a:buChar char="•"/>
+            </a:pPr>
             <a:r>
               <a:rPr lang="en-US" dirty="0">
                 <a:latin typeface="Segoe UI" panose="020B0502040204020203" pitchFamily="34" charset="0"/>
                 <a:cs typeface="Segoe UI" panose="020B0502040204020203" pitchFamily="34" charset="0"/>
               </a:rPr>
-              <a:t>.</a:t>
-            </a:r>
-          </a:p>
-          <a:p>
-            <a:endParaRPr lang="en-US" dirty="0">
-              <a:latin typeface="Segoe UI" panose="020B0502040204020203" pitchFamily="34" charset="0"/>
-              <a:cs typeface="Segoe UI" panose="020B0502040204020203" pitchFamily="34" charset="0"/>
-            </a:endParaRPr>
-          </a:p>
-          <a:p>
+              <a:t>Is the topic current and will it be relevant to my audience?</a:t>
+            </a:r>
+          </a:p>
+          <a:p>
+            <a:pPr marL="171450" indent="-171450">
+              <a:buFont typeface="Arial" panose="020B0604020202020204" pitchFamily="34" charset="0"/>
+              <a:buChar char="•"/>
+            </a:pPr>
             <a:r>
               <a:rPr lang="en-US" dirty="0">
                 <a:latin typeface="Segoe UI" panose="020B0502040204020203" pitchFamily="34" charset="0"/>
                 <a:cs typeface="Segoe UI" panose="020B0502040204020203" pitchFamily="34" charset="0"/>
               </a:rPr>
-              <a:t>The next step in your presentation is to state your claim or topic clearly.  Your teacher may even call this your thesis.  As you state your thesis, you may find that this layout is not the best layout for your claim or topic.  You can change the layout by clicking the drop-down menu next to the </a:t>
-            </a:r>
-            <a:r>
-              <a:rPr lang="en-US" b="1" dirty="0">
-                <a:latin typeface="Segoe UI" panose="020B0502040204020203" pitchFamily="34" charset="0"/>
-                <a:cs typeface="Segoe UI" panose="020B0502040204020203" pitchFamily="34" charset="0"/>
-              </a:rPr>
-              <a:t>Layout</a:t>
-            </a:r>
+              <a:t>What articles, blogs, and magazines may have something related to my topic?</a:t>
+            </a:r>
+          </a:p>
+          <a:p>
+            <a:pPr marL="171450" indent="-171450">
+              <a:buFont typeface="Arial" panose="020B0604020202020204" pitchFamily="34" charset="0"/>
+              <a:buChar char="•"/>
+            </a:pPr>
             <a:r>
               <a:rPr lang="en-US" dirty="0">
                 <a:latin typeface="Segoe UI" panose="020B0502040204020203" pitchFamily="34" charset="0"/>
                 <a:cs typeface="Segoe UI" panose="020B0502040204020203" pitchFamily="34" charset="0"/>
               </a:rPr>
-              <a:t> in the </a:t>
-            </a:r>
-            <a:r>
-              <a:rPr lang="en-US" b="1" dirty="0">
-                <a:latin typeface="Segoe UI" panose="020B0502040204020203" pitchFamily="34" charset="0"/>
-                <a:cs typeface="Segoe UI" panose="020B0502040204020203" pitchFamily="34" charset="0"/>
-              </a:rPr>
-              <a:t>Slides</a:t>
-            </a:r>
+              <a:t>Is there a YouTube video on the topic? If so, what is it about?</a:t>
+            </a:r>
+          </a:p>
+          <a:p>
+            <a:pPr marL="171450" indent="-171450">
+              <a:buFont typeface="Arial" panose="020B0604020202020204" pitchFamily="34" charset="0"/>
+              <a:buChar char="•"/>
+            </a:pPr>
             <a:r>
               <a:rPr lang="en-US" dirty="0">
                 <a:latin typeface="Segoe UI" panose="020B0502040204020203" pitchFamily="34" charset="0"/>
                 <a:cs typeface="Segoe UI" panose="020B0502040204020203" pitchFamily="34" charset="0"/>
               </a:rPr>
-              <a:t> menu section.  You can choose </a:t>
-            </a:r>
-            <a:r>
-              <a:rPr lang="en-US" b="1" dirty="0">
-                <a:latin typeface="Segoe UI" panose="020B0502040204020203" pitchFamily="34" charset="0"/>
-                <a:cs typeface="Segoe UI" panose="020B0502040204020203" pitchFamily="34" charset="0"/>
-              </a:rPr>
-              <a:t>Two Content</a:t>
-            </a:r>
-            <a:r>
-              <a:rPr lang="en-US" dirty="0">
-                <a:latin typeface="Segoe UI" panose="020B0502040204020203" pitchFamily="34" charset="0"/>
-                <a:cs typeface="Segoe UI" panose="020B0502040204020203" pitchFamily="34" charset="0"/>
-              </a:rPr>
-              <a:t>, </a:t>
-            </a:r>
-            <a:r>
-              <a:rPr lang="en-US" b="1" dirty="0">
-                <a:latin typeface="Segoe UI" panose="020B0502040204020203" pitchFamily="34" charset="0"/>
-                <a:cs typeface="Segoe UI" panose="020B0502040204020203" pitchFamily="34" charset="0"/>
-              </a:rPr>
-              <a:t>Comparison</a:t>
-            </a:r>
-            <a:r>
-              <a:rPr lang="en-US" dirty="0">
-                <a:latin typeface="Segoe UI" panose="020B0502040204020203" pitchFamily="34" charset="0"/>
-                <a:cs typeface="Segoe UI" panose="020B0502040204020203" pitchFamily="34" charset="0"/>
-              </a:rPr>
-              <a:t>, or </a:t>
-            </a:r>
-            <a:r>
-              <a:rPr lang="en-US" b="1" dirty="0">
-                <a:latin typeface="Segoe UI" panose="020B0502040204020203" pitchFamily="34" charset="0"/>
-                <a:cs typeface="Segoe UI" panose="020B0502040204020203" pitchFamily="34" charset="0"/>
-              </a:rPr>
-              <a:t>Picture with Caption</a:t>
-            </a:r>
-            <a:r>
-              <a:rPr lang="en-US" dirty="0">
-                <a:latin typeface="Segoe UI" panose="020B0502040204020203" pitchFamily="34" charset="0"/>
-                <a:cs typeface="Segoe UI" panose="020B0502040204020203" pitchFamily="34" charset="0"/>
-              </a:rPr>
-              <a:t>.  </a:t>
-            </a:r>
-            <a:r>
-              <a:rPr lang="en-US" i="1" dirty="0">
-                <a:latin typeface="Segoe UI" panose="020B0502040204020203" pitchFamily="34" charset="0"/>
-                <a:cs typeface="Segoe UI" panose="020B0502040204020203" pitchFamily="34" charset="0"/>
-              </a:rPr>
-              <a:t>Note: A different layout might change the look of the icons on this page.</a:t>
-            </a:r>
-          </a:p>
-          <a:p>
-            <a:endParaRPr lang="en-US" i="1" dirty="0">
-              <a:latin typeface="Segoe UI" panose="020B0502040204020203" pitchFamily="34" charset="0"/>
-              <a:cs typeface="Segoe UI" panose="020B0502040204020203" pitchFamily="34" charset="0"/>
-            </a:endParaRPr>
-          </a:p>
-          <a:p>
-            <a:r>
-              <a:rPr lang="en-US" i="0" dirty="0">
-                <a:latin typeface="Segoe UI" panose="020B0502040204020203" pitchFamily="34" charset="0"/>
-                <a:cs typeface="Segoe UI" panose="020B0502040204020203" pitchFamily="34" charset="0"/>
-              </a:rPr>
-              <a:t>You will also want to state your facts.  You have done the research now share some of the interesting facts with your audience.  Facts do not have to be boring; you can communicate facts in a variety of ways by going to the Insert Tab.  In the Insert tab you can: </a:t>
-            </a:r>
-          </a:p>
-          <a:p>
-            <a:pPr marL="171450" indent="-171450">
-              <a:buFont typeface="Arial" panose="020B0604020202020204" pitchFamily="34" charset="0"/>
-              <a:buChar char="•"/>
-            </a:pPr>
-            <a:r>
-              <a:rPr lang="en-US" i="0" dirty="0">
-                <a:latin typeface="Segoe UI" panose="020B0502040204020203" pitchFamily="34" charset="0"/>
-                <a:cs typeface="Segoe UI" panose="020B0502040204020203" pitchFamily="34" charset="0"/>
-              </a:rPr>
-              <a:t>Insert </a:t>
-            </a:r>
-            <a:r>
-              <a:rPr lang="en-US" b="1" i="0" dirty="0">
-                <a:latin typeface="Segoe UI" panose="020B0502040204020203" pitchFamily="34" charset="0"/>
-                <a:cs typeface="Segoe UI" panose="020B0502040204020203" pitchFamily="34" charset="0"/>
-              </a:rPr>
-              <a:t>pictures</a:t>
-            </a:r>
-            <a:r>
-              <a:rPr lang="en-US" i="0" dirty="0">
-                <a:latin typeface="Segoe UI" panose="020B0502040204020203" pitchFamily="34" charset="0"/>
-                <a:cs typeface="Segoe UI" panose="020B0502040204020203" pitchFamily="34" charset="0"/>
-              </a:rPr>
-              <a:t> from your computer or </a:t>
-            </a:r>
-            <a:r>
-              <a:rPr lang="en-US" b="1" i="0" dirty="0">
-                <a:latin typeface="Segoe UI" panose="020B0502040204020203" pitchFamily="34" charset="0"/>
-                <a:cs typeface="Segoe UI" panose="020B0502040204020203" pitchFamily="34" charset="0"/>
-              </a:rPr>
-              <a:t>online</a:t>
-            </a:r>
-            <a:r>
-              <a:rPr lang="en-US" i="0" dirty="0">
-                <a:latin typeface="Segoe UI" panose="020B0502040204020203" pitchFamily="34" charset="0"/>
-                <a:cs typeface="Segoe UI" panose="020B0502040204020203" pitchFamily="34" charset="0"/>
-              </a:rPr>
-              <a:t>.</a:t>
-            </a:r>
-          </a:p>
-          <a:p>
-            <a:pPr marL="171450" indent="-171450">
-              <a:buFont typeface="Arial" panose="020B0604020202020204" pitchFamily="34" charset="0"/>
-              <a:buChar char="•"/>
-            </a:pPr>
-            <a:r>
-              <a:rPr lang="en-US" i="0" dirty="0">
-                <a:latin typeface="Segoe UI" panose="020B0502040204020203" pitchFamily="34" charset="0"/>
-                <a:cs typeface="Segoe UI" panose="020B0502040204020203" pitchFamily="34" charset="0"/>
-              </a:rPr>
-              <a:t>Add a </a:t>
-            </a:r>
-            <a:r>
-              <a:rPr lang="en-US" b="1" i="0" dirty="0">
-                <a:latin typeface="Segoe UI" panose="020B0502040204020203" pitchFamily="34" charset="0"/>
-                <a:cs typeface="Segoe UI" panose="020B0502040204020203" pitchFamily="34" charset="0"/>
-              </a:rPr>
-              <a:t>chart </a:t>
-            </a:r>
-          </a:p>
-          <a:p>
-            <a:pPr marL="171450" indent="-171450">
-              <a:buFont typeface="Arial" panose="020B0604020202020204" pitchFamily="34" charset="0"/>
-              <a:buChar char="•"/>
-            </a:pPr>
-            <a:r>
-              <a:rPr lang="en-US" i="0" dirty="0">
-                <a:latin typeface="Segoe UI" panose="020B0502040204020203" pitchFamily="34" charset="0"/>
-                <a:cs typeface="Segoe UI" panose="020B0502040204020203" pitchFamily="34" charset="0"/>
-              </a:rPr>
-              <a:t>Create some </a:t>
-            </a:r>
-            <a:r>
-              <a:rPr lang="en-US" b="1" i="0" dirty="0">
-                <a:latin typeface="Segoe UI" panose="020B0502040204020203" pitchFamily="34" charset="0"/>
-                <a:cs typeface="Segoe UI" panose="020B0502040204020203" pitchFamily="34" charset="0"/>
-              </a:rPr>
-              <a:t>SmartArt</a:t>
-            </a:r>
-          </a:p>
-          <a:p>
-            <a:pPr marL="171450" indent="-171450">
-              <a:buFont typeface="Arial" panose="020B0604020202020204" pitchFamily="34" charset="0"/>
-              <a:buChar char="•"/>
-            </a:pPr>
-            <a:r>
-              <a:rPr lang="en-US" i="0" dirty="0">
-                <a:latin typeface="Segoe UI" panose="020B0502040204020203" pitchFamily="34" charset="0"/>
-                <a:cs typeface="Segoe UI" panose="020B0502040204020203" pitchFamily="34" charset="0"/>
-              </a:rPr>
-              <a:t>Insert a variety of icons to help your facts come to life.  Note: You can change the color of the icons by selecting the icon and then click on the </a:t>
-            </a:r>
-            <a:r>
-              <a:rPr lang="en-US" b="1" i="0" dirty="0">
-                <a:latin typeface="Segoe UI" panose="020B0502040204020203" pitchFamily="34" charset="0"/>
-                <a:cs typeface="Segoe UI" panose="020B0502040204020203" pitchFamily="34" charset="0"/>
-              </a:rPr>
-              <a:t>Format</a:t>
-            </a:r>
-            <a:r>
-              <a:rPr lang="en-US" i="0" dirty="0">
-                <a:latin typeface="Segoe UI" panose="020B0502040204020203" pitchFamily="34" charset="0"/>
-                <a:cs typeface="Segoe UI" panose="020B0502040204020203" pitchFamily="34" charset="0"/>
-              </a:rPr>
-              <a:t> tab and then </a:t>
-            </a:r>
-            <a:r>
-              <a:rPr lang="en-US" b="1" i="0" dirty="0">
-                <a:latin typeface="Segoe UI" panose="020B0502040204020203" pitchFamily="34" charset="0"/>
-                <a:cs typeface="Segoe UI" panose="020B0502040204020203" pitchFamily="34" charset="0"/>
-              </a:rPr>
-              <a:t>Graphics Fill</a:t>
-            </a:r>
-            <a:r>
-              <a:rPr lang="en-US" i="0" dirty="0">
-                <a:latin typeface="Segoe UI" panose="020B0502040204020203" pitchFamily="34" charset="0"/>
-                <a:cs typeface="Segoe UI" panose="020B0502040204020203" pitchFamily="34" charset="0"/>
-              </a:rPr>
-              <a:t>.  From there, you will choose a color from the list or choose </a:t>
-            </a:r>
-            <a:r>
-              <a:rPr lang="en-US" b="1" i="0" dirty="0">
-                <a:latin typeface="Segoe UI" panose="020B0502040204020203" pitchFamily="34" charset="0"/>
-                <a:cs typeface="Segoe UI" panose="020B0502040204020203" pitchFamily="34" charset="0"/>
-              </a:rPr>
-              <a:t>More Fill Colors </a:t>
-            </a:r>
-            <a:r>
-              <a:rPr lang="en-US" i="0" dirty="0">
-                <a:latin typeface="Segoe UI" panose="020B0502040204020203" pitchFamily="34" charset="0"/>
-                <a:cs typeface="Segoe UI" panose="020B0502040204020203" pitchFamily="34" charset="0"/>
-              </a:rPr>
-              <a:t>to give you more options.</a:t>
-            </a:r>
-          </a:p>
-          <a:p>
-            <a:endParaRPr lang="en-US" dirty="0">
-              <a:latin typeface="Segoe UI" panose="020B0502040204020203" pitchFamily="34" charset="0"/>
-              <a:cs typeface="Segoe UI" panose="020B0502040204020203" pitchFamily="34" charset="0"/>
-            </a:endParaRPr>
-          </a:p>
-          <a:p>
-            <a:r>
-              <a:rPr lang="en-US" dirty="0">
-                <a:latin typeface="Segoe UI" panose="020B0502040204020203" pitchFamily="34" charset="0"/>
-                <a:cs typeface="Segoe UI" panose="020B0502040204020203" pitchFamily="34" charset="0"/>
-              </a:rPr>
-              <a:t>Since this research presentation is a result of your hard work and searching, you want to make sure you support the claims or points in your presentation with facts from your research findings.  Make sure you give the author proper credit for helping you share your ideas.  If one of your sources has a video that is relevant to your topic, you can add the video as added support.  Keep in mind the length of the video and the amount of time you have for your presentation.  For a 5 minute speech, the video should be no longer than 30 seconds.  </a:t>
-            </a:r>
-          </a:p>
-          <a:p>
-            <a:endParaRPr lang="en-US" dirty="0">
-              <a:latin typeface="Segoe UI" panose="020B0502040204020203" pitchFamily="34" charset="0"/>
-              <a:cs typeface="Segoe UI" panose="020B0502040204020203" pitchFamily="34" charset="0"/>
-            </a:endParaRPr>
-          </a:p>
-          <a:p>
-            <a:r>
-              <a:rPr lang="en-US" b="1" i="1" dirty="0">
-                <a:latin typeface="Segoe UI" panose="020B0502040204020203" pitchFamily="34" charset="0"/>
-                <a:cs typeface="Segoe UI" panose="020B0502040204020203" pitchFamily="34" charset="0"/>
-              </a:rPr>
-              <a:t>Questions to consider: </a:t>
-            </a:r>
-          </a:p>
-          <a:p>
-            <a:pPr marL="228600" indent="-228600">
-              <a:buAutoNum type="arabicPeriod"/>
-            </a:pPr>
-            <a:r>
-              <a:rPr lang="en-US" dirty="0">
-                <a:latin typeface="Segoe UI" panose="020B0502040204020203" pitchFamily="34" charset="0"/>
-                <a:cs typeface="Segoe UI" panose="020B0502040204020203" pitchFamily="34" charset="0"/>
-              </a:rPr>
-              <a:t>How will you state the author of the source?</a:t>
-            </a:r>
-          </a:p>
-          <a:p>
-            <a:pPr marL="228600" indent="-228600">
-              <a:buAutoNum type="arabicPeriod"/>
-            </a:pPr>
-            <a:r>
-              <a:rPr lang="en-US" dirty="0">
-                <a:latin typeface="Segoe UI" panose="020B0502040204020203" pitchFamily="34" charset="0"/>
-                <a:cs typeface="Segoe UI" panose="020B0502040204020203" pitchFamily="34" charset="0"/>
-              </a:rPr>
-              <a:t>Will you need to cite the source on the slide?</a:t>
-            </a:r>
-          </a:p>
-          <a:p>
-            <a:pPr marL="0" marR="0" lvl="0" indent="0" algn="l" defTabSz="914400" rtl="0" eaLnBrk="1" fontAlgn="auto" latinLnBrk="0" hangingPunct="1">
-              <a:lnSpc>
-                <a:spcPct val="100000"/>
-              </a:lnSpc>
-              <a:spcBef>
-                <a:spcPts val="0"/>
-              </a:spcBef>
-              <a:spcAft>
-                <a:spcPts val="0"/>
-              </a:spcAft>
-              <a:buClrTx/>
-              <a:buSzTx/>
-              <a:buFontTx/>
-              <a:buNone/>
-              <a:tabLst/>
-              <a:defRPr/>
-            </a:pPr>
-            <a:endParaRPr lang="en-US" dirty="0">
-              <a:latin typeface="Segoe UI" panose="020B0502040204020203" pitchFamily="34" charset="0"/>
-              <a:cs typeface="Segoe UI" panose="020B0502040204020203" pitchFamily="34" charset="0"/>
-            </a:endParaRPr>
-          </a:p>
-          <a:p>
-            <a:pPr marL="0" marR="0" lvl="0" indent="0" algn="l" defTabSz="914400" rtl="0" eaLnBrk="1" fontAlgn="auto" latinLnBrk="0" hangingPunct="1">
-              <a:lnSpc>
-                <a:spcPct val="100000"/>
-              </a:lnSpc>
-              <a:spcBef>
-                <a:spcPts val="0"/>
-              </a:spcBef>
-              <a:spcAft>
-                <a:spcPts val="0"/>
-              </a:spcAft>
-              <a:buClrTx/>
-              <a:buSzTx/>
-              <a:buFontTx/>
-              <a:buNone/>
-              <a:tabLst/>
-              <a:defRPr/>
-            </a:pPr>
-            <a:r>
-              <a:rPr lang="en-US" dirty="0">
-                <a:latin typeface="Segoe UI" panose="020B0502040204020203" pitchFamily="34" charset="0"/>
-                <a:cs typeface="Segoe UI" panose="020B0502040204020203" pitchFamily="34" charset="0"/>
-              </a:rPr>
-              <a:t>What are some ways you can engage your audience so they feel like they are a part of the presentation?  Some ideas to consider is by taking a quick poll like: by a show of hands, how many of you think school uniforms are a way to cut down on bullying?  Another suggestion is to have them hold up a certain number of fingers to see if they agree or disagree.  Finally, you can share a story that the audience can relate to that makes them laugh.</a:t>
-            </a:r>
-          </a:p>
-          <a:p>
-            <a:endParaRPr lang="en-US" dirty="0">
-              <a:latin typeface="Segoe UI" panose="020B0502040204020203" pitchFamily="34" charset="0"/>
-              <a:cs typeface="Segoe UI" panose="020B0502040204020203" pitchFamily="34" charset="0"/>
-            </a:endParaRPr>
-          </a:p>
-          <a:p>
-            <a:r>
-              <a:rPr lang="en-US" dirty="0">
-                <a:latin typeface="Segoe UI" panose="020B0502040204020203" pitchFamily="34" charset="0"/>
-                <a:cs typeface="Segoe UI" panose="020B0502040204020203" pitchFamily="34" charset="0"/>
-              </a:rPr>
-              <a:t>After all the applause, your audience may have some questions.  Be prepared to answer some of their questions by making a list of questions you think they might ask. You may also want to share the presentation with them by providing the link to your presentation, if they want more information.</a:t>
+              <a:t>What images can I find related to the topic?</a:t>
             </a:r>
           </a:p>
         </p:txBody>
@@ -1549,7 +1218,7 @@
     </p:spTree>
     <p:extLst>
       <p:ext uri="{BB962C8B-B14F-4D97-AF65-F5344CB8AC3E}">
-        <p14:creationId xmlns:p14="http://schemas.microsoft.com/office/powerpoint/2010/main" val="1335805615"/>
+        <p14:creationId xmlns:p14="http://schemas.microsoft.com/office/powerpoint/2010/main" val="2295961475"/>
       </p:ext>
     </p:extLst>
   </p:cSld>
@@ -1604,6 +1273,1050 @@
           <a:lstStyle/>
           <a:p>
             <a:r>
+              <a:rPr lang="en-US" i="0" dirty="0">
+                <a:latin typeface="Segoe UI" panose="020B0502040204020203" pitchFamily="34" charset="0"/>
+                <a:cs typeface="Segoe UI" panose="020B0502040204020203" pitchFamily="34" charset="0"/>
+              </a:rPr>
+              <a:t>Once you find your sources, you will want to evaluate your sources using the following questions: </a:t>
+            </a:r>
+          </a:p>
+          <a:p>
+            <a:endParaRPr lang="en-US" i="0" dirty="0">
+              <a:latin typeface="Segoe UI" panose="020B0502040204020203" pitchFamily="34" charset="0"/>
+              <a:cs typeface="Segoe UI" panose="020B0502040204020203" pitchFamily="34" charset="0"/>
+            </a:endParaRPr>
+          </a:p>
+          <a:p>
+            <a:r>
+              <a:rPr lang="en-US" b="1" i="0" dirty="0">
+                <a:latin typeface="Segoe UI" panose="020B0502040204020203" pitchFamily="34" charset="0"/>
+                <a:cs typeface="Segoe UI" panose="020B0502040204020203" pitchFamily="34" charset="0"/>
+              </a:rPr>
+              <a:t>Author: </a:t>
+            </a:r>
+          </a:p>
+          <a:p>
+            <a:pPr marL="171450" indent="-171450">
+              <a:buFont typeface="Arial" panose="020B0604020202020204" pitchFamily="34" charset="0"/>
+              <a:buChar char="•"/>
+            </a:pPr>
+            <a:r>
+              <a:rPr lang="en-US" i="0" dirty="0">
+                <a:latin typeface="Segoe UI" panose="020B0502040204020203" pitchFamily="34" charset="0"/>
+                <a:cs typeface="Segoe UI" panose="020B0502040204020203" pitchFamily="34" charset="0"/>
+              </a:rPr>
+              <a:t>Who is the author?</a:t>
+            </a:r>
+          </a:p>
+          <a:p>
+            <a:pPr marL="171450" indent="-171450">
+              <a:buFont typeface="Arial" panose="020B0604020202020204" pitchFamily="34" charset="0"/>
+              <a:buChar char="•"/>
+            </a:pPr>
+            <a:r>
+              <a:rPr lang="en-US" i="0" dirty="0">
+                <a:latin typeface="Segoe UI" panose="020B0502040204020203" pitchFamily="34" charset="0"/>
+                <a:cs typeface="Segoe UI" panose="020B0502040204020203" pitchFamily="34" charset="0"/>
+              </a:rPr>
+              <a:t>Why should I believe what he or she has to say on the topic?</a:t>
+            </a:r>
+          </a:p>
+          <a:p>
+            <a:pPr marL="171450" indent="-171450">
+              <a:buFont typeface="Arial" panose="020B0604020202020204" pitchFamily="34" charset="0"/>
+              <a:buChar char="•"/>
+            </a:pPr>
+            <a:r>
+              <a:rPr lang="en-US" i="0" dirty="0">
+                <a:latin typeface="Segoe UI" panose="020B0502040204020203" pitchFamily="34" charset="0"/>
+                <a:cs typeface="Segoe UI" panose="020B0502040204020203" pitchFamily="34" charset="0"/>
+              </a:rPr>
+              <a:t>Is the author seen as an expert on the topic? How do you know?</a:t>
+            </a:r>
+          </a:p>
+          <a:p>
+            <a:pPr marL="171450" indent="-171450">
+              <a:buFont typeface="Arial" panose="020B0604020202020204" pitchFamily="34" charset="0"/>
+              <a:buChar char="•"/>
+            </a:pPr>
+            <a:endParaRPr lang="en-US" i="0" dirty="0">
+              <a:latin typeface="Segoe UI" panose="020B0502040204020203" pitchFamily="34" charset="0"/>
+              <a:cs typeface="Segoe UI" panose="020B0502040204020203" pitchFamily="34" charset="0"/>
+            </a:endParaRPr>
+          </a:p>
+          <a:p>
+            <a:pPr marL="0" indent="0">
+              <a:buFont typeface="Arial" panose="020B0604020202020204" pitchFamily="34" charset="0"/>
+              <a:buNone/>
+            </a:pPr>
+            <a:r>
+              <a:rPr lang="en-US" b="1" i="0" dirty="0">
+                <a:latin typeface="Segoe UI" panose="020B0502040204020203" pitchFamily="34" charset="0"/>
+                <a:cs typeface="Segoe UI" panose="020B0502040204020203" pitchFamily="34" charset="0"/>
+              </a:rPr>
+              <a:t>Current: </a:t>
+            </a:r>
+          </a:p>
+          <a:p>
+            <a:pPr marL="171450" indent="-171450">
+              <a:buFont typeface="Arial" panose="020B0604020202020204" pitchFamily="34" charset="0"/>
+              <a:buChar char="•"/>
+            </a:pPr>
+            <a:r>
+              <a:rPr lang="en-US" i="0" dirty="0">
+                <a:latin typeface="Segoe UI" panose="020B0502040204020203" pitchFamily="34" charset="0"/>
+                <a:cs typeface="Segoe UI" panose="020B0502040204020203" pitchFamily="34" charset="0"/>
+              </a:rPr>
+              <a:t>How current is the information in the source?</a:t>
+            </a:r>
+          </a:p>
+          <a:p>
+            <a:pPr marL="171450" indent="-171450">
+              <a:buFont typeface="Arial" panose="020B0604020202020204" pitchFamily="34" charset="0"/>
+              <a:buChar char="•"/>
+            </a:pPr>
+            <a:r>
+              <a:rPr lang="en-US" i="0" dirty="0">
+                <a:latin typeface="Segoe UI" panose="020B0502040204020203" pitchFamily="34" charset="0"/>
+                <a:cs typeface="Segoe UI" panose="020B0502040204020203" pitchFamily="34" charset="0"/>
+              </a:rPr>
+              <a:t>When was the source published?</a:t>
+            </a:r>
+          </a:p>
+          <a:p>
+            <a:pPr marL="171450" indent="-171450">
+              <a:buFont typeface="Arial" panose="020B0604020202020204" pitchFamily="34" charset="0"/>
+              <a:buChar char="•"/>
+            </a:pPr>
+            <a:r>
+              <a:rPr lang="en-US" i="0" dirty="0">
+                <a:latin typeface="Segoe UI" panose="020B0502040204020203" pitchFamily="34" charset="0"/>
+                <a:cs typeface="Segoe UI" panose="020B0502040204020203" pitchFamily="34" charset="0"/>
+              </a:rPr>
+              <a:t>Is the information out-of-date?</a:t>
+            </a:r>
+          </a:p>
+          <a:p>
+            <a:pPr marL="171450" indent="-171450">
+              <a:buFont typeface="Arial" panose="020B0604020202020204" pitchFamily="34" charset="0"/>
+              <a:buChar char="•"/>
+            </a:pPr>
+            <a:endParaRPr lang="en-US" b="1" i="0" dirty="0">
+              <a:latin typeface="Segoe UI" panose="020B0502040204020203" pitchFamily="34" charset="0"/>
+              <a:cs typeface="Segoe UI" panose="020B0502040204020203" pitchFamily="34" charset="0"/>
+            </a:endParaRPr>
+          </a:p>
+          <a:p>
+            <a:pPr marL="0" indent="0">
+              <a:buFont typeface="Arial" panose="020B0604020202020204" pitchFamily="34" charset="0"/>
+              <a:buNone/>
+            </a:pPr>
+            <a:r>
+              <a:rPr lang="en-US" b="1" i="0" dirty="0">
+                <a:latin typeface="Segoe UI" panose="020B0502040204020203" pitchFamily="34" charset="0"/>
+                <a:cs typeface="Segoe UI" panose="020B0502040204020203" pitchFamily="34" charset="0"/>
+              </a:rPr>
+              <a:t>Accuracy: </a:t>
+            </a:r>
+          </a:p>
+          <a:p>
+            <a:pPr marL="171450" indent="-171450">
+              <a:buFont typeface="Arial" panose="020B0604020202020204" pitchFamily="34" charset="0"/>
+              <a:buChar char="•"/>
+            </a:pPr>
+            <a:r>
+              <a:rPr lang="en-US" i="0" dirty="0">
+                <a:latin typeface="Segoe UI" panose="020B0502040204020203" pitchFamily="34" charset="0"/>
+                <a:cs typeface="Segoe UI" panose="020B0502040204020203" pitchFamily="34" charset="0"/>
+              </a:rPr>
+              <a:t>Is the content accurate?</a:t>
+            </a:r>
+          </a:p>
+          <a:p>
+            <a:pPr marL="171450" indent="-171450">
+              <a:buFont typeface="Arial" panose="020B0604020202020204" pitchFamily="34" charset="0"/>
+              <a:buChar char="•"/>
+            </a:pPr>
+            <a:r>
+              <a:rPr lang="en-US" i="0" dirty="0">
+                <a:latin typeface="Segoe UI" panose="020B0502040204020203" pitchFamily="34" charset="0"/>
+                <a:cs typeface="Segoe UI" panose="020B0502040204020203" pitchFamily="34" charset="0"/>
+              </a:rPr>
+              <a:t>Is the information presented objectively?  Do they share the pros and cons?</a:t>
+            </a:r>
+          </a:p>
+        </p:txBody>
+      </p:sp>
+      <p:sp>
+        <p:nvSpPr>
+          <p:cNvPr id="4" name="Slide Number Placeholder 3"/>
+          <p:cNvSpPr>
+            <a:spLocks noGrp="1"/>
+          </p:cNvSpPr>
+          <p:nvPr>
+            <p:ph type="sldNum" sz="quarter" idx="10"/>
+          </p:nvPr>
+        </p:nvSpPr>
+        <p:spPr/>
+        <p:txBody>
+          <a:bodyPr/>
+          <a:lstStyle/>
+          <a:p>
+            <a:fld id="{BC849E9A-41F7-4779-A581-48A7C374A227}" type="slidenum">
+              <a:rPr lang="en-US" smtClean="0"/>
+              <a:t>11</a:t>
+            </a:fld>
+            <a:endParaRPr lang="en-US" dirty="0"/>
+          </a:p>
+        </p:txBody>
+      </p:sp>
+    </p:spTree>
+    <p:extLst>
+      <p:ext uri="{BB962C8B-B14F-4D97-AF65-F5344CB8AC3E}">
+        <p14:creationId xmlns:p14="http://schemas.microsoft.com/office/powerpoint/2010/main" val="898123727"/>
+      </p:ext>
+    </p:extLst>
+  </p:cSld>
+  <p:clrMapOvr>
+    <a:masterClrMapping/>
+  </p:clrMapOvr>
+</p:notes>
+</file>
+
+<file path=ppt/notesSlides/notesSlide12.xml><?xml version="1.0" encoding="utf-8"?>
+<p:notes xmlns:a="http://schemas.openxmlformats.org/drawingml/2006/main" xmlns:r="http://schemas.openxmlformats.org/officeDocument/2006/relationships" xmlns:p="http://schemas.openxmlformats.org/presentationml/2006/main">
+  <p:cSld>
+    <p:spTree>
+      <p:nvGrpSpPr>
+        <p:cNvPr id="1" name=""/>
+        <p:cNvGrpSpPr/>
+        <p:nvPr/>
+      </p:nvGrpSpPr>
+      <p:grpSpPr>
+        <a:xfrm>
+          <a:off x="0" y="0"/>
+          <a:ext cx="0" cy="0"/>
+          <a:chOff x="0" y="0"/>
+          <a:chExt cx="0" cy="0"/>
+        </a:xfrm>
+      </p:grpSpPr>
+      <p:sp>
+        <p:nvSpPr>
+          <p:cNvPr id="2" name="Slide Image Placeholder 1"/>
+          <p:cNvSpPr>
+            <a:spLocks noGrp="1" noRot="1" noChangeAspect="1"/>
+          </p:cNvSpPr>
+          <p:nvPr>
+            <p:ph type="sldImg"/>
+          </p:nvPr>
+        </p:nvSpPr>
+        <p:spPr/>
+      </p:sp>
+      <p:sp>
+        <p:nvSpPr>
+          <p:cNvPr id="3" name="Notes Placeholder 2"/>
+          <p:cNvSpPr>
+            <a:spLocks noGrp="1"/>
+          </p:cNvSpPr>
+          <p:nvPr>
+            <p:ph type="body" idx="1"/>
+          </p:nvPr>
+        </p:nvSpPr>
+        <p:spPr/>
+        <p:txBody>
+          <a:bodyPr/>
+          <a:lstStyle/>
+          <a:p>
+            <a:pPr marL="0" indent="0">
+              <a:buNone/>
+            </a:pPr>
+            <a:r>
+              <a:rPr lang="en-US" dirty="0">
+                <a:latin typeface="Segoe UI" panose="020B0502040204020203" pitchFamily="34" charset="0"/>
+                <a:cs typeface="Segoe UI" panose="020B0502040204020203" pitchFamily="34" charset="0"/>
+              </a:rPr>
+              <a:t>After consulting a variety of sources, you will need to narrow your topic.  For example, the topic of internet safety is huge, but you could narrow that topic to include internet safety in regards to social media apps that teenagers are using heavily.  A topic like that is more specific and will be relevant to your peers.  Some questions to think about to help you narrow your topic: </a:t>
+            </a:r>
+          </a:p>
+          <a:p>
+            <a:pPr marL="171450" indent="-171450">
+              <a:buFont typeface="Arial" panose="020B0604020202020204" pitchFamily="34" charset="0"/>
+              <a:buChar char="•"/>
+            </a:pPr>
+            <a:r>
+              <a:rPr lang="en-US" dirty="0">
+                <a:latin typeface="Segoe UI" panose="020B0502040204020203" pitchFamily="34" charset="0"/>
+                <a:cs typeface="Segoe UI" panose="020B0502040204020203" pitchFamily="34" charset="0"/>
+              </a:rPr>
+              <a:t>What topics of the research interest me the most?</a:t>
+            </a:r>
+          </a:p>
+          <a:p>
+            <a:pPr marL="171450" indent="-171450">
+              <a:buFont typeface="Arial" panose="020B0604020202020204" pitchFamily="34" charset="0"/>
+              <a:buChar char="•"/>
+            </a:pPr>
+            <a:r>
+              <a:rPr lang="en-US" dirty="0">
+                <a:latin typeface="Segoe UI" panose="020B0502040204020203" pitchFamily="34" charset="0"/>
+                <a:cs typeface="Segoe UI" panose="020B0502040204020203" pitchFamily="34" charset="0"/>
+              </a:rPr>
+              <a:t>What topics of the research will interest my audience the most?</a:t>
+            </a:r>
+          </a:p>
+          <a:p>
+            <a:pPr marL="171450" indent="-171450">
+              <a:buFont typeface="Arial" panose="020B0604020202020204" pitchFamily="34" charset="0"/>
+              <a:buChar char="•"/>
+            </a:pPr>
+            <a:r>
+              <a:rPr lang="en-US" dirty="0">
+                <a:latin typeface="Segoe UI" panose="020B0502040204020203" pitchFamily="34" charset="0"/>
+                <a:cs typeface="Segoe UI" panose="020B0502040204020203" pitchFamily="34" charset="0"/>
+              </a:rPr>
+              <a:t>What topics will the audience find more engaging? Shocking? Inspiring?</a:t>
+            </a:r>
+          </a:p>
+          <a:p>
+            <a:pPr marL="0" indent="0">
+              <a:buFont typeface="Arial" panose="020B0604020202020204" pitchFamily="34" charset="0"/>
+              <a:buNone/>
+            </a:pPr>
+            <a:endParaRPr lang="en-US" dirty="0"/>
+          </a:p>
+        </p:txBody>
+      </p:sp>
+      <p:sp>
+        <p:nvSpPr>
+          <p:cNvPr id="4" name="Slide Number Placeholder 3"/>
+          <p:cNvSpPr>
+            <a:spLocks noGrp="1"/>
+          </p:cNvSpPr>
+          <p:nvPr>
+            <p:ph type="sldNum" sz="quarter" idx="10"/>
+          </p:nvPr>
+        </p:nvSpPr>
+        <p:spPr/>
+        <p:txBody>
+          <a:bodyPr/>
+          <a:lstStyle/>
+          <a:p>
+            <a:fld id="{BC849E9A-41F7-4779-A581-48A7C374A227}" type="slidenum">
+              <a:rPr lang="en-US" smtClean="0"/>
+              <a:t>12</a:t>
+            </a:fld>
+            <a:endParaRPr lang="en-US" dirty="0"/>
+          </a:p>
+        </p:txBody>
+      </p:sp>
+    </p:spTree>
+    <p:extLst>
+      <p:ext uri="{BB962C8B-B14F-4D97-AF65-F5344CB8AC3E}">
+        <p14:creationId xmlns:p14="http://schemas.microsoft.com/office/powerpoint/2010/main" val="4224310962"/>
+      </p:ext>
+    </p:extLst>
+  </p:cSld>
+  <p:clrMapOvr>
+    <a:masterClrMapping/>
+  </p:clrMapOvr>
+</p:notes>
+</file>
+
+<file path=ppt/notesSlides/notesSlide13.xml><?xml version="1.0" encoding="utf-8"?>
+<p:notes xmlns:a="http://schemas.openxmlformats.org/drawingml/2006/main" xmlns:r="http://schemas.openxmlformats.org/officeDocument/2006/relationships" xmlns:p="http://schemas.openxmlformats.org/presentationml/2006/main">
+  <p:cSld>
+    <p:spTree>
+      <p:nvGrpSpPr>
+        <p:cNvPr id="1" name=""/>
+        <p:cNvGrpSpPr/>
+        <p:nvPr/>
+      </p:nvGrpSpPr>
+      <p:grpSpPr>
+        <a:xfrm>
+          <a:off x="0" y="0"/>
+          <a:ext cx="0" cy="0"/>
+          <a:chOff x="0" y="0"/>
+          <a:chExt cx="0" cy="0"/>
+        </a:xfrm>
+      </p:grpSpPr>
+      <p:sp>
+        <p:nvSpPr>
+          <p:cNvPr id="2" name="Slide Image Placeholder 1"/>
+          <p:cNvSpPr>
+            <a:spLocks noGrp="1" noRot="1" noChangeAspect="1"/>
+          </p:cNvSpPr>
+          <p:nvPr>
+            <p:ph type="sldImg"/>
+          </p:nvPr>
+        </p:nvSpPr>
+        <p:spPr/>
+      </p:sp>
+      <p:sp>
+        <p:nvSpPr>
+          <p:cNvPr id="3" name="Notes Placeholder 2"/>
+          <p:cNvSpPr>
+            <a:spLocks noGrp="1"/>
+          </p:cNvSpPr>
+          <p:nvPr>
+            <p:ph type="body" idx="1"/>
+          </p:nvPr>
+        </p:nvSpPr>
+        <p:spPr/>
+        <p:txBody>
+          <a:bodyPr/>
+          <a:lstStyle/>
+          <a:p>
+            <a:r>
+              <a:rPr lang="en-US" dirty="0">
+                <a:latin typeface="Segoe UI" panose="020B0502040204020203" pitchFamily="34" charset="0"/>
+                <a:cs typeface="Segoe UI" panose="020B0502040204020203" pitchFamily="34" charset="0"/>
+              </a:rPr>
+              <a:t>Now, that you have narrowed your topic, you will want to organize your research in a structure that works.  There are some common organizational patterns based on the kind of research you are doing.  </a:t>
+            </a:r>
+          </a:p>
+          <a:p>
+            <a:endParaRPr lang="en-US" dirty="0">
+              <a:latin typeface="Segoe UI" panose="020B0502040204020203" pitchFamily="34" charset="0"/>
+              <a:cs typeface="Segoe UI" panose="020B0502040204020203" pitchFamily="34" charset="0"/>
+            </a:endParaRPr>
+          </a:p>
+          <a:p>
+            <a:r>
+              <a:rPr lang="en-US" b="1" dirty="0">
+                <a:latin typeface="Segoe UI" panose="020B0502040204020203" pitchFamily="34" charset="0"/>
+                <a:cs typeface="Segoe UI" panose="020B0502040204020203" pitchFamily="34" charset="0"/>
+              </a:rPr>
+              <a:t>Organizational Structures: </a:t>
+            </a:r>
+          </a:p>
+          <a:p>
+            <a:pPr marL="171450" indent="-171450">
+              <a:buFont typeface="Arial" panose="020B0604020202020204" pitchFamily="34" charset="0"/>
+              <a:buChar char="•"/>
+            </a:pPr>
+            <a:r>
+              <a:rPr lang="en-US" dirty="0">
+                <a:latin typeface="Segoe UI" panose="020B0502040204020203" pitchFamily="34" charset="0"/>
+                <a:cs typeface="Segoe UI" panose="020B0502040204020203" pitchFamily="34" charset="0"/>
+              </a:rPr>
+              <a:t>Cause and Effect- this kind of structure is great for explaining the causes and effects of a topic</a:t>
+            </a:r>
+          </a:p>
+          <a:p>
+            <a:pPr marL="171450" indent="-171450">
+              <a:buFont typeface="Arial" panose="020B0604020202020204" pitchFamily="34" charset="0"/>
+              <a:buChar char="•"/>
+            </a:pPr>
+            <a:r>
+              <a:rPr lang="en-US" dirty="0">
+                <a:latin typeface="Segoe UI" panose="020B0502040204020203" pitchFamily="34" charset="0"/>
+                <a:cs typeface="Segoe UI" panose="020B0502040204020203" pitchFamily="34" charset="0"/>
+              </a:rPr>
+              <a:t>Compare and Contrast- in this pattern you highlight the similarities and differences of the topic</a:t>
+            </a:r>
+          </a:p>
+          <a:p>
+            <a:pPr marL="171450" indent="-171450">
+              <a:buFont typeface="Arial" panose="020B0604020202020204" pitchFamily="34" charset="0"/>
+              <a:buChar char="•"/>
+            </a:pPr>
+            <a:r>
+              <a:rPr lang="en-US" dirty="0">
+                <a:latin typeface="Segoe UI" panose="020B0502040204020203" pitchFamily="34" charset="0"/>
+                <a:cs typeface="Segoe UI" panose="020B0502040204020203" pitchFamily="34" charset="0"/>
+              </a:rPr>
+              <a:t>Explain process- this structure is great for outlining a series of steps to follow; </a:t>
+            </a:r>
+          </a:p>
+          <a:p>
+            <a:pPr marL="171450" indent="-171450">
+              <a:buFont typeface="Arial" panose="020B0604020202020204" pitchFamily="34" charset="0"/>
+              <a:buChar char="•"/>
+            </a:pPr>
+            <a:r>
+              <a:rPr lang="en-US" dirty="0">
+                <a:latin typeface="Segoe UI" panose="020B0502040204020203" pitchFamily="34" charset="0"/>
+                <a:cs typeface="Segoe UI" panose="020B0502040204020203" pitchFamily="34" charset="0"/>
+              </a:rPr>
+              <a:t>Definition- if you want to make sure your audience understands what something is using illustrations, meanings, clarifying misconceptions, you may want to use this structure</a:t>
+            </a:r>
+          </a:p>
+          <a:p>
+            <a:pPr marL="171450" indent="-171450">
+              <a:buFont typeface="Arial" panose="020B0604020202020204" pitchFamily="34" charset="0"/>
+              <a:buChar char="•"/>
+            </a:pPr>
+            <a:r>
+              <a:rPr lang="en-US" dirty="0">
+                <a:latin typeface="Segoe UI" panose="020B0502040204020203" pitchFamily="34" charset="0"/>
+                <a:cs typeface="Segoe UI" panose="020B0502040204020203" pitchFamily="34" charset="0"/>
+              </a:rPr>
+              <a:t>Classification- a common organizational structure is grouping like topics or facts from the research together.  For instance, in the internet safety about social media apps, you may organize the research where you look at each social media app one at a time</a:t>
+            </a:r>
+          </a:p>
+        </p:txBody>
+      </p:sp>
+      <p:sp>
+        <p:nvSpPr>
+          <p:cNvPr id="4" name="Slide Number Placeholder 3"/>
+          <p:cNvSpPr>
+            <a:spLocks noGrp="1"/>
+          </p:cNvSpPr>
+          <p:nvPr>
+            <p:ph type="sldNum" sz="quarter" idx="10"/>
+          </p:nvPr>
+        </p:nvSpPr>
+        <p:spPr/>
+        <p:txBody>
+          <a:bodyPr/>
+          <a:lstStyle/>
+          <a:p>
+            <a:fld id="{BC849E9A-41F7-4779-A581-48A7C374A227}" type="slidenum">
+              <a:rPr lang="en-US" smtClean="0"/>
+              <a:t>13</a:t>
+            </a:fld>
+            <a:endParaRPr lang="en-US" dirty="0"/>
+          </a:p>
+        </p:txBody>
+      </p:sp>
+    </p:spTree>
+    <p:extLst>
+      <p:ext uri="{BB962C8B-B14F-4D97-AF65-F5344CB8AC3E}">
+        <p14:creationId xmlns:p14="http://schemas.microsoft.com/office/powerpoint/2010/main" val="1825341137"/>
+      </p:ext>
+    </p:extLst>
+  </p:cSld>
+  <p:clrMapOvr>
+    <a:masterClrMapping/>
+  </p:clrMapOvr>
+</p:notes>
+</file>
+
+<file path=ppt/notesSlides/notesSlide14.xml><?xml version="1.0" encoding="utf-8"?>
+<p:notes xmlns:a="http://schemas.openxmlformats.org/drawingml/2006/main" xmlns:r="http://schemas.openxmlformats.org/officeDocument/2006/relationships" xmlns:p="http://schemas.openxmlformats.org/presentationml/2006/main">
+  <p:cSld>
+    <p:spTree>
+      <p:nvGrpSpPr>
+        <p:cNvPr id="1" name=""/>
+        <p:cNvGrpSpPr/>
+        <p:nvPr/>
+      </p:nvGrpSpPr>
+      <p:grpSpPr>
+        <a:xfrm>
+          <a:off x="0" y="0"/>
+          <a:ext cx="0" cy="0"/>
+          <a:chOff x="0" y="0"/>
+          <a:chExt cx="0" cy="0"/>
+        </a:xfrm>
+      </p:grpSpPr>
+      <p:sp>
+        <p:nvSpPr>
+          <p:cNvPr id="2" name="Slide Image Placeholder 1"/>
+          <p:cNvSpPr>
+            <a:spLocks noGrp="1" noRot="1" noChangeAspect="1"/>
+          </p:cNvSpPr>
+          <p:nvPr>
+            <p:ph type="sldImg"/>
+          </p:nvPr>
+        </p:nvSpPr>
+        <p:spPr/>
+      </p:sp>
+      <p:sp>
+        <p:nvSpPr>
+          <p:cNvPr id="3" name="Notes Placeholder 2"/>
+          <p:cNvSpPr>
+            <a:spLocks noGrp="1"/>
+          </p:cNvSpPr>
+          <p:nvPr>
+            <p:ph type="body" idx="1"/>
+          </p:nvPr>
+        </p:nvSpPr>
+        <p:spPr/>
+        <p:txBody>
+          <a:bodyPr/>
+          <a:lstStyle/>
+          <a:p>
+            <a:r>
+              <a:rPr lang="en-US" dirty="0">
+                <a:latin typeface="Segoe UI" panose="020B0502040204020203" pitchFamily="34" charset="0"/>
+                <a:cs typeface="Segoe UI" panose="020B0502040204020203" pitchFamily="34" charset="0"/>
+              </a:rPr>
+              <a:t>After you’ve done your research, it’s time to put your presentation together.  The first step in the process is to introduce the topic.  This is a great time to connect your topic to something that your audience can relate.  In other words, why should they listen to all the information you will be sharing in your research presentation?  What is in it for them?  You may also want to include a graphic or image to grab their attention.</a:t>
+            </a:r>
+          </a:p>
+          <a:p>
+            <a:endParaRPr lang="en-US" dirty="0">
+              <a:latin typeface="Segoe UI" panose="020B0502040204020203" pitchFamily="34" charset="0"/>
+              <a:cs typeface="Segoe UI" panose="020B0502040204020203" pitchFamily="34" charset="0"/>
+            </a:endParaRPr>
+          </a:p>
+          <a:p>
+            <a:r>
+              <a:rPr lang="en-US" dirty="0">
+                <a:latin typeface="Segoe UI" panose="020B0502040204020203" pitchFamily="34" charset="0"/>
+                <a:cs typeface="Segoe UI" panose="020B0502040204020203" pitchFamily="34" charset="0"/>
+              </a:rPr>
+              <a:t>Feel free to duplicate this slide by right-clicking on this slide in the slides pane to the left and select </a:t>
+            </a:r>
+            <a:r>
+              <a:rPr lang="en-US" b="1" dirty="0">
+                <a:latin typeface="Segoe UI" panose="020B0502040204020203" pitchFamily="34" charset="0"/>
+                <a:cs typeface="Segoe UI" panose="020B0502040204020203" pitchFamily="34" charset="0"/>
+              </a:rPr>
+              <a:t>Duplicate Slide</a:t>
+            </a:r>
+            <a:r>
+              <a:rPr lang="en-US" dirty="0">
+                <a:latin typeface="Segoe UI" panose="020B0502040204020203" pitchFamily="34" charset="0"/>
+                <a:cs typeface="Segoe UI" panose="020B0502040204020203" pitchFamily="34" charset="0"/>
+              </a:rPr>
+              <a:t>.</a:t>
+            </a:r>
+          </a:p>
+          <a:p>
+            <a:endParaRPr lang="en-US" dirty="0">
+              <a:latin typeface="Segoe UI" panose="020B0502040204020203" pitchFamily="34" charset="0"/>
+              <a:cs typeface="Segoe UI" panose="020B0502040204020203" pitchFamily="34" charset="0"/>
+            </a:endParaRPr>
+          </a:p>
+          <a:p>
+            <a:r>
+              <a:rPr lang="en-US" dirty="0">
+                <a:latin typeface="Segoe UI" panose="020B0502040204020203" pitchFamily="34" charset="0"/>
+                <a:cs typeface="Segoe UI" panose="020B0502040204020203" pitchFamily="34" charset="0"/>
+              </a:rPr>
+              <a:t>The next step in your presentation is to state your claim or topic clearly.  Your teacher may even call this your thesis.  As you state your thesis, you may find that this layout is not the best layout for your claim or topic.  You can change the layout by clicking the drop-down menu next to the </a:t>
+            </a:r>
+            <a:r>
+              <a:rPr lang="en-US" b="1" dirty="0">
+                <a:latin typeface="Segoe UI" panose="020B0502040204020203" pitchFamily="34" charset="0"/>
+                <a:cs typeface="Segoe UI" panose="020B0502040204020203" pitchFamily="34" charset="0"/>
+              </a:rPr>
+              <a:t>Layout</a:t>
+            </a:r>
+            <a:r>
+              <a:rPr lang="en-US" dirty="0">
+                <a:latin typeface="Segoe UI" panose="020B0502040204020203" pitchFamily="34" charset="0"/>
+                <a:cs typeface="Segoe UI" panose="020B0502040204020203" pitchFamily="34" charset="0"/>
+              </a:rPr>
+              <a:t> in the </a:t>
+            </a:r>
+            <a:r>
+              <a:rPr lang="en-US" b="1" dirty="0">
+                <a:latin typeface="Segoe UI" panose="020B0502040204020203" pitchFamily="34" charset="0"/>
+                <a:cs typeface="Segoe UI" panose="020B0502040204020203" pitchFamily="34" charset="0"/>
+              </a:rPr>
+              <a:t>Slides</a:t>
+            </a:r>
+            <a:r>
+              <a:rPr lang="en-US" dirty="0">
+                <a:latin typeface="Segoe UI" panose="020B0502040204020203" pitchFamily="34" charset="0"/>
+                <a:cs typeface="Segoe UI" panose="020B0502040204020203" pitchFamily="34" charset="0"/>
+              </a:rPr>
+              <a:t> menu section.  You can choose </a:t>
+            </a:r>
+            <a:r>
+              <a:rPr lang="en-US" b="1" dirty="0">
+                <a:latin typeface="Segoe UI" panose="020B0502040204020203" pitchFamily="34" charset="0"/>
+                <a:cs typeface="Segoe UI" panose="020B0502040204020203" pitchFamily="34" charset="0"/>
+              </a:rPr>
+              <a:t>Two Content</a:t>
+            </a:r>
+            <a:r>
+              <a:rPr lang="en-US" dirty="0">
+                <a:latin typeface="Segoe UI" panose="020B0502040204020203" pitchFamily="34" charset="0"/>
+                <a:cs typeface="Segoe UI" panose="020B0502040204020203" pitchFamily="34" charset="0"/>
+              </a:rPr>
+              <a:t>, </a:t>
+            </a:r>
+            <a:r>
+              <a:rPr lang="en-US" b="1" dirty="0">
+                <a:latin typeface="Segoe UI" panose="020B0502040204020203" pitchFamily="34" charset="0"/>
+                <a:cs typeface="Segoe UI" panose="020B0502040204020203" pitchFamily="34" charset="0"/>
+              </a:rPr>
+              <a:t>Comparison</a:t>
+            </a:r>
+            <a:r>
+              <a:rPr lang="en-US" dirty="0">
+                <a:latin typeface="Segoe UI" panose="020B0502040204020203" pitchFamily="34" charset="0"/>
+                <a:cs typeface="Segoe UI" panose="020B0502040204020203" pitchFamily="34" charset="0"/>
+              </a:rPr>
+              <a:t>, or </a:t>
+            </a:r>
+            <a:r>
+              <a:rPr lang="en-US" b="1" dirty="0">
+                <a:latin typeface="Segoe UI" panose="020B0502040204020203" pitchFamily="34" charset="0"/>
+                <a:cs typeface="Segoe UI" panose="020B0502040204020203" pitchFamily="34" charset="0"/>
+              </a:rPr>
+              <a:t>Picture with Caption</a:t>
+            </a:r>
+            <a:r>
+              <a:rPr lang="en-US" dirty="0">
+                <a:latin typeface="Segoe UI" panose="020B0502040204020203" pitchFamily="34" charset="0"/>
+                <a:cs typeface="Segoe UI" panose="020B0502040204020203" pitchFamily="34" charset="0"/>
+              </a:rPr>
+              <a:t>.  </a:t>
+            </a:r>
+            <a:r>
+              <a:rPr lang="en-US" i="1" dirty="0">
+                <a:latin typeface="Segoe UI" panose="020B0502040204020203" pitchFamily="34" charset="0"/>
+                <a:cs typeface="Segoe UI" panose="020B0502040204020203" pitchFamily="34" charset="0"/>
+              </a:rPr>
+              <a:t>Note: A different layout might change the look of the icons on this page.</a:t>
+            </a:r>
+          </a:p>
+          <a:p>
+            <a:endParaRPr lang="en-US" i="1" dirty="0">
+              <a:latin typeface="Segoe UI" panose="020B0502040204020203" pitchFamily="34" charset="0"/>
+              <a:cs typeface="Segoe UI" panose="020B0502040204020203" pitchFamily="34" charset="0"/>
+            </a:endParaRPr>
+          </a:p>
+          <a:p>
+            <a:r>
+              <a:rPr lang="en-US" i="0" dirty="0">
+                <a:latin typeface="Segoe UI" panose="020B0502040204020203" pitchFamily="34" charset="0"/>
+                <a:cs typeface="Segoe UI" panose="020B0502040204020203" pitchFamily="34" charset="0"/>
+              </a:rPr>
+              <a:t>You will also want to state your facts.  You have done the research now share some of the interesting facts with your audience.  Facts do not have to be boring; you can communicate facts in a variety of ways by going to the Insert Tab.  In the Insert tab you can: </a:t>
+            </a:r>
+          </a:p>
+          <a:p>
+            <a:pPr marL="171450" indent="-171450">
+              <a:buFont typeface="Arial" panose="020B0604020202020204" pitchFamily="34" charset="0"/>
+              <a:buChar char="•"/>
+            </a:pPr>
+            <a:r>
+              <a:rPr lang="en-US" i="0" dirty="0">
+                <a:latin typeface="Segoe UI" panose="020B0502040204020203" pitchFamily="34" charset="0"/>
+                <a:cs typeface="Segoe UI" panose="020B0502040204020203" pitchFamily="34" charset="0"/>
+              </a:rPr>
+              <a:t>Insert </a:t>
+            </a:r>
+            <a:r>
+              <a:rPr lang="en-US" b="1" i="0" dirty="0">
+                <a:latin typeface="Segoe UI" panose="020B0502040204020203" pitchFamily="34" charset="0"/>
+                <a:cs typeface="Segoe UI" panose="020B0502040204020203" pitchFamily="34" charset="0"/>
+              </a:rPr>
+              <a:t>pictures</a:t>
+            </a:r>
+            <a:r>
+              <a:rPr lang="en-US" i="0" dirty="0">
+                <a:latin typeface="Segoe UI" panose="020B0502040204020203" pitchFamily="34" charset="0"/>
+                <a:cs typeface="Segoe UI" panose="020B0502040204020203" pitchFamily="34" charset="0"/>
+              </a:rPr>
+              <a:t> from your computer or </a:t>
+            </a:r>
+            <a:r>
+              <a:rPr lang="en-US" b="1" i="0" dirty="0">
+                <a:latin typeface="Segoe UI" panose="020B0502040204020203" pitchFamily="34" charset="0"/>
+                <a:cs typeface="Segoe UI" panose="020B0502040204020203" pitchFamily="34" charset="0"/>
+              </a:rPr>
+              <a:t>online</a:t>
+            </a:r>
+            <a:r>
+              <a:rPr lang="en-US" i="0" dirty="0">
+                <a:latin typeface="Segoe UI" panose="020B0502040204020203" pitchFamily="34" charset="0"/>
+                <a:cs typeface="Segoe UI" panose="020B0502040204020203" pitchFamily="34" charset="0"/>
+              </a:rPr>
+              <a:t>.</a:t>
+            </a:r>
+          </a:p>
+          <a:p>
+            <a:pPr marL="171450" indent="-171450">
+              <a:buFont typeface="Arial" panose="020B0604020202020204" pitchFamily="34" charset="0"/>
+              <a:buChar char="•"/>
+            </a:pPr>
+            <a:r>
+              <a:rPr lang="en-US" i="0" dirty="0">
+                <a:latin typeface="Segoe UI" panose="020B0502040204020203" pitchFamily="34" charset="0"/>
+                <a:cs typeface="Segoe UI" panose="020B0502040204020203" pitchFamily="34" charset="0"/>
+              </a:rPr>
+              <a:t>Add a </a:t>
+            </a:r>
+            <a:r>
+              <a:rPr lang="en-US" b="1" i="0" dirty="0">
+                <a:latin typeface="Segoe UI" panose="020B0502040204020203" pitchFamily="34" charset="0"/>
+                <a:cs typeface="Segoe UI" panose="020B0502040204020203" pitchFamily="34" charset="0"/>
+              </a:rPr>
+              <a:t>chart </a:t>
+            </a:r>
+          </a:p>
+          <a:p>
+            <a:pPr marL="171450" indent="-171450">
+              <a:buFont typeface="Arial" panose="020B0604020202020204" pitchFamily="34" charset="0"/>
+              <a:buChar char="•"/>
+            </a:pPr>
+            <a:r>
+              <a:rPr lang="en-US" i="0" dirty="0">
+                <a:latin typeface="Segoe UI" panose="020B0502040204020203" pitchFamily="34" charset="0"/>
+                <a:cs typeface="Segoe UI" panose="020B0502040204020203" pitchFamily="34" charset="0"/>
+              </a:rPr>
+              <a:t>Create some </a:t>
+            </a:r>
+            <a:r>
+              <a:rPr lang="en-US" b="1" i="0" dirty="0">
+                <a:latin typeface="Segoe UI" panose="020B0502040204020203" pitchFamily="34" charset="0"/>
+                <a:cs typeface="Segoe UI" panose="020B0502040204020203" pitchFamily="34" charset="0"/>
+              </a:rPr>
+              <a:t>SmartArt</a:t>
+            </a:r>
+          </a:p>
+          <a:p>
+            <a:pPr marL="171450" indent="-171450">
+              <a:buFont typeface="Arial" panose="020B0604020202020204" pitchFamily="34" charset="0"/>
+              <a:buChar char="•"/>
+            </a:pPr>
+            <a:r>
+              <a:rPr lang="en-US" i="0" dirty="0">
+                <a:latin typeface="Segoe UI" panose="020B0502040204020203" pitchFamily="34" charset="0"/>
+                <a:cs typeface="Segoe UI" panose="020B0502040204020203" pitchFamily="34" charset="0"/>
+              </a:rPr>
+              <a:t>Insert a variety of icons to help your facts come to life.  Note: You can change the color of the icons by selecting the icon and then click on the </a:t>
+            </a:r>
+            <a:r>
+              <a:rPr lang="en-US" b="1" i="0" dirty="0">
+                <a:latin typeface="Segoe UI" panose="020B0502040204020203" pitchFamily="34" charset="0"/>
+                <a:cs typeface="Segoe UI" panose="020B0502040204020203" pitchFamily="34" charset="0"/>
+              </a:rPr>
+              <a:t>Format</a:t>
+            </a:r>
+            <a:r>
+              <a:rPr lang="en-US" i="0" dirty="0">
+                <a:latin typeface="Segoe UI" panose="020B0502040204020203" pitchFamily="34" charset="0"/>
+                <a:cs typeface="Segoe UI" panose="020B0502040204020203" pitchFamily="34" charset="0"/>
+              </a:rPr>
+              <a:t> tab and then </a:t>
+            </a:r>
+            <a:r>
+              <a:rPr lang="en-US" b="1" i="0" dirty="0">
+                <a:latin typeface="Segoe UI" panose="020B0502040204020203" pitchFamily="34" charset="0"/>
+                <a:cs typeface="Segoe UI" panose="020B0502040204020203" pitchFamily="34" charset="0"/>
+              </a:rPr>
+              <a:t>Graphics Fill</a:t>
+            </a:r>
+            <a:r>
+              <a:rPr lang="en-US" i="0" dirty="0">
+                <a:latin typeface="Segoe UI" panose="020B0502040204020203" pitchFamily="34" charset="0"/>
+                <a:cs typeface="Segoe UI" panose="020B0502040204020203" pitchFamily="34" charset="0"/>
+              </a:rPr>
+              <a:t>.  From there, you will choose a color from the list or choose </a:t>
+            </a:r>
+            <a:r>
+              <a:rPr lang="en-US" b="1" i="0" dirty="0">
+                <a:latin typeface="Segoe UI" panose="020B0502040204020203" pitchFamily="34" charset="0"/>
+                <a:cs typeface="Segoe UI" panose="020B0502040204020203" pitchFamily="34" charset="0"/>
+              </a:rPr>
+              <a:t>More Fill Colors </a:t>
+            </a:r>
+            <a:r>
+              <a:rPr lang="en-US" i="0" dirty="0">
+                <a:latin typeface="Segoe UI" panose="020B0502040204020203" pitchFamily="34" charset="0"/>
+                <a:cs typeface="Segoe UI" panose="020B0502040204020203" pitchFamily="34" charset="0"/>
+              </a:rPr>
+              <a:t>to give you more options.</a:t>
+            </a:r>
+          </a:p>
+          <a:p>
+            <a:endParaRPr lang="en-US" dirty="0">
+              <a:latin typeface="Segoe UI" panose="020B0502040204020203" pitchFamily="34" charset="0"/>
+              <a:cs typeface="Segoe UI" panose="020B0502040204020203" pitchFamily="34" charset="0"/>
+            </a:endParaRPr>
+          </a:p>
+          <a:p>
+            <a:r>
+              <a:rPr lang="en-US" dirty="0">
+                <a:latin typeface="Segoe UI" panose="020B0502040204020203" pitchFamily="34" charset="0"/>
+                <a:cs typeface="Segoe UI" panose="020B0502040204020203" pitchFamily="34" charset="0"/>
+              </a:rPr>
+              <a:t>Since this research presentation is a result of your hard work and searching, you want to make sure you support the claims or points in your presentation with facts from your research findings.  Make sure you give the author proper credit for helping you share your ideas.  If one of your sources has a video that is relevant to your topic, you can add the video as added support.  Keep in mind the length of the video and the amount of time you have for your presentation.  For a 5 minute speech, the video should be no longer than 30 seconds.  </a:t>
+            </a:r>
+          </a:p>
+          <a:p>
+            <a:endParaRPr lang="en-US" dirty="0">
+              <a:latin typeface="Segoe UI" panose="020B0502040204020203" pitchFamily="34" charset="0"/>
+              <a:cs typeface="Segoe UI" panose="020B0502040204020203" pitchFamily="34" charset="0"/>
+            </a:endParaRPr>
+          </a:p>
+          <a:p>
+            <a:r>
+              <a:rPr lang="en-US" b="1" i="1" dirty="0">
+                <a:latin typeface="Segoe UI" panose="020B0502040204020203" pitchFamily="34" charset="0"/>
+                <a:cs typeface="Segoe UI" panose="020B0502040204020203" pitchFamily="34" charset="0"/>
+              </a:rPr>
+              <a:t>Questions to consider: </a:t>
+            </a:r>
+          </a:p>
+          <a:p>
+            <a:pPr marL="228600" indent="-228600">
+              <a:buAutoNum type="arabicPeriod"/>
+            </a:pPr>
+            <a:r>
+              <a:rPr lang="en-US" dirty="0">
+                <a:latin typeface="Segoe UI" panose="020B0502040204020203" pitchFamily="34" charset="0"/>
+                <a:cs typeface="Segoe UI" panose="020B0502040204020203" pitchFamily="34" charset="0"/>
+              </a:rPr>
+              <a:t>How will you state the author of the source?</a:t>
+            </a:r>
+          </a:p>
+          <a:p>
+            <a:pPr marL="228600" indent="-228600">
+              <a:buAutoNum type="arabicPeriod"/>
+            </a:pPr>
+            <a:r>
+              <a:rPr lang="en-US" dirty="0">
+                <a:latin typeface="Segoe UI" panose="020B0502040204020203" pitchFamily="34" charset="0"/>
+                <a:cs typeface="Segoe UI" panose="020B0502040204020203" pitchFamily="34" charset="0"/>
+              </a:rPr>
+              <a:t>Will you need to cite the source on the slide?</a:t>
+            </a:r>
+          </a:p>
+          <a:p>
+            <a:pPr marL="0" marR="0" lvl="0" indent="0" algn="l" defTabSz="914400" rtl="0" eaLnBrk="1" fontAlgn="auto" latinLnBrk="0" hangingPunct="1">
+              <a:lnSpc>
+                <a:spcPct val="100000"/>
+              </a:lnSpc>
+              <a:spcBef>
+                <a:spcPts val="0"/>
+              </a:spcBef>
+              <a:spcAft>
+                <a:spcPts val="0"/>
+              </a:spcAft>
+              <a:buClrTx/>
+              <a:buSzTx/>
+              <a:buFontTx/>
+              <a:buNone/>
+              <a:tabLst/>
+              <a:defRPr/>
+            </a:pPr>
+            <a:endParaRPr lang="en-US" dirty="0">
+              <a:latin typeface="Segoe UI" panose="020B0502040204020203" pitchFamily="34" charset="0"/>
+              <a:cs typeface="Segoe UI" panose="020B0502040204020203" pitchFamily="34" charset="0"/>
+            </a:endParaRPr>
+          </a:p>
+          <a:p>
+            <a:pPr marL="0" marR="0" lvl="0" indent="0" algn="l" defTabSz="914400" rtl="0" eaLnBrk="1" fontAlgn="auto" latinLnBrk="0" hangingPunct="1">
+              <a:lnSpc>
+                <a:spcPct val="100000"/>
+              </a:lnSpc>
+              <a:spcBef>
+                <a:spcPts val="0"/>
+              </a:spcBef>
+              <a:spcAft>
+                <a:spcPts val="0"/>
+              </a:spcAft>
+              <a:buClrTx/>
+              <a:buSzTx/>
+              <a:buFontTx/>
+              <a:buNone/>
+              <a:tabLst/>
+              <a:defRPr/>
+            </a:pPr>
+            <a:r>
+              <a:rPr lang="en-US" dirty="0">
+                <a:latin typeface="Segoe UI" panose="020B0502040204020203" pitchFamily="34" charset="0"/>
+                <a:cs typeface="Segoe UI" panose="020B0502040204020203" pitchFamily="34" charset="0"/>
+              </a:rPr>
+              <a:t>What are some ways you can engage your audience so they feel like they are a part of the presentation?  Some ideas to consider is by taking a quick poll like: by a show of hands, how many of you think school uniforms are a way to cut down on bullying?  Another suggestion is to have them hold up a certain number of fingers to see if they agree or disagree.  Finally, you can share a story that the audience can relate to that makes them laugh.</a:t>
+            </a:r>
+          </a:p>
+          <a:p>
+            <a:endParaRPr lang="en-US" dirty="0">
+              <a:latin typeface="Segoe UI" panose="020B0502040204020203" pitchFamily="34" charset="0"/>
+              <a:cs typeface="Segoe UI" panose="020B0502040204020203" pitchFamily="34" charset="0"/>
+            </a:endParaRPr>
+          </a:p>
+          <a:p>
+            <a:r>
+              <a:rPr lang="en-US" dirty="0">
+                <a:latin typeface="Segoe UI" panose="020B0502040204020203" pitchFamily="34" charset="0"/>
+                <a:cs typeface="Segoe UI" panose="020B0502040204020203" pitchFamily="34" charset="0"/>
+              </a:rPr>
+              <a:t>After all the applause, your audience may have some questions.  Be prepared to answer some of their questions by making a list of questions you think they might ask. You may also want to share the presentation with them by providing the link to your presentation, if they want more information.</a:t>
+            </a:r>
+          </a:p>
+        </p:txBody>
+      </p:sp>
+      <p:sp>
+        <p:nvSpPr>
+          <p:cNvPr id="4" name="Slide Number Placeholder 3"/>
+          <p:cNvSpPr>
+            <a:spLocks noGrp="1"/>
+          </p:cNvSpPr>
+          <p:nvPr>
+            <p:ph type="sldNum" sz="quarter" idx="10"/>
+          </p:nvPr>
+        </p:nvSpPr>
+        <p:spPr/>
+        <p:txBody>
+          <a:bodyPr/>
+          <a:lstStyle/>
+          <a:p>
+            <a:fld id="{BC849E9A-41F7-4779-A581-48A7C374A227}" type="slidenum">
+              <a:rPr lang="en-US" smtClean="0"/>
+              <a:t>14</a:t>
+            </a:fld>
+            <a:endParaRPr lang="en-US" dirty="0"/>
+          </a:p>
+        </p:txBody>
+      </p:sp>
+    </p:spTree>
+    <p:extLst>
+      <p:ext uri="{BB962C8B-B14F-4D97-AF65-F5344CB8AC3E}">
+        <p14:creationId xmlns:p14="http://schemas.microsoft.com/office/powerpoint/2010/main" val="1335805615"/>
+      </p:ext>
+    </p:extLst>
+  </p:cSld>
+  <p:clrMapOvr>
+    <a:masterClrMapping/>
+  </p:clrMapOvr>
+</p:notes>
+</file>
+
+<file path=ppt/notesSlides/notesSlide15.xml><?xml version="1.0" encoding="utf-8"?>
+<p:notes xmlns:a="http://schemas.openxmlformats.org/drawingml/2006/main" xmlns:r="http://schemas.openxmlformats.org/officeDocument/2006/relationships" xmlns:p="http://schemas.openxmlformats.org/presentationml/2006/main">
+  <p:cSld>
+    <p:spTree>
+      <p:nvGrpSpPr>
+        <p:cNvPr id="1" name=""/>
+        <p:cNvGrpSpPr/>
+        <p:nvPr/>
+      </p:nvGrpSpPr>
+      <p:grpSpPr>
+        <a:xfrm>
+          <a:off x="0" y="0"/>
+          <a:ext cx="0" cy="0"/>
+          <a:chOff x="0" y="0"/>
+          <a:chExt cx="0" cy="0"/>
+        </a:xfrm>
+      </p:grpSpPr>
+      <p:sp>
+        <p:nvSpPr>
+          <p:cNvPr id="2" name="Slide Image Placeholder 1"/>
+          <p:cNvSpPr>
+            <a:spLocks noGrp="1" noRot="1" noChangeAspect="1"/>
+          </p:cNvSpPr>
+          <p:nvPr>
+            <p:ph type="sldImg"/>
+          </p:nvPr>
+        </p:nvSpPr>
+        <p:spPr/>
+      </p:sp>
+      <p:sp>
+        <p:nvSpPr>
+          <p:cNvPr id="3" name="Notes Placeholder 2"/>
+          <p:cNvSpPr>
+            <a:spLocks noGrp="1"/>
+          </p:cNvSpPr>
+          <p:nvPr>
+            <p:ph type="body" idx="1"/>
+          </p:nvPr>
+        </p:nvSpPr>
+        <p:spPr/>
+        <p:txBody>
+          <a:bodyPr/>
+          <a:lstStyle/>
+          <a:p>
+            <a:r>
               <a:rPr lang="en-US" dirty="0">
                 <a:latin typeface="Segoe UI" panose="020B0502040204020203" pitchFamily="34" charset="0"/>
                 <a:cs typeface="Segoe UI" panose="020B0502040204020203" pitchFamily="34" charset="0"/>
@@ -1714,7 +2427,7 @@
           <a:p>
             <a:fld id="{BC849E9A-41F7-4779-A581-48A7C374A227}" type="slidenum">
               <a:rPr lang="en-US" smtClean="0"/>
-              <a:t>11</a:t>
+              <a:t>15</a:t>
             </a:fld>
             <a:endParaRPr lang="en-US" dirty="0"/>
           </a:p>
@@ -2029,7 +2742,36 @@
           <a:bodyPr/>
           <a:lstStyle/>
           <a:p>
+            <a:r>
+              <a:rPr lang="en-US" dirty="0"/>
+              <a:t>Let’s talk about the paper’s contribution. We know that L1-norm provides more robustness to outliers and noise, but how? We can use Bhattacharyya’s error bound, a measure of how similar two distributions are. The two distributions we compare are the data and its dimensionally-reduced projection. Minimizing this error is essential in getting accurate reductions. Thankfully, the authors proved that it’s a close bound to Bayes’ irreducible error.</a:t>
+            </a:r>
+          </a:p>
+          <a:p>
             <a:endParaRPr lang="en-US" dirty="0"/>
+          </a:p>
+          <a:p>
+            <a:r>
+              <a:rPr lang="en-US" dirty="0"/>
+              <a:t>For dimensional reduction to happen, we need a way to get the most important features. Typically, you would use </a:t>
+            </a:r>
+            <a:r>
+              <a:rPr lang="en-US" dirty="0" err="1"/>
+              <a:t>eigendecomposition</a:t>
+            </a:r>
+            <a:r>
+              <a:rPr lang="en-US" dirty="0"/>
+              <a:t>, but we use an Alternating Direction Method of Multipliers instead for L1-norm. Not only can it work with the nonconvex nature of LDA, it also doesn’t have the same restriction where the number of features must be one less than the number of classes.</a:t>
+            </a:r>
+          </a:p>
+          <a:p>
+            <a:endParaRPr lang="en-US" dirty="0"/>
+          </a:p>
+          <a:p>
+            <a:r>
+              <a:rPr lang="en-US" dirty="0"/>
+              <a:t>A variant of RLDA, Sparse RLDA, can work with fewer observations and extract more features.</a:t>
+            </a:r>
           </a:p>
         </p:txBody>
       </p:sp>
@@ -2059,7 +2801,7 @@
     </p:spTree>
     <p:extLst>
       <p:ext uri="{BB962C8B-B14F-4D97-AF65-F5344CB8AC3E}">
-        <p14:creationId xmlns:p14="http://schemas.microsoft.com/office/powerpoint/2010/main" val="3871000656"/>
+        <p14:creationId xmlns:p14="http://schemas.microsoft.com/office/powerpoint/2010/main" val="2575915396"/>
       </p:ext>
     </p:extLst>
   </p:cSld>
@@ -2114,76 +2856,25 @@
           <a:lstStyle/>
           <a:p>
             <a:r>
-              <a:rPr lang="en-US" dirty="0">
-                <a:latin typeface="Segoe UI" panose="020B0502040204020203" pitchFamily="34" charset="0"/>
-                <a:cs typeface="Segoe UI" panose="020B0502040204020203" pitchFamily="34" charset="0"/>
-              </a:rPr>
-              <a:t>When conducting research, it is easy to go to one source: Wikipedia.  However, you need to include a variety of sources in your research. Consider the following sources: </a:t>
-            </a:r>
-          </a:p>
-          <a:p>
-            <a:pPr marL="171450" indent="-171450">
-              <a:buFont typeface="Arial" panose="020B0604020202020204" pitchFamily="34" charset="0"/>
-              <a:buChar char="•"/>
-            </a:pPr>
-            <a:r>
-              <a:rPr lang="en-US" dirty="0">
-                <a:latin typeface="Segoe UI" panose="020B0502040204020203" pitchFamily="34" charset="0"/>
-                <a:cs typeface="Segoe UI" panose="020B0502040204020203" pitchFamily="34" charset="0"/>
-              </a:rPr>
-              <a:t>Who can I interview to get more information on the topic?</a:t>
-            </a:r>
-          </a:p>
-          <a:p>
-            <a:pPr marL="171450" indent="-171450">
-              <a:buFont typeface="Arial" panose="020B0604020202020204" pitchFamily="34" charset="0"/>
-              <a:buChar char="•"/>
-            </a:pPr>
-            <a:r>
-              <a:rPr lang="en-US" dirty="0">
-                <a:latin typeface="Segoe UI" panose="020B0502040204020203" pitchFamily="34" charset="0"/>
-                <a:cs typeface="Segoe UI" panose="020B0502040204020203" pitchFamily="34" charset="0"/>
-              </a:rPr>
-              <a:t>Is the topic current and will it be relevant to my audience?</a:t>
-            </a:r>
-          </a:p>
-          <a:p>
-            <a:pPr marL="171450" indent="-171450">
-              <a:buFont typeface="Arial" panose="020B0604020202020204" pitchFamily="34" charset="0"/>
-              <a:buChar char="•"/>
-            </a:pPr>
-            <a:r>
-              <a:rPr lang="en-US" dirty="0">
-                <a:latin typeface="Segoe UI" panose="020B0502040204020203" pitchFamily="34" charset="0"/>
-                <a:cs typeface="Segoe UI" panose="020B0502040204020203" pitchFamily="34" charset="0"/>
-              </a:rPr>
-              <a:t>What articles, blogs, and magazines may have something related to my topic?</a:t>
-            </a:r>
-          </a:p>
-          <a:p>
-            <a:pPr marL="171450" indent="-171450">
-              <a:buFont typeface="Arial" panose="020B0604020202020204" pitchFamily="34" charset="0"/>
-              <a:buChar char="•"/>
-            </a:pPr>
-            <a:r>
-              <a:rPr lang="en-US" dirty="0">
-                <a:latin typeface="Segoe UI" panose="020B0502040204020203" pitchFamily="34" charset="0"/>
-                <a:cs typeface="Segoe UI" panose="020B0502040204020203" pitchFamily="34" charset="0"/>
-              </a:rPr>
-              <a:t>Is there a YouTube video on the topic? If so, what is it about?</a:t>
-            </a:r>
-          </a:p>
-          <a:p>
-            <a:pPr marL="171450" indent="-171450">
-              <a:buFont typeface="Arial" panose="020B0604020202020204" pitchFamily="34" charset="0"/>
-              <a:buChar char="•"/>
-            </a:pPr>
-            <a:r>
-              <a:rPr lang="en-US" dirty="0">
-                <a:latin typeface="Segoe UI" panose="020B0502040204020203" pitchFamily="34" charset="0"/>
-                <a:cs typeface="Segoe UI" panose="020B0502040204020203" pitchFamily="34" charset="0"/>
-              </a:rPr>
-              <a:t>What images can I find related to the topic?</a:t>
+              <a:rPr lang="en-US" dirty="0"/>
+              <a:t>Alternating Direction Method of Multipliers is unique in how it optimizes. Instead of minimizing any generic function with one variable, it minimizes the sum of two functions with different variables.</a:t>
+            </a:r>
+          </a:p>
+          <a:p>
+            <a:endParaRPr lang="en-US" dirty="0"/>
+          </a:p>
+          <a:p>
+            <a:r>
+              <a:rPr lang="en-US" dirty="0"/>
+              <a:t>If we add a penalty to the sum, then we create an augmented </a:t>
+            </a:r>
+            <a:r>
+              <a:rPr lang="en-US" dirty="0" err="1"/>
+              <a:t>Lagrangian</a:t>
+            </a:r>
+            <a:r>
+              <a:rPr lang="en-US" dirty="0"/>
+              <a:t>. This helps us because other researchers found an efficient way to minimize both variables at the same time within one iteration. Finding the arguments of the minima for both variables can also be done in parallel, speeding up computation.</a:t>
             </a:r>
           </a:p>
         </p:txBody>
@@ -2214,7 +2905,7 @@
     </p:spTree>
     <p:extLst>
       <p:ext uri="{BB962C8B-B14F-4D97-AF65-F5344CB8AC3E}">
-        <p14:creationId xmlns:p14="http://schemas.microsoft.com/office/powerpoint/2010/main" val="2295961475"/>
+        <p14:creationId xmlns:p14="http://schemas.microsoft.com/office/powerpoint/2010/main" val="3191205523"/>
       </p:ext>
     </p:extLst>
   </p:cSld>
@@ -2269,177 +2960,31 @@
           <a:lstStyle/>
           <a:p>
             <a:r>
-              <a:rPr lang="en-US" i="0" dirty="0">
-                <a:latin typeface="Segoe UI" panose="020B0502040204020203" pitchFamily="34" charset="0"/>
-                <a:cs typeface="Segoe UI" panose="020B0502040204020203" pitchFamily="34" charset="0"/>
-              </a:rPr>
-              <a:t>Once you find your sources, you will want to evaluate your sources using the following questions: </a:t>
-            </a:r>
-          </a:p>
-          <a:p>
-            <a:endParaRPr lang="en-US" i="0" dirty="0">
-              <a:latin typeface="Segoe UI" panose="020B0502040204020203" pitchFamily="34" charset="0"/>
-              <a:cs typeface="Segoe UI" panose="020B0502040204020203" pitchFamily="34" charset="0"/>
-            </a:endParaRPr>
-          </a:p>
-          <a:p>
-            <a:r>
-              <a:rPr lang="en-US" b="1" i="0" dirty="0">
-                <a:latin typeface="Segoe UI" panose="020B0502040204020203" pitchFamily="34" charset="0"/>
-                <a:cs typeface="Segoe UI" panose="020B0502040204020203" pitchFamily="34" charset="0"/>
-              </a:rPr>
-              <a:t>Author: </a:t>
-            </a:r>
-          </a:p>
-          <a:p>
-            <a:pPr marL="171450" indent="-171450">
-              <a:buFont typeface="Arial" panose="020B0604020202020204" pitchFamily="34" charset="0"/>
-              <a:buChar char="•"/>
-            </a:pPr>
-            <a:r>
-              <a:rPr lang="en-US" i="0" dirty="0">
-                <a:latin typeface="Segoe UI" panose="020B0502040204020203" pitchFamily="34" charset="0"/>
-                <a:cs typeface="Segoe UI" panose="020B0502040204020203" pitchFamily="34" charset="0"/>
-              </a:rPr>
-              <a:t>Who is the author?</a:t>
-            </a:r>
-          </a:p>
-          <a:p>
-            <a:pPr marL="171450" indent="-171450">
-              <a:buFont typeface="Arial" panose="020B0604020202020204" pitchFamily="34" charset="0"/>
-              <a:buChar char="•"/>
-            </a:pPr>
-            <a:r>
-              <a:rPr lang="en-US" i="0" dirty="0">
-                <a:latin typeface="Segoe UI" panose="020B0502040204020203" pitchFamily="34" charset="0"/>
-                <a:cs typeface="Segoe UI" panose="020B0502040204020203" pitchFamily="34" charset="0"/>
-              </a:rPr>
-              <a:t>Why should I believe what he or she has to say on the topic?</a:t>
-            </a:r>
-          </a:p>
-          <a:p>
-            <a:pPr marL="171450" indent="-171450">
-              <a:buFont typeface="Arial" panose="020B0604020202020204" pitchFamily="34" charset="0"/>
-              <a:buChar char="•"/>
-            </a:pPr>
-            <a:r>
-              <a:rPr lang="en-US" i="0" dirty="0">
-                <a:latin typeface="Segoe UI" panose="020B0502040204020203" pitchFamily="34" charset="0"/>
-                <a:cs typeface="Segoe UI" panose="020B0502040204020203" pitchFamily="34" charset="0"/>
-              </a:rPr>
-              <a:t>Is the author seen as an expert on the topic? How do you know?</a:t>
-            </a:r>
-          </a:p>
-          <a:p>
-            <a:pPr marL="171450" indent="-171450">
-              <a:buFont typeface="Arial" panose="020B0604020202020204" pitchFamily="34" charset="0"/>
-              <a:buChar char="•"/>
-            </a:pPr>
-            <a:endParaRPr lang="en-US" i="0" dirty="0">
-              <a:latin typeface="Segoe UI" panose="020B0502040204020203" pitchFamily="34" charset="0"/>
-              <a:cs typeface="Segoe UI" panose="020B0502040204020203" pitchFamily="34" charset="0"/>
-            </a:endParaRPr>
-          </a:p>
-          <a:p>
-            <a:pPr marL="0" indent="0">
-              <a:buFont typeface="Arial" panose="020B0604020202020204" pitchFamily="34" charset="0"/>
-              <a:buNone/>
-            </a:pPr>
-            <a:r>
-              <a:rPr lang="en-US" b="1" i="0" dirty="0">
-                <a:latin typeface="Segoe UI" panose="020B0502040204020203" pitchFamily="34" charset="0"/>
-                <a:cs typeface="Segoe UI" panose="020B0502040204020203" pitchFamily="34" charset="0"/>
-              </a:rPr>
-              <a:t>Current: </a:t>
-            </a:r>
-          </a:p>
-          <a:p>
-            <a:pPr marL="171450" indent="-171450">
-              <a:buFont typeface="Arial" panose="020B0604020202020204" pitchFamily="34" charset="0"/>
-              <a:buChar char="•"/>
-            </a:pPr>
-            <a:r>
-              <a:rPr lang="en-US" i="0" dirty="0">
-                <a:latin typeface="Segoe UI" panose="020B0502040204020203" pitchFamily="34" charset="0"/>
-                <a:cs typeface="Segoe UI" panose="020B0502040204020203" pitchFamily="34" charset="0"/>
-              </a:rPr>
-              <a:t>How current is the information in the source?</a:t>
-            </a:r>
-          </a:p>
-          <a:p>
-            <a:pPr marL="171450" indent="-171450">
-              <a:buFont typeface="Arial" panose="020B0604020202020204" pitchFamily="34" charset="0"/>
-              <a:buChar char="•"/>
-            </a:pPr>
-            <a:r>
-              <a:rPr lang="en-US" i="0" dirty="0">
-                <a:latin typeface="Segoe UI" panose="020B0502040204020203" pitchFamily="34" charset="0"/>
-                <a:cs typeface="Segoe UI" panose="020B0502040204020203" pitchFamily="34" charset="0"/>
-              </a:rPr>
-              <a:t>When was the source published?</a:t>
-            </a:r>
-          </a:p>
-          <a:p>
-            <a:pPr marL="171450" indent="-171450">
-              <a:buFont typeface="Arial" panose="020B0604020202020204" pitchFamily="34" charset="0"/>
-              <a:buChar char="•"/>
-            </a:pPr>
-            <a:r>
-              <a:rPr lang="en-US" i="0" dirty="0">
-                <a:latin typeface="Segoe UI" panose="020B0502040204020203" pitchFamily="34" charset="0"/>
-                <a:cs typeface="Segoe UI" panose="020B0502040204020203" pitchFamily="34" charset="0"/>
-              </a:rPr>
-              <a:t>Is the information out-of-date?</a:t>
-            </a:r>
-          </a:p>
-          <a:p>
-            <a:pPr marL="171450" indent="-171450">
-              <a:buFont typeface="Arial" panose="020B0604020202020204" pitchFamily="34" charset="0"/>
-              <a:buChar char="•"/>
-            </a:pPr>
-            <a:endParaRPr lang="en-US" b="1" i="0" dirty="0">
-              <a:latin typeface="Segoe UI" panose="020B0502040204020203" pitchFamily="34" charset="0"/>
-              <a:cs typeface="Segoe UI" panose="020B0502040204020203" pitchFamily="34" charset="0"/>
-            </a:endParaRPr>
-          </a:p>
-          <a:p>
-            <a:pPr marL="0" indent="0">
-              <a:buFont typeface="Arial" panose="020B0604020202020204" pitchFamily="34" charset="0"/>
-              <a:buNone/>
-            </a:pPr>
-            <a:r>
-              <a:rPr lang="en-US" b="1" i="0" dirty="0">
-                <a:latin typeface="Segoe UI" panose="020B0502040204020203" pitchFamily="34" charset="0"/>
-                <a:cs typeface="Segoe UI" panose="020B0502040204020203" pitchFamily="34" charset="0"/>
-              </a:rPr>
-              <a:t>Accuracy: </a:t>
-            </a:r>
-          </a:p>
-          <a:p>
-            <a:pPr marL="171450" indent="-171450">
-              <a:buFont typeface="Arial" panose="020B0604020202020204" pitchFamily="34" charset="0"/>
-              <a:buChar char="•"/>
-            </a:pPr>
-            <a:r>
-              <a:rPr lang="en-US" i="0" dirty="0">
-                <a:latin typeface="Segoe UI" panose="020B0502040204020203" pitchFamily="34" charset="0"/>
-                <a:cs typeface="Segoe UI" panose="020B0502040204020203" pitchFamily="34" charset="0"/>
-              </a:rPr>
-              <a:t>Is the content accurate?</a:t>
-            </a:r>
-          </a:p>
-          <a:p>
-            <a:pPr marL="171450" indent="-171450">
-              <a:buFont typeface="Arial" panose="020B0604020202020204" pitchFamily="34" charset="0"/>
-              <a:buChar char="•"/>
-            </a:pPr>
-            <a:r>
-              <a:rPr lang="en-US" i="0" dirty="0">
-                <a:latin typeface="Segoe UI" panose="020B0502040204020203" pitchFamily="34" charset="0"/>
-                <a:cs typeface="Segoe UI" panose="020B0502040204020203" pitchFamily="34" charset="0"/>
-              </a:rPr>
-              <a:t>Is the information presented objectively?  Do they share the pros and cons?</a:t>
-            </a:r>
+              <a:rPr lang="en-US" dirty="0"/>
+              <a:t>In order to test whether their Robust LDA has real improvement, the authors decided to test it against both artificial and real datasets. Here, they compare it against PCA, Principal Component Analysis, PCA with L1-norm, LDA, </a:t>
+            </a:r>
+            <a:r>
+              <a:rPr lang="en-US" dirty="0" err="1"/>
+              <a:t>regularlized</a:t>
+            </a:r>
+            <a:r>
+              <a:rPr lang="en-US" dirty="0"/>
+              <a:t> LDA, LDA with L1-norm, and other methods.</a:t>
+            </a:r>
+          </a:p>
+          <a:p>
+            <a:endParaRPr lang="en-US" dirty="0"/>
+          </a:p>
+          <a:p>
+            <a:r>
+              <a:rPr lang="en-US" dirty="0"/>
+              <a:t>For their datasets, they created two datasets with 2 dimensions, with both dimensions being normally distributed with different parameters. Each dataset has 50 samples, but one dataset has one outlier and the other has two outliers. For the real dataset, they used the images of Indian female faces, with each image being 32x32 pixels and 8-bit grayscale. To test robustness, they add normally distributed noise to </a:t>
+            </a:r>
+            <a:r>
+              <a:rPr lang="en-US"/>
+              <a:t>each image.</a:t>
+            </a:r>
+            <a:endParaRPr lang="en-US" dirty="0"/>
           </a:p>
         </p:txBody>
       </p:sp>
@@ -2469,7 +3014,7 @@
     </p:spTree>
     <p:extLst>
       <p:ext uri="{BB962C8B-B14F-4D97-AF65-F5344CB8AC3E}">
-        <p14:creationId xmlns:p14="http://schemas.microsoft.com/office/powerpoint/2010/main" val="898123727"/>
+        <p14:creationId xmlns:p14="http://schemas.microsoft.com/office/powerpoint/2010/main" val="2328223179"/>
       </p:ext>
     </p:extLst>
   </p:cSld>
@@ -2523,61 +3068,31 @@
           <a:bodyPr/>
           <a:lstStyle/>
           <a:p>
-            <a:pPr marL="0" indent="0">
-              <a:buNone/>
-            </a:pPr>
-            <a:r>
-              <a:rPr lang="en-US" dirty="0">
-                <a:latin typeface="Segoe UI" panose="020B0502040204020203" pitchFamily="34" charset="0"/>
-                <a:cs typeface="Segoe UI" panose="020B0502040204020203" pitchFamily="34" charset="0"/>
-              </a:rPr>
-              <a:t>After consulting a variety of sources, you will need to narrow your topic.  For example, the topic of internet safety is huge, but you could narrow that topic to include internet safety in regards to social media apps that teenagers are using heavily.  A topic like that is more specific and will be relevant to your peers.  Some questions to think about to help you narrow your topic: </a:t>
-            </a:r>
-          </a:p>
-          <a:p>
-            <a:pPr marL="171450" indent="-171450">
-              <a:buFont typeface="Arial" panose="020B0604020202020204" pitchFamily="34" charset="0"/>
-              <a:buChar char="•"/>
-            </a:pPr>
-            <a:r>
-              <a:rPr lang="en-US" dirty="0">
-                <a:latin typeface="Segoe UI" panose="020B0502040204020203" pitchFamily="34" charset="0"/>
-                <a:cs typeface="Segoe UI" panose="020B0502040204020203" pitchFamily="34" charset="0"/>
-              </a:rPr>
-              <a:t>What topics of the research interest me the most?</a:t>
-            </a:r>
-          </a:p>
-          <a:p>
-            <a:pPr marL="171450" indent="-171450">
-              <a:buFont typeface="Arial" panose="020B0604020202020204" pitchFamily="34" charset="0"/>
-              <a:buChar char="•"/>
-            </a:pPr>
-            <a:r>
-              <a:rPr lang="en-US" dirty="0">
-                <a:latin typeface="Segoe UI" panose="020B0502040204020203" pitchFamily="34" charset="0"/>
-                <a:cs typeface="Segoe UI" panose="020B0502040204020203" pitchFamily="34" charset="0"/>
-              </a:rPr>
-              <a:t>What topics of the research will interest my audience the most?</a:t>
-            </a:r>
-          </a:p>
-          <a:p>
-            <a:pPr marL="171450" indent="-171450">
-              <a:buFont typeface="Arial" panose="020B0604020202020204" pitchFamily="34" charset="0"/>
-              <a:buChar char="•"/>
-            </a:pPr>
-            <a:r>
-              <a:rPr lang="en-US" dirty="0">
-                <a:latin typeface="Segoe UI" panose="020B0502040204020203" pitchFamily="34" charset="0"/>
-                <a:cs typeface="Segoe UI" panose="020B0502040204020203" pitchFamily="34" charset="0"/>
-              </a:rPr>
-              <a:t>What topics will the audience find more engaging? Shocking? Inspiring?</a:t>
-            </a:r>
-          </a:p>
-          <a:p>
-            <a:pPr marL="0" indent="0">
-              <a:buFont typeface="Arial" panose="020B0604020202020204" pitchFamily="34" charset="0"/>
-              <a:buNone/>
-            </a:pPr>
+            <a:r>
+              <a:rPr lang="en-US" dirty="0"/>
+              <a:t>In order to test whether their Robust LDA has real improvement, the authors decided to test it against both artificial and real datasets. Here, they compare it against PCA, Principal Component Analysis, PCA with L1-norm, LDA, </a:t>
+            </a:r>
+            <a:r>
+              <a:rPr lang="en-US" dirty="0" err="1"/>
+              <a:t>regularlized</a:t>
+            </a:r>
+            <a:r>
+              <a:rPr lang="en-US" dirty="0"/>
+              <a:t> LDA, LDA with L1-norm, and other methods.</a:t>
+            </a:r>
+          </a:p>
+          <a:p>
+            <a:endParaRPr lang="en-US" dirty="0"/>
+          </a:p>
+          <a:p>
+            <a:r>
+              <a:rPr lang="en-US" dirty="0"/>
+              <a:t>For their datasets, they created two datasets with 2 dimensions, with both dimensions being normally distributed with different parameters. Each dataset has 50 samples, but one dataset has one outlier and the other has two outliers. For the real dataset, they used the images of Indian female faces, with each image being 32x32 pixels and 8-bit grayscale. To test robustness, they add normally distributed noise to </a:t>
+            </a:r>
+            <a:r>
+              <a:rPr lang="en-US"/>
+              <a:t>each image.</a:t>
+            </a:r>
             <a:endParaRPr lang="en-US" dirty="0"/>
           </a:p>
         </p:txBody>
@@ -2608,7 +3123,7 @@
     </p:spTree>
     <p:extLst>
       <p:ext uri="{BB962C8B-B14F-4D97-AF65-F5344CB8AC3E}">
-        <p14:creationId xmlns:p14="http://schemas.microsoft.com/office/powerpoint/2010/main" val="4224310962"/>
+        <p14:creationId xmlns:p14="http://schemas.microsoft.com/office/powerpoint/2010/main" val="349205559"/>
       </p:ext>
     </p:extLst>
   </p:cSld>
@@ -2662,93 +3177,7 @@
           <a:bodyPr/>
           <a:lstStyle/>
           <a:p>
-            <a:r>
-              <a:rPr lang="en-US" dirty="0">
-                <a:latin typeface="Segoe UI" panose="020B0502040204020203" pitchFamily="34" charset="0"/>
-                <a:cs typeface="Segoe UI" panose="020B0502040204020203" pitchFamily="34" charset="0"/>
-              </a:rPr>
-              <a:t>Now, that you have narrowed your topic, you will want to organize your research in a structure that works.  There are some common organizational patterns based on the kind of research you are doing.  </a:t>
-            </a:r>
-          </a:p>
-          <a:p>
-            <a:endParaRPr lang="en-US" dirty="0">
-              <a:latin typeface="Segoe UI" panose="020B0502040204020203" pitchFamily="34" charset="0"/>
-              <a:cs typeface="Segoe UI" panose="020B0502040204020203" pitchFamily="34" charset="0"/>
-            </a:endParaRPr>
-          </a:p>
-          <a:p>
-            <a:r>
-              <a:rPr lang="en-US" b="1" dirty="0">
-                <a:latin typeface="Segoe UI" panose="020B0502040204020203" pitchFamily="34" charset="0"/>
-                <a:cs typeface="Segoe UI" panose="020B0502040204020203" pitchFamily="34" charset="0"/>
-              </a:rPr>
-              <a:t>Organizational Structures: </a:t>
-            </a:r>
-          </a:p>
-          <a:p>
-            <a:pPr marL="171450" indent="-171450">
-              <a:buFont typeface="Arial" panose="020B0604020202020204" pitchFamily="34" charset="0"/>
-              <a:buChar char="•"/>
-            </a:pPr>
-            <a:r>
-              <a:rPr lang="en-US" dirty="0">
-                <a:latin typeface="Segoe UI" panose="020B0502040204020203" pitchFamily="34" charset="0"/>
-                <a:cs typeface="Segoe UI" panose="020B0502040204020203" pitchFamily="34" charset="0"/>
-              </a:rPr>
-              <a:t>Cause and Effect- this kind of structure is great for explaining the causes and effects of a topic</a:t>
-            </a:r>
-          </a:p>
-          <a:p>
-            <a:pPr marL="171450" indent="-171450">
-              <a:buFont typeface="Arial" panose="020B0604020202020204" pitchFamily="34" charset="0"/>
-              <a:buChar char="•"/>
-            </a:pPr>
-            <a:r>
-              <a:rPr lang="en-US" dirty="0">
-                <a:latin typeface="Segoe UI" panose="020B0502040204020203" pitchFamily="34" charset="0"/>
-                <a:cs typeface="Segoe UI" panose="020B0502040204020203" pitchFamily="34" charset="0"/>
-              </a:rPr>
-              <a:t>Compare and Contrast- in this pattern you highlight the similarities and differences of the topic</a:t>
-            </a:r>
-          </a:p>
-          <a:p>
-            <a:pPr marL="171450" indent="-171450">
-              <a:buFont typeface="Arial" panose="020B0604020202020204" pitchFamily="34" charset="0"/>
-              <a:buChar char="•"/>
-            </a:pPr>
-            <a:r>
-              <a:rPr lang="en-US" dirty="0">
-                <a:latin typeface="Segoe UI" panose="020B0502040204020203" pitchFamily="34" charset="0"/>
-                <a:cs typeface="Segoe UI" panose="020B0502040204020203" pitchFamily="34" charset="0"/>
-              </a:rPr>
-              <a:t>Explain process- this structure is great for outlining a series of steps to follow; </a:t>
-            </a:r>
-          </a:p>
-          <a:p>
-            <a:pPr marL="171450" indent="-171450">
-              <a:buFont typeface="Arial" panose="020B0604020202020204" pitchFamily="34" charset="0"/>
-              <a:buChar char="•"/>
-            </a:pPr>
-            <a:r>
-              <a:rPr lang="en-US" dirty="0">
-                <a:latin typeface="Segoe UI" panose="020B0502040204020203" pitchFamily="34" charset="0"/>
-                <a:cs typeface="Segoe UI" panose="020B0502040204020203" pitchFamily="34" charset="0"/>
-              </a:rPr>
-              <a:t>Definition- if you want to make sure your audience understands what something is using illustrations, meanings, clarifying misconceptions, you may want to use this structure</a:t>
-            </a:r>
-          </a:p>
-          <a:p>
-            <a:pPr marL="171450" indent="-171450">
-              <a:buFont typeface="Arial" panose="020B0604020202020204" pitchFamily="34" charset="0"/>
-              <a:buChar char="•"/>
-            </a:pPr>
-            <a:r>
-              <a:rPr lang="en-US" dirty="0">
-                <a:latin typeface="Segoe UI" panose="020B0502040204020203" pitchFamily="34" charset="0"/>
-                <a:cs typeface="Segoe UI" panose="020B0502040204020203" pitchFamily="34" charset="0"/>
-              </a:rPr>
-              <a:t>Classification- a common organizational structure is grouping like topics or facts from the research together.  For instance, in the internet safety about social media apps, you may organize the research where you look at each social media app one at a time</a:t>
-            </a:r>
+            <a:endParaRPr lang="en-US" dirty="0"/>
           </a:p>
         </p:txBody>
       </p:sp>
@@ -2778,7 +3207,7 @@
     </p:spTree>
     <p:extLst>
       <p:ext uri="{BB962C8B-B14F-4D97-AF65-F5344CB8AC3E}">
-        <p14:creationId xmlns:p14="http://schemas.microsoft.com/office/powerpoint/2010/main" val="1825341137"/>
+        <p14:creationId xmlns:p14="http://schemas.microsoft.com/office/powerpoint/2010/main" val="3871000656"/>
       </p:ext>
     </p:extLst>
   </p:cSld>
@@ -2935,7 +3364,7 @@
           <a:p>
             <a:fld id="{DECF21A4-E71B-4D3A-AF45-E989C23A7BB1}" type="datetimeFigureOut">
               <a:rPr lang="en-US" smtClean="0"/>
-              <a:t>3/28/2023</a:t>
+              <a:t>4/3/2023</a:t>
             </a:fld>
             <a:endParaRPr lang="en-US" dirty="0"/>
           </a:p>
@@ -3133,7 +3562,7 @@
           <a:p>
             <a:fld id="{DECF21A4-E71B-4D3A-AF45-E989C23A7BB1}" type="datetimeFigureOut">
               <a:rPr lang="en-US" smtClean="0"/>
-              <a:t>3/28/2023</a:t>
+              <a:t>4/3/2023</a:t>
             </a:fld>
             <a:endParaRPr lang="en-US" dirty="0"/>
           </a:p>
@@ -3341,7 +3770,7 @@
           <a:p>
             <a:fld id="{DECF21A4-E71B-4D3A-AF45-E989C23A7BB1}" type="datetimeFigureOut">
               <a:rPr lang="en-US" smtClean="0"/>
-              <a:t>3/28/2023</a:t>
+              <a:t>4/3/2023</a:t>
             </a:fld>
             <a:endParaRPr lang="en-US" dirty="0"/>
           </a:p>
@@ -3539,7 +3968,7 @@
           <a:p>
             <a:fld id="{DECF21A4-E71B-4D3A-AF45-E989C23A7BB1}" type="datetimeFigureOut">
               <a:rPr lang="en-US" smtClean="0"/>
-              <a:t>3/28/2023</a:t>
+              <a:t>4/3/2023</a:t>
             </a:fld>
             <a:endParaRPr lang="en-US" dirty="0"/>
           </a:p>
@@ -3814,7 +4243,7 @@
           <a:p>
             <a:fld id="{DECF21A4-E71B-4D3A-AF45-E989C23A7BB1}" type="datetimeFigureOut">
               <a:rPr lang="en-US" smtClean="0"/>
-              <a:t>3/28/2023</a:t>
+              <a:t>4/3/2023</a:t>
             </a:fld>
             <a:endParaRPr lang="en-US" dirty="0"/>
           </a:p>
@@ -4079,7 +4508,7 @@
           <a:p>
             <a:fld id="{DECF21A4-E71B-4D3A-AF45-E989C23A7BB1}" type="datetimeFigureOut">
               <a:rPr lang="en-US" smtClean="0"/>
-              <a:t>3/28/2023</a:t>
+              <a:t>4/3/2023</a:t>
             </a:fld>
             <a:endParaRPr lang="en-US" dirty="0"/>
           </a:p>
@@ -4491,7 +4920,7 @@
           <a:p>
             <a:fld id="{DECF21A4-E71B-4D3A-AF45-E989C23A7BB1}" type="datetimeFigureOut">
               <a:rPr lang="en-US" smtClean="0"/>
-              <a:t>3/28/2023</a:t>
+              <a:t>4/3/2023</a:t>
             </a:fld>
             <a:endParaRPr lang="en-US" dirty="0"/>
           </a:p>
@@ -4632,7 +5061,7 @@
           <a:p>
             <a:fld id="{DECF21A4-E71B-4D3A-AF45-E989C23A7BB1}" type="datetimeFigureOut">
               <a:rPr lang="en-US" smtClean="0"/>
-              <a:t>3/28/2023</a:t>
+              <a:t>4/3/2023</a:t>
             </a:fld>
             <a:endParaRPr lang="en-US" dirty="0"/>
           </a:p>
@@ -4745,7 +5174,7 @@
           <a:p>
             <a:fld id="{DECF21A4-E71B-4D3A-AF45-E989C23A7BB1}" type="datetimeFigureOut">
               <a:rPr lang="en-US" smtClean="0"/>
-              <a:t>3/28/2023</a:t>
+              <a:t>4/3/2023</a:t>
             </a:fld>
             <a:endParaRPr lang="en-US" dirty="0"/>
           </a:p>
@@ -5056,7 +5485,7 @@
           <a:p>
             <a:fld id="{DECF21A4-E71B-4D3A-AF45-E989C23A7BB1}" type="datetimeFigureOut">
               <a:rPr lang="en-US" smtClean="0"/>
-              <a:t>3/28/2023</a:t>
+              <a:t>4/3/2023</a:t>
             </a:fld>
             <a:endParaRPr lang="en-US" dirty="0"/>
           </a:p>
@@ -5348,7 +5777,7 @@
           <a:p>
             <a:fld id="{DECF21A4-E71B-4D3A-AF45-E989C23A7BB1}" type="datetimeFigureOut">
               <a:rPr lang="en-US" smtClean="0"/>
-              <a:t>3/28/2023</a:t>
+              <a:t>4/3/2023</a:t>
             </a:fld>
             <a:endParaRPr lang="en-US" dirty="0"/>
           </a:p>
@@ -5589,7 +6018,7 @@
           <a:p>
             <a:fld id="{DECF21A4-E71B-4D3A-AF45-E989C23A7BB1}" type="datetimeFigureOut">
               <a:rPr lang="en-US" smtClean="0"/>
-              <a:t>3/28/2023</a:t>
+              <a:t>4/3/2023</a:t>
             </a:fld>
             <a:endParaRPr lang="en-US" dirty="0"/>
           </a:p>
@@ -7502,7 +7931,821 @@
 </file>
 
 <file path=ppt/slides/slide10.xml><?xml version="1.0" encoding="utf-8"?>
-<p:sld xmlns:a="http://schemas.openxmlformats.org/drawingml/2006/main" xmlns:r="http://schemas.openxmlformats.org/officeDocument/2006/relationships" xmlns:p="http://schemas.openxmlformats.org/presentationml/2006/main">
+<p:sld xmlns:a="http://schemas.openxmlformats.org/drawingml/2006/main" xmlns:r="http://schemas.openxmlformats.org/officeDocument/2006/relationships" xmlns:p="http://schemas.openxmlformats.org/presentationml/2006/main" show="0">
+  <p:cSld>
+    <p:bg>
+      <p:bgPr>
+        <a:solidFill>
+          <a:schemeClr val="bg1"/>
+        </a:solidFill>
+        <a:effectLst/>
+      </p:bgPr>
+    </p:bg>
+    <p:spTree>
+      <p:nvGrpSpPr>
+        <p:cNvPr id="1" name=""/>
+        <p:cNvGrpSpPr/>
+        <p:nvPr/>
+      </p:nvGrpSpPr>
+      <p:grpSpPr>
+        <a:xfrm>
+          <a:off x="0" y="0"/>
+          <a:ext cx="0" cy="0"/>
+          <a:chOff x="0" y="0"/>
+          <a:chExt cx="0" cy="0"/>
+        </a:xfrm>
+      </p:grpSpPr>
+      <p:sp>
+        <p:nvSpPr>
+          <p:cNvPr id="2" name="Title 1">
+            <a:extLst>
+              <a:ext uri="{FF2B5EF4-FFF2-40B4-BE49-F238E27FC236}">
+                <a16:creationId xmlns:a16="http://schemas.microsoft.com/office/drawing/2014/main" id="{EA0D9B4E-C292-45AA-8116-562703040382}"/>
+              </a:ext>
+            </a:extLst>
+          </p:cNvPr>
+          <p:cNvSpPr>
+            <a:spLocks noGrp="1"/>
+          </p:cNvSpPr>
+          <p:nvPr>
+            <p:ph type="title"/>
+          </p:nvPr>
+        </p:nvSpPr>
+        <p:spPr>
+          <a:xfrm>
+            <a:off x="2257214" y="2694018"/>
+            <a:ext cx="5406902" cy="1469965"/>
+          </a:xfrm>
+        </p:spPr>
+        <p:txBody>
+          <a:bodyPr anchor="ctr">
+            <a:normAutofit/>
+          </a:bodyPr>
+          <a:lstStyle/>
+          <a:p>
+            <a:r>
+              <a:rPr lang="en-US" dirty="0">
+                <a:latin typeface="Franklin Gothic Book" panose="020B0503020102020204" pitchFamily="34" charset="0"/>
+                <a:cs typeface="Segoe UI" panose="020B0502040204020203" pitchFamily="34" charset="0"/>
+              </a:rPr>
+              <a:t>Vary Your Sources</a:t>
+            </a:r>
+          </a:p>
+        </p:txBody>
+      </p:sp>
+      <p:pic>
+        <p:nvPicPr>
+          <p:cNvPr id="5" name="Graphic 4" descr="Open Book">
+            <a:extLst>
+              <a:ext uri="{FF2B5EF4-FFF2-40B4-BE49-F238E27FC236}">
+                <a16:creationId xmlns:a16="http://schemas.microsoft.com/office/drawing/2014/main" id="{DEFE964D-9F1C-4F69-ADD3-0E1AB324E198}"/>
+              </a:ext>
+            </a:extLst>
+          </p:cNvPr>
+          <p:cNvPicPr>
+            <a:picLocks noChangeAspect="1"/>
+          </p:cNvPicPr>
+          <p:nvPr/>
+        </p:nvPicPr>
+        <p:blipFill>
+          <a:blip r:embed="rId3">
+            <a:extLst>
+              <a:ext uri="{28A0092B-C50C-407E-A947-70E740481C1C}">
+                <a14:useLocalDpi xmlns:a14="http://schemas.microsoft.com/office/drawing/2010/main" val="0"/>
+              </a:ext>
+              <a:ext uri="{96DAC541-7B7A-43D3-8B79-37D633B846F1}">
+                <asvg:svgBlip xmlns:asvg="http://schemas.microsoft.com/office/drawing/2016/SVG/main" r:embed="rId4"/>
+              </a:ext>
+            </a:extLst>
+          </a:blip>
+          <a:stretch>
+            <a:fillRect/>
+          </a:stretch>
+        </p:blipFill>
+        <p:spPr>
+          <a:xfrm>
+            <a:off x="838200" y="2880360"/>
+            <a:ext cx="1097280" cy="1097280"/>
+          </a:xfrm>
+          <a:prstGeom prst="rect">
+            <a:avLst/>
+          </a:prstGeom>
+        </p:spPr>
+      </p:pic>
+      <p:sp>
+        <p:nvSpPr>
+          <p:cNvPr id="3" name="Content Placeholder 2">
+            <a:extLst>
+              <a:ext uri="{FF2B5EF4-FFF2-40B4-BE49-F238E27FC236}">
+                <a16:creationId xmlns:a16="http://schemas.microsoft.com/office/drawing/2014/main" id="{81072FAC-EEE9-4F26-A784-BC07EACCBE9F}"/>
+              </a:ext>
+            </a:extLst>
+          </p:cNvPr>
+          <p:cNvSpPr>
+            <a:spLocks noGrp="1"/>
+          </p:cNvSpPr>
+          <p:nvPr>
+            <p:ph idx="1"/>
+          </p:nvPr>
+        </p:nvSpPr>
+        <p:spPr>
+          <a:xfrm>
+            <a:off x="2257215" y="4352917"/>
+            <a:ext cx="5406902" cy="1688746"/>
+          </a:xfrm>
+        </p:spPr>
+        <p:txBody>
+          <a:bodyPr vert="horz" lIns="91440" tIns="45720" rIns="91440" bIns="45720" rtlCol="0" anchor="t">
+            <a:normAutofit/>
+          </a:bodyPr>
+          <a:lstStyle/>
+          <a:p>
+            <a:r>
+              <a:rPr lang="en-US" sz="2000" dirty="0">
+                <a:latin typeface="Segoe UI" panose="020B0502040204020203" pitchFamily="34" charset="0"/>
+                <a:cs typeface="Segoe UI" panose="020B0502040204020203" pitchFamily="34" charset="0"/>
+              </a:rPr>
+              <a:t>Refer to the notes section below for guidelines on this topic.</a:t>
+            </a:r>
+          </a:p>
+        </p:txBody>
+      </p:sp>
+      <p:pic>
+        <p:nvPicPr>
+          <p:cNvPr id="9" name="Graphic 8">
+            <a:extLst>
+              <a:ext uri="{FF2B5EF4-FFF2-40B4-BE49-F238E27FC236}">
+                <a16:creationId xmlns:a16="http://schemas.microsoft.com/office/drawing/2014/main" id="{35127EDA-5861-47AB-8729-620CFC7DAC07}"/>
+              </a:ext>
+              <a:ext uri="{C183D7F6-B498-43B3-948B-1728B52AA6E4}">
+                <adec:decorative xmlns:adec="http://schemas.microsoft.com/office/drawing/2017/decorative" val="1"/>
+              </a:ext>
+            </a:extLst>
+          </p:cNvPr>
+          <p:cNvPicPr>
+            <a:picLocks noGrp="1" noRot="1" noChangeAspect="1" noMove="1" noResize="1" noEditPoints="1" noAdjustHandles="1" noChangeArrowheads="1" noChangeShapeType="1" noCrop="1"/>
+          </p:cNvPicPr>
+          <p:nvPr>
+            <p:extLst>
+              <p:ext uri="{386F3935-93C4-4BCD-93E2-E3B085C9AB24}">
+                <p16:designElem xmlns:p16="http://schemas.microsoft.com/office/powerpoint/2015/main" val="1"/>
+              </p:ext>
+            </p:extLst>
+          </p:nvPr>
+        </p:nvPicPr>
+        <p:blipFill>
+          <a:blip r:embed="rId3">
+            <a:alphaModFix amt="15000"/>
+            <a:extLst>
+              <a:ext uri="{28A0092B-C50C-407E-A947-70E740481C1C}">
+                <a14:useLocalDpi xmlns:a14="http://schemas.microsoft.com/office/drawing/2010/main" val="0"/>
+              </a:ext>
+              <a:ext uri="{96DAC541-7B7A-43D3-8B79-37D633B846F1}">
+                <asvg:svgBlip xmlns:asvg="http://schemas.microsoft.com/office/drawing/2016/SVG/main" r:embed="rId5"/>
+              </a:ext>
+            </a:extLst>
+          </a:blip>
+          <a:stretch>
+            <a:fillRect/>
+          </a:stretch>
+        </p:blipFill>
+        <p:spPr>
+          <a:xfrm>
+            <a:off x="6641431" y="816337"/>
+            <a:ext cx="5225327" cy="5225327"/>
+          </a:xfrm>
+          <a:prstGeom prst="rect">
+            <a:avLst/>
+          </a:prstGeom>
+        </p:spPr>
+      </p:pic>
+    </p:spTree>
+    <p:extLst>
+      <p:ext uri="{BB962C8B-B14F-4D97-AF65-F5344CB8AC3E}">
+        <p14:creationId xmlns:p14="http://schemas.microsoft.com/office/powerpoint/2010/main" val="381659708"/>
+      </p:ext>
+    </p:extLst>
+  </p:cSld>
+  <p:clrMapOvr>
+    <a:masterClrMapping/>
+  </p:clrMapOvr>
+</p:sld>
+</file>
+
+<file path=ppt/slides/slide11.xml><?xml version="1.0" encoding="utf-8"?>
+<p:sld xmlns:a="http://schemas.openxmlformats.org/drawingml/2006/main" xmlns:r="http://schemas.openxmlformats.org/officeDocument/2006/relationships" xmlns:p="http://schemas.openxmlformats.org/presentationml/2006/main" show="0">
+  <p:cSld>
+    <p:bg>
+      <p:bgPr>
+        <a:solidFill>
+          <a:schemeClr val="bg1"/>
+        </a:solidFill>
+        <a:effectLst/>
+      </p:bgPr>
+    </p:bg>
+    <p:spTree>
+      <p:nvGrpSpPr>
+        <p:cNvPr id="1" name=""/>
+        <p:cNvGrpSpPr/>
+        <p:nvPr/>
+      </p:nvGrpSpPr>
+      <p:grpSpPr>
+        <a:xfrm>
+          <a:off x="0" y="0"/>
+          <a:ext cx="0" cy="0"/>
+          <a:chOff x="0" y="0"/>
+          <a:chExt cx="0" cy="0"/>
+        </a:xfrm>
+      </p:grpSpPr>
+      <p:sp>
+        <p:nvSpPr>
+          <p:cNvPr id="2" name="Title 1">
+            <a:extLst>
+              <a:ext uri="{FF2B5EF4-FFF2-40B4-BE49-F238E27FC236}">
+                <a16:creationId xmlns:a16="http://schemas.microsoft.com/office/drawing/2014/main" id="{0FDE5079-B185-4DE0-AF2C-AE4B7709FBC3}"/>
+              </a:ext>
+            </a:extLst>
+          </p:cNvPr>
+          <p:cNvSpPr>
+            <a:spLocks noGrp="1"/>
+          </p:cNvSpPr>
+          <p:nvPr>
+            <p:ph type="title"/>
+          </p:nvPr>
+        </p:nvSpPr>
+        <p:spPr>
+          <a:xfrm>
+            <a:off x="2257214" y="2694018"/>
+            <a:ext cx="5406902" cy="1469965"/>
+          </a:xfrm>
+        </p:spPr>
+        <p:txBody>
+          <a:bodyPr anchor="ctr">
+            <a:normAutofit/>
+          </a:bodyPr>
+          <a:lstStyle/>
+          <a:p>
+            <a:r>
+              <a:rPr lang="en-US" dirty="0">
+                <a:latin typeface="Franklin Gothic Book" panose="020B0503020102020204" pitchFamily="34" charset="0"/>
+                <a:cs typeface="Segoe UI" panose="020B0502040204020203" pitchFamily="34" charset="0"/>
+              </a:rPr>
+              <a:t>Evaluate Your Sources</a:t>
+            </a:r>
+          </a:p>
+        </p:txBody>
+      </p:sp>
+      <p:pic>
+        <p:nvPicPr>
+          <p:cNvPr id="4" name="Content Placeholder 4" descr="Scales of Justice">
+            <a:extLst>
+              <a:ext uri="{FF2B5EF4-FFF2-40B4-BE49-F238E27FC236}">
+                <a16:creationId xmlns:a16="http://schemas.microsoft.com/office/drawing/2014/main" id="{53025FED-9BCD-4BE9-B74C-707E5FD74028}"/>
+              </a:ext>
+            </a:extLst>
+          </p:cNvPr>
+          <p:cNvPicPr>
+            <a:picLocks noChangeAspect="1"/>
+          </p:cNvPicPr>
+          <p:nvPr/>
+        </p:nvPicPr>
+        <p:blipFill>
+          <a:blip r:embed="rId3">
+            <a:extLst>
+              <a:ext uri="{28A0092B-C50C-407E-A947-70E740481C1C}">
+                <a14:useLocalDpi xmlns:a14="http://schemas.microsoft.com/office/drawing/2010/main" val="0"/>
+              </a:ext>
+              <a:ext uri="{96DAC541-7B7A-43D3-8B79-37D633B846F1}">
+                <asvg:svgBlip xmlns:asvg="http://schemas.microsoft.com/office/drawing/2016/SVG/main" r:embed="rId4"/>
+              </a:ext>
+            </a:extLst>
+          </a:blip>
+          <a:stretch>
+            <a:fillRect/>
+          </a:stretch>
+        </p:blipFill>
+        <p:spPr>
+          <a:xfrm>
+            <a:off x="838200" y="2880360"/>
+            <a:ext cx="1097280" cy="1097280"/>
+          </a:xfrm>
+          <a:prstGeom prst="rect">
+            <a:avLst/>
+          </a:prstGeom>
+        </p:spPr>
+      </p:pic>
+      <p:sp>
+        <p:nvSpPr>
+          <p:cNvPr id="3" name="Content Placeholder 2">
+            <a:extLst>
+              <a:ext uri="{FF2B5EF4-FFF2-40B4-BE49-F238E27FC236}">
+                <a16:creationId xmlns:a16="http://schemas.microsoft.com/office/drawing/2014/main" id="{89B4E0E8-07C8-4A23-99E2-20D6DFD6FA7A}"/>
+              </a:ext>
+            </a:extLst>
+          </p:cNvPr>
+          <p:cNvSpPr>
+            <a:spLocks noGrp="1"/>
+          </p:cNvSpPr>
+          <p:nvPr>
+            <p:ph idx="1"/>
+          </p:nvPr>
+        </p:nvSpPr>
+        <p:spPr>
+          <a:xfrm>
+            <a:off x="2257215" y="4352917"/>
+            <a:ext cx="5406902" cy="1688746"/>
+          </a:xfrm>
+        </p:spPr>
+        <p:txBody>
+          <a:bodyPr vert="horz" lIns="91440" tIns="45720" rIns="91440" bIns="45720" rtlCol="0" anchor="t">
+            <a:normAutofit/>
+          </a:bodyPr>
+          <a:lstStyle/>
+          <a:p>
+            <a:r>
+              <a:rPr lang="en-US" sz="2000" dirty="0">
+                <a:latin typeface="Segoe UI" panose="020B0502040204020203" pitchFamily="34" charset="0"/>
+                <a:cs typeface="Segoe UI" panose="020B0502040204020203" pitchFamily="34" charset="0"/>
+              </a:rPr>
+              <a:t>Refer to the notes section below for guidelines on this topic.</a:t>
+            </a:r>
+          </a:p>
+        </p:txBody>
+      </p:sp>
+      <p:pic>
+        <p:nvPicPr>
+          <p:cNvPr id="8" name="Content Placeholder 4">
+            <a:extLst>
+              <a:ext uri="{FF2B5EF4-FFF2-40B4-BE49-F238E27FC236}">
+                <a16:creationId xmlns:a16="http://schemas.microsoft.com/office/drawing/2014/main" id="{17062073-5027-4AA3-AB16-4D2C8C505AFD}"/>
+              </a:ext>
+              <a:ext uri="{C183D7F6-B498-43B3-948B-1728B52AA6E4}">
+                <adec:decorative xmlns:adec="http://schemas.microsoft.com/office/drawing/2017/decorative" val="1"/>
+              </a:ext>
+            </a:extLst>
+          </p:cNvPr>
+          <p:cNvPicPr>
+            <a:picLocks noGrp="1" noRot="1" noChangeAspect="1" noMove="1" noResize="1" noEditPoints="1" noAdjustHandles="1" noChangeArrowheads="1" noChangeShapeType="1" noCrop="1"/>
+          </p:cNvPicPr>
+          <p:nvPr>
+            <p:extLst>
+              <p:ext uri="{386F3935-93C4-4BCD-93E2-E3B085C9AB24}">
+                <p16:designElem xmlns:p16="http://schemas.microsoft.com/office/powerpoint/2015/main" val="1"/>
+              </p:ext>
+            </p:extLst>
+          </p:nvPr>
+        </p:nvPicPr>
+        <p:blipFill>
+          <a:blip r:embed="rId3">
+            <a:alphaModFix amt="15000"/>
+            <a:extLst>
+              <a:ext uri="{28A0092B-C50C-407E-A947-70E740481C1C}">
+                <a14:useLocalDpi xmlns:a14="http://schemas.microsoft.com/office/drawing/2010/main" val="0"/>
+              </a:ext>
+              <a:ext uri="{96DAC541-7B7A-43D3-8B79-37D633B846F1}">
+                <asvg:svgBlip xmlns:asvg="http://schemas.microsoft.com/office/drawing/2016/SVG/main" r:embed="rId5"/>
+              </a:ext>
+            </a:extLst>
+          </a:blip>
+          <a:stretch>
+            <a:fillRect/>
+          </a:stretch>
+        </p:blipFill>
+        <p:spPr>
+          <a:xfrm>
+            <a:off x="6641431" y="816337"/>
+            <a:ext cx="5225327" cy="5225327"/>
+          </a:xfrm>
+          <a:prstGeom prst="rect">
+            <a:avLst/>
+          </a:prstGeom>
+        </p:spPr>
+      </p:pic>
+    </p:spTree>
+    <p:extLst>
+      <p:ext uri="{BB962C8B-B14F-4D97-AF65-F5344CB8AC3E}">
+        <p14:creationId xmlns:p14="http://schemas.microsoft.com/office/powerpoint/2010/main" val="882630486"/>
+      </p:ext>
+    </p:extLst>
+  </p:cSld>
+  <p:clrMapOvr>
+    <a:masterClrMapping/>
+  </p:clrMapOvr>
+</p:sld>
+</file>
+
+<file path=ppt/slides/slide12.xml><?xml version="1.0" encoding="utf-8"?>
+<p:sld xmlns:a="http://schemas.openxmlformats.org/drawingml/2006/main" xmlns:r="http://schemas.openxmlformats.org/officeDocument/2006/relationships" xmlns:p="http://schemas.openxmlformats.org/presentationml/2006/main" show="0">
+  <p:cSld>
+    <p:bg>
+      <p:bgPr>
+        <a:solidFill>
+          <a:schemeClr val="bg1"/>
+        </a:solidFill>
+        <a:effectLst/>
+      </p:bgPr>
+    </p:bg>
+    <p:spTree>
+      <p:nvGrpSpPr>
+        <p:cNvPr id="1" name=""/>
+        <p:cNvGrpSpPr/>
+        <p:nvPr/>
+      </p:nvGrpSpPr>
+      <p:grpSpPr>
+        <a:xfrm>
+          <a:off x="0" y="0"/>
+          <a:ext cx="0" cy="0"/>
+          <a:chOff x="0" y="0"/>
+          <a:chExt cx="0" cy="0"/>
+        </a:xfrm>
+      </p:grpSpPr>
+      <p:sp>
+        <p:nvSpPr>
+          <p:cNvPr id="2" name="Title 1">
+            <a:extLst>
+              <a:ext uri="{FF2B5EF4-FFF2-40B4-BE49-F238E27FC236}">
+                <a16:creationId xmlns:a16="http://schemas.microsoft.com/office/drawing/2014/main" id="{2D34CEF4-01D3-4AF7-9E84-F43030ACA972}"/>
+              </a:ext>
+            </a:extLst>
+          </p:cNvPr>
+          <p:cNvSpPr>
+            <a:spLocks noGrp="1"/>
+          </p:cNvSpPr>
+          <p:nvPr>
+            <p:ph type="title"/>
+          </p:nvPr>
+        </p:nvSpPr>
+        <p:spPr>
+          <a:xfrm>
+            <a:off x="2257214" y="2694018"/>
+            <a:ext cx="5406902" cy="1469965"/>
+          </a:xfrm>
+        </p:spPr>
+        <p:txBody>
+          <a:bodyPr anchor="ctr">
+            <a:normAutofit/>
+          </a:bodyPr>
+          <a:lstStyle/>
+          <a:p>
+            <a:r>
+              <a:rPr lang="en-US" dirty="0">
+                <a:latin typeface="Franklin Gothic Book" panose="020B0503020102020204" pitchFamily="34" charset="0"/>
+                <a:cs typeface="Segoe UI" panose="020B0502040204020203" pitchFamily="34" charset="0"/>
+              </a:rPr>
+              <a:t>Narrow Your Topic</a:t>
+            </a:r>
+          </a:p>
+        </p:txBody>
+      </p:sp>
+      <p:pic>
+        <p:nvPicPr>
+          <p:cNvPr id="4" name="Graphic 3" descr="Books on Shelf">
+            <a:extLst>
+              <a:ext uri="{FF2B5EF4-FFF2-40B4-BE49-F238E27FC236}">
+                <a16:creationId xmlns:a16="http://schemas.microsoft.com/office/drawing/2014/main" id="{3DE94ADA-0031-43D4-A79A-B89B95993082}"/>
+              </a:ext>
+            </a:extLst>
+          </p:cNvPr>
+          <p:cNvPicPr>
+            <a:picLocks noChangeAspect="1"/>
+          </p:cNvPicPr>
+          <p:nvPr/>
+        </p:nvPicPr>
+        <p:blipFill>
+          <a:blip r:embed="rId3">
+            <a:extLst>
+              <a:ext uri="{28A0092B-C50C-407E-A947-70E740481C1C}">
+                <a14:useLocalDpi xmlns:a14="http://schemas.microsoft.com/office/drawing/2010/main" val="0"/>
+              </a:ext>
+              <a:ext uri="{96DAC541-7B7A-43D3-8B79-37D633B846F1}">
+                <asvg:svgBlip xmlns:asvg="http://schemas.microsoft.com/office/drawing/2016/SVG/main" r:embed="rId4"/>
+              </a:ext>
+            </a:extLst>
+          </a:blip>
+          <a:stretch>
+            <a:fillRect/>
+          </a:stretch>
+        </p:blipFill>
+        <p:spPr>
+          <a:xfrm>
+            <a:off x="838200" y="2880360"/>
+            <a:ext cx="1097280" cy="1097280"/>
+          </a:xfrm>
+          <a:prstGeom prst="rect">
+            <a:avLst/>
+          </a:prstGeom>
+        </p:spPr>
+      </p:pic>
+      <p:sp>
+        <p:nvSpPr>
+          <p:cNvPr id="3" name="Content Placeholder 2">
+            <a:extLst>
+              <a:ext uri="{FF2B5EF4-FFF2-40B4-BE49-F238E27FC236}">
+                <a16:creationId xmlns:a16="http://schemas.microsoft.com/office/drawing/2014/main" id="{31EFD88C-EC41-4850-9D1D-676D6AEE0358}"/>
+              </a:ext>
+            </a:extLst>
+          </p:cNvPr>
+          <p:cNvSpPr>
+            <a:spLocks noGrp="1"/>
+          </p:cNvSpPr>
+          <p:nvPr>
+            <p:ph idx="1"/>
+          </p:nvPr>
+        </p:nvSpPr>
+        <p:spPr>
+          <a:xfrm>
+            <a:off x="2257215" y="4352917"/>
+            <a:ext cx="5406902" cy="1688746"/>
+          </a:xfrm>
+        </p:spPr>
+        <p:txBody>
+          <a:bodyPr vert="horz" lIns="91440" tIns="45720" rIns="91440" bIns="45720" rtlCol="0" anchor="t">
+            <a:normAutofit/>
+          </a:bodyPr>
+          <a:lstStyle/>
+          <a:p>
+            <a:r>
+              <a:rPr lang="en-US" sz="2000" dirty="0">
+                <a:latin typeface="Segoe UI" panose="020B0502040204020203" pitchFamily="34" charset="0"/>
+                <a:cs typeface="Segoe UI" panose="020B0502040204020203" pitchFamily="34" charset="0"/>
+              </a:rPr>
+              <a:t>Refer to the notes section below  for guidelines on this topic.</a:t>
+            </a:r>
+          </a:p>
+        </p:txBody>
+      </p:sp>
+      <p:pic>
+        <p:nvPicPr>
+          <p:cNvPr id="8" name="Graphic 7">
+            <a:extLst>
+              <a:ext uri="{FF2B5EF4-FFF2-40B4-BE49-F238E27FC236}">
+                <a16:creationId xmlns:a16="http://schemas.microsoft.com/office/drawing/2014/main" id="{984A409A-26BF-476C-858A-CFA0EBFAB6FC}"/>
+              </a:ext>
+              <a:ext uri="{C183D7F6-B498-43B3-948B-1728B52AA6E4}">
+                <adec:decorative xmlns:adec="http://schemas.microsoft.com/office/drawing/2017/decorative" val="1"/>
+              </a:ext>
+            </a:extLst>
+          </p:cNvPr>
+          <p:cNvPicPr>
+            <a:picLocks noGrp="1" noRot="1" noChangeAspect="1" noMove="1" noResize="1" noEditPoints="1" noAdjustHandles="1" noChangeArrowheads="1" noChangeShapeType="1" noCrop="1"/>
+          </p:cNvPicPr>
+          <p:nvPr>
+            <p:extLst>
+              <p:ext uri="{386F3935-93C4-4BCD-93E2-E3B085C9AB24}">
+                <p16:designElem xmlns:p16="http://schemas.microsoft.com/office/powerpoint/2015/main" val="1"/>
+              </p:ext>
+            </p:extLst>
+          </p:nvPr>
+        </p:nvPicPr>
+        <p:blipFill>
+          <a:blip r:embed="rId3">
+            <a:alphaModFix amt="15000"/>
+            <a:extLst>
+              <a:ext uri="{28A0092B-C50C-407E-A947-70E740481C1C}">
+                <a14:useLocalDpi xmlns:a14="http://schemas.microsoft.com/office/drawing/2010/main" val="0"/>
+              </a:ext>
+              <a:ext uri="{96DAC541-7B7A-43D3-8B79-37D633B846F1}">
+                <asvg:svgBlip xmlns:asvg="http://schemas.microsoft.com/office/drawing/2016/SVG/main" r:embed="rId5"/>
+              </a:ext>
+            </a:extLst>
+          </a:blip>
+          <a:stretch>
+            <a:fillRect/>
+          </a:stretch>
+        </p:blipFill>
+        <p:spPr>
+          <a:xfrm>
+            <a:off x="6641431" y="816337"/>
+            <a:ext cx="5225327" cy="5225327"/>
+          </a:xfrm>
+          <a:prstGeom prst="rect">
+            <a:avLst/>
+          </a:prstGeom>
+        </p:spPr>
+      </p:pic>
+    </p:spTree>
+    <p:extLst>
+      <p:ext uri="{BB962C8B-B14F-4D97-AF65-F5344CB8AC3E}">
+        <p14:creationId xmlns:p14="http://schemas.microsoft.com/office/powerpoint/2010/main" val="397072516"/>
+      </p:ext>
+    </p:extLst>
+  </p:cSld>
+  <p:clrMapOvr>
+    <a:masterClrMapping/>
+  </p:clrMapOvr>
+</p:sld>
+</file>
+
+<file path=ppt/slides/slide13.xml><?xml version="1.0" encoding="utf-8"?>
+<p:sld xmlns:a="http://schemas.openxmlformats.org/drawingml/2006/main" xmlns:r="http://schemas.openxmlformats.org/officeDocument/2006/relationships" xmlns:p="http://schemas.openxmlformats.org/presentationml/2006/main" show="0">
+  <p:cSld>
+    <p:bg>
+      <p:bgPr>
+        <a:solidFill>
+          <a:schemeClr val="bg1"/>
+        </a:solidFill>
+        <a:effectLst/>
+      </p:bgPr>
+    </p:bg>
+    <p:spTree>
+      <p:nvGrpSpPr>
+        <p:cNvPr id="1" name=""/>
+        <p:cNvGrpSpPr/>
+        <p:nvPr/>
+      </p:nvGrpSpPr>
+      <p:grpSpPr>
+        <a:xfrm>
+          <a:off x="0" y="0"/>
+          <a:ext cx="0" cy="0"/>
+          <a:chOff x="0" y="0"/>
+          <a:chExt cx="0" cy="0"/>
+        </a:xfrm>
+      </p:grpSpPr>
+      <p:sp>
+        <p:nvSpPr>
+          <p:cNvPr id="2" name="Title 1">
+            <a:extLst>
+              <a:ext uri="{FF2B5EF4-FFF2-40B4-BE49-F238E27FC236}">
+                <a16:creationId xmlns:a16="http://schemas.microsoft.com/office/drawing/2014/main" id="{DD648CF1-C72A-4313-8FC7-BF6DD4642AFE}"/>
+              </a:ext>
+            </a:extLst>
+          </p:cNvPr>
+          <p:cNvSpPr>
+            <a:spLocks noGrp="1"/>
+          </p:cNvSpPr>
+          <p:nvPr>
+            <p:ph type="title"/>
+          </p:nvPr>
+        </p:nvSpPr>
+        <p:spPr>
+          <a:xfrm>
+            <a:off x="2165533" y="2507675"/>
+            <a:ext cx="5406902" cy="1469965"/>
+          </a:xfrm>
+        </p:spPr>
+        <p:txBody>
+          <a:bodyPr anchor="ctr">
+            <a:normAutofit/>
+          </a:bodyPr>
+          <a:lstStyle/>
+          <a:p>
+            <a:r>
+              <a:rPr lang="en-US" dirty="0">
+                <a:latin typeface="Franklin Gothic Book" panose="020B0503020102020204" pitchFamily="34" charset="0"/>
+                <a:cs typeface="Segoe UI" panose="020B0502040204020203" pitchFamily="34" charset="0"/>
+              </a:rPr>
+              <a:t>Organize Your Research</a:t>
+            </a:r>
+          </a:p>
+        </p:txBody>
+      </p:sp>
+      <p:pic>
+        <p:nvPicPr>
+          <p:cNvPr id="4" name="Graphic 3" descr="Blackboard">
+            <a:extLst>
+              <a:ext uri="{FF2B5EF4-FFF2-40B4-BE49-F238E27FC236}">
+                <a16:creationId xmlns:a16="http://schemas.microsoft.com/office/drawing/2014/main" id="{A4298283-DDB8-4365-95A1-90935E16BE2B}"/>
+              </a:ext>
+            </a:extLst>
+          </p:cNvPr>
+          <p:cNvPicPr>
+            <a:picLocks noChangeAspect="1"/>
+          </p:cNvPicPr>
+          <p:nvPr/>
+        </p:nvPicPr>
+        <p:blipFill>
+          <a:blip r:embed="rId3">
+            <a:extLst>
+              <a:ext uri="{28A0092B-C50C-407E-A947-70E740481C1C}">
+                <a14:useLocalDpi xmlns:a14="http://schemas.microsoft.com/office/drawing/2010/main" val="0"/>
+              </a:ext>
+              <a:ext uri="{96DAC541-7B7A-43D3-8B79-37D633B846F1}">
+                <asvg:svgBlip xmlns:asvg="http://schemas.microsoft.com/office/drawing/2016/SVG/main" r:embed="rId4"/>
+              </a:ext>
+            </a:extLst>
+          </a:blip>
+          <a:stretch>
+            <a:fillRect/>
+          </a:stretch>
+        </p:blipFill>
+        <p:spPr>
+          <a:xfrm>
+            <a:off x="838200" y="2880360"/>
+            <a:ext cx="1097280" cy="1097280"/>
+          </a:xfrm>
+          <a:prstGeom prst="rect">
+            <a:avLst/>
+          </a:prstGeom>
+        </p:spPr>
+      </p:pic>
+      <p:sp>
+        <p:nvSpPr>
+          <p:cNvPr id="6" name="Content Placeholder 5">
+            <a:extLst>
+              <a:ext uri="{FF2B5EF4-FFF2-40B4-BE49-F238E27FC236}">
+                <a16:creationId xmlns:a16="http://schemas.microsoft.com/office/drawing/2014/main" id="{C856D755-2374-40B4-B692-603C5E927388}"/>
+              </a:ext>
+            </a:extLst>
+          </p:cNvPr>
+          <p:cNvSpPr>
+            <a:spLocks noGrp="1"/>
+          </p:cNvSpPr>
+          <p:nvPr>
+            <p:ph idx="1"/>
+          </p:nvPr>
+        </p:nvSpPr>
+        <p:spPr>
+          <a:xfrm>
+            <a:off x="2407138" y="3884245"/>
+            <a:ext cx="4923693" cy="2292717"/>
+          </a:xfrm>
+        </p:spPr>
+        <p:txBody>
+          <a:bodyPr vert="horz" lIns="91440" tIns="45720" rIns="91440" bIns="45720" rtlCol="0" anchor="t">
+            <a:normAutofit/>
+          </a:bodyPr>
+          <a:lstStyle/>
+          <a:p>
+            <a:r>
+              <a:rPr lang="en-US" sz="1800" dirty="0">
+                <a:latin typeface="Segoe UI" panose="020B0502040204020203" pitchFamily="34" charset="0"/>
+                <a:cs typeface="Segoe UI" panose="020B0502040204020203" pitchFamily="34" charset="0"/>
+              </a:rPr>
+              <a:t>Refer to the notes section below  for guidelines on this topic.</a:t>
+            </a:r>
+          </a:p>
+          <a:p>
+            <a:endParaRPr lang="en-US" dirty="0">
+              <a:latin typeface="Segoe UI" panose="020B0502040204020203" pitchFamily="34" charset="0"/>
+              <a:cs typeface="Segoe UI" panose="020B0502040204020203" pitchFamily="34" charset="0"/>
+            </a:endParaRPr>
+          </a:p>
+        </p:txBody>
+      </p:sp>
+      <p:pic>
+        <p:nvPicPr>
+          <p:cNvPr id="8" name="Graphic 7">
+            <a:extLst>
+              <a:ext uri="{FF2B5EF4-FFF2-40B4-BE49-F238E27FC236}">
+                <a16:creationId xmlns:a16="http://schemas.microsoft.com/office/drawing/2014/main" id="{B6C7BDF7-D7AC-4209-A6A9-11B953F882E4}"/>
+              </a:ext>
+              <a:ext uri="{C183D7F6-B498-43B3-948B-1728B52AA6E4}">
+                <adec:decorative xmlns:adec="http://schemas.microsoft.com/office/drawing/2017/decorative" val="1"/>
+              </a:ext>
+            </a:extLst>
+          </p:cNvPr>
+          <p:cNvPicPr>
+            <a:picLocks noGrp="1" noRot="1" noChangeAspect="1" noMove="1" noResize="1" noEditPoints="1" noAdjustHandles="1" noChangeArrowheads="1" noChangeShapeType="1" noCrop="1"/>
+          </p:cNvPicPr>
+          <p:nvPr>
+            <p:extLst>
+              <p:ext uri="{386F3935-93C4-4BCD-93E2-E3B085C9AB24}">
+                <p16:designElem xmlns:p16="http://schemas.microsoft.com/office/powerpoint/2015/main" val="1"/>
+              </p:ext>
+            </p:extLst>
+          </p:nvPr>
+        </p:nvPicPr>
+        <p:blipFill>
+          <a:blip r:embed="rId3">
+            <a:alphaModFix amt="15000"/>
+            <a:extLst>
+              <a:ext uri="{28A0092B-C50C-407E-A947-70E740481C1C}">
+                <a14:useLocalDpi xmlns:a14="http://schemas.microsoft.com/office/drawing/2010/main" val="0"/>
+              </a:ext>
+              <a:ext uri="{96DAC541-7B7A-43D3-8B79-37D633B846F1}">
+                <asvg:svgBlip xmlns:asvg="http://schemas.microsoft.com/office/drawing/2016/SVG/main" r:embed="rId5"/>
+              </a:ext>
+            </a:extLst>
+          </a:blip>
+          <a:stretch>
+            <a:fillRect/>
+          </a:stretch>
+        </p:blipFill>
+        <p:spPr>
+          <a:xfrm>
+            <a:off x="6641431" y="816337"/>
+            <a:ext cx="5225327" cy="5225327"/>
+          </a:xfrm>
+          <a:prstGeom prst="rect">
+            <a:avLst/>
+          </a:prstGeom>
+        </p:spPr>
+      </p:pic>
+    </p:spTree>
+    <p:extLst>
+      <p:ext uri="{BB962C8B-B14F-4D97-AF65-F5344CB8AC3E}">
+        <p14:creationId xmlns:p14="http://schemas.microsoft.com/office/powerpoint/2010/main" val="3514892887"/>
+      </p:ext>
+    </p:extLst>
+  </p:cSld>
+  <p:clrMapOvr>
+    <a:masterClrMapping/>
+  </p:clrMapOvr>
+</p:sld>
+</file>
+
+<file path=ppt/slides/slide14.xml><?xml version="1.0" encoding="utf-8"?>
+<p:sld xmlns:a="http://schemas.openxmlformats.org/drawingml/2006/main" xmlns:r="http://schemas.openxmlformats.org/officeDocument/2006/relationships" xmlns:p="http://schemas.openxmlformats.org/presentationml/2006/main" show="0">
   <p:cSld>
     <p:bg>
       <p:bgPr>
@@ -7708,8 +8951,8 @@
 </p:sld>
 </file>
 
-<file path=ppt/slides/slide11.xml><?xml version="1.0" encoding="utf-8"?>
-<p:sld xmlns:a="http://schemas.openxmlformats.org/drawingml/2006/main" xmlns:r="http://schemas.openxmlformats.org/officeDocument/2006/relationships" xmlns:p="http://schemas.openxmlformats.org/presentationml/2006/main">
+<file path=ppt/slides/slide15.xml><?xml version="1.0" encoding="utf-8"?>
+<p:sld xmlns:a="http://schemas.openxmlformats.org/drawingml/2006/main" xmlns:r="http://schemas.openxmlformats.org/officeDocument/2006/relationships" xmlns:p="http://schemas.openxmlformats.org/presentationml/2006/main" show="0">
   <p:cSld>
     <p:bg>
       <p:bgPr>
@@ -8974,6 +10217,1226 @@
 <file path=ppt/slides/slide5.xml><?xml version="1.0" encoding="utf-8"?>
 <p:sld xmlns:a="http://schemas.openxmlformats.org/drawingml/2006/main" xmlns:r="http://schemas.openxmlformats.org/officeDocument/2006/relationships" xmlns:p="http://schemas.openxmlformats.org/presentationml/2006/main">
   <p:cSld>
+    <p:bg>
+      <p:bgPr>
+        <a:solidFill>
+          <a:schemeClr val="bg1"/>
+        </a:solidFill>
+        <a:effectLst/>
+      </p:bgPr>
+    </p:bg>
+    <p:spTree>
+      <p:nvGrpSpPr>
+        <p:cNvPr id="1" name=""/>
+        <p:cNvGrpSpPr/>
+        <p:nvPr/>
+      </p:nvGrpSpPr>
+      <p:grpSpPr>
+        <a:xfrm>
+          <a:off x="0" y="0"/>
+          <a:ext cx="0" cy="0"/>
+          <a:chOff x="0" y="0"/>
+          <a:chExt cx="0" cy="0"/>
+        </a:xfrm>
+      </p:grpSpPr>
+      <p:sp>
+        <p:nvSpPr>
+          <p:cNvPr id="1036" name="Flowchart: Document 1035">
+            <a:extLst>
+              <a:ext uri="{FF2B5EF4-FFF2-40B4-BE49-F238E27FC236}">
+                <a16:creationId xmlns:a16="http://schemas.microsoft.com/office/drawing/2014/main" id="{D12DDE76-C203-4047-9998-63900085B5E8}"/>
+              </a:ext>
+              <a:ext uri="{C183D7F6-B498-43B3-948B-1728B52AA6E4}">
+                <adec:decorative xmlns:adec="http://schemas.microsoft.com/office/drawing/2017/decorative" val="1"/>
+              </a:ext>
+            </a:extLst>
+          </p:cNvPr>
+          <p:cNvSpPr>
+            <a:spLocks noGrp="1" noRot="1" noChangeAspect="1" noMove="1" noResize="1" noEditPoints="1" noAdjustHandles="1" noChangeArrowheads="1" noChangeShapeType="1" noTextEdit="1"/>
+          </p:cNvSpPr>
+          <p:nvPr>
+            <p:extLst>
+              <p:ext uri="{386F3935-93C4-4BCD-93E2-E3B085C9AB24}">
+                <p16:designElem xmlns:p16="http://schemas.microsoft.com/office/powerpoint/2015/main" val="1"/>
+              </p:ext>
+            </p:extLst>
+          </p:nvPr>
+        </p:nvSpPr>
+        <p:spPr>
+          <a:xfrm>
+            <a:off x="638175" y="0"/>
+            <a:ext cx="3248025" cy="3400426"/>
+          </a:xfrm>
+          <a:prstGeom prst="flowChartDocument">
+            <a:avLst/>
+          </a:prstGeom>
+          <a:solidFill>
+            <a:srgbClr val="4B5362"/>
+          </a:solidFill>
+          <a:ln>
+            <a:noFill/>
+          </a:ln>
+        </p:spPr>
+        <p:style>
+          <a:lnRef idx="2">
+            <a:schemeClr val="accent1">
+              <a:shade val="50000"/>
+            </a:schemeClr>
+          </a:lnRef>
+          <a:fillRef idx="1">
+            <a:schemeClr val="accent1"/>
+          </a:fillRef>
+          <a:effectRef idx="0">
+            <a:schemeClr val="accent1"/>
+          </a:effectRef>
+          <a:fontRef idx="minor">
+            <a:schemeClr val="lt1"/>
+          </a:fontRef>
+        </p:style>
+        <p:txBody>
+          <a:bodyPr rtlCol="0" anchor="ctr"/>
+          <a:lstStyle/>
+          <a:p>
+            <a:pPr algn="ctr"/>
+            <a:endParaRPr lang="en-US"/>
+          </a:p>
+        </p:txBody>
+      </p:sp>
+      <p:sp>
+        <p:nvSpPr>
+          <p:cNvPr id="2" name="Title 1">
+            <a:extLst>
+              <a:ext uri="{FF2B5EF4-FFF2-40B4-BE49-F238E27FC236}">
+                <a16:creationId xmlns:a16="http://schemas.microsoft.com/office/drawing/2014/main" id="{042C824B-4279-4D47-92DD-71F5353FAA23}"/>
+              </a:ext>
+            </a:extLst>
+          </p:cNvPr>
+          <p:cNvSpPr>
+            <a:spLocks noGrp="1"/>
+          </p:cNvSpPr>
+          <p:nvPr>
+            <p:ph type="title"/>
+          </p:nvPr>
+        </p:nvSpPr>
+        <p:spPr>
+          <a:xfrm>
+            <a:off x="838200" y="171162"/>
+            <a:ext cx="2840182" cy="2371148"/>
+          </a:xfrm>
+        </p:spPr>
+        <p:txBody>
+          <a:bodyPr vert="horz" lIns="91440" tIns="45720" rIns="91440" bIns="45720" rtlCol="0" anchor="ctr">
+            <a:normAutofit/>
+          </a:bodyPr>
+          <a:lstStyle/>
+          <a:p>
+            <a:r>
+              <a:rPr lang="en-US" sz="3200" kern="1200" dirty="0">
+                <a:solidFill>
+                  <a:srgbClr val="FFFFFF"/>
+                </a:solidFill>
+                <a:latin typeface="+mj-lt"/>
+                <a:ea typeface="+mj-ea"/>
+                <a:cs typeface="+mj-cs"/>
+              </a:rPr>
+              <a:t>Robust LDA</a:t>
+            </a:r>
+          </a:p>
+        </p:txBody>
+      </p:sp>
+      <mc:AlternateContent xmlns:mc="http://schemas.openxmlformats.org/markup-compatibility/2006">
+        <mc:Choice xmlns:a14="http://schemas.microsoft.com/office/drawing/2010/main" Requires="a14">
+          <p:sp>
+            <p:nvSpPr>
+              <p:cNvPr id="3" name="TextBox 2">
+                <a:extLst>
+                  <a:ext uri="{FF2B5EF4-FFF2-40B4-BE49-F238E27FC236}">
+                    <a16:creationId xmlns:a16="http://schemas.microsoft.com/office/drawing/2014/main" id="{50FE390F-35C1-B42D-03C4-675CE536459A}"/>
+                  </a:ext>
+                </a:extLst>
+              </p:cNvPr>
+              <p:cNvSpPr txBox="1"/>
+              <p:nvPr/>
+            </p:nvSpPr>
+            <p:spPr>
+              <a:xfrm>
+                <a:off x="4086224" y="557212"/>
+                <a:ext cx="7384416" cy="5293757"/>
+              </a:xfrm>
+              <a:prstGeom prst="rect">
+                <a:avLst/>
+              </a:prstGeom>
+              <a:noFill/>
+            </p:spPr>
+            <p:txBody>
+              <a:bodyPr wrap="square" rtlCol="0">
+                <a:spAutoFit/>
+              </a:bodyPr>
+              <a:lstStyle/>
+              <a:p>
+                <a:pPr marL="457200" indent="-457200">
+                  <a:spcBef>
+                    <a:spcPts val="600"/>
+                  </a:spcBef>
+                  <a:buFont typeface="Arial" panose="020B0604020202020204" pitchFamily="34" charset="0"/>
+                  <a:buChar char="•"/>
+                </a:pPr>
+                <a:r>
+                  <a:rPr lang="en-US" sz="2800" dirty="0"/>
+                  <a:t>Use </a:t>
+                </a:r>
+                <a14:m>
+                  <m:oMath xmlns:m="http://schemas.openxmlformats.org/officeDocument/2006/math">
+                    <m:sSub>
+                      <m:sSubPr>
+                        <m:ctrlPr>
+                          <a:rPr lang="en-US" sz="2800" b="0" i="1" smtClean="0">
+                            <a:latin typeface="Cambria Math" panose="02040503050406030204" pitchFamily="18" charset="0"/>
+                          </a:rPr>
+                        </m:ctrlPr>
+                      </m:sSubPr>
+                      <m:e>
+                        <m:r>
+                          <a:rPr lang="en-US" sz="2800" b="0" i="1" smtClean="0">
+                            <a:latin typeface="Cambria Math" panose="02040503050406030204" pitchFamily="18" charset="0"/>
+                          </a:rPr>
+                          <m:t>𝐿</m:t>
+                        </m:r>
+                      </m:e>
+                      <m:sub>
+                        <m:r>
+                          <a:rPr lang="en-US" sz="2800" b="0" i="1" smtClean="0">
+                            <a:latin typeface="Cambria Math" panose="02040503050406030204" pitchFamily="18" charset="0"/>
+                          </a:rPr>
+                          <m:t>1</m:t>
+                        </m:r>
+                      </m:sub>
+                    </m:sSub>
+                  </m:oMath>
+                </a14:m>
+                <a:r>
+                  <a:rPr lang="en-US" sz="2800" dirty="0"/>
+                  <a:t>-norm to be robust to outliers and noise</a:t>
+                </a:r>
+              </a:p>
+              <a:p>
+                <a:pPr marL="457200" indent="-457200">
+                  <a:spcBef>
+                    <a:spcPts val="600"/>
+                  </a:spcBef>
+                  <a:buFont typeface="Arial" panose="020B0604020202020204" pitchFamily="34" charset="0"/>
+                  <a:buChar char="•"/>
+                </a:pPr>
+                <a:r>
+                  <a:rPr lang="en-US" sz="2800" dirty="0"/>
+                  <a:t>Prove robustness through Bhattacharyya’s error bound</a:t>
+                </a:r>
+              </a:p>
+              <a:p>
+                <a:pPr marL="914400" lvl="1" indent="-457200">
+                  <a:spcBef>
+                    <a:spcPts val="600"/>
+                  </a:spcBef>
+                  <a:buFont typeface="Arial" panose="020B0604020202020204" pitchFamily="34" charset="0"/>
+                  <a:buChar char="•"/>
+                </a:pPr>
+                <a:r>
+                  <a:rPr lang="en-US" sz="2800" dirty="0"/>
+                  <a:t>Guaranteed close bound to Bayes’ (irreducible) error</a:t>
+                </a:r>
+              </a:p>
+              <a:p>
+                <a:pPr marL="457200" indent="-457200">
+                  <a:spcBef>
+                    <a:spcPts val="600"/>
+                  </a:spcBef>
+                  <a:buFont typeface="Arial" panose="020B0604020202020204" pitchFamily="34" charset="0"/>
+                  <a:buChar char="•"/>
+                </a:pPr>
+                <a:r>
+                  <a:rPr lang="en-US" sz="2800" dirty="0"/>
+                  <a:t>Get decomposition through Alternating Direction Method of Multipliers (ADMM)</a:t>
+                </a:r>
+              </a:p>
+              <a:p>
+                <a:pPr marL="914400" lvl="1" indent="-457200">
+                  <a:spcBef>
+                    <a:spcPts val="600"/>
+                  </a:spcBef>
+                  <a:buFont typeface="Arial" panose="020B0604020202020204" pitchFamily="34" charset="0"/>
+                  <a:buChar char="•"/>
+                </a:pPr>
+                <a:r>
+                  <a:rPr lang="en-US" sz="2800" dirty="0"/>
+                  <a:t>Deals with nonconvex nature</a:t>
+                </a:r>
+              </a:p>
+              <a:p>
+                <a:pPr marL="914400" lvl="1" indent="-457200">
+                  <a:spcBef>
+                    <a:spcPts val="600"/>
+                  </a:spcBef>
+                  <a:buFont typeface="Arial" panose="020B0604020202020204" pitchFamily="34" charset="0"/>
+                  <a:buChar char="•"/>
+                </a:pPr>
+                <a:r>
+                  <a:rPr lang="en-US" sz="2800" dirty="0"/>
+                  <a:t>Able to extract more features</a:t>
+                </a:r>
+              </a:p>
+              <a:p>
+                <a:pPr marL="457200" indent="-457200">
+                  <a:spcBef>
+                    <a:spcPts val="600"/>
+                  </a:spcBef>
+                  <a:buFont typeface="Arial" panose="020B0604020202020204" pitchFamily="34" charset="0"/>
+                  <a:buChar char="•"/>
+                </a:pPr>
+                <a:r>
+                  <a:rPr lang="en-US" sz="2800" dirty="0"/>
+                  <a:t>Sparse: number of features large, number of observations limited</a:t>
+                </a:r>
+              </a:p>
+            </p:txBody>
+          </p:sp>
+        </mc:Choice>
+        <mc:Fallback>
+          <p:sp>
+            <p:nvSpPr>
+              <p:cNvPr id="3" name="TextBox 2">
+                <a:extLst>
+                  <a:ext uri="{FF2B5EF4-FFF2-40B4-BE49-F238E27FC236}">
+                    <a16:creationId xmlns:a16="http://schemas.microsoft.com/office/drawing/2014/main" id="{50FE390F-35C1-B42D-03C4-675CE536459A}"/>
+                  </a:ext>
+                </a:extLst>
+              </p:cNvPr>
+              <p:cNvSpPr txBox="1">
+                <a:spLocks noRot="1" noChangeAspect="1" noMove="1" noResize="1" noEditPoints="1" noAdjustHandles="1" noChangeArrowheads="1" noChangeShapeType="1" noTextEdit="1"/>
+              </p:cNvSpPr>
+              <p:nvPr/>
+            </p:nvSpPr>
+            <p:spPr>
+              <a:xfrm>
+                <a:off x="4086224" y="557212"/>
+                <a:ext cx="7384416" cy="5293757"/>
+              </a:xfrm>
+              <a:prstGeom prst="rect">
+                <a:avLst/>
+              </a:prstGeom>
+              <a:blipFill>
+                <a:blip r:embed="rId3"/>
+                <a:stretch>
+                  <a:fillRect l="-1485" t="-1036" r="-1568" b="-2301"/>
+                </a:stretch>
+              </a:blipFill>
+            </p:spPr>
+            <p:txBody>
+              <a:bodyPr/>
+              <a:lstStyle/>
+              <a:p>
+                <a:r>
+                  <a:rPr lang="en-US">
+                    <a:noFill/>
+                  </a:rPr>
+                  <a:t> </a:t>
+                </a:r>
+              </a:p>
+            </p:txBody>
+          </p:sp>
+        </mc:Fallback>
+      </mc:AlternateContent>
+    </p:spTree>
+    <p:extLst>
+      <p:ext uri="{BB962C8B-B14F-4D97-AF65-F5344CB8AC3E}">
+        <p14:creationId xmlns:p14="http://schemas.microsoft.com/office/powerpoint/2010/main" val="3237471591"/>
+      </p:ext>
+    </p:extLst>
+  </p:cSld>
+  <p:clrMapOvr>
+    <a:masterClrMapping/>
+  </p:clrMapOvr>
+</p:sld>
+</file>
+
+<file path=ppt/slides/slide6.xml><?xml version="1.0" encoding="utf-8"?>
+<p:sld xmlns:a="http://schemas.openxmlformats.org/drawingml/2006/main" xmlns:r="http://schemas.openxmlformats.org/officeDocument/2006/relationships" xmlns:p="http://schemas.openxmlformats.org/presentationml/2006/main">
+  <p:cSld>
+    <p:bg>
+      <p:bgPr>
+        <a:solidFill>
+          <a:schemeClr val="bg1"/>
+        </a:solidFill>
+        <a:effectLst/>
+      </p:bgPr>
+    </p:bg>
+    <p:spTree>
+      <p:nvGrpSpPr>
+        <p:cNvPr id="1" name=""/>
+        <p:cNvGrpSpPr/>
+        <p:nvPr/>
+      </p:nvGrpSpPr>
+      <p:grpSpPr>
+        <a:xfrm>
+          <a:off x="0" y="0"/>
+          <a:ext cx="0" cy="0"/>
+          <a:chOff x="0" y="0"/>
+          <a:chExt cx="0" cy="0"/>
+        </a:xfrm>
+      </p:grpSpPr>
+      <p:sp>
+        <p:nvSpPr>
+          <p:cNvPr id="1036" name="Flowchart: Document 1035">
+            <a:extLst>
+              <a:ext uri="{FF2B5EF4-FFF2-40B4-BE49-F238E27FC236}">
+                <a16:creationId xmlns:a16="http://schemas.microsoft.com/office/drawing/2014/main" id="{D12DDE76-C203-4047-9998-63900085B5E8}"/>
+              </a:ext>
+              <a:ext uri="{C183D7F6-B498-43B3-948B-1728B52AA6E4}">
+                <adec:decorative xmlns:adec="http://schemas.microsoft.com/office/drawing/2017/decorative" val="1"/>
+              </a:ext>
+            </a:extLst>
+          </p:cNvPr>
+          <p:cNvSpPr>
+            <a:spLocks noGrp="1" noRot="1" noChangeAspect="1" noMove="1" noResize="1" noEditPoints="1" noAdjustHandles="1" noChangeArrowheads="1" noChangeShapeType="1" noTextEdit="1"/>
+          </p:cNvSpPr>
+          <p:nvPr>
+            <p:extLst>
+              <p:ext uri="{386F3935-93C4-4BCD-93E2-E3B085C9AB24}">
+                <p16:designElem xmlns:p16="http://schemas.microsoft.com/office/powerpoint/2015/main" val="1"/>
+              </p:ext>
+            </p:extLst>
+          </p:nvPr>
+        </p:nvSpPr>
+        <p:spPr>
+          <a:xfrm>
+            <a:off x="638175" y="0"/>
+            <a:ext cx="3248025" cy="3400426"/>
+          </a:xfrm>
+          <a:prstGeom prst="flowChartDocument">
+            <a:avLst/>
+          </a:prstGeom>
+          <a:solidFill>
+            <a:srgbClr val="4B5362"/>
+          </a:solidFill>
+          <a:ln>
+            <a:noFill/>
+          </a:ln>
+        </p:spPr>
+        <p:style>
+          <a:lnRef idx="2">
+            <a:schemeClr val="accent1">
+              <a:shade val="50000"/>
+            </a:schemeClr>
+          </a:lnRef>
+          <a:fillRef idx="1">
+            <a:schemeClr val="accent1"/>
+          </a:fillRef>
+          <a:effectRef idx="0">
+            <a:schemeClr val="accent1"/>
+          </a:effectRef>
+          <a:fontRef idx="minor">
+            <a:schemeClr val="lt1"/>
+          </a:fontRef>
+        </p:style>
+        <p:txBody>
+          <a:bodyPr rtlCol="0" anchor="ctr"/>
+          <a:lstStyle/>
+          <a:p>
+            <a:pPr algn="ctr"/>
+            <a:endParaRPr lang="en-US"/>
+          </a:p>
+        </p:txBody>
+      </p:sp>
+      <p:sp>
+        <p:nvSpPr>
+          <p:cNvPr id="2" name="Title 1">
+            <a:extLst>
+              <a:ext uri="{FF2B5EF4-FFF2-40B4-BE49-F238E27FC236}">
+                <a16:creationId xmlns:a16="http://schemas.microsoft.com/office/drawing/2014/main" id="{042C824B-4279-4D47-92DD-71F5353FAA23}"/>
+              </a:ext>
+            </a:extLst>
+          </p:cNvPr>
+          <p:cNvSpPr>
+            <a:spLocks noGrp="1"/>
+          </p:cNvSpPr>
+          <p:nvPr>
+            <p:ph type="title"/>
+          </p:nvPr>
+        </p:nvSpPr>
+        <p:spPr>
+          <a:xfrm>
+            <a:off x="838200" y="171162"/>
+            <a:ext cx="2840182" cy="2371148"/>
+          </a:xfrm>
+        </p:spPr>
+        <p:txBody>
+          <a:bodyPr vert="horz" lIns="91440" tIns="45720" rIns="91440" bIns="45720" rtlCol="0" anchor="ctr">
+            <a:normAutofit/>
+          </a:bodyPr>
+          <a:lstStyle/>
+          <a:p>
+            <a:r>
+              <a:rPr lang="en-US" sz="3200" kern="1200" dirty="0">
+                <a:solidFill>
+                  <a:srgbClr val="FFFFFF"/>
+                </a:solidFill>
+                <a:latin typeface="+mj-lt"/>
+                <a:ea typeface="+mj-ea"/>
+                <a:cs typeface="+mj-cs"/>
+              </a:rPr>
+              <a:t>Alternating Direction Method of Multipliers</a:t>
+            </a:r>
+          </a:p>
+        </p:txBody>
+      </p:sp>
+      <p:sp>
+        <p:nvSpPr>
+          <p:cNvPr id="3" name="TextBox 2">
+            <a:extLst>
+              <a:ext uri="{FF2B5EF4-FFF2-40B4-BE49-F238E27FC236}">
+                <a16:creationId xmlns:a16="http://schemas.microsoft.com/office/drawing/2014/main" id="{50FE390F-35C1-B42D-03C4-675CE536459A}"/>
+              </a:ext>
+            </a:extLst>
+          </p:cNvPr>
+          <p:cNvSpPr txBox="1"/>
+          <p:nvPr/>
+        </p:nvSpPr>
+        <p:spPr>
+          <a:xfrm>
+            <a:off x="4086224" y="557212"/>
+            <a:ext cx="7384416" cy="2554545"/>
+          </a:xfrm>
+          <a:prstGeom prst="rect">
+            <a:avLst/>
+          </a:prstGeom>
+          <a:noFill/>
+        </p:spPr>
+        <p:txBody>
+          <a:bodyPr wrap="square" rtlCol="0">
+            <a:spAutoFit/>
+          </a:bodyPr>
+          <a:lstStyle/>
+          <a:p>
+            <a:pPr marL="457200" indent="-457200">
+              <a:spcBef>
+                <a:spcPts val="600"/>
+              </a:spcBef>
+              <a:buFont typeface="Arial" panose="020B0604020202020204" pitchFamily="34" charset="0"/>
+              <a:buChar char="•"/>
+            </a:pPr>
+            <a:r>
+              <a:rPr lang="en-US" sz="2800" dirty="0"/>
+              <a:t>Rewrite the minimization to the form</a:t>
+            </a:r>
+          </a:p>
+          <a:p>
+            <a:pPr marL="457200" indent="-457200">
+              <a:spcBef>
+                <a:spcPts val="600"/>
+              </a:spcBef>
+              <a:buFont typeface="Arial" panose="020B0604020202020204" pitchFamily="34" charset="0"/>
+              <a:buChar char="•"/>
+            </a:pPr>
+            <a:endParaRPr lang="en-US" sz="2800" dirty="0"/>
+          </a:p>
+          <a:p>
+            <a:pPr marL="457200" indent="-457200">
+              <a:spcBef>
+                <a:spcPts val="600"/>
+              </a:spcBef>
+              <a:buFont typeface="Arial" panose="020B0604020202020204" pitchFamily="34" charset="0"/>
+              <a:buChar char="•"/>
+            </a:pPr>
+            <a:endParaRPr lang="en-US" sz="2800" dirty="0"/>
+          </a:p>
+          <a:p>
+            <a:pPr marL="457200" indent="-457200">
+              <a:spcBef>
+                <a:spcPts val="600"/>
+              </a:spcBef>
+              <a:buFont typeface="Arial" panose="020B0604020202020204" pitchFamily="34" charset="0"/>
+              <a:buChar char="•"/>
+            </a:pPr>
+            <a:r>
+              <a:rPr lang="en-US" sz="2800" dirty="0"/>
+              <a:t>Add penalty</a:t>
+            </a:r>
+          </a:p>
+          <a:p>
+            <a:pPr marL="457200" indent="-457200">
+              <a:spcBef>
+                <a:spcPts val="600"/>
+              </a:spcBef>
+              <a:buFont typeface="Arial" panose="020B0604020202020204" pitchFamily="34" charset="0"/>
+              <a:buChar char="•"/>
+            </a:pPr>
+            <a:r>
+              <a:rPr lang="en-US" sz="2800" dirty="0"/>
+              <a:t>We know how to minimize efficiently</a:t>
+            </a:r>
+          </a:p>
+        </p:txBody>
+      </p:sp>
+      <p:pic>
+        <p:nvPicPr>
+          <p:cNvPr id="5" name="Picture 4">
+            <a:extLst>
+              <a:ext uri="{FF2B5EF4-FFF2-40B4-BE49-F238E27FC236}">
+                <a16:creationId xmlns:a16="http://schemas.microsoft.com/office/drawing/2014/main" id="{261B8725-9F00-C620-E13A-F0C8C48F04B5}"/>
+              </a:ext>
+            </a:extLst>
+          </p:cNvPr>
+          <p:cNvPicPr>
+            <a:picLocks noChangeAspect="1"/>
+          </p:cNvPicPr>
+          <p:nvPr/>
+        </p:nvPicPr>
+        <p:blipFill rotWithShape="1">
+          <a:blip r:embed="rId3"/>
+          <a:srcRect l="47049" t="46509"/>
+          <a:stretch/>
+        </p:blipFill>
+        <p:spPr>
+          <a:xfrm>
+            <a:off x="5770880" y="1130379"/>
+            <a:ext cx="3578448" cy="782761"/>
+          </a:xfrm>
+          <a:prstGeom prst="rect">
+            <a:avLst/>
+          </a:prstGeom>
+        </p:spPr>
+      </p:pic>
+      <p:pic>
+        <p:nvPicPr>
+          <p:cNvPr id="7" name="Picture 6">
+            <a:extLst>
+              <a:ext uri="{FF2B5EF4-FFF2-40B4-BE49-F238E27FC236}">
+                <a16:creationId xmlns:a16="http://schemas.microsoft.com/office/drawing/2014/main" id="{9D6B1EDA-5CC1-17AF-0AA0-1314B9F334E3}"/>
+              </a:ext>
+            </a:extLst>
+          </p:cNvPr>
+          <p:cNvPicPr>
+            <a:picLocks noChangeAspect="1"/>
+          </p:cNvPicPr>
+          <p:nvPr/>
+        </p:nvPicPr>
+        <p:blipFill>
+          <a:blip r:embed="rId4"/>
+          <a:stretch>
+            <a:fillRect/>
+          </a:stretch>
+        </p:blipFill>
+        <p:spPr>
+          <a:xfrm>
+            <a:off x="3886200" y="3035106"/>
+            <a:ext cx="7064624" cy="2143875"/>
+          </a:xfrm>
+          <a:prstGeom prst="rect">
+            <a:avLst/>
+          </a:prstGeom>
+        </p:spPr>
+      </p:pic>
+      <p:sp>
+        <p:nvSpPr>
+          <p:cNvPr id="4" name="TextBox 3">
+            <a:extLst>
+              <a:ext uri="{FF2B5EF4-FFF2-40B4-BE49-F238E27FC236}">
+                <a16:creationId xmlns:a16="http://schemas.microsoft.com/office/drawing/2014/main" id="{C38C0196-409D-C8B6-3B08-F1442C9B36FB}"/>
+              </a:ext>
+            </a:extLst>
+          </p:cNvPr>
+          <p:cNvSpPr txBox="1"/>
+          <p:nvPr/>
+        </p:nvSpPr>
+        <p:spPr>
+          <a:xfrm>
+            <a:off x="9349328" y="1134977"/>
+            <a:ext cx="1804183" cy="369332"/>
+          </a:xfrm>
+          <a:prstGeom prst="rect">
+            <a:avLst/>
+          </a:prstGeom>
+          <a:noFill/>
+        </p:spPr>
+        <p:txBody>
+          <a:bodyPr wrap="square" rtlCol="0">
+            <a:spAutoFit/>
+          </a:bodyPr>
+          <a:lstStyle/>
+          <a:p>
+            <a:r>
+              <a:rPr lang="en-US" dirty="0"/>
+              <a:t>Figure. [2]</a:t>
+            </a:r>
+          </a:p>
+        </p:txBody>
+      </p:sp>
+      <p:sp>
+        <p:nvSpPr>
+          <p:cNvPr id="6" name="TextBox 5">
+            <a:extLst>
+              <a:ext uri="{FF2B5EF4-FFF2-40B4-BE49-F238E27FC236}">
+                <a16:creationId xmlns:a16="http://schemas.microsoft.com/office/drawing/2014/main" id="{22CD9BA0-35E2-66F4-A46C-DFEFB4DB814F}"/>
+              </a:ext>
+            </a:extLst>
+          </p:cNvPr>
+          <p:cNvSpPr txBox="1"/>
+          <p:nvPr/>
+        </p:nvSpPr>
+        <p:spPr>
+          <a:xfrm>
+            <a:off x="5884581" y="5178981"/>
+            <a:ext cx="3787702" cy="646331"/>
+          </a:xfrm>
+          <a:prstGeom prst="rect">
+            <a:avLst/>
+          </a:prstGeom>
+          <a:noFill/>
+        </p:spPr>
+        <p:txBody>
+          <a:bodyPr wrap="square" rtlCol="0">
+            <a:spAutoFit/>
+          </a:bodyPr>
+          <a:lstStyle/>
+          <a:p>
+            <a:r>
+              <a:rPr lang="en-US" dirty="0"/>
+              <a:t>Figure. Augmented </a:t>
+            </a:r>
+            <a:r>
+              <a:rPr lang="en-US" dirty="0" err="1"/>
+              <a:t>Lagrangian</a:t>
+            </a:r>
+            <a:r>
+              <a:rPr lang="en-US" dirty="0"/>
+              <a:t> and minimization of two variables [2]</a:t>
+            </a:r>
+          </a:p>
+        </p:txBody>
+      </p:sp>
+    </p:spTree>
+    <p:extLst>
+      <p:ext uri="{BB962C8B-B14F-4D97-AF65-F5344CB8AC3E}">
+        <p14:creationId xmlns:p14="http://schemas.microsoft.com/office/powerpoint/2010/main" val="3675010389"/>
+      </p:ext>
+    </p:extLst>
+  </p:cSld>
+  <p:clrMapOvr>
+    <a:masterClrMapping/>
+  </p:clrMapOvr>
+</p:sld>
+</file>
+
+<file path=ppt/slides/slide7.xml><?xml version="1.0" encoding="utf-8"?>
+<p:sld xmlns:a="http://schemas.openxmlformats.org/drawingml/2006/main" xmlns:r="http://schemas.openxmlformats.org/officeDocument/2006/relationships" xmlns:p="http://schemas.openxmlformats.org/presentationml/2006/main">
+  <p:cSld>
+    <p:bg>
+      <p:bgPr>
+        <a:solidFill>
+          <a:schemeClr val="bg1"/>
+        </a:solidFill>
+        <a:effectLst/>
+      </p:bgPr>
+    </p:bg>
+    <p:spTree>
+      <p:nvGrpSpPr>
+        <p:cNvPr id="1" name=""/>
+        <p:cNvGrpSpPr/>
+        <p:nvPr/>
+      </p:nvGrpSpPr>
+      <p:grpSpPr>
+        <a:xfrm>
+          <a:off x="0" y="0"/>
+          <a:ext cx="0" cy="0"/>
+          <a:chOff x="0" y="0"/>
+          <a:chExt cx="0" cy="0"/>
+        </a:xfrm>
+      </p:grpSpPr>
+      <p:sp>
+        <p:nvSpPr>
+          <p:cNvPr id="1036" name="Flowchart: Document 1035">
+            <a:extLst>
+              <a:ext uri="{FF2B5EF4-FFF2-40B4-BE49-F238E27FC236}">
+                <a16:creationId xmlns:a16="http://schemas.microsoft.com/office/drawing/2014/main" id="{D12DDE76-C203-4047-9998-63900085B5E8}"/>
+              </a:ext>
+              <a:ext uri="{C183D7F6-B498-43B3-948B-1728B52AA6E4}">
+                <adec:decorative xmlns:adec="http://schemas.microsoft.com/office/drawing/2017/decorative" val="1"/>
+              </a:ext>
+            </a:extLst>
+          </p:cNvPr>
+          <p:cNvSpPr>
+            <a:spLocks noGrp="1" noRot="1" noChangeAspect="1" noMove="1" noResize="1" noEditPoints="1" noAdjustHandles="1" noChangeArrowheads="1" noChangeShapeType="1" noTextEdit="1"/>
+          </p:cNvSpPr>
+          <p:nvPr>
+            <p:extLst>
+              <p:ext uri="{386F3935-93C4-4BCD-93E2-E3B085C9AB24}">
+                <p16:designElem xmlns:p16="http://schemas.microsoft.com/office/powerpoint/2015/main" val="1"/>
+              </p:ext>
+            </p:extLst>
+          </p:nvPr>
+        </p:nvSpPr>
+        <p:spPr>
+          <a:xfrm>
+            <a:off x="638175" y="0"/>
+            <a:ext cx="3248025" cy="3400426"/>
+          </a:xfrm>
+          <a:prstGeom prst="flowChartDocument">
+            <a:avLst/>
+          </a:prstGeom>
+          <a:solidFill>
+            <a:srgbClr val="4B5362"/>
+          </a:solidFill>
+          <a:ln>
+            <a:noFill/>
+          </a:ln>
+        </p:spPr>
+        <p:style>
+          <a:lnRef idx="2">
+            <a:schemeClr val="accent1">
+              <a:shade val="50000"/>
+            </a:schemeClr>
+          </a:lnRef>
+          <a:fillRef idx="1">
+            <a:schemeClr val="accent1"/>
+          </a:fillRef>
+          <a:effectRef idx="0">
+            <a:schemeClr val="accent1"/>
+          </a:effectRef>
+          <a:fontRef idx="minor">
+            <a:schemeClr val="lt1"/>
+          </a:fontRef>
+        </p:style>
+        <p:txBody>
+          <a:bodyPr rtlCol="0" anchor="ctr"/>
+          <a:lstStyle/>
+          <a:p>
+            <a:pPr algn="ctr"/>
+            <a:endParaRPr lang="en-US"/>
+          </a:p>
+        </p:txBody>
+      </p:sp>
+      <p:sp>
+        <p:nvSpPr>
+          <p:cNvPr id="2" name="Title 1">
+            <a:extLst>
+              <a:ext uri="{FF2B5EF4-FFF2-40B4-BE49-F238E27FC236}">
+                <a16:creationId xmlns:a16="http://schemas.microsoft.com/office/drawing/2014/main" id="{042C824B-4279-4D47-92DD-71F5353FAA23}"/>
+              </a:ext>
+            </a:extLst>
+          </p:cNvPr>
+          <p:cNvSpPr>
+            <a:spLocks noGrp="1"/>
+          </p:cNvSpPr>
+          <p:nvPr>
+            <p:ph type="title"/>
+          </p:nvPr>
+        </p:nvSpPr>
+        <p:spPr>
+          <a:xfrm>
+            <a:off x="838200" y="171162"/>
+            <a:ext cx="2840182" cy="2371148"/>
+          </a:xfrm>
+        </p:spPr>
+        <p:txBody>
+          <a:bodyPr vert="horz" lIns="91440" tIns="45720" rIns="91440" bIns="45720" rtlCol="0" anchor="ctr">
+            <a:normAutofit/>
+          </a:bodyPr>
+          <a:lstStyle/>
+          <a:p>
+            <a:r>
+              <a:rPr lang="en-US" sz="3200" kern="1200" dirty="0">
+                <a:solidFill>
+                  <a:srgbClr val="FFFFFF"/>
+                </a:solidFill>
+                <a:latin typeface="+mj-lt"/>
+                <a:ea typeface="+mj-ea"/>
+                <a:cs typeface="+mj-cs"/>
+              </a:rPr>
+              <a:t>Methodology</a:t>
+            </a:r>
+          </a:p>
+        </p:txBody>
+      </p:sp>
+      <p:sp>
+        <p:nvSpPr>
+          <p:cNvPr id="3" name="TextBox 2">
+            <a:extLst>
+              <a:ext uri="{FF2B5EF4-FFF2-40B4-BE49-F238E27FC236}">
+                <a16:creationId xmlns:a16="http://schemas.microsoft.com/office/drawing/2014/main" id="{50FE390F-35C1-B42D-03C4-675CE536459A}"/>
+              </a:ext>
+            </a:extLst>
+          </p:cNvPr>
+          <p:cNvSpPr txBox="1"/>
+          <p:nvPr/>
+        </p:nvSpPr>
+        <p:spPr>
+          <a:xfrm>
+            <a:off x="4086224" y="557212"/>
+            <a:ext cx="7384416" cy="1969770"/>
+          </a:xfrm>
+          <a:prstGeom prst="rect">
+            <a:avLst/>
+          </a:prstGeom>
+          <a:noFill/>
+        </p:spPr>
+        <p:txBody>
+          <a:bodyPr wrap="square" rtlCol="0">
+            <a:spAutoFit/>
+          </a:bodyPr>
+          <a:lstStyle/>
+          <a:p>
+            <a:pPr marL="457200" indent="-457200">
+              <a:spcBef>
+                <a:spcPts val="600"/>
+              </a:spcBef>
+              <a:buFont typeface="Arial" panose="020B0604020202020204" pitchFamily="34" charset="0"/>
+              <a:buChar char="•"/>
+            </a:pPr>
+            <a:r>
+              <a:rPr lang="en-US" sz="2800" dirty="0"/>
+              <a:t>Compare multiple dimensionality reducing algorithms</a:t>
+            </a:r>
+          </a:p>
+          <a:p>
+            <a:pPr marL="457200" indent="-457200">
+              <a:spcBef>
+                <a:spcPts val="600"/>
+              </a:spcBef>
+              <a:buFont typeface="Arial" panose="020B0604020202020204" pitchFamily="34" charset="0"/>
+              <a:buChar char="•"/>
+            </a:pPr>
+            <a:r>
+              <a:rPr lang="en-US" sz="2800" dirty="0"/>
+              <a:t>Use artificial and real datasets</a:t>
+            </a:r>
+          </a:p>
+          <a:p>
+            <a:pPr marL="457200" indent="-457200">
+              <a:spcBef>
+                <a:spcPts val="600"/>
+              </a:spcBef>
+              <a:buFont typeface="Arial" panose="020B0604020202020204" pitchFamily="34" charset="0"/>
+              <a:buChar char="•"/>
+            </a:pPr>
+            <a:r>
+              <a:rPr lang="en-US" sz="2800" dirty="0"/>
+              <a:t>Measure accuracy and time</a:t>
+            </a:r>
+          </a:p>
+        </p:txBody>
+      </p:sp>
+      <p:pic>
+        <p:nvPicPr>
+          <p:cNvPr id="9" name="Picture 8">
+            <a:extLst>
+              <a:ext uri="{FF2B5EF4-FFF2-40B4-BE49-F238E27FC236}">
+                <a16:creationId xmlns:a16="http://schemas.microsoft.com/office/drawing/2014/main" id="{C22F6917-6EFD-72E1-E7AC-E44A98ADD1D2}"/>
+              </a:ext>
+            </a:extLst>
+          </p:cNvPr>
+          <p:cNvPicPr>
+            <a:picLocks noChangeAspect="1"/>
+          </p:cNvPicPr>
+          <p:nvPr/>
+        </p:nvPicPr>
+        <p:blipFill>
+          <a:blip r:embed="rId3"/>
+          <a:stretch>
+            <a:fillRect/>
+          </a:stretch>
+        </p:blipFill>
+        <p:spPr>
+          <a:xfrm>
+            <a:off x="5029200" y="2447744"/>
+            <a:ext cx="4251488" cy="3853044"/>
+          </a:xfrm>
+          <a:prstGeom prst="rect">
+            <a:avLst/>
+          </a:prstGeom>
+        </p:spPr>
+      </p:pic>
+      <p:sp>
+        <p:nvSpPr>
+          <p:cNvPr id="4" name="TextBox 3">
+            <a:extLst>
+              <a:ext uri="{FF2B5EF4-FFF2-40B4-BE49-F238E27FC236}">
+                <a16:creationId xmlns:a16="http://schemas.microsoft.com/office/drawing/2014/main" id="{219A6757-CB02-B034-064F-8CF552A8E21E}"/>
+              </a:ext>
+            </a:extLst>
+          </p:cNvPr>
+          <p:cNvSpPr txBox="1"/>
+          <p:nvPr/>
+        </p:nvSpPr>
+        <p:spPr>
+          <a:xfrm>
+            <a:off x="4560124" y="6300788"/>
+            <a:ext cx="5260770" cy="369332"/>
+          </a:xfrm>
+          <a:prstGeom prst="rect">
+            <a:avLst/>
+          </a:prstGeom>
+          <a:noFill/>
+        </p:spPr>
+        <p:txBody>
+          <a:bodyPr wrap="square" rtlCol="0">
+            <a:spAutoFit/>
+          </a:bodyPr>
+          <a:lstStyle/>
+          <a:p>
+            <a:r>
+              <a:rPr lang="en-US" dirty="0"/>
+              <a:t>Figure. Samples of the noisy female Indian dataset [1]</a:t>
+            </a:r>
+          </a:p>
+        </p:txBody>
+      </p:sp>
+    </p:spTree>
+    <p:extLst>
+      <p:ext uri="{BB962C8B-B14F-4D97-AF65-F5344CB8AC3E}">
+        <p14:creationId xmlns:p14="http://schemas.microsoft.com/office/powerpoint/2010/main" val="2016537166"/>
+      </p:ext>
+    </p:extLst>
+  </p:cSld>
+  <p:clrMapOvr>
+    <a:masterClrMapping/>
+  </p:clrMapOvr>
+</p:sld>
+</file>
+
+<file path=ppt/slides/slide8.xml><?xml version="1.0" encoding="utf-8"?>
+<p:sld xmlns:a="http://schemas.openxmlformats.org/drawingml/2006/main" xmlns:r="http://schemas.openxmlformats.org/officeDocument/2006/relationships" xmlns:p="http://schemas.openxmlformats.org/presentationml/2006/main">
+  <p:cSld>
+    <p:bg>
+      <p:bgPr>
+        <a:solidFill>
+          <a:schemeClr val="bg1"/>
+        </a:solidFill>
+        <a:effectLst/>
+      </p:bgPr>
+    </p:bg>
+    <p:spTree>
+      <p:nvGrpSpPr>
+        <p:cNvPr id="1" name=""/>
+        <p:cNvGrpSpPr/>
+        <p:nvPr/>
+      </p:nvGrpSpPr>
+      <p:grpSpPr>
+        <a:xfrm>
+          <a:off x="0" y="0"/>
+          <a:ext cx="0" cy="0"/>
+          <a:chOff x="0" y="0"/>
+          <a:chExt cx="0" cy="0"/>
+        </a:xfrm>
+      </p:grpSpPr>
+      <p:sp>
+        <p:nvSpPr>
+          <p:cNvPr id="1036" name="Flowchart: Document 1035">
+            <a:extLst>
+              <a:ext uri="{FF2B5EF4-FFF2-40B4-BE49-F238E27FC236}">
+                <a16:creationId xmlns:a16="http://schemas.microsoft.com/office/drawing/2014/main" id="{D12DDE76-C203-4047-9998-63900085B5E8}"/>
+              </a:ext>
+              <a:ext uri="{C183D7F6-B498-43B3-948B-1728B52AA6E4}">
+                <adec:decorative xmlns:adec="http://schemas.microsoft.com/office/drawing/2017/decorative" val="1"/>
+              </a:ext>
+            </a:extLst>
+          </p:cNvPr>
+          <p:cNvSpPr>
+            <a:spLocks noGrp="1" noRot="1" noChangeAspect="1" noMove="1" noResize="1" noEditPoints="1" noAdjustHandles="1" noChangeArrowheads="1" noChangeShapeType="1" noTextEdit="1"/>
+          </p:cNvSpPr>
+          <p:nvPr>
+            <p:extLst>
+              <p:ext uri="{386F3935-93C4-4BCD-93E2-E3B085C9AB24}">
+                <p16:designElem xmlns:p16="http://schemas.microsoft.com/office/powerpoint/2015/main" val="1"/>
+              </p:ext>
+            </p:extLst>
+          </p:nvPr>
+        </p:nvSpPr>
+        <p:spPr>
+          <a:xfrm>
+            <a:off x="638175" y="0"/>
+            <a:ext cx="3248025" cy="3400426"/>
+          </a:xfrm>
+          <a:prstGeom prst="flowChartDocument">
+            <a:avLst/>
+          </a:prstGeom>
+          <a:solidFill>
+            <a:srgbClr val="4B5362"/>
+          </a:solidFill>
+          <a:ln>
+            <a:noFill/>
+          </a:ln>
+        </p:spPr>
+        <p:style>
+          <a:lnRef idx="2">
+            <a:schemeClr val="accent1">
+              <a:shade val="50000"/>
+            </a:schemeClr>
+          </a:lnRef>
+          <a:fillRef idx="1">
+            <a:schemeClr val="accent1"/>
+          </a:fillRef>
+          <a:effectRef idx="0">
+            <a:schemeClr val="accent1"/>
+          </a:effectRef>
+          <a:fontRef idx="minor">
+            <a:schemeClr val="lt1"/>
+          </a:fontRef>
+        </p:style>
+        <p:txBody>
+          <a:bodyPr rtlCol="0" anchor="ctr"/>
+          <a:lstStyle/>
+          <a:p>
+            <a:pPr algn="ctr"/>
+            <a:endParaRPr lang="en-US"/>
+          </a:p>
+        </p:txBody>
+      </p:sp>
+      <p:sp>
+        <p:nvSpPr>
+          <p:cNvPr id="2" name="Title 1">
+            <a:extLst>
+              <a:ext uri="{FF2B5EF4-FFF2-40B4-BE49-F238E27FC236}">
+                <a16:creationId xmlns:a16="http://schemas.microsoft.com/office/drawing/2014/main" id="{042C824B-4279-4D47-92DD-71F5353FAA23}"/>
+              </a:ext>
+            </a:extLst>
+          </p:cNvPr>
+          <p:cNvSpPr>
+            <a:spLocks noGrp="1"/>
+          </p:cNvSpPr>
+          <p:nvPr>
+            <p:ph type="title"/>
+          </p:nvPr>
+        </p:nvSpPr>
+        <p:spPr>
+          <a:xfrm>
+            <a:off x="838200" y="171162"/>
+            <a:ext cx="2840182" cy="2371148"/>
+          </a:xfrm>
+        </p:spPr>
+        <p:txBody>
+          <a:bodyPr vert="horz" lIns="91440" tIns="45720" rIns="91440" bIns="45720" rtlCol="0" anchor="ctr">
+            <a:normAutofit/>
+          </a:bodyPr>
+          <a:lstStyle/>
+          <a:p>
+            <a:r>
+              <a:rPr lang="en-US" sz="3200" kern="1200" dirty="0">
+                <a:solidFill>
+                  <a:srgbClr val="FFFFFF"/>
+                </a:solidFill>
+                <a:latin typeface="+mj-lt"/>
+                <a:ea typeface="+mj-ea"/>
+                <a:cs typeface="+mj-cs"/>
+              </a:rPr>
+              <a:t>Citations</a:t>
+            </a:r>
+          </a:p>
+        </p:txBody>
+      </p:sp>
+      <p:sp>
+        <p:nvSpPr>
+          <p:cNvPr id="3" name="TextBox 2">
+            <a:extLst>
+              <a:ext uri="{FF2B5EF4-FFF2-40B4-BE49-F238E27FC236}">
+                <a16:creationId xmlns:a16="http://schemas.microsoft.com/office/drawing/2014/main" id="{50FE390F-35C1-B42D-03C4-675CE536459A}"/>
+              </a:ext>
+            </a:extLst>
+          </p:cNvPr>
+          <p:cNvSpPr txBox="1"/>
+          <p:nvPr/>
+        </p:nvSpPr>
+        <p:spPr>
+          <a:xfrm>
+            <a:off x="4086224" y="557212"/>
+            <a:ext cx="7384416" cy="5416868"/>
+          </a:xfrm>
+          <a:prstGeom prst="rect">
+            <a:avLst/>
+          </a:prstGeom>
+          <a:noFill/>
+        </p:spPr>
+        <p:txBody>
+          <a:bodyPr wrap="square" rtlCol="0">
+            <a:spAutoFit/>
+          </a:bodyPr>
+          <a:lstStyle/>
+          <a:p>
+            <a:pPr marL="457200" indent="-457200">
+              <a:spcBef>
+                <a:spcPts val="600"/>
+              </a:spcBef>
+              <a:buFont typeface="Arial" panose="020B0604020202020204" pitchFamily="34" charset="0"/>
+              <a:buChar char="•"/>
+            </a:pPr>
+            <a:r>
+              <a:rPr lang="en-US" sz="2800" dirty="0"/>
+              <a:t>[1]: C. -N. Li, Y. -H. Shao, W. Yin and M. -Z. Liu, "Robust and Sparse Linear Discriminant Analysis via an Alternating Direction Method of Multipliers," in </a:t>
+            </a:r>
+            <a:r>
+              <a:rPr lang="en-US" sz="2800" i="1" dirty="0"/>
+              <a:t>IEEE Transactions on Neural Networks and Learning Systems</a:t>
+            </a:r>
+            <a:r>
+              <a:rPr lang="en-US" sz="2800" dirty="0"/>
+              <a:t>, vol. 31, no. 3, pp. 915-926, March 2020, </a:t>
+            </a:r>
+            <a:r>
+              <a:rPr lang="en-US" sz="2800" dirty="0" err="1"/>
+              <a:t>doi</a:t>
+            </a:r>
+            <a:r>
+              <a:rPr lang="en-US" sz="2800" dirty="0"/>
+              <a:t>: 10.1109/TNNLS.2019.2910991.</a:t>
+            </a:r>
+          </a:p>
+          <a:p>
+            <a:pPr marL="457200" indent="-457200">
+              <a:spcBef>
+                <a:spcPts val="600"/>
+              </a:spcBef>
+              <a:buFont typeface="Arial" panose="020B0604020202020204" pitchFamily="34" charset="0"/>
+              <a:buChar char="•"/>
+            </a:pPr>
+            <a:r>
+              <a:rPr lang="en-US" sz="2800" dirty="0"/>
+              <a:t>[2]: Distributed Optimization and Statistical Learning via the Alternating Direction Method of Multipliers (Boyd, Parikh, Chu, </a:t>
+            </a:r>
+            <a:r>
+              <a:rPr lang="en-US" sz="2800" dirty="0" err="1"/>
+              <a:t>Peleato</a:t>
+            </a:r>
+            <a:r>
+              <a:rPr lang="en-US" sz="2800" dirty="0"/>
+              <a:t>, Eckstein)</a:t>
+            </a:r>
+          </a:p>
+          <a:p>
+            <a:pPr marL="457200" indent="-457200">
+              <a:spcBef>
+                <a:spcPts val="600"/>
+              </a:spcBef>
+              <a:buFont typeface="Arial" panose="020B0604020202020204" pitchFamily="34" charset="0"/>
+              <a:buChar char="•"/>
+            </a:pPr>
+            <a:endParaRPr lang="en-US" sz="2800" dirty="0"/>
+          </a:p>
+        </p:txBody>
+      </p:sp>
+    </p:spTree>
+    <p:extLst>
+      <p:ext uri="{BB962C8B-B14F-4D97-AF65-F5344CB8AC3E}">
+        <p14:creationId xmlns:p14="http://schemas.microsoft.com/office/powerpoint/2010/main" val="4151254819"/>
+      </p:ext>
+    </p:extLst>
+  </p:cSld>
+  <p:clrMapOvr>
+    <a:masterClrMapping/>
+  </p:clrMapOvr>
+</p:sld>
+</file>
+
+<file path=ppt/slides/slide9.xml><?xml version="1.0" encoding="utf-8"?>
+<p:sld xmlns:a="http://schemas.openxmlformats.org/drawingml/2006/main" xmlns:r="http://schemas.openxmlformats.org/officeDocument/2006/relationships" xmlns:p="http://schemas.openxmlformats.org/presentationml/2006/main" show="0">
+  <p:cSld>
     <p:spTree>
       <p:nvGrpSpPr>
         <p:cNvPr id="1" name=""/>
@@ -9312,820 +11775,6 @@
     <p:extLst>
       <p:ext uri="{BB962C8B-B14F-4D97-AF65-F5344CB8AC3E}">
         <p14:creationId xmlns:p14="http://schemas.microsoft.com/office/powerpoint/2010/main" val="2127580902"/>
-      </p:ext>
-    </p:extLst>
-  </p:cSld>
-  <p:clrMapOvr>
-    <a:masterClrMapping/>
-  </p:clrMapOvr>
-</p:sld>
-</file>
-
-<file path=ppt/slides/slide6.xml><?xml version="1.0" encoding="utf-8"?>
-<p:sld xmlns:a="http://schemas.openxmlformats.org/drawingml/2006/main" xmlns:r="http://schemas.openxmlformats.org/officeDocument/2006/relationships" xmlns:p="http://schemas.openxmlformats.org/presentationml/2006/main">
-  <p:cSld>
-    <p:bg>
-      <p:bgPr>
-        <a:solidFill>
-          <a:schemeClr val="bg1"/>
-        </a:solidFill>
-        <a:effectLst/>
-      </p:bgPr>
-    </p:bg>
-    <p:spTree>
-      <p:nvGrpSpPr>
-        <p:cNvPr id="1" name=""/>
-        <p:cNvGrpSpPr/>
-        <p:nvPr/>
-      </p:nvGrpSpPr>
-      <p:grpSpPr>
-        <a:xfrm>
-          <a:off x="0" y="0"/>
-          <a:ext cx="0" cy="0"/>
-          <a:chOff x="0" y="0"/>
-          <a:chExt cx="0" cy="0"/>
-        </a:xfrm>
-      </p:grpSpPr>
-      <p:sp>
-        <p:nvSpPr>
-          <p:cNvPr id="2" name="Title 1">
-            <a:extLst>
-              <a:ext uri="{FF2B5EF4-FFF2-40B4-BE49-F238E27FC236}">
-                <a16:creationId xmlns:a16="http://schemas.microsoft.com/office/drawing/2014/main" id="{EA0D9B4E-C292-45AA-8116-562703040382}"/>
-              </a:ext>
-            </a:extLst>
-          </p:cNvPr>
-          <p:cNvSpPr>
-            <a:spLocks noGrp="1"/>
-          </p:cNvSpPr>
-          <p:nvPr>
-            <p:ph type="title"/>
-          </p:nvPr>
-        </p:nvSpPr>
-        <p:spPr>
-          <a:xfrm>
-            <a:off x="2257214" y="2694018"/>
-            <a:ext cx="5406902" cy="1469965"/>
-          </a:xfrm>
-        </p:spPr>
-        <p:txBody>
-          <a:bodyPr anchor="ctr">
-            <a:normAutofit/>
-          </a:bodyPr>
-          <a:lstStyle/>
-          <a:p>
-            <a:r>
-              <a:rPr lang="en-US" dirty="0">
-                <a:latin typeface="Franklin Gothic Book" panose="020B0503020102020204" pitchFamily="34" charset="0"/>
-                <a:cs typeface="Segoe UI" panose="020B0502040204020203" pitchFamily="34" charset="0"/>
-              </a:rPr>
-              <a:t>Vary Your Sources</a:t>
-            </a:r>
-          </a:p>
-        </p:txBody>
-      </p:sp>
-      <p:pic>
-        <p:nvPicPr>
-          <p:cNvPr id="5" name="Graphic 4" descr="Open Book">
-            <a:extLst>
-              <a:ext uri="{FF2B5EF4-FFF2-40B4-BE49-F238E27FC236}">
-                <a16:creationId xmlns:a16="http://schemas.microsoft.com/office/drawing/2014/main" id="{DEFE964D-9F1C-4F69-ADD3-0E1AB324E198}"/>
-              </a:ext>
-            </a:extLst>
-          </p:cNvPr>
-          <p:cNvPicPr>
-            <a:picLocks noChangeAspect="1"/>
-          </p:cNvPicPr>
-          <p:nvPr/>
-        </p:nvPicPr>
-        <p:blipFill>
-          <a:blip r:embed="rId3">
-            <a:extLst>
-              <a:ext uri="{28A0092B-C50C-407E-A947-70E740481C1C}">
-                <a14:useLocalDpi xmlns:a14="http://schemas.microsoft.com/office/drawing/2010/main" val="0"/>
-              </a:ext>
-              <a:ext uri="{96DAC541-7B7A-43D3-8B79-37D633B846F1}">
-                <asvg:svgBlip xmlns:asvg="http://schemas.microsoft.com/office/drawing/2016/SVG/main" r:embed="rId4"/>
-              </a:ext>
-            </a:extLst>
-          </a:blip>
-          <a:stretch>
-            <a:fillRect/>
-          </a:stretch>
-        </p:blipFill>
-        <p:spPr>
-          <a:xfrm>
-            <a:off x="838200" y="2880360"/>
-            <a:ext cx="1097280" cy="1097280"/>
-          </a:xfrm>
-          <a:prstGeom prst="rect">
-            <a:avLst/>
-          </a:prstGeom>
-        </p:spPr>
-      </p:pic>
-      <p:sp>
-        <p:nvSpPr>
-          <p:cNvPr id="3" name="Content Placeholder 2">
-            <a:extLst>
-              <a:ext uri="{FF2B5EF4-FFF2-40B4-BE49-F238E27FC236}">
-                <a16:creationId xmlns:a16="http://schemas.microsoft.com/office/drawing/2014/main" id="{81072FAC-EEE9-4F26-A784-BC07EACCBE9F}"/>
-              </a:ext>
-            </a:extLst>
-          </p:cNvPr>
-          <p:cNvSpPr>
-            <a:spLocks noGrp="1"/>
-          </p:cNvSpPr>
-          <p:nvPr>
-            <p:ph idx="1"/>
-          </p:nvPr>
-        </p:nvSpPr>
-        <p:spPr>
-          <a:xfrm>
-            <a:off x="2257215" y="4352917"/>
-            <a:ext cx="5406902" cy="1688746"/>
-          </a:xfrm>
-        </p:spPr>
-        <p:txBody>
-          <a:bodyPr vert="horz" lIns="91440" tIns="45720" rIns="91440" bIns="45720" rtlCol="0" anchor="t">
-            <a:normAutofit/>
-          </a:bodyPr>
-          <a:lstStyle/>
-          <a:p>
-            <a:r>
-              <a:rPr lang="en-US" sz="2000" dirty="0">
-                <a:latin typeface="Segoe UI" panose="020B0502040204020203" pitchFamily="34" charset="0"/>
-                <a:cs typeface="Segoe UI" panose="020B0502040204020203" pitchFamily="34" charset="0"/>
-              </a:rPr>
-              <a:t>Refer to the notes section below for guidelines on this topic.</a:t>
-            </a:r>
-          </a:p>
-        </p:txBody>
-      </p:sp>
-      <p:pic>
-        <p:nvPicPr>
-          <p:cNvPr id="9" name="Graphic 8">
-            <a:extLst>
-              <a:ext uri="{FF2B5EF4-FFF2-40B4-BE49-F238E27FC236}">
-                <a16:creationId xmlns:a16="http://schemas.microsoft.com/office/drawing/2014/main" id="{35127EDA-5861-47AB-8729-620CFC7DAC07}"/>
-              </a:ext>
-              <a:ext uri="{C183D7F6-B498-43B3-948B-1728B52AA6E4}">
-                <adec:decorative xmlns:adec="http://schemas.microsoft.com/office/drawing/2017/decorative" val="1"/>
-              </a:ext>
-            </a:extLst>
-          </p:cNvPr>
-          <p:cNvPicPr>
-            <a:picLocks noGrp="1" noRot="1" noChangeAspect="1" noMove="1" noResize="1" noEditPoints="1" noAdjustHandles="1" noChangeArrowheads="1" noChangeShapeType="1" noCrop="1"/>
-          </p:cNvPicPr>
-          <p:nvPr>
-            <p:extLst>
-              <p:ext uri="{386F3935-93C4-4BCD-93E2-E3B085C9AB24}">
-                <p16:designElem xmlns:p16="http://schemas.microsoft.com/office/powerpoint/2015/main" val="1"/>
-              </p:ext>
-            </p:extLst>
-          </p:nvPr>
-        </p:nvPicPr>
-        <p:blipFill>
-          <a:blip r:embed="rId3">
-            <a:alphaModFix amt="15000"/>
-            <a:extLst>
-              <a:ext uri="{28A0092B-C50C-407E-A947-70E740481C1C}">
-                <a14:useLocalDpi xmlns:a14="http://schemas.microsoft.com/office/drawing/2010/main" val="0"/>
-              </a:ext>
-              <a:ext uri="{96DAC541-7B7A-43D3-8B79-37D633B846F1}">
-                <asvg:svgBlip xmlns:asvg="http://schemas.microsoft.com/office/drawing/2016/SVG/main" r:embed="rId5"/>
-              </a:ext>
-            </a:extLst>
-          </a:blip>
-          <a:stretch>
-            <a:fillRect/>
-          </a:stretch>
-        </p:blipFill>
-        <p:spPr>
-          <a:xfrm>
-            <a:off x="6641431" y="816337"/>
-            <a:ext cx="5225327" cy="5225327"/>
-          </a:xfrm>
-          <a:prstGeom prst="rect">
-            <a:avLst/>
-          </a:prstGeom>
-        </p:spPr>
-      </p:pic>
-    </p:spTree>
-    <p:extLst>
-      <p:ext uri="{BB962C8B-B14F-4D97-AF65-F5344CB8AC3E}">
-        <p14:creationId xmlns:p14="http://schemas.microsoft.com/office/powerpoint/2010/main" val="381659708"/>
-      </p:ext>
-    </p:extLst>
-  </p:cSld>
-  <p:clrMapOvr>
-    <a:masterClrMapping/>
-  </p:clrMapOvr>
-</p:sld>
-</file>
-
-<file path=ppt/slides/slide7.xml><?xml version="1.0" encoding="utf-8"?>
-<p:sld xmlns:a="http://schemas.openxmlformats.org/drawingml/2006/main" xmlns:r="http://schemas.openxmlformats.org/officeDocument/2006/relationships" xmlns:p="http://schemas.openxmlformats.org/presentationml/2006/main">
-  <p:cSld>
-    <p:bg>
-      <p:bgPr>
-        <a:solidFill>
-          <a:schemeClr val="bg1"/>
-        </a:solidFill>
-        <a:effectLst/>
-      </p:bgPr>
-    </p:bg>
-    <p:spTree>
-      <p:nvGrpSpPr>
-        <p:cNvPr id="1" name=""/>
-        <p:cNvGrpSpPr/>
-        <p:nvPr/>
-      </p:nvGrpSpPr>
-      <p:grpSpPr>
-        <a:xfrm>
-          <a:off x="0" y="0"/>
-          <a:ext cx="0" cy="0"/>
-          <a:chOff x="0" y="0"/>
-          <a:chExt cx="0" cy="0"/>
-        </a:xfrm>
-      </p:grpSpPr>
-      <p:sp>
-        <p:nvSpPr>
-          <p:cNvPr id="2" name="Title 1">
-            <a:extLst>
-              <a:ext uri="{FF2B5EF4-FFF2-40B4-BE49-F238E27FC236}">
-                <a16:creationId xmlns:a16="http://schemas.microsoft.com/office/drawing/2014/main" id="{0FDE5079-B185-4DE0-AF2C-AE4B7709FBC3}"/>
-              </a:ext>
-            </a:extLst>
-          </p:cNvPr>
-          <p:cNvSpPr>
-            <a:spLocks noGrp="1"/>
-          </p:cNvSpPr>
-          <p:nvPr>
-            <p:ph type="title"/>
-          </p:nvPr>
-        </p:nvSpPr>
-        <p:spPr>
-          <a:xfrm>
-            <a:off x="2257214" y="2694018"/>
-            <a:ext cx="5406902" cy="1469965"/>
-          </a:xfrm>
-        </p:spPr>
-        <p:txBody>
-          <a:bodyPr anchor="ctr">
-            <a:normAutofit/>
-          </a:bodyPr>
-          <a:lstStyle/>
-          <a:p>
-            <a:r>
-              <a:rPr lang="en-US" dirty="0">
-                <a:latin typeface="Franklin Gothic Book" panose="020B0503020102020204" pitchFamily="34" charset="0"/>
-                <a:cs typeface="Segoe UI" panose="020B0502040204020203" pitchFamily="34" charset="0"/>
-              </a:rPr>
-              <a:t>Evaluate Your Sources</a:t>
-            </a:r>
-          </a:p>
-        </p:txBody>
-      </p:sp>
-      <p:pic>
-        <p:nvPicPr>
-          <p:cNvPr id="4" name="Content Placeholder 4" descr="Scales of Justice">
-            <a:extLst>
-              <a:ext uri="{FF2B5EF4-FFF2-40B4-BE49-F238E27FC236}">
-                <a16:creationId xmlns:a16="http://schemas.microsoft.com/office/drawing/2014/main" id="{53025FED-9BCD-4BE9-B74C-707E5FD74028}"/>
-              </a:ext>
-            </a:extLst>
-          </p:cNvPr>
-          <p:cNvPicPr>
-            <a:picLocks noChangeAspect="1"/>
-          </p:cNvPicPr>
-          <p:nvPr/>
-        </p:nvPicPr>
-        <p:blipFill>
-          <a:blip r:embed="rId3">
-            <a:extLst>
-              <a:ext uri="{28A0092B-C50C-407E-A947-70E740481C1C}">
-                <a14:useLocalDpi xmlns:a14="http://schemas.microsoft.com/office/drawing/2010/main" val="0"/>
-              </a:ext>
-              <a:ext uri="{96DAC541-7B7A-43D3-8B79-37D633B846F1}">
-                <asvg:svgBlip xmlns:asvg="http://schemas.microsoft.com/office/drawing/2016/SVG/main" r:embed="rId4"/>
-              </a:ext>
-            </a:extLst>
-          </a:blip>
-          <a:stretch>
-            <a:fillRect/>
-          </a:stretch>
-        </p:blipFill>
-        <p:spPr>
-          <a:xfrm>
-            <a:off x="838200" y="2880360"/>
-            <a:ext cx="1097280" cy="1097280"/>
-          </a:xfrm>
-          <a:prstGeom prst="rect">
-            <a:avLst/>
-          </a:prstGeom>
-        </p:spPr>
-      </p:pic>
-      <p:sp>
-        <p:nvSpPr>
-          <p:cNvPr id="3" name="Content Placeholder 2">
-            <a:extLst>
-              <a:ext uri="{FF2B5EF4-FFF2-40B4-BE49-F238E27FC236}">
-                <a16:creationId xmlns:a16="http://schemas.microsoft.com/office/drawing/2014/main" id="{89B4E0E8-07C8-4A23-99E2-20D6DFD6FA7A}"/>
-              </a:ext>
-            </a:extLst>
-          </p:cNvPr>
-          <p:cNvSpPr>
-            <a:spLocks noGrp="1"/>
-          </p:cNvSpPr>
-          <p:nvPr>
-            <p:ph idx="1"/>
-          </p:nvPr>
-        </p:nvSpPr>
-        <p:spPr>
-          <a:xfrm>
-            <a:off x="2257215" y="4352917"/>
-            <a:ext cx="5406902" cy="1688746"/>
-          </a:xfrm>
-        </p:spPr>
-        <p:txBody>
-          <a:bodyPr vert="horz" lIns="91440" tIns="45720" rIns="91440" bIns="45720" rtlCol="0" anchor="t">
-            <a:normAutofit/>
-          </a:bodyPr>
-          <a:lstStyle/>
-          <a:p>
-            <a:r>
-              <a:rPr lang="en-US" sz="2000" dirty="0">
-                <a:latin typeface="Segoe UI" panose="020B0502040204020203" pitchFamily="34" charset="0"/>
-                <a:cs typeface="Segoe UI" panose="020B0502040204020203" pitchFamily="34" charset="0"/>
-              </a:rPr>
-              <a:t>Refer to the notes section below for guidelines on this topic.</a:t>
-            </a:r>
-          </a:p>
-        </p:txBody>
-      </p:sp>
-      <p:pic>
-        <p:nvPicPr>
-          <p:cNvPr id="8" name="Content Placeholder 4">
-            <a:extLst>
-              <a:ext uri="{FF2B5EF4-FFF2-40B4-BE49-F238E27FC236}">
-                <a16:creationId xmlns:a16="http://schemas.microsoft.com/office/drawing/2014/main" id="{17062073-5027-4AA3-AB16-4D2C8C505AFD}"/>
-              </a:ext>
-              <a:ext uri="{C183D7F6-B498-43B3-948B-1728B52AA6E4}">
-                <adec:decorative xmlns:adec="http://schemas.microsoft.com/office/drawing/2017/decorative" val="1"/>
-              </a:ext>
-            </a:extLst>
-          </p:cNvPr>
-          <p:cNvPicPr>
-            <a:picLocks noGrp="1" noRot="1" noChangeAspect="1" noMove="1" noResize="1" noEditPoints="1" noAdjustHandles="1" noChangeArrowheads="1" noChangeShapeType="1" noCrop="1"/>
-          </p:cNvPicPr>
-          <p:nvPr>
-            <p:extLst>
-              <p:ext uri="{386F3935-93C4-4BCD-93E2-E3B085C9AB24}">
-                <p16:designElem xmlns:p16="http://schemas.microsoft.com/office/powerpoint/2015/main" val="1"/>
-              </p:ext>
-            </p:extLst>
-          </p:nvPr>
-        </p:nvPicPr>
-        <p:blipFill>
-          <a:blip r:embed="rId3">
-            <a:alphaModFix amt="15000"/>
-            <a:extLst>
-              <a:ext uri="{28A0092B-C50C-407E-A947-70E740481C1C}">
-                <a14:useLocalDpi xmlns:a14="http://schemas.microsoft.com/office/drawing/2010/main" val="0"/>
-              </a:ext>
-              <a:ext uri="{96DAC541-7B7A-43D3-8B79-37D633B846F1}">
-                <asvg:svgBlip xmlns:asvg="http://schemas.microsoft.com/office/drawing/2016/SVG/main" r:embed="rId5"/>
-              </a:ext>
-            </a:extLst>
-          </a:blip>
-          <a:stretch>
-            <a:fillRect/>
-          </a:stretch>
-        </p:blipFill>
-        <p:spPr>
-          <a:xfrm>
-            <a:off x="6641431" y="816337"/>
-            <a:ext cx="5225327" cy="5225327"/>
-          </a:xfrm>
-          <a:prstGeom prst="rect">
-            <a:avLst/>
-          </a:prstGeom>
-        </p:spPr>
-      </p:pic>
-    </p:spTree>
-    <p:extLst>
-      <p:ext uri="{BB962C8B-B14F-4D97-AF65-F5344CB8AC3E}">
-        <p14:creationId xmlns:p14="http://schemas.microsoft.com/office/powerpoint/2010/main" val="882630486"/>
-      </p:ext>
-    </p:extLst>
-  </p:cSld>
-  <p:clrMapOvr>
-    <a:masterClrMapping/>
-  </p:clrMapOvr>
-</p:sld>
-</file>
-
-<file path=ppt/slides/slide8.xml><?xml version="1.0" encoding="utf-8"?>
-<p:sld xmlns:a="http://schemas.openxmlformats.org/drawingml/2006/main" xmlns:r="http://schemas.openxmlformats.org/officeDocument/2006/relationships" xmlns:p="http://schemas.openxmlformats.org/presentationml/2006/main">
-  <p:cSld>
-    <p:bg>
-      <p:bgPr>
-        <a:solidFill>
-          <a:schemeClr val="bg1"/>
-        </a:solidFill>
-        <a:effectLst/>
-      </p:bgPr>
-    </p:bg>
-    <p:spTree>
-      <p:nvGrpSpPr>
-        <p:cNvPr id="1" name=""/>
-        <p:cNvGrpSpPr/>
-        <p:nvPr/>
-      </p:nvGrpSpPr>
-      <p:grpSpPr>
-        <a:xfrm>
-          <a:off x="0" y="0"/>
-          <a:ext cx="0" cy="0"/>
-          <a:chOff x="0" y="0"/>
-          <a:chExt cx="0" cy="0"/>
-        </a:xfrm>
-      </p:grpSpPr>
-      <p:sp>
-        <p:nvSpPr>
-          <p:cNvPr id="2" name="Title 1">
-            <a:extLst>
-              <a:ext uri="{FF2B5EF4-FFF2-40B4-BE49-F238E27FC236}">
-                <a16:creationId xmlns:a16="http://schemas.microsoft.com/office/drawing/2014/main" id="{2D34CEF4-01D3-4AF7-9E84-F43030ACA972}"/>
-              </a:ext>
-            </a:extLst>
-          </p:cNvPr>
-          <p:cNvSpPr>
-            <a:spLocks noGrp="1"/>
-          </p:cNvSpPr>
-          <p:nvPr>
-            <p:ph type="title"/>
-          </p:nvPr>
-        </p:nvSpPr>
-        <p:spPr>
-          <a:xfrm>
-            <a:off x="2257214" y="2694018"/>
-            <a:ext cx="5406902" cy="1469965"/>
-          </a:xfrm>
-        </p:spPr>
-        <p:txBody>
-          <a:bodyPr anchor="ctr">
-            <a:normAutofit/>
-          </a:bodyPr>
-          <a:lstStyle/>
-          <a:p>
-            <a:r>
-              <a:rPr lang="en-US" dirty="0">
-                <a:latin typeface="Franklin Gothic Book" panose="020B0503020102020204" pitchFamily="34" charset="0"/>
-                <a:cs typeface="Segoe UI" panose="020B0502040204020203" pitchFamily="34" charset="0"/>
-              </a:rPr>
-              <a:t>Narrow Your Topic</a:t>
-            </a:r>
-          </a:p>
-        </p:txBody>
-      </p:sp>
-      <p:pic>
-        <p:nvPicPr>
-          <p:cNvPr id="4" name="Graphic 3" descr="Books on Shelf">
-            <a:extLst>
-              <a:ext uri="{FF2B5EF4-FFF2-40B4-BE49-F238E27FC236}">
-                <a16:creationId xmlns:a16="http://schemas.microsoft.com/office/drawing/2014/main" id="{3DE94ADA-0031-43D4-A79A-B89B95993082}"/>
-              </a:ext>
-            </a:extLst>
-          </p:cNvPr>
-          <p:cNvPicPr>
-            <a:picLocks noChangeAspect="1"/>
-          </p:cNvPicPr>
-          <p:nvPr/>
-        </p:nvPicPr>
-        <p:blipFill>
-          <a:blip r:embed="rId3">
-            <a:extLst>
-              <a:ext uri="{28A0092B-C50C-407E-A947-70E740481C1C}">
-                <a14:useLocalDpi xmlns:a14="http://schemas.microsoft.com/office/drawing/2010/main" val="0"/>
-              </a:ext>
-              <a:ext uri="{96DAC541-7B7A-43D3-8B79-37D633B846F1}">
-                <asvg:svgBlip xmlns:asvg="http://schemas.microsoft.com/office/drawing/2016/SVG/main" r:embed="rId4"/>
-              </a:ext>
-            </a:extLst>
-          </a:blip>
-          <a:stretch>
-            <a:fillRect/>
-          </a:stretch>
-        </p:blipFill>
-        <p:spPr>
-          <a:xfrm>
-            <a:off x="838200" y="2880360"/>
-            <a:ext cx="1097280" cy="1097280"/>
-          </a:xfrm>
-          <a:prstGeom prst="rect">
-            <a:avLst/>
-          </a:prstGeom>
-        </p:spPr>
-      </p:pic>
-      <p:sp>
-        <p:nvSpPr>
-          <p:cNvPr id="3" name="Content Placeholder 2">
-            <a:extLst>
-              <a:ext uri="{FF2B5EF4-FFF2-40B4-BE49-F238E27FC236}">
-                <a16:creationId xmlns:a16="http://schemas.microsoft.com/office/drawing/2014/main" id="{31EFD88C-EC41-4850-9D1D-676D6AEE0358}"/>
-              </a:ext>
-            </a:extLst>
-          </p:cNvPr>
-          <p:cNvSpPr>
-            <a:spLocks noGrp="1"/>
-          </p:cNvSpPr>
-          <p:nvPr>
-            <p:ph idx="1"/>
-          </p:nvPr>
-        </p:nvSpPr>
-        <p:spPr>
-          <a:xfrm>
-            <a:off x="2257215" y="4352917"/>
-            <a:ext cx="5406902" cy="1688746"/>
-          </a:xfrm>
-        </p:spPr>
-        <p:txBody>
-          <a:bodyPr vert="horz" lIns="91440" tIns="45720" rIns="91440" bIns="45720" rtlCol="0" anchor="t">
-            <a:normAutofit/>
-          </a:bodyPr>
-          <a:lstStyle/>
-          <a:p>
-            <a:r>
-              <a:rPr lang="en-US" sz="2000" dirty="0">
-                <a:latin typeface="Segoe UI" panose="020B0502040204020203" pitchFamily="34" charset="0"/>
-                <a:cs typeface="Segoe UI" panose="020B0502040204020203" pitchFamily="34" charset="0"/>
-              </a:rPr>
-              <a:t>Refer to the notes section below  for guidelines on this topic.</a:t>
-            </a:r>
-          </a:p>
-        </p:txBody>
-      </p:sp>
-      <p:pic>
-        <p:nvPicPr>
-          <p:cNvPr id="8" name="Graphic 7">
-            <a:extLst>
-              <a:ext uri="{FF2B5EF4-FFF2-40B4-BE49-F238E27FC236}">
-                <a16:creationId xmlns:a16="http://schemas.microsoft.com/office/drawing/2014/main" id="{984A409A-26BF-476C-858A-CFA0EBFAB6FC}"/>
-              </a:ext>
-              <a:ext uri="{C183D7F6-B498-43B3-948B-1728B52AA6E4}">
-                <adec:decorative xmlns:adec="http://schemas.microsoft.com/office/drawing/2017/decorative" val="1"/>
-              </a:ext>
-            </a:extLst>
-          </p:cNvPr>
-          <p:cNvPicPr>
-            <a:picLocks noGrp="1" noRot="1" noChangeAspect="1" noMove="1" noResize="1" noEditPoints="1" noAdjustHandles="1" noChangeArrowheads="1" noChangeShapeType="1" noCrop="1"/>
-          </p:cNvPicPr>
-          <p:nvPr>
-            <p:extLst>
-              <p:ext uri="{386F3935-93C4-4BCD-93E2-E3B085C9AB24}">
-                <p16:designElem xmlns:p16="http://schemas.microsoft.com/office/powerpoint/2015/main" val="1"/>
-              </p:ext>
-            </p:extLst>
-          </p:nvPr>
-        </p:nvPicPr>
-        <p:blipFill>
-          <a:blip r:embed="rId3">
-            <a:alphaModFix amt="15000"/>
-            <a:extLst>
-              <a:ext uri="{28A0092B-C50C-407E-A947-70E740481C1C}">
-                <a14:useLocalDpi xmlns:a14="http://schemas.microsoft.com/office/drawing/2010/main" val="0"/>
-              </a:ext>
-              <a:ext uri="{96DAC541-7B7A-43D3-8B79-37D633B846F1}">
-                <asvg:svgBlip xmlns:asvg="http://schemas.microsoft.com/office/drawing/2016/SVG/main" r:embed="rId5"/>
-              </a:ext>
-            </a:extLst>
-          </a:blip>
-          <a:stretch>
-            <a:fillRect/>
-          </a:stretch>
-        </p:blipFill>
-        <p:spPr>
-          <a:xfrm>
-            <a:off x="6641431" y="816337"/>
-            <a:ext cx="5225327" cy="5225327"/>
-          </a:xfrm>
-          <a:prstGeom prst="rect">
-            <a:avLst/>
-          </a:prstGeom>
-        </p:spPr>
-      </p:pic>
-    </p:spTree>
-    <p:extLst>
-      <p:ext uri="{BB962C8B-B14F-4D97-AF65-F5344CB8AC3E}">
-        <p14:creationId xmlns:p14="http://schemas.microsoft.com/office/powerpoint/2010/main" val="397072516"/>
-      </p:ext>
-    </p:extLst>
-  </p:cSld>
-  <p:clrMapOvr>
-    <a:masterClrMapping/>
-  </p:clrMapOvr>
-</p:sld>
-</file>
-
-<file path=ppt/slides/slide9.xml><?xml version="1.0" encoding="utf-8"?>
-<p:sld xmlns:a="http://schemas.openxmlformats.org/drawingml/2006/main" xmlns:r="http://schemas.openxmlformats.org/officeDocument/2006/relationships" xmlns:p="http://schemas.openxmlformats.org/presentationml/2006/main">
-  <p:cSld>
-    <p:bg>
-      <p:bgPr>
-        <a:solidFill>
-          <a:schemeClr val="bg1"/>
-        </a:solidFill>
-        <a:effectLst/>
-      </p:bgPr>
-    </p:bg>
-    <p:spTree>
-      <p:nvGrpSpPr>
-        <p:cNvPr id="1" name=""/>
-        <p:cNvGrpSpPr/>
-        <p:nvPr/>
-      </p:nvGrpSpPr>
-      <p:grpSpPr>
-        <a:xfrm>
-          <a:off x="0" y="0"/>
-          <a:ext cx="0" cy="0"/>
-          <a:chOff x="0" y="0"/>
-          <a:chExt cx="0" cy="0"/>
-        </a:xfrm>
-      </p:grpSpPr>
-      <p:sp>
-        <p:nvSpPr>
-          <p:cNvPr id="2" name="Title 1">
-            <a:extLst>
-              <a:ext uri="{FF2B5EF4-FFF2-40B4-BE49-F238E27FC236}">
-                <a16:creationId xmlns:a16="http://schemas.microsoft.com/office/drawing/2014/main" id="{DD648CF1-C72A-4313-8FC7-BF6DD4642AFE}"/>
-              </a:ext>
-            </a:extLst>
-          </p:cNvPr>
-          <p:cNvSpPr>
-            <a:spLocks noGrp="1"/>
-          </p:cNvSpPr>
-          <p:nvPr>
-            <p:ph type="title"/>
-          </p:nvPr>
-        </p:nvSpPr>
-        <p:spPr>
-          <a:xfrm>
-            <a:off x="2165533" y="2507675"/>
-            <a:ext cx="5406902" cy="1469965"/>
-          </a:xfrm>
-        </p:spPr>
-        <p:txBody>
-          <a:bodyPr anchor="ctr">
-            <a:normAutofit/>
-          </a:bodyPr>
-          <a:lstStyle/>
-          <a:p>
-            <a:r>
-              <a:rPr lang="en-US" dirty="0">
-                <a:latin typeface="Franklin Gothic Book" panose="020B0503020102020204" pitchFamily="34" charset="0"/>
-                <a:cs typeface="Segoe UI" panose="020B0502040204020203" pitchFamily="34" charset="0"/>
-              </a:rPr>
-              <a:t>Organize Your Research</a:t>
-            </a:r>
-          </a:p>
-        </p:txBody>
-      </p:sp>
-      <p:pic>
-        <p:nvPicPr>
-          <p:cNvPr id="4" name="Graphic 3" descr="Blackboard">
-            <a:extLst>
-              <a:ext uri="{FF2B5EF4-FFF2-40B4-BE49-F238E27FC236}">
-                <a16:creationId xmlns:a16="http://schemas.microsoft.com/office/drawing/2014/main" id="{A4298283-DDB8-4365-95A1-90935E16BE2B}"/>
-              </a:ext>
-            </a:extLst>
-          </p:cNvPr>
-          <p:cNvPicPr>
-            <a:picLocks noChangeAspect="1"/>
-          </p:cNvPicPr>
-          <p:nvPr/>
-        </p:nvPicPr>
-        <p:blipFill>
-          <a:blip r:embed="rId3">
-            <a:extLst>
-              <a:ext uri="{28A0092B-C50C-407E-A947-70E740481C1C}">
-                <a14:useLocalDpi xmlns:a14="http://schemas.microsoft.com/office/drawing/2010/main" val="0"/>
-              </a:ext>
-              <a:ext uri="{96DAC541-7B7A-43D3-8B79-37D633B846F1}">
-                <asvg:svgBlip xmlns:asvg="http://schemas.microsoft.com/office/drawing/2016/SVG/main" r:embed="rId4"/>
-              </a:ext>
-            </a:extLst>
-          </a:blip>
-          <a:stretch>
-            <a:fillRect/>
-          </a:stretch>
-        </p:blipFill>
-        <p:spPr>
-          <a:xfrm>
-            <a:off x="838200" y="2880360"/>
-            <a:ext cx="1097280" cy="1097280"/>
-          </a:xfrm>
-          <a:prstGeom prst="rect">
-            <a:avLst/>
-          </a:prstGeom>
-        </p:spPr>
-      </p:pic>
-      <p:sp>
-        <p:nvSpPr>
-          <p:cNvPr id="6" name="Content Placeholder 5">
-            <a:extLst>
-              <a:ext uri="{FF2B5EF4-FFF2-40B4-BE49-F238E27FC236}">
-                <a16:creationId xmlns:a16="http://schemas.microsoft.com/office/drawing/2014/main" id="{C856D755-2374-40B4-B692-603C5E927388}"/>
-              </a:ext>
-            </a:extLst>
-          </p:cNvPr>
-          <p:cNvSpPr>
-            <a:spLocks noGrp="1"/>
-          </p:cNvSpPr>
-          <p:nvPr>
-            <p:ph idx="1"/>
-          </p:nvPr>
-        </p:nvSpPr>
-        <p:spPr>
-          <a:xfrm>
-            <a:off x="2407138" y="3884245"/>
-            <a:ext cx="4923693" cy="2292717"/>
-          </a:xfrm>
-        </p:spPr>
-        <p:txBody>
-          <a:bodyPr vert="horz" lIns="91440" tIns="45720" rIns="91440" bIns="45720" rtlCol="0" anchor="t">
-            <a:normAutofit/>
-          </a:bodyPr>
-          <a:lstStyle/>
-          <a:p>
-            <a:r>
-              <a:rPr lang="en-US" sz="1800" dirty="0">
-                <a:latin typeface="Segoe UI" panose="020B0502040204020203" pitchFamily="34" charset="0"/>
-                <a:cs typeface="Segoe UI" panose="020B0502040204020203" pitchFamily="34" charset="0"/>
-              </a:rPr>
-              <a:t>Refer to the notes section below  for guidelines on this topic.</a:t>
-            </a:r>
-          </a:p>
-          <a:p>
-            <a:endParaRPr lang="en-US" dirty="0">
-              <a:latin typeface="Segoe UI" panose="020B0502040204020203" pitchFamily="34" charset="0"/>
-              <a:cs typeface="Segoe UI" panose="020B0502040204020203" pitchFamily="34" charset="0"/>
-            </a:endParaRPr>
-          </a:p>
-        </p:txBody>
-      </p:sp>
-      <p:pic>
-        <p:nvPicPr>
-          <p:cNvPr id="8" name="Graphic 7">
-            <a:extLst>
-              <a:ext uri="{FF2B5EF4-FFF2-40B4-BE49-F238E27FC236}">
-                <a16:creationId xmlns:a16="http://schemas.microsoft.com/office/drawing/2014/main" id="{B6C7BDF7-D7AC-4209-A6A9-11B953F882E4}"/>
-              </a:ext>
-              <a:ext uri="{C183D7F6-B498-43B3-948B-1728B52AA6E4}">
-                <adec:decorative xmlns:adec="http://schemas.microsoft.com/office/drawing/2017/decorative" val="1"/>
-              </a:ext>
-            </a:extLst>
-          </p:cNvPr>
-          <p:cNvPicPr>
-            <a:picLocks noGrp="1" noRot="1" noChangeAspect="1" noMove="1" noResize="1" noEditPoints="1" noAdjustHandles="1" noChangeArrowheads="1" noChangeShapeType="1" noCrop="1"/>
-          </p:cNvPicPr>
-          <p:nvPr>
-            <p:extLst>
-              <p:ext uri="{386F3935-93C4-4BCD-93E2-E3B085C9AB24}">
-                <p16:designElem xmlns:p16="http://schemas.microsoft.com/office/powerpoint/2015/main" val="1"/>
-              </p:ext>
-            </p:extLst>
-          </p:nvPr>
-        </p:nvPicPr>
-        <p:blipFill>
-          <a:blip r:embed="rId3">
-            <a:alphaModFix amt="15000"/>
-            <a:extLst>
-              <a:ext uri="{28A0092B-C50C-407E-A947-70E740481C1C}">
-                <a14:useLocalDpi xmlns:a14="http://schemas.microsoft.com/office/drawing/2010/main" val="0"/>
-              </a:ext>
-              <a:ext uri="{96DAC541-7B7A-43D3-8B79-37D633B846F1}">
-                <asvg:svgBlip xmlns:asvg="http://schemas.microsoft.com/office/drawing/2016/SVG/main" r:embed="rId5"/>
-              </a:ext>
-            </a:extLst>
-          </a:blip>
-          <a:stretch>
-            <a:fillRect/>
-          </a:stretch>
-        </p:blipFill>
-        <p:spPr>
-          <a:xfrm>
-            <a:off x="6641431" y="816337"/>
-            <a:ext cx="5225327" cy="5225327"/>
-          </a:xfrm>
-          <a:prstGeom prst="rect">
-            <a:avLst/>
-          </a:prstGeom>
-        </p:spPr>
-      </p:pic>
-    </p:spTree>
-    <p:extLst>
-      <p:ext uri="{BB962C8B-B14F-4D97-AF65-F5344CB8AC3E}">
-        <p14:creationId xmlns:p14="http://schemas.microsoft.com/office/powerpoint/2010/main" val="3514892887"/>
       </p:ext>
     </p:extLst>
   </p:cSld>

--- a/LDA Presentation CECS 550.pptx
+++ b/LDA Presentation CECS 550.pptx
@@ -2613,12 +2613,12 @@
           <a:bodyPr anchor="b"/>
           <a:lstStyle>
             <a:lvl1pPr algn="ctr">
-              <a:defRPr sz="6000"/>
+              <a:defRPr sz="4500"/>
             </a:lvl1pPr>
           </a:lstStyle>
           <a:p>
             <a:r>
-              <a:rPr lang="en-US"/>
+              <a:rPr lang="en-US" smtClean="0"/>
               <a:t>Click to edit Master title style</a:t>
             </a:r>
             <a:endParaRPr lang="en-US"/>
@@ -2646,44 +2646,44 @@
           <a:lstStyle>
             <a:lvl1pPr marL="0" indent="0" algn="ctr">
               <a:buNone/>
-              <a:defRPr sz="2400"/>
+              <a:defRPr sz="1800"/>
             </a:lvl1pPr>
-            <a:lvl2pPr marL="457200" indent="0" algn="ctr">
-              <a:buNone/>
-              <a:defRPr sz="2000"/>
+            <a:lvl2pPr marL="342900" indent="0" algn="ctr">
+              <a:buNone/>
+              <a:defRPr sz="1500"/>
             </a:lvl2pPr>
-            <a:lvl3pPr marL="914400" indent="0" algn="ctr">
-              <a:buNone/>
-              <a:defRPr sz="1800"/>
+            <a:lvl3pPr marL="685800" indent="0" algn="ctr">
+              <a:buNone/>
+              <a:defRPr sz="1350"/>
             </a:lvl3pPr>
-            <a:lvl4pPr marL="1371600" indent="0" algn="ctr">
-              <a:buNone/>
-              <a:defRPr sz="1600"/>
+            <a:lvl4pPr marL="1028700" indent="0" algn="ctr">
+              <a:buNone/>
+              <a:defRPr sz="1200"/>
             </a:lvl4pPr>
-            <a:lvl5pPr marL="1828800" indent="0" algn="ctr">
-              <a:buNone/>
-              <a:defRPr sz="1600"/>
+            <a:lvl5pPr marL="1371600" indent="0" algn="ctr">
+              <a:buNone/>
+              <a:defRPr sz="1200"/>
             </a:lvl5pPr>
-            <a:lvl6pPr marL="2286000" indent="0" algn="ctr">
-              <a:buNone/>
-              <a:defRPr sz="1600"/>
+            <a:lvl6pPr marL="1714500" indent="0" algn="ctr">
+              <a:buNone/>
+              <a:defRPr sz="1200"/>
             </a:lvl6pPr>
-            <a:lvl7pPr marL="2743200" indent="0" algn="ctr">
-              <a:buNone/>
-              <a:defRPr sz="1600"/>
+            <a:lvl7pPr marL="2057400" indent="0" algn="ctr">
+              <a:buNone/>
+              <a:defRPr sz="1200"/>
             </a:lvl7pPr>
-            <a:lvl8pPr marL="3200400" indent="0" algn="ctr">
-              <a:buNone/>
-              <a:defRPr sz="1600"/>
+            <a:lvl8pPr marL="2400300" indent="0" algn="ctr">
+              <a:buNone/>
+              <a:defRPr sz="1200"/>
             </a:lvl8pPr>
-            <a:lvl9pPr marL="3657600" indent="0" algn="ctr">
-              <a:buNone/>
-              <a:defRPr sz="1600"/>
+            <a:lvl9pPr marL="2743200" indent="0" algn="ctr">
+              <a:buNone/>
+              <a:defRPr sz="1200"/>
             </a:lvl9pPr>
           </a:lstStyle>
           <a:p>
             <a:r>
-              <a:rPr lang="en-US"/>
+              <a:rPr lang="en-US" smtClean="0"/>
               <a:t>Click to edit Master subtitle style</a:t>
             </a:r>
             <a:endParaRPr lang="en-US"/>
@@ -2758,6 +2758,7 @@
   <p:clrMapOvr>
     <a:masterClrMapping/>
   </p:clrMapOvr>
+  <p:hf sldNum="0" hdr="0" ftr="0" dt="0"/>
 </p:sldLayout>
 </file>
 
@@ -2794,7 +2795,7 @@
           <a:lstStyle/>
           <a:p>
             <a:r>
-              <a:rPr lang="en-US"/>
+              <a:rPr lang="en-US" smtClean="0"/>
               <a:t>Click to edit Master title style</a:t>
             </a:r>
             <a:endParaRPr lang="en-US"/>
@@ -2818,39 +2819,39 @@
           <a:p>
             <a:pPr lvl="0"/>
             <a:r>
-              <a:rPr lang="en-US"/>
+              <a:rPr lang="en-US" smtClean="0"/>
               <a:t>Click to edit Master text styles</a:t>
             </a:r>
-            <a:endParaRPr lang="en-US"/>
+            <a:endParaRPr lang="en-US" smtClean="0"/>
           </a:p>
           <a:p>
             <a:pPr lvl="1"/>
             <a:r>
-              <a:rPr lang="en-US"/>
+              <a:rPr lang="en-US" smtClean="0"/>
               <a:t>Second level</a:t>
             </a:r>
-            <a:endParaRPr lang="en-US"/>
+            <a:endParaRPr lang="en-US" smtClean="0"/>
           </a:p>
           <a:p>
             <a:pPr lvl="2"/>
             <a:r>
-              <a:rPr lang="en-US"/>
+              <a:rPr lang="en-US" smtClean="0"/>
               <a:t>Third level</a:t>
             </a:r>
-            <a:endParaRPr lang="en-US"/>
+            <a:endParaRPr lang="en-US" smtClean="0"/>
           </a:p>
           <a:p>
             <a:pPr lvl="3"/>
             <a:r>
-              <a:rPr lang="en-US"/>
+              <a:rPr lang="en-US" smtClean="0"/>
               <a:t>Fourth level</a:t>
             </a:r>
-            <a:endParaRPr lang="en-US"/>
+            <a:endParaRPr lang="en-US" smtClean="0"/>
           </a:p>
           <a:p>
             <a:pPr lvl="4"/>
             <a:r>
-              <a:rPr lang="en-US"/>
+              <a:rPr lang="en-US" smtClean="0"/>
               <a:t>Fifth level</a:t>
             </a:r>
             <a:endParaRPr lang="en-US"/>
@@ -2925,6 +2926,7 @@
   <p:clrMapOvr>
     <a:masterClrMapping/>
   </p:clrMapOvr>
+  <p:hf sldNum="0" hdr="0" ftr="0" dt="0"/>
 </p:sldLayout>
 </file>
 
@@ -2957,7 +2959,7 @@
         </p:nvSpPr>
         <p:spPr>
           <a:xfrm>
-            <a:off x="831850" y="1709738"/>
+            <a:off x="831851" y="1709738"/>
             <a:ext cx="10515600" cy="2852737"/>
           </a:xfrm>
         </p:spPr>
@@ -2965,12 +2967,12 @@
           <a:bodyPr anchor="b"/>
           <a:lstStyle>
             <a:lvl1pPr>
-              <a:defRPr sz="6000"/>
+              <a:defRPr sz="4500"/>
             </a:lvl1pPr>
           </a:lstStyle>
           <a:p>
             <a:r>
-              <a:rPr lang="en-US"/>
+              <a:rPr lang="en-US" smtClean="0"/>
               <a:t>Click to edit Master title style</a:t>
             </a:r>
             <a:endParaRPr lang="en-US"/>
@@ -2989,7 +2991,7 @@
         </p:nvSpPr>
         <p:spPr>
           <a:xfrm>
-            <a:off x="831850" y="4589463"/>
+            <a:off x="831851" y="4589463"/>
             <a:ext cx="10515600" cy="1500187"/>
           </a:xfrm>
         </p:spPr>
@@ -2998,7 +3000,7 @@
           <a:lstStyle>
             <a:lvl1pPr marL="0" indent="0">
               <a:buNone/>
-              <a:defRPr sz="2400">
+              <a:defRPr sz="1800">
                 <a:solidFill>
                   <a:schemeClr val="tx1">
                     <a:tint val="75000"/>
@@ -3006,9 +3008,9 @@
                 </a:solidFill>
               </a:defRPr>
             </a:lvl1pPr>
-            <a:lvl2pPr marL="457200" indent="0">
-              <a:buNone/>
-              <a:defRPr sz="2000">
+            <a:lvl2pPr marL="342900" indent="0">
+              <a:buNone/>
+              <a:defRPr sz="1500">
                 <a:solidFill>
                   <a:schemeClr val="tx1">
                     <a:tint val="75000"/>
@@ -3016,9 +3018,9 @@
                 </a:solidFill>
               </a:defRPr>
             </a:lvl2pPr>
-            <a:lvl3pPr marL="914400" indent="0">
-              <a:buNone/>
-              <a:defRPr sz="1800">
+            <a:lvl3pPr marL="685800" indent="0">
+              <a:buNone/>
+              <a:defRPr sz="1350">
                 <a:solidFill>
                   <a:schemeClr val="tx1">
                     <a:tint val="75000"/>
@@ -3026,9 +3028,9 @@
                 </a:solidFill>
               </a:defRPr>
             </a:lvl3pPr>
-            <a:lvl4pPr marL="1371600" indent="0">
-              <a:buNone/>
-              <a:defRPr sz="1600">
+            <a:lvl4pPr marL="1028700" indent="0">
+              <a:buNone/>
+              <a:defRPr sz="1200">
                 <a:solidFill>
                   <a:schemeClr val="tx1">
                     <a:tint val="75000"/>
@@ -3036,9 +3038,9 @@
                 </a:solidFill>
               </a:defRPr>
             </a:lvl4pPr>
-            <a:lvl5pPr marL="1828800" indent="0">
-              <a:buNone/>
-              <a:defRPr sz="1600">
+            <a:lvl5pPr marL="1371600" indent="0">
+              <a:buNone/>
+              <a:defRPr sz="1200">
                 <a:solidFill>
                   <a:schemeClr val="tx1">
                     <a:tint val="75000"/>
@@ -3046,9 +3048,9 @@
                 </a:solidFill>
               </a:defRPr>
             </a:lvl5pPr>
-            <a:lvl6pPr marL="2286000" indent="0">
-              <a:buNone/>
-              <a:defRPr sz="1600">
+            <a:lvl6pPr marL="1714500" indent="0">
+              <a:buNone/>
+              <a:defRPr sz="1200">
                 <a:solidFill>
                   <a:schemeClr val="tx1">
                     <a:tint val="75000"/>
@@ -3056,9 +3058,9 @@
                 </a:solidFill>
               </a:defRPr>
             </a:lvl6pPr>
-            <a:lvl7pPr marL="2743200" indent="0">
-              <a:buNone/>
-              <a:defRPr sz="1600">
+            <a:lvl7pPr marL="2057400" indent="0">
+              <a:buNone/>
+              <a:defRPr sz="1200">
                 <a:solidFill>
                   <a:schemeClr val="tx1">
                     <a:tint val="75000"/>
@@ -3066,9 +3068,9 @@
                 </a:solidFill>
               </a:defRPr>
             </a:lvl7pPr>
-            <a:lvl8pPr marL="3200400" indent="0">
-              <a:buNone/>
-              <a:defRPr sz="1600">
+            <a:lvl8pPr marL="2400300" indent="0">
+              <a:buNone/>
+              <a:defRPr sz="1200">
                 <a:solidFill>
                   <a:schemeClr val="tx1">
                     <a:tint val="75000"/>
@@ -3076,9 +3078,9 @@
                 </a:solidFill>
               </a:defRPr>
             </a:lvl8pPr>
-            <a:lvl9pPr marL="3657600" indent="0">
-              <a:buNone/>
-              <a:defRPr sz="1600">
+            <a:lvl9pPr marL="2743200" indent="0">
+              <a:buNone/>
+              <a:defRPr sz="1200">
                 <a:solidFill>
                   <a:schemeClr val="tx1">
                     <a:tint val="75000"/>
@@ -3090,10 +3092,10 @@
           <a:p>
             <a:pPr lvl="0"/>
             <a:r>
-              <a:rPr lang="en-US"/>
+              <a:rPr lang="en-US" smtClean="0"/>
               <a:t>Click to edit Master text styles</a:t>
             </a:r>
-            <a:endParaRPr lang="en-US"/>
+            <a:endParaRPr lang="en-US" smtClean="0"/>
           </a:p>
         </p:txBody>
       </p:sp>
@@ -3165,6 +3167,7 @@
   <p:clrMapOvr>
     <a:masterClrMapping/>
   </p:clrMapOvr>
+  <p:hf sldNum="0" hdr="0" ftr="0" dt="0"/>
 </p:sldLayout>
 </file>
 
@@ -3201,7 +3204,7 @@
           <a:lstStyle/>
           <a:p>
             <a:r>
-              <a:rPr lang="en-US"/>
+              <a:rPr lang="en-US" smtClean="0"/>
               <a:t>Click to edit Master title style</a:t>
             </a:r>
             <a:endParaRPr lang="en-US"/>
@@ -3220,8 +3223,8 @@
         </p:nvSpPr>
         <p:spPr>
           <a:xfrm>
-            <a:off x="838200" y="1825625"/>
-            <a:ext cx="5181600" cy="4351338"/>
+            <a:off x="609600" y="1600200"/>
+            <a:ext cx="5376672" cy="4525963"/>
           </a:xfrm>
         </p:spPr>
         <p:txBody>
@@ -3230,39 +3233,39 @@
           <a:p>
             <a:pPr lvl="0"/>
             <a:r>
-              <a:rPr lang="en-US"/>
+              <a:rPr lang="en-US" smtClean="0"/>
               <a:t>Click to edit Master text styles</a:t>
             </a:r>
-            <a:endParaRPr lang="en-US"/>
+            <a:endParaRPr lang="en-US" smtClean="0"/>
           </a:p>
           <a:p>
             <a:pPr lvl="1"/>
             <a:r>
-              <a:rPr lang="en-US"/>
+              <a:rPr lang="en-US" smtClean="0"/>
               <a:t>Second level</a:t>
             </a:r>
-            <a:endParaRPr lang="en-US"/>
+            <a:endParaRPr lang="en-US" smtClean="0"/>
           </a:p>
           <a:p>
             <a:pPr lvl="2"/>
             <a:r>
-              <a:rPr lang="en-US"/>
+              <a:rPr lang="en-US" smtClean="0"/>
               <a:t>Third level</a:t>
             </a:r>
-            <a:endParaRPr lang="en-US"/>
+            <a:endParaRPr lang="en-US" smtClean="0"/>
           </a:p>
           <a:p>
             <a:pPr lvl="3"/>
             <a:r>
-              <a:rPr lang="en-US"/>
+              <a:rPr lang="en-US" smtClean="0"/>
               <a:t>Fourth level</a:t>
             </a:r>
-            <a:endParaRPr lang="en-US"/>
+            <a:endParaRPr lang="en-US" smtClean="0"/>
           </a:p>
           <a:p>
             <a:pPr lvl="4"/>
             <a:r>
-              <a:rPr lang="en-US"/>
+              <a:rPr lang="en-US" smtClean="0"/>
               <a:t>Fifth level</a:t>
             </a:r>
             <a:endParaRPr lang="en-US"/>
@@ -3281,8 +3284,8 @@
         </p:nvSpPr>
         <p:spPr>
           <a:xfrm>
-            <a:off x="6172200" y="1825625"/>
-            <a:ext cx="5181600" cy="4351338"/>
+            <a:off x="6205728" y="1600200"/>
+            <a:ext cx="5376672" cy="4525963"/>
           </a:xfrm>
         </p:spPr>
         <p:txBody>
@@ -3291,39 +3294,39 @@
           <a:p>
             <a:pPr lvl="0"/>
             <a:r>
-              <a:rPr lang="en-US"/>
+              <a:rPr lang="en-US" smtClean="0"/>
               <a:t>Click to edit Master text styles</a:t>
             </a:r>
-            <a:endParaRPr lang="en-US"/>
+            <a:endParaRPr lang="en-US" smtClean="0"/>
           </a:p>
           <a:p>
             <a:pPr lvl="1"/>
             <a:r>
-              <a:rPr lang="en-US"/>
+              <a:rPr lang="en-US" smtClean="0"/>
               <a:t>Second level</a:t>
             </a:r>
-            <a:endParaRPr lang="en-US"/>
+            <a:endParaRPr lang="en-US" smtClean="0"/>
           </a:p>
           <a:p>
             <a:pPr lvl="2"/>
             <a:r>
-              <a:rPr lang="en-US"/>
+              <a:rPr lang="en-US" smtClean="0"/>
               <a:t>Third level</a:t>
             </a:r>
-            <a:endParaRPr lang="en-US"/>
+            <a:endParaRPr lang="en-US" smtClean="0"/>
           </a:p>
           <a:p>
             <a:pPr lvl="3"/>
             <a:r>
-              <a:rPr lang="en-US"/>
+              <a:rPr lang="en-US" smtClean="0"/>
               <a:t>Fourth level</a:t>
             </a:r>
-            <a:endParaRPr lang="en-US"/>
+            <a:endParaRPr lang="en-US" smtClean="0"/>
           </a:p>
           <a:p>
             <a:pPr lvl="4"/>
             <a:r>
-              <a:rPr lang="en-US"/>
+              <a:rPr lang="en-US" smtClean="0"/>
               <a:t>Fifth level</a:t>
             </a:r>
             <a:endParaRPr lang="en-US"/>
@@ -3398,6 +3401,7 @@
   <p:clrMapOvr>
     <a:masterClrMapping/>
   </p:clrMapOvr>
+  <p:hf sldNum="0" hdr="0" ftr="0" dt="0"/>
 </p:sldLayout>
 </file>
 
@@ -3439,7 +3443,7 @@
           <a:lstStyle/>
           <a:p>
             <a:r>
-              <a:rPr lang="en-US"/>
+              <a:rPr lang="en-US" smtClean="0"/>
               <a:t>Click to edit Master title style</a:t>
             </a:r>
             <a:endParaRPr lang="en-US"/>
@@ -3467,48 +3471,48 @@
           <a:lstStyle>
             <a:lvl1pPr marL="0" indent="0">
               <a:buNone/>
-              <a:defRPr sz="2400" b="1"/>
+              <a:defRPr sz="1800" b="1"/>
             </a:lvl1pPr>
-            <a:lvl2pPr marL="457200" indent="0">
-              <a:buNone/>
-              <a:defRPr sz="2000" b="1"/>
+            <a:lvl2pPr marL="342900" indent="0">
+              <a:buNone/>
+              <a:defRPr sz="1500" b="1"/>
             </a:lvl2pPr>
-            <a:lvl3pPr marL="914400" indent="0">
-              <a:buNone/>
-              <a:defRPr sz="1800" b="1"/>
+            <a:lvl3pPr marL="685800" indent="0">
+              <a:buNone/>
+              <a:defRPr sz="1350" b="1"/>
             </a:lvl3pPr>
-            <a:lvl4pPr marL="1371600" indent="0">
-              <a:buNone/>
-              <a:defRPr sz="1600" b="1"/>
+            <a:lvl4pPr marL="1028700" indent="0">
+              <a:buNone/>
+              <a:defRPr sz="1200" b="1"/>
             </a:lvl4pPr>
-            <a:lvl5pPr marL="1828800" indent="0">
-              <a:buNone/>
-              <a:defRPr sz="1600" b="1"/>
+            <a:lvl5pPr marL="1371600" indent="0">
+              <a:buNone/>
+              <a:defRPr sz="1200" b="1"/>
             </a:lvl5pPr>
-            <a:lvl6pPr marL="2286000" indent="0">
-              <a:buNone/>
-              <a:defRPr sz="1600" b="1"/>
+            <a:lvl6pPr marL="1714500" indent="0">
+              <a:buNone/>
+              <a:defRPr sz="1200" b="1"/>
             </a:lvl6pPr>
-            <a:lvl7pPr marL="2743200" indent="0">
-              <a:buNone/>
-              <a:defRPr sz="1600" b="1"/>
+            <a:lvl7pPr marL="2057400" indent="0">
+              <a:buNone/>
+              <a:defRPr sz="1200" b="1"/>
             </a:lvl7pPr>
-            <a:lvl8pPr marL="3200400" indent="0">
-              <a:buNone/>
-              <a:defRPr sz="1600" b="1"/>
+            <a:lvl8pPr marL="2400300" indent="0">
+              <a:buNone/>
+              <a:defRPr sz="1200" b="1"/>
             </a:lvl8pPr>
-            <a:lvl9pPr marL="3657600" indent="0">
-              <a:buNone/>
-              <a:defRPr sz="1600" b="1"/>
+            <a:lvl9pPr marL="2743200" indent="0">
+              <a:buNone/>
+              <a:defRPr sz="1200" b="1"/>
             </a:lvl9pPr>
           </a:lstStyle>
           <a:p>
             <a:pPr lvl="0"/>
             <a:r>
-              <a:rPr lang="en-US"/>
+              <a:rPr lang="en-US" smtClean="0"/>
               <a:t>Click to edit Master text styles</a:t>
             </a:r>
-            <a:endParaRPr lang="en-US"/>
+            <a:endParaRPr lang="en-US" smtClean="0"/>
           </a:p>
         </p:txBody>
       </p:sp>
@@ -3534,39 +3538,39 @@
           <a:p>
             <a:pPr lvl="0"/>
             <a:r>
-              <a:rPr lang="en-US"/>
+              <a:rPr lang="en-US" smtClean="0"/>
               <a:t>Click to edit Master text styles</a:t>
             </a:r>
-            <a:endParaRPr lang="en-US"/>
+            <a:endParaRPr lang="en-US" smtClean="0"/>
           </a:p>
           <a:p>
             <a:pPr lvl="1"/>
             <a:r>
-              <a:rPr lang="en-US"/>
+              <a:rPr lang="en-US" smtClean="0"/>
               <a:t>Second level</a:t>
             </a:r>
-            <a:endParaRPr lang="en-US"/>
+            <a:endParaRPr lang="en-US" smtClean="0"/>
           </a:p>
           <a:p>
             <a:pPr lvl="2"/>
             <a:r>
-              <a:rPr lang="en-US"/>
+              <a:rPr lang="en-US" smtClean="0"/>
               <a:t>Third level</a:t>
             </a:r>
-            <a:endParaRPr lang="en-US"/>
+            <a:endParaRPr lang="en-US" smtClean="0"/>
           </a:p>
           <a:p>
             <a:pPr lvl="3"/>
             <a:r>
-              <a:rPr lang="en-US"/>
+              <a:rPr lang="en-US" smtClean="0"/>
               <a:t>Fourth level</a:t>
             </a:r>
-            <a:endParaRPr lang="en-US"/>
+            <a:endParaRPr lang="en-US" smtClean="0"/>
           </a:p>
           <a:p>
             <a:pPr lvl="4"/>
             <a:r>
-              <a:rPr lang="en-US"/>
+              <a:rPr lang="en-US" smtClean="0"/>
               <a:t>Fifth level</a:t>
             </a:r>
             <a:endParaRPr lang="en-US"/>
@@ -3594,48 +3598,48 @@
           <a:lstStyle>
             <a:lvl1pPr marL="0" indent="0">
               <a:buNone/>
-              <a:defRPr sz="2400" b="1"/>
+              <a:defRPr sz="1800" b="1"/>
             </a:lvl1pPr>
-            <a:lvl2pPr marL="457200" indent="0">
-              <a:buNone/>
-              <a:defRPr sz="2000" b="1"/>
+            <a:lvl2pPr marL="342900" indent="0">
+              <a:buNone/>
+              <a:defRPr sz="1500" b="1"/>
             </a:lvl2pPr>
-            <a:lvl3pPr marL="914400" indent="0">
-              <a:buNone/>
-              <a:defRPr sz="1800" b="1"/>
+            <a:lvl3pPr marL="685800" indent="0">
+              <a:buNone/>
+              <a:defRPr sz="1350" b="1"/>
             </a:lvl3pPr>
-            <a:lvl4pPr marL="1371600" indent="0">
-              <a:buNone/>
-              <a:defRPr sz="1600" b="1"/>
+            <a:lvl4pPr marL="1028700" indent="0">
+              <a:buNone/>
+              <a:defRPr sz="1200" b="1"/>
             </a:lvl4pPr>
-            <a:lvl5pPr marL="1828800" indent="0">
-              <a:buNone/>
-              <a:defRPr sz="1600" b="1"/>
+            <a:lvl5pPr marL="1371600" indent="0">
+              <a:buNone/>
+              <a:defRPr sz="1200" b="1"/>
             </a:lvl5pPr>
-            <a:lvl6pPr marL="2286000" indent="0">
-              <a:buNone/>
-              <a:defRPr sz="1600" b="1"/>
+            <a:lvl6pPr marL="1714500" indent="0">
+              <a:buNone/>
+              <a:defRPr sz="1200" b="1"/>
             </a:lvl6pPr>
-            <a:lvl7pPr marL="2743200" indent="0">
-              <a:buNone/>
-              <a:defRPr sz="1600" b="1"/>
+            <a:lvl7pPr marL="2057400" indent="0">
+              <a:buNone/>
+              <a:defRPr sz="1200" b="1"/>
             </a:lvl7pPr>
-            <a:lvl8pPr marL="3200400" indent="0">
-              <a:buNone/>
-              <a:defRPr sz="1600" b="1"/>
+            <a:lvl8pPr marL="2400300" indent="0">
+              <a:buNone/>
+              <a:defRPr sz="1200" b="1"/>
             </a:lvl8pPr>
-            <a:lvl9pPr marL="3657600" indent="0">
-              <a:buNone/>
-              <a:defRPr sz="1600" b="1"/>
+            <a:lvl9pPr marL="2743200" indent="0">
+              <a:buNone/>
+              <a:defRPr sz="1200" b="1"/>
             </a:lvl9pPr>
           </a:lstStyle>
           <a:p>
             <a:pPr lvl="0"/>
             <a:r>
-              <a:rPr lang="en-US"/>
+              <a:rPr lang="en-US" smtClean="0"/>
               <a:t>Click to edit Master text styles</a:t>
             </a:r>
-            <a:endParaRPr lang="en-US"/>
+            <a:endParaRPr lang="en-US" smtClean="0"/>
           </a:p>
         </p:txBody>
       </p:sp>
@@ -3661,39 +3665,39 @@
           <a:p>
             <a:pPr lvl="0"/>
             <a:r>
-              <a:rPr lang="en-US"/>
+              <a:rPr lang="en-US" smtClean="0"/>
               <a:t>Click to edit Master text styles</a:t>
             </a:r>
-            <a:endParaRPr lang="en-US"/>
+            <a:endParaRPr lang="en-US" smtClean="0"/>
           </a:p>
           <a:p>
             <a:pPr lvl="1"/>
             <a:r>
-              <a:rPr lang="en-US"/>
+              <a:rPr lang="en-US" smtClean="0"/>
               <a:t>Second level</a:t>
             </a:r>
-            <a:endParaRPr lang="en-US"/>
+            <a:endParaRPr lang="en-US" smtClean="0"/>
           </a:p>
           <a:p>
             <a:pPr lvl="2"/>
             <a:r>
-              <a:rPr lang="en-US"/>
+              <a:rPr lang="en-US" smtClean="0"/>
               <a:t>Third level</a:t>
             </a:r>
-            <a:endParaRPr lang="en-US"/>
+            <a:endParaRPr lang="en-US" smtClean="0"/>
           </a:p>
           <a:p>
             <a:pPr lvl="3"/>
             <a:r>
-              <a:rPr lang="en-US"/>
+              <a:rPr lang="en-US" smtClean="0"/>
               <a:t>Fourth level</a:t>
             </a:r>
-            <a:endParaRPr lang="en-US"/>
+            <a:endParaRPr lang="en-US" smtClean="0"/>
           </a:p>
           <a:p>
             <a:pPr lvl="4"/>
             <a:r>
-              <a:rPr lang="en-US"/>
+              <a:rPr lang="en-US" smtClean="0"/>
               <a:t>Fifth level</a:t>
             </a:r>
             <a:endParaRPr lang="en-US"/>
@@ -3768,6 +3772,7 @@
   <p:clrMapOvr>
     <a:masterClrMapping/>
   </p:clrMapOvr>
+  <p:hf sldNum="0" hdr="0" ftr="0" dt="0"/>
 </p:sldLayout>
 </file>
 
@@ -3804,7 +3809,7 @@
           <a:lstStyle/>
           <a:p>
             <a:r>
-              <a:rPr lang="en-US"/>
+              <a:rPr lang="en-US" smtClean="0"/>
               <a:t>Click to edit Master title style</a:t>
             </a:r>
             <a:endParaRPr lang="en-US"/>
@@ -3879,6 +3884,7 @@
   <p:clrMapOvr>
     <a:masterClrMapping/>
   </p:clrMapOvr>
+  <p:hf sldNum="0" hdr="0" ftr="0" dt="0"/>
 </p:sldLayout>
 </file>
 
@@ -3967,6 +3973,7 @@
   <p:clrMapOvr>
     <a:masterClrMapping/>
   </p:clrMapOvr>
+  <p:hf sldNum="0" hdr="0" ftr="0" dt="0"/>
 </p:sldLayout>
 </file>
 
@@ -4007,12 +4014,12 @@
           <a:bodyPr anchor="b"/>
           <a:lstStyle>
             <a:lvl1pPr>
-              <a:defRPr sz="3200"/>
+              <a:defRPr sz="2400"/>
             </a:lvl1pPr>
           </a:lstStyle>
           <a:p>
             <a:r>
-              <a:rPr lang="en-US"/>
+              <a:rPr lang="en-US" smtClean="0"/>
               <a:t>Click to edit Master title style</a:t>
             </a:r>
             <a:endParaRPr lang="en-US"/>
@@ -4039,69 +4046,69 @@
           <a:bodyPr/>
           <a:lstStyle>
             <a:lvl1pPr>
-              <a:defRPr sz="3200"/>
+              <a:defRPr sz="2400"/>
             </a:lvl1pPr>
             <a:lvl2pPr>
-              <a:defRPr sz="2800"/>
+              <a:defRPr sz="2100"/>
             </a:lvl2pPr>
             <a:lvl3pPr>
-              <a:defRPr sz="2400"/>
+              <a:defRPr sz="1800"/>
             </a:lvl3pPr>
             <a:lvl4pPr>
-              <a:defRPr sz="2000"/>
+              <a:defRPr sz="1500"/>
             </a:lvl4pPr>
             <a:lvl5pPr>
-              <a:defRPr sz="2000"/>
+              <a:defRPr sz="1500"/>
             </a:lvl5pPr>
             <a:lvl6pPr>
-              <a:defRPr sz="2000"/>
+              <a:defRPr sz="1500"/>
             </a:lvl6pPr>
             <a:lvl7pPr>
-              <a:defRPr sz="2000"/>
+              <a:defRPr sz="1500"/>
             </a:lvl7pPr>
             <a:lvl8pPr>
-              <a:defRPr sz="2000"/>
+              <a:defRPr sz="1500"/>
             </a:lvl8pPr>
             <a:lvl9pPr>
-              <a:defRPr sz="2000"/>
+              <a:defRPr sz="1500"/>
             </a:lvl9pPr>
           </a:lstStyle>
           <a:p>
             <a:pPr lvl="0"/>
             <a:r>
-              <a:rPr lang="en-US"/>
+              <a:rPr lang="en-US" smtClean="0"/>
               <a:t>Click to edit Master text styles</a:t>
             </a:r>
-            <a:endParaRPr lang="en-US"/>
+            <a:endParaRPr lang="en-US" smtClean="0"/>
           </a:p>
           <a:p>
             <a:pPr lvl="1"/>
             <a:r>
-              <a:rPr lang="en-US"/>
+              <a:rPr lang="en-US" smtClean="0"/>
               <a:t>Second level</a:t>
             </a:r>
-            <a:endParaRPr lang="en-US"/>
+            <a:endParaRPr lang="en-US" smtClean="0"/>
           </a:p>
           <a:p>
             <a:pPr lvl="2"/>
             <a:r>
-              <a:rPr lang="en-US"/>
+              <a:rPr lang="en-US" smtClean="0"/>
               <a:t>Third level</a:t>
             </a:r>
-            <a:endParaRPr lang="en-US"/>
+            <a:endParaRPr lang="en-US" smtClean="0"/>
           </a:p>
           <a:p>
             <a:pPr lvl="3"/>
             <a:r>
-              <a:rPr lang="en-US"/>
+              <a:rPr lang="en-US" smtClean="0"/>
               <a:t>Fourth level</a:t>
             </a:r>
-            <a:endParaRPr lang="en-US"/>
+            <a:endParaRPr lang="en-US" smtClean="0"/>
           </a:p>
           <a:p>
             <a:pPr lvl="4"/>
             <a:r>
-              <a:rPr lang="en-US"/>
+              <a:rPr lang="en-US" smtClean="0"/>
               <a:t>Fifth level</a:t>
             </a:r>
             <a:endParaRPr lang="en-US"/>
@@ -4129,48 +4136,48 @@
           <a:lstStyle>
             <a:lvl1pPr marL="0" indent="0">
               <a:buNone/>
-              <a:defRPr sz="1600"/>
+              <a:defRPr sz="1200"/>
             </a:lvl1pPr>
-            <a:lvl2pPr marL="457200" indent="0">
-              <a:buNone/>
-              <a:defRPr sz="1400"/>
+            <a:lvl2pPr marL="342900" indent="0">
+              <a:buNone/>
+              <a:defRPr sz="1050"/>
             </a:lvl2pPr>
-            <a:lvl3pPr marL="914400" indent="0">
-              <a:buNone/>
-              <a:defRPr sz="1200"/>
+            <a:lvl3pPr marL="685800" indent="0">
+              <a:buNone/>
+              <a:defRPr sz="900"/>
             </a:lvl3pPr>
-            <a:lvl4pPr marL="1371600" indent="0">
-              <a:buNone/>
-              <a:defRPr sz="1000"/>
+            <a:lvl4pPr marL="1028700" indent="0">
+              <a:buNone/>
+              <a:defRPr sz="750"/>
             </a:lvl4pPr>
-            <a:lvl5pPr marL="1828800" indent="0">
-              <a:buNone/>
-              <a:defRPr sz="1000"/>
+            <a:lvl5pPr marL="1371600" indent="0">
+              <a:buNone/>
+              <a:defRPr sz="750"/>
             </a:lvl5pPr>
-            <a:lvl6pPr marL="2286000" indent="0">
-              <a:buNone/>
-              <a:defRPr sz="1000"/>
+            <a:lvl6pPr marL="1714500" indent="0">
+              <a:buNone/>
+              <a:defRPr sz="750"/>
             </a:lvl6pPr>
-            <a:lvl7pPr marL="2743200" indent="0">
-              <a:buNone/>
-              <a:defRPr sz="1000"/>
+            <a:lvl7pPr marL="2057400" indent="0">
+              <a:buNone/>
+              <a:defRPr sz="750"/>
             </a:lvl7pPr>
-            <a:lvl8pPr marL="3200400" indent="0">
-              <a:buNone/>
-              <a:defRPr sz="1000"/>
+            <a:lvl8pPr marL="2400300" indent="0">
+              <a:buNone/>
+              <a:defRPr sz="750"/>
             </a:lvl8pPr>
-            <a:lvl9pPr marL="3657600" indent="0">
-              <a:buNone/>
-              <a:defRPr sz="1000"/>
+            <a:lvl9pPr marL="2743200" indent="0">
+              <a:buNone/>
+              <a:defRPr sz="750"/>
             </a:lvl9pPr>
           </a:lstStyle>
           <a:p>
             <a:pPr lvl="0"/>
             <a:r>
-              <a:rPr lang="en-US"/>
+              <a:rPr lang="en-US" smtClean="0"/>
               <a:t>Click to edit Master text styles</a:t>
             </a:r>
-            <a:endParaRPr lang="en-US"/>
+            <a:endParaRPr lang="en-US" smtClean="0"/>
           </a:p>
         </p:txBody>
       </p:sp>
@@ -4242,6 +4249,7 @@
   <p:clrMapOvr>
     <a:masterClrMapping/>
   </p:clrMapOvr>
+  <p:hf sldNum="0" hdr="0" ftr="0" dt="0"/>
 </p:sldLayout>
 </file>
 
@@ -4449,12 +4457,12 @@
           <a:bodyPr anchor="b"/>
           <a:lstStyle>
             <a:lvl1pPr>
-              <a:defRPr sz="3200"/>
+              <a:defRPr sz="2400"/>
             </a:lvl1pPr>
           </a:lstStyle>
           <a:p>
             <a:r>
-              <a:rPr lang="en-US"/>
+              <a:rPr lang="en-US" smtClean="0"/>
               <a:t>Click to edit Master title style</a:t>
             </a:r>
             <a:endParaRPr lang="en-US"/>
@@ -4482,47 +4490,43 @@
           <a:lstStyle>
             <a:lvl1pPr marL="0" indent="0">
               <a:buNone/>
-              <a:defRPr sz="3200"/>
+              <a:defRPr sz="2400"/>
             </a:lvl1pPr>
-            <a:lvl2pPr marL="457200" indent="0">
-              <a:buNone/>
-              <a:defRPr sz="2800"/>
+            <a:lvl2pPr marL="342900" indent="0">
+              <a:buNone/>
+              <a:defRPr sz="2100"/>
             </a:lvl2pPr>
-            <a:lvl3pPr marL="914400" indent="0">
-              <a:buNone/>
-              <a:defRPr sz="2400"/>
+            <a:lvl3pPr marL="685800" indent="0">
+              <a:buNone/>
+              <a:defRPr sz="1800"/>
             </a:lvl3pPr>
-            <a:lvl4pPr marL="1371600" indent="0">
-              <a:buNone/>
-              <a:defRPr sz="2000"/>
+            <a:lvl4pPr marL="1028700" indent="0">
+              <a:buNone/>
+              <a:defRPr sz="1500"/>
             </a:lvl4pPr>
-            <a:lvl5pPr marL="1828800" indent="0">
-              <a:buNone/>
-              <a:defRPr sz="2000"/>
+            <a:lvl5pPr marL="1371600" indent="0">
+              <a:buNone/>
+              <a:defRPr sz="1500"/>
             </a:lvl5pPr>
-            <a:lvl6pPr marL="2286000" indent="0">
-              <a:buNone/>
-              <a:defRPr sz="2000"/>
+            <a:lvl6pPr marL="1714500" indent="0">
+              <a:buNone/>
+              <a:defRPr sz="1500"/>
             </a:lvl6pPr>
-            <a:lvl7pPr marL="2743200" indent="0">
-              <a:buNone/>
-              <a:defRPr sz="2000"/>
+            <a:lvl7pPr marL="2057400" indent="0">
+              <a:buNone/>
+              <a:defRPr sz="1500"/>
             </a:lvl7pPr>
-            <a:lvl8pPr marL="3200400" indent="0">
-              <a:buNone/>
-              <a:defRPr sz="2000"/>
+            <a:lvl8pPr marL="2400300" indent="0">
+              <a:buNone/>
+              <a:defRPr sz="1500"/>
             </a:lvl8pPr>
-            <a:lvl9pPr marL="3657600" indent="0">
-              <a:buNone/>
-              <a:defRPr sz="2000"/>
+            <a:lvl9pPr marL="2743200" indent="0">
+              <a:buNone/>
+              <a:defRPr sz="1500"/>
             </a:lvl9pPr>
           </a:lstStyle>
           <a:p>
-            <a:r>
-              <a:rPr lang="en-US"/>
-              <a:t>Click icon to add picture</a:t>
-            </a:r>
-            <a:endParaRPr lang="en-US" dirty="0"/>
+            <a:endParaRPr lang="en-US"/>
           </a:p>
         </p:txBody>
       </p:sp>
@@ -4547,48 +4551,48 @@
           <a:lstStyle>
             <a:lvl1pPr marL="0" indent="0">
               <a:buNone/>
-              <a:defRPr sz="1600"/>
+              <a:defRPr sz="1200"/>
             </a:lvl1pPr>
-            <a:lvl2pPr marL="457200" indent="0">
-              <a:buNone/>
-              <a:defRPr sz="1400"/>
+            <a:lvl2pPr marL="342900" indent="0">
+              <a:buNone/>
+              <a:defRPr sz="1050"/>
             </a:lvl2pPr>
-            <a:lvl3pPr marL="914400" indent="0">
-              <a:buNone/>
-              <a:defRPr sz="1200"/>
+            <a:lvl3pPr marL="685800" indent="0">
+              <a:buNone/>
+              <a:defRPr sz="900"/>
             </a:lvl3pPr>
-            <a:lvl4pPr marL="1371600" indent="0">
-              <a:buNone/>
-              <a:defRPr sz="1000"/>
+            <a:lvl4pPr marL="1028700" indent="0">
+              <a:buNone/>
+              <a:defRPr sz="750"/>
             </a:lvl4pPr>
-            <a:lvl5pPr marL="1828800" indent="0">
-              <a:buNone/>
-              <a:defRPr sz="1000"/>
+            <a:lvl5pPr marL="1371600" indent="0">
+              <a:buNone/>
+              <a:defRPr sz="750"/>
             </a:lvl5pPr>
-            <a:lvl6pPr marL="2286000" indent="0">
-              <a:buNone/>
-              <a:defRPr sz="1000"/>
+            <a:lvl6pPr marL="1714500" indent="0">
+              <a:buNone/>
+              <a:defRPr sz="750"/>
             </a:lvl6pPr>
-            <a:lvl7pPr marL="2743200" indent="0">
-              <a:buNone/>
-              <a:defRPr sz="1000"/>
+            <a:lvl7pPr marL="2057400" indent="0">
+              <a:buNone/>
+              <a:defRPr sz="750"/>
             </a:lvl7pPr>
-            <a:lvl8pPr marL="3200400" indent="0">
-              <a:buNone/>
-              <a:defRPr sz="1000"/>
+            <a:lvl8pPr marL="2400300" indent="0">
+              <a:buNone/>
+              <a:defRPr sz="750"/>
             </a:lvl8pPr>
-            <a:lvl9pPr marL="3657600" indent="0">
-              <a:buNone/>
-              <a:defRPr sz="1000"/>
+            <a:lvl9pPr marL="2743200" indent="0">
+              <a:buNone/>
+              <a:defRPr sz="750"/>
             </a:lvl9pPr>
           </a:lstStyle>
           <a:p>
             <a:pPr lvl="0"/>
             <a:r>
-              <a:rPr lang="en-US"/>
+              <a:rPr lang="en-US" smtClean="0"/>
               <a:t>Click to edit Master text styles</a:t>
             </a:r>
-            <a:endParaRPr lang="en-US"/>
+            <a:endParaRPr lang="en-US" smtClean="0"/>
           </a:p>
         </p:txBody>
       </p:sp>
@@ -4660,6 +4664,14 @@
   <p:clrMapOvr>
     <a:masterClrMapping/>
   </p:clrMapOvr>
+  <p:timing>
+    <p:tnLst>
+      <p:par>
+        <p:cTn id="1" dur="indefinite" restart="never" nodeType="tmRoot"/>
+      </p:par>
+    </p:tnLst>
+  </p:timing>
+  <p:hf sldNum="0" hdr="0" ftr="0" dt="0"/>
 </p:sldLayout>
 </file>
 
@@ -4696,7 +4708,7 @@
           <a:lstStyle/>
           <a:p>
             <a:r>
-              <a:rPr lang="en-US"/>
+              <a:rPr lang="en-US" smtClean="0"/>
               <a:t>Click to edit Master title style</a:t>
             </a:r>
             <a:endParaRPr lang="en-US"/>
@@ -4720,39 +4732,39 @@
           <a:p>
             <a:pPr lvl="0"/>
             <a:r>
-              <a:rPr lang="en-US"/>
+              <a:rPr lang="en-US" smtClean="0"/>
               <a:t>Click to edit Master text styles</a:t>
             </a:r>
-            <a:endParaRPr lang="en-US"/>
+            <a:endParaRPr lang="en-US" smtClean="0"/>
           </a:p>
           <a:p>
             <a:pPr lvl="1"/>
             <a:r>
-              <a:rPr lang="en-US"/>
+              <a:rPr lang="en-US" smtClean="0"/>
               <a:t>Second level</a:t>
             </a:r>
-            <a:endParaRPr lang="en-US"/>
+            <a:endParaRPr lang="en-US" smtClean="0"/>
           </a:p>
           <a:p>
             <a:pPr lvl="2"/>
             <a:r>
-              <a:rPr lang="en-US"/>
+              <a:rPr lang="en-US" smtClean="0"/>
               <a:t>Third level</a:t>
             </a:r>
-            <a:endParaRPr lang="en-US"/>
+            <a:endParaRPr lang="en-US" smtClean="0"/>
           </a:p>
           <a:p>
             <a:pPr lvl="3"/>
             <a:r>
-              <a:rPr lang="en-US"/>
+              <a:rPr lang="en-US" smtClean="0"/>
               <a:t>Fourth level</a:t>
             </a:r>
-            <a:endParaRPr lang="en-US"/>
+            <a:endParaRPr lang="en-US" smtClean="0"/>
           </a:p>
           <a:p>
             <a:pPr lvl="4"/>
             <a:r>
-              <a:rPr lang="en-US"/>
+              <a:rPr lang="en-US" smtClean="0"/>
               <a:t>Fifth level</a:t>
             </a:r>
             <a:endParaRPr lang="en-US"/>
@@ -4827,6 +4839,7 @@
   <p:clrMapOvr>
     <a:masterClrMapping/>
   </p:clrMapOvr>
+  <p:hf sldNum="0" hdr="0" ftr="0" dt="0"/>
 </p:sldLayout>
 </file>
 
@@ -4859,8 +4872,8 @@
         </p:nvSpPr>
         <p:spPr>
           <a:xfrm>
-            <a:off x="8724900" y="365125"/>
-            <a:ext cx="2628900" cy="5811838"/>
+            <a:off x="8839200" y="274638"/>
+            <a:ext cx="2743200" cy="5851525"/>
           </a:xfrm>
         </p:spPr>
         <p:txBody>
@@ -4868,7 +4881,7 @@
           <a:lstStyle/>
           <a:p>
             <a:r>
-              <a:rPr lang="en-US"/>
+              <a:rPr lang="en-US" smtClean="0"/>
               <a:t>Click to edit Master title style</a:t>
             </a:r>
             <a:endParaRPr lang="en-US"/>
@@ -4887,8 +4900,8 @@
         </p:nvSpPr>
         <p:spPr>
           <a:xfrm>
-            <a:off x="838200" y="365125"/>
-            <a:ext cx="7734300" cy="5811838"/>
+            <a:off x="609600" y="274638"/>
+            <a:ext cx="8070573" cy="5851525"/>
           </a:xfrm>
         </p:spPr>
         <p:txBody>
@@ -4897,39 +4910,39 @@
           <a:p>
             <a:pPr lvl="0"/>
             <a:r>
-              <a:rPr lang="en-US"/>
+              <a:rPr lang="en-US" smtClean="0"/>
               <a:t>Click to edit Master text styles</a:t>
             </a:r>
-            <a:endParaRPr lang="en-US"/>
+            <a:endParaRPr lang="en-US" smtClean="0"/>
           </a:p>
           <a:p>
             <a:pPr lvl="1"/>
             <a:r>
-              <a:rPr lang="en-US"/>
+              <a:rPr lang="en-US" smtClean="0"/>
               <a:t>Second level</a:t>
             </a:r>
-            <a:endParaRPr lang="en-US"/>
+            <a:endParaRPr lang="en-US" smtClean="0"/>
           </a:p>
           <a:p>
             <a:pPr lvl="2"/>
             <a:r>
-              <a:rPr lang="en-US"/>
+              <a:rPr lang="en-US" smtClean="0"/>
               <a:t>Third level</a:t>
             </a:r>
-            <a:endParaRPr lang="en-US"/>
+            <a:endParaRPr lang="en-US" smtClean="0"/>
           </a:p>
           <a:p>
             <a:pPr lvl="3"/>
             <a:r>
-              <a:rPr lang="en-US"/>
+              <a:rPr lang="en-US" smtClean="0"/>
               <a:t>Fourth level</a:t>
             </a:r>
-            <a:endParaRPr lang="en-US"/>
+            <a:endParaRPr lang="en-US" smtClean="0"/>
           </a:p>
           <a:p>
             <a:pPr lvl="4"/>
             <a:r>
-              <a:rPr lang="en-US"/>
+              <a:rPr lang="en-US" smtClean="0"/>
               <a:t>Fifth level</a:t>
             </a:r>
             <a:endParaRPr lang="en-US"/>
@@ -5004,6 +5017,7 @@
   <p:clrMapOvr>
     <a:masterClrMapping/>
   </p:clrMapOvr>
+  <p:hf sldNum="0" hdr="0" ftr="0" dt="0"/>
 </p:sldLayout>
 </file>
 
@@ -7116,9 +7130,14 @@
 <p:sldMaster xmlns:a="http://schemas.openxmlformats.org/drawingml/2006/main" xmlns:r="http://schemas.openxmlformats.org/officeDocument/2006/relationships" xmlns:p="http://schemas.openxmlformats.org/presentationml/2006/main">
   <p:cSld>
     <p:bg>
-      <p:bgRef idx="1001">
-        <a:schemeClr val="bg1"/>
-      </p:bgRef>
+      <p:bgPr>
+        <a:solidFill>
+          <a:schemeClr val="bg1">
+            <a:alpha val="100000"/>
+          </a:schemeClr>
+        </a:solidFill>
+        <a:effectLst/>
+      </p:bgPr>
     </p:bg>
     <p:spTree>
       <p:nvGrpSpPr>
@@ -7126,143 +7145,119 @@
         <p:cNvGrpSpPr/>
         <p:nvPr/>
       </p:nvGrpSpPr>
-      <p:grpSpPr>
-        <a:xfrm>
-          <a:off x="0" y="0"/>
-          <a:ext cx="0" cy="0"/>
-          <a:chOff x="0" y="0"/>
-          <a:chExt cx="0" cy="0"/>
-        </a:xfrm>
-      </p:grpSpPr>
-      <p:sp>
-        <p:nvSpPr>
-          <p:cNvPr id="2" name="Title Placeholder 1"/>
-          <p:cNvSpPr>
-            <a:spLocks noGrp="1"/>
-          </p:cNvSpPr>
+      <p:grpSpPr/>
+      <p:sp>
+        <p:nvSpPr>
+          <p:cNvPr id="1026" name="Title 1025"/>
+          <p:cNvSpPr/>
           <p:nvPr>
             <p:ph type="title"/>
           </p:nvPr>
         </p:nvSpPr>
         <p:spPr>
           <a:xfrm>
-            <a:off x="838200" y="365125"/>
-            <a:ext cx="10515600" cy="1325563"/>
+            <a:off x="609600" y="274638"/>
+            <a:ext cx="10972800" cy="1143000"/>
           </a:xfrm>
           <a:prstGeom prst="rect">
             <a:avLst/>
           </a:prstGeom>
+          <a:noFill/>
+          <a:ln w="9525">
+            <a:noFill/>
+          </a:ln>
         </p:spPr>
         <p:txBody>
-          <a:bodyPr vert="horz" lIns="91440" tIns="45720" rIns="91440" bIns="45720" rtlCol="0" anchor="ctr">
-            <a:normAutofit/>
-          </a:bodyPr>
-          <a:lstStyle/>
-          <a:p>
-            <a:r>
-              <a:rPr lang="en-US"/>
+          <a:bodyPr anchor="ctr" anchorCtr="0"/>
+          <a:p>
+            <a:pPr lvl="0"/>
+            <a:r>
               <a:t>Click to edit Master title style</a:t>
             </a:r>
-            <a:endParaRPr lang="en-US"/>
-          </a:p>
-        </p:txBody>
-      </p:sp>
-      <p:sp>
-        <p:nvSpPr>
-          <p:cNvPr id="3" name="Text Placeholder 2"/>
-          <p:cNvSpPr>
-            <a:spLocks noGrp="1"/>
-          </p:cNvSpPr>
+          </a:p>
+        </p:txBody>
+      </p:sp>
+      <p:sp>
+        <p:nvSpPr>
+          <p:cNvPr id="1027" name="Text Placeholder 1026"/>
+          <p:cNvSpPr/>
           <p:nvPr>
             <p:ph type="body" idx="1"/>
           </p:nvPr>
         </p:nvSpPr>
         <p:spPr>
           <a:xfrm>
-            <a:off x="838200" y="1825625"/>
-            <a:ext cx="10515600" cy="4351338"/>
+            <a:off x="609600" y="1600200"/>
+            <a:ext cx="10972800" cy="4525963"/>
           </a:xfrm>
           <a:prstGeom prst="rect">
             <a:avLst/>
           </a:prstGeom>
+          <a:noFill/>
+          <a:ln w="9525">
+            <a:noFill/>
+          </a:ln>
         </p:spPr>
         <p:txBody>
-          <a:bodyPr vert="horz" lIns="91440" tIns="45720" rIns="91440" bIns="45720" rtlCol="0">
-            <a:normAutofit/>
-          </a:bodyPr>
-          <a:lstStyle/>
+          <a:bodyPr/>
           <a:p>
             <a:pPr lvl="0"/>
             <a:r>
-              <a:rPr lang="en-US"/>
               <a:t>Click to edit Master text styles</a:t>
             </a:r>
-            <a:endParaRPr lang="en-US"/>
           </a:p>
           <a:p>
             <a:pPr lvl="1"/>
             <a:r>
-              <a:rPr lang="en-US"/>
               <a:t>Second level</a:t>
             </a:r>
-            <a:endParaRPr lang="en-US"/>
           </a:p>
           <a:p>
             <a:pPr lvl="2"/>
             <a:r>
-              <a:rPr lang="en-US"/>
               <a:t>Third level</a:t>
             </a:r>
-            <a:endParaRPr lang="en-US"/>
           </a:p>
           <a:p>
             <a:pPr lvl="3"/>
             <a:r>
-              <a:rPr lang="en-US"/>
               <a:t>Fourth level</a:t>
             </a:r>
-            <a:endParaRPr lang="en-US"/>
           </a:p>
           <a:p>
             <a:pPr lvl="4"/>
             <a:r>
-              <a:rPr lang="en-US"/>
               <a:t>Fifth level</a:t>
             </a:r>
-            <a:endParaRPr lang="en-US"/>
-          </a:p>
-        </p:txBody>
-      </p:sp>
-      <p:sp>
-        <p:nvSpPr>
-          <p:cNvPr id="4" name="Date Placeholder 3"/>
-          <p:cNvSpPr>
-            <a:spLocks noGrp="1"/>
-          </p:cNvSpPr>
+          </a:p>
+        </p:txBody>
+      </p:sp>
+      <p:sp>
+        <p:nvSpPr>
+          <p:cNvPr id="1028" name="Date Placeholder 1027"/>
+          <p:cNvSpPr/>
           <p:nvPr>
             <p:ph type="dt" sz="half" idx="2"/>
           </p:nvPr>
         </p:nvSpPr>
         <p:spPr>
           <a:xfrm>
-            <a:off x="838200" y="6356350"/>
-            <a:ext cx="2743200" cy="365125"/>
+            <a:off x="609600" y="6245225"/>
+            <a:ext cx="2844800" cy="476250"/>
           </a:xfrm>
           <a:prstGeom prst="rect">
             <a:avLst/>
           </a:prstGeom>
+          <a:noFill/>
+          <a:ln w="9525">
+            <a:noFill/>
+          </a:ln>
         </p:spPr>
         <p:txBody>
-          <a:bodyPr vert="horz" lIns="91440" tIns="45720" rIns="91440" bIns="45720" rtlCol="0" anchor="ctr"/>
+          <a:bodyPr/>
           <a:lstStyle>
-            <a:lvl1pPr algn="l">
-              <a:defRPr sz="1200">
-                <a:solidFill>
-                  <a:schemeClr val="tx1">
-                    <a:tint val="75000"/>
-                  </a:schemeClr>
-                </a:solidFill>
-              </a:defRPr>
+            <a:lvl1pPr>
+              <a:defRPr sz="1400"/>
             </a:lvl1pPr>
           </a:lstStyle>
           <a:p>
@@ -7275,34 +7270,30 @@
       </p:sp>
       <p:sp>
         <p:nvSpPr>
-          <p:cNvPr id="5" name="Footer Placeholder 4"/>
-          <p:cNvSpPr>
-            <a:spLocks noGrp="1"/>
-          </p:cNvSpPr>
+          <p:cNvPr id="1029" name="Footer Placeholder 1028"/>
+          <p:cNvSpPr/>
           <p:nvPr>
             <p:ph type="ftr" sz="quarter" idx="3"/>
           </p:nvPr>
         </p:nvSpPr>
         <p:spPr>
           <a:xfrm>
-            <a:off x="4038600" y="6356350"/>
-            <a:ext cx="4114800" cy="365125"/>
+            <a:off x="4165600" y="6245225"/>
+            <a:ext cx="3860800" cy="476250"/>
           </a:xfrm>
           <a:prstGeom prst="rect">
             <a:avLst/>
           </a:prstGeom>
+          <a:noFill/>
+          <a:ln w="9525">
+            <a:noFill/>
+          </a:ln>
         </p:spPr>
         <p:txBody>
-          <a:bodyPr vert="horz" lIns="91440" tIns="45720" rIns="91440" bIns="45720" rtlCol="0" anchor="ctr"/>
+          <a:bodyPr/>
           <a:lstStyle>
             <a:lvl1pPr algn="ctr">
-              <a:defRPr sz="1200">
-                <a:solidFill>
-                  <a:schemeClr val="tx1">
-                    <a:tint val="75000"/>
-                  </a:schemeClr>
-                </a:solidFill>
-              </a:defRPr>
+              <a:defRPr sz="1400"/>
             </a:lvl1pPr>
           </a:lstStyle>
           <a:p>
@@ -7312,34 +7303,30 @@
       </p:sp>
       <p:sp>
         <p:nvSpPr>
-          <p:cNvPr id="6" name="Slide Number Placeholder 5"/>
-          <p:cNvSpPr>
-            <a:spLocks noGrp="1"/>
-          </p:cNvSpPr>
+          <p:cNvPr id="1030" name="Slide Number Placeholder 1029"/>
+          <p:cNvSpPr/>
           <p:nvPr>
             <p:ph type="sldNum" sz="quarter" idx="4"/>
           </p:nvPr>
         </p:nvSpPr>
         <p:spPr>
           <a:xfrm>
-            <a:off x="8610600" y="6356350"/>
-            <a:ext cx="2743200" cy="365125"/>
+            <a:off x="8737600" y="6245225"/>
+            <a:ext cx="2844800" cy="476250"/>
           </a:xfrm>
           <a:prstGeom prst="rect">
             <a:avLst/>
           </a:prstGeom>
+          <a:noFill/>
+          <a:ln w="9525">
+            <a:noFill/>
+          </a:ln>
         </p:spPr>
         <p:txBody>
-          <a:bodyPr vert="horz" lIns="91440" tIns="45720" rIns="91440" bIns="45720" rtlCol="0" anchor="ctr"/>
+          <a:bodyPr/>
           <a:lstStyle>
             <a:lvl1pPr algn="r">
-              <a:defRPr sz="1200">
-                <a:solidFill>
-                  <a:schemeClr val="tx1">
-                    <a:tint val="75000"/>
-                  </a:schemeClr>
-                </a:solidFill>
-              </a:defRPr>
+              <a:defRPr sz="1400"/>
             </a:lvl1pPr>
           </a:lstStyle>
           <a:p>
@@ -7366,19 +7353,23 @@
     <p:sldLayoutId id="2147483670" r:id="rId10"/>
     <p:sldLayoutId id="2147483671" r:id="rId11"/>
   </p:sldLayoutIdLst>
+  <p:hf sldNum="0" hdr="0" ftr="0" dt="0"/>
   <p:txStyles>
     <p:titleStyle>
-      <a:lvl1pPr algn="l" defTabSz="914400" rtl="0" eaLnBrk="1" latinLnBrk="0" hangingPunct="1">
+      <a:lvl1pPr marL="0" lvl="0" indent="0" algn="ctr" defTabSz="914400" eaLnBrk="1" fontAlgn="base" latinLnBrk="0" hangingPunct="1">
         <a:lnSpc>
-          <a:spcPct val="90000"/>
+          <a:spcPct val="100000"/>
         </a:lnSpc>
         <a:spcBef>
           <a:spcPct val="0"/>
         </a:spcBef>
+        <a:spcAft>
+          <a:spcPct val="0"/>
+        </a:spcAft>
         <a:buNone/>
-        <a:defRPr sz="4400" kern="1200">
+        <a:defRPr sz="4400" b="0" i="0" u="none" kern="1200" baseline="0">
           <a:solidFill>
-            <a:schemeClr val="tx1"/>
+            <a:schemeClr val="tx2"/>
           </a:solidFill>
           <a:latin typeface="+mj-lt"/>
           <a:ea typeface="+mj-ea"/>
@@ -7387,16 +7378,18 @@
       </a:lvl1pPr>
     </p:titleStyle>
     <p:bodyStyle>
-      <a:lvl1pPr marL="228600" indent="-228600" algn="l" defTabSz="914400" rtl="0" eaLnBrk="1" latinLnBrk="0" hangingPunct="1">
+      <a:lvl1pPr marL="342900" lvl="0" indent="-342900" algn="l" defTabSz="914400" eaLnBrk="1" fontAlgn="base" latinLnBrk="0" hangingPunct="1">
         <a:lnSpc>
-          <a:spcPct val="90000"/>
+          <a:spcPct val="100000"/>
         </a:lnSpc>
         <a:spcBef>
-          <a:spcPts val="1000"/>
+          <a:spcPct val="20000"/>
         </a:spcBef>
-        <a:buFont typeface="Arial" panose="020B0604020202020204" pitchFamily="34" charset="0"/>
+        <a:spcAft>
+          <a:spcPct val="0"/>
+        </a:spcAft>
         <a:buChar char="•"/>
-        <a:defRPr sz="2800" kern="1200">
+        <a:defRPr sz="3200" b="0" i="0" u="none" kern="1200" baseline="0">
           <a:solidFill>
             <a:schemeClr val="tx1"/>
           </a:solidFill>
@@ -7405,16 +7398,18 @@
           <a:cs typeface="+mn-cs"/>
         </a:defRPr>
       </a:lvl1pPr>
-      <a:lvl2pPr marL="685800" indent="-228600" algn="l" defTabSz="914400" rtl="0" eaLnBrk="1" latinLnBrk="0" hangingPunct="1">
+      <a:lvl2pPr marL="742950" lvl="1" indent="-285750" algn="l" defTabSz="914400" eaLnBrk="1" fontAlgn="base" latinLnBrk="0" hangingPunct="1">
         <a:lnSpc>
-          <a:spcPct val="90000"/>
+          <a:spcPct val="100000"/>
         </a:lnSpc>
         <a:spcBef>
-          <a:spcPts val="500"/>
+          <a:spcPct val="20000"/>
         </a:spcBef>
-        <a:buFont typeface="Arial" panose="020B0604020202020204" pitchFamily="34" charset="0"/>
-        <a:buChar char="•"/>
-        <a:defRPr sz="2400" kern="1200">
+        <a:spcAft>
+          <a:spcPct val="0"/>
+        </a:spcAft>
+        <a:buChar char="–"/>
+        <a:defRPr sz="2800" b="0" i="0" u="none" kern="1200" baseline="0">
           <a:solidFill>
             <a:schemeClr val="tx1"/>
           </a:solidFill>
@@ -7423,16 +7418,18 @@
           <a:cs typeface="+mn-cs"/>
         </a:defRPr>
       </a:lvl2pPr>
-      <a:lvl3pPr marL="1143000" indent="-228600" algn="l" defTabSz="914400" rtl="0" eaLnBrk="1" latinLnBrk="0" hangingPunct="1">
+      <a:lvl3pPr marL="1143000" lvl="2" indent="-228600" algn="l" defTabSz="914400" eaLnBrk="1" fontAlgn="base" latinLnBrk="0" hangingPunct="1">
         <a:lnSpc>
-          <a:spcPct val="90000"/>
+          <a:spcPct val="100000"/>
         </a:lnSpc>
         <a:spcBef>
-          <a:spcPts val="500"/>
+          <a:spcPct val="20000"/>
         </a:spcBef>
-        <a:buFont typeface="Arial" panose="020B0604020202020204" pitchFamily="34" charset="0"/>
+        <a:spcAft>
+          <a:spcPct val="0"/>
+        </a:spcAft>
         <a:buChar char="•"/>
-        <a:defRPr sz="2000" kern="1200">
+        <a:defRPr sz="2400" b="0" i="0" u="none" kern="1200" baseline="0">
           <a:solidFill>
             <a:schemeClr val="tx1"/>
           </a:solidFill>
@@ -7441,16 +7438,18 @@
           <a:cs typeface="+mn-cs"/>
         </a:defRPr>
       </a:lvl3pPr>
-      <a:lvl4pPr marL="1600200" indent="-228600" algn="l" defTabSz="914400" rtl="0" eaLnBrk="1" latinLnBrk="0" hangingPunct="1">
+      <a:lvl4pPr marL="1600200" lvl="3" indent="-228600" algn="l" defTabSz="914400" eaLnBrk="1" fontAlgn="base" latinLnBrk="0" hangingPunct="1">
         <a:lnSpc>
-          <a:spcPct val="90000"/>
+          <a:spcPct val="100000"/>
         </a:lnSpc>
         <a:spcBef>
-          <a:spcPts val="500"/>
+          <a:spcPct val="20000"/>
         </a:spcBef>
-        <a:buFont typeface="Arial" panose="020B0604020202020204" pitchFamily="34" charset="0"/>
-        <a:buChar char="•"/>
-        <a:defRPr sz="1800" kern="1200">
+        <a:spcAft>
+          <a:spcPct val="0"/>
+        </a:spcAft>
+        <a:buChar char="–"/>
+        <a:defRPr sz="2000" b="0" i="0" u="none" kern="1200" baseline="0">
           <a:solidFill>
             <a:schemeClr val="tx1"/>
           </a:solidFill>
@@ -7459,16 +7458,18 @@
           <a:cs typeface="+mn-cs"/>
         </a:defRPr>
       </a:lvl4pPr>
-      <a:lvl5pPr marL="2057400" indent="-228600" algn="l" defTabSz="914400" rtl="0" eaLnBrk="1" latinLnBrk="0" hangingPunct="1">
+      <a:lvl5pPr marL="2057400" lvl="4" indent="-228600" algn="l" defTabSz="914400" eaLnBrk="1" fontAlgn="base" latinLnBrk="0" hangingPunct="1">
         <a:lnSpc>
-          <a:spcPct val="90000"/>
+          <a:spcPct val="100000"/>
         </a:lnSpc>
         <a:spcBef>
-          <a:spcPts val="500"/>
+          <a:spcPct val="20000"/>
         </a:spcBef>
-        <a:buFont typeface="Arial" panose="020B0604020202020204" pitchFamily="34" charset="0"/>
-        <a:buChar char="•"/>
-        <a:defRPr sz="1800" kern="1200">
+        <a:spcAft>
+          <a:spcPct val="0"/>
+        </a:spcAft>
+        <a:buChar char="»"/>
+        <a:defRPr sz="2000" b="0" i="0" u="none" kern="1200" baseline="0">
           <a:solidFill>
             <a:schemeClr val="tx1"/>
           </a:solidFill>
@@ -7477,16 +7478,18 @@
           <a:cs typeface="+mn-cs"/>
         </a:defRPr>
       </a:lvl5pPr>
-      <a:lvl6pPr marL="2514600" indent="-228600" algn="l" defTabSz="914400" rtl="0" eaLnBrk="1" latinLnBrk="0" hangingPunct="1">
+      <a:lvl6pPr marL="2514600" lvl="5" indent="-228600" algn="l" defTabSz="914400" eaLnBrk="1" fontAlgn="base" latinLnBrk="0" hangingPunct="1">
         <a:lnSpc>
-          <a:spcPct val="90000"/>
+          <a:spcPct val="100000"/>
         </a:lnSpc>
         <a:spcBef>
-          <a:spcPts val="500"/>
+          <a:spcPct val="20000"/>
         </a:spcBef>
-        <a:buFont typeface="Arial" panose="020B0604020202020204" pitchFamily="34" charset="0"/>
-        <a:buChar char="•"/>
-        <a:defRPr sz="1800" kern="1200">
+        <a:spcAft>
+          <a:spcPct val="0"/>
+        </a:spcAft>
+        <a:buChar char="»"/>
+        <a:defRPr sz="2000" b="0" i="0" u="none" kern="1200" baseline="0">
           <a:solidFill>
             <a:schemeClr val="tx1"/>
           </a:solidFill>
@@ -7495,16 +7498,18 @@
           <a:cs typeface="+mn-cs"/>
         </a:defRPr>
       </a:lvl6pPr>
-      <a:lvl7pPr marL="2971800" indent="-228600" algn="l" defTabSz="914400" rtl="0" eaLnBrk="1" latinLnBrk="0" hangingPunct="1">
+      <a:lvl7pPr marL="2971800" lvl="6" indent="-228600" algn="l" defTabSz="914400" eaLnBrk="1" fontAlgn="base" latinLnBrk="0" hangingPunct="1">
         <a:lnSpc>
-          <a:spcPct val="90000"/>
+          <a:spcPct val="100000"/>
         </a:lnSpc>
         <a:spcBef>
-          <a:spcPts val="500"/>
+          <a:spcPct val="20000"/>
         </a:spcBef>
-        <a:buFont typeface="Arial" panose="020B0604020202020204" pitchFamily="34" charset="0"/>
-        <a:buChar char="•"/>
-        <a:defRPr sz="1800" kern="1200">
+        <a:spcAft>
+          <a:spcPct val="0"/>
+        </a:spcAft>
+        <a:buChar char="»"/>
+        <a:defRPr sz="2000" b="0" i="0" u="none" kern="1200" baseline="0">
           <a:solidFill>
             <a:schemeClr val="tx1"/>
           </a:solidFill>
@@ -7513,16 +7518,18 @@
           <a:cs typeface="+mn-cs"/>
         </a:defRPr>
       </a:lvl7pPr>
-      <a:lvl8pPr marL="3429000" indent="-228600" algn="l" defTabSz="914400" rtl="0" eaLnBrk="1" latinLnBrk="0" hangingPunct="1">
+      <a:lvl8pPr marL="3429000" lvl="7" indent="-228600" algn="l" defTabSz="914400" eaLnBrk="1" fontAlgn="base" latinLnBrk="0" hangingPunct="1">
         <a:lnSpc>
-          <a:spcPct val="90000"/>
+          <a:spcPct val="100000"/>
         </a:lnSpc>
         <a:spcBef>
-          <a:spcPts val="500"/>
+          <a:spcPct val="20000"/>
         </a:spcBef>
-        <a:buFont typeface="Arial" panose="020B0604020202020204" pitchFamily="34" charset="0"/>
-        <a:buChar char="•"/>
-        <a:defRPr sz="1800" kern="1200">
+        <a:spcAft>
+          <a:spcPct val="0"/>
+        </a:spcAft>
+        <a:buChar char="»"/>
+        <a:defRPr sz="2000" b="0" i="0" u="none" kern="1200" baseline="0">
           <a:solidFill>
             <a:schemeClr val="tx1"/>
           </a:solidFill>
@@ -7531,16 +7538,18 @@
           <a:cs typeface="+mn-cs"/>
         </a:defRPr>
       </a:lvl8pPr>
-      <a:lvl9pPr marL="3886200" indent="-228600" algn="l" defTabSz="914400" rtl="0" eaLnBrk="1" latinLnBrk="0" hangingPunct="1">
+      <a:lvl9pPr marL="3886200" lvl="8" indent="-228600" algn="l" defTabSz="914400" eaLnBrk="1" fontAlgn="base" latinLnBrk="0" hangingPunct="1">
         <a:lnSpc>
-          <a:spcPct val="90000"/>
+          <a:spcPct val="100000"/>
         </a:lnSpc>
         <a:spcBef>
-          <a:spcPts val="500"/>
+          <a:spcPct val="20000"/>
         </a:spcBef>
-        <a:buFont typeface="Arial" panose="020B0604020202020204" pitchFamily="34" charset="0"/>
-        <a:buChar char="•"/>
-        <a:defRPr sz="1800" kern="1200">
+        <a:spcAft>
+          <a:spcPct val="0"/>
+        </a:spcAft>
+        <a:buChar char="»"/>
+        <a:defRPr sz="2000" b="0" i="0" u="none" kern="1200" baseline="0">
           <a:solidFill>
             <a:schemeClr val="tx1"/>
           </a:solidFill>
@@ -7551,11 +7560,19 @@
       </a:lvl9pPr>
     </p:bodyStyle>
     <p:otherStyle>
-      <a:defPPr>
-        <a:defRPr lang="en-US"/>
-      </a:defPPr>
-      <a:lvl1pPr marL="0" algn="l" defTabSz="914400" rtl="0" eaLnBrk="1" latinLnBrk="0" hangingPunct="1">
-        <a:defRPr sz="1800" kern="1200">
+      <a:lvl1pPr marL="0" lvl="0" indent="0" algn="l" defTabSz="914400" eaLnBrk="1" fontAlgn="base" latinLnBrk="0" hangingPunct="1">
+        <a:lnSpc>
+          <a:spcPct val="100000"/>
+        </a:lnSpc>
+        <a:spcBef>
+          <a:spcPct val="0"/>
+        </a:spcBef>
+        <a:spcAft>
+          <a:spcPct val="0"/>
+        </a:spcAft>
+        <a:buFont typeface="Arial" panose="020B0604020202020204" pitchFamily="34" charset="0"/>
+        <a:buNone/>
+        <a:defRPr sz="1800" b="0" i="0" u="none" kern="1200" baseline="0">
           <a:solidFill>
             <a:schemeClr val="tx1"/>
           </a:solidFill>
@@ -7564,82 +7581,170 @@
           <a:cs typeface="+mn-cs"/>
         </a:defRPr>
       </a:lvl1pPr>
-      <a:lvl2pPr marL="457200" algn="l" defTabSz="914400" rtl="0" eaLnBrk="1" latinLnBrk="0" hangingPunct="1">
-        <a:defRPr sz="1800" kern="1200">
+      <a:lvl2pPr marL="457200" lvl="1" indent="0" algn="l" defTabSz="914400" eaLnBrk="1" fontAlgn="base" latinLnBrk="0" hangingPunct="1">
+        <a:lnSpc>
+          <a:spcPct val="100000"/>
+        </a:lnSpc>
+        <a:spcBef>
+          <a:spcPct val="0"/>
+        </a:spcBef>
+        <a:spcAft>
+          <a:spcPct val="0"/>
+        </a:spcAft>
+        <a:buFont typeface="Arial" panose="020B0604020202020204" pitchFamily="34" charset="0"/>
+        <a:buNone/>
+        <a:defRPr b="0" i="0" u="none" kern="1200" baseline="0">
           <a:solidFill>
             <a:schemeClr val="tx1"/>
           </a:solidFill>
-          <a:latin typeface="+mn-lt"/>
+          <a:latin typeface="Arial" panose="020B0604020202020204" pitchFamily="34" charset="0"/>
           <a:ea typeface="+mn-ea"/>
           <a:cs typeface="+mn-cs"/>
         </a:defRPr>
       </a:lvl2pPr>
-      <a:lvl3pPr marL="914400" algn="l" defTabSz="914400" rtl="0" eaLnBrk="1" latinLnBrk="0" hangingPunct="1">
-        <a:defRPr sz="1800" kern="1200">
+      <a:lvl3pPr marL="914400" lvl="2" indent="0" algn="l" defTabSz="914400" eaLnBrk="1" fontAlgn="base" latinLnBrk="0" hangingPunct="1">
+        <a:lnSpc>
+          <a:spcPct val="100000"/>
+        </a:lnSpc>
+        <a:spcBef>
+          <a:spcPct val="0"/>
+        </a:spcBef>
+        <a:spcAft>
+          <a:spcPct val="0"/>
+        </a:spcAft>
+        <a:buFont typeface="Arial" panose="020B0604020202020204" pitchFamily="34" charset="0"/>
+        <a:buNone/>
+        <a:defRPr b="0" i="0" u="none" kern="1200" baseline="0">
           <a:solidFill>
             <a:schemeClr val="tx1"/>
           </a:solidFill>
-          <a:latin typeface="+mn-lt"/>
+          <a:latin typeface="Arial" panose="020B0604020202020204" pitchFamily="34" charset="0"/>
           <a:ea typeface="+mn-ea"/>
           <a:cs typeface="+mn-cs"/>
         </a:defRPr>
       </a:lvl3pPr>
-      <a:lvl4pPr marL="1371600" algn="l" defTabSz="914400" rtl="0" eaLnBrk="1" latinLnBrk="0" hangingPunct="1">
-        <a:defRPr sz="1800" kern="1200">
+      <a:lvl4pPr marL="1371600" lvl="3" indent="0" algn="l" defTabSz="914400" eaLnBrk="1" fontAlgn="base" latinLnBrk="0" hangingPunct="1">
+        <a:lnSpc>
+          <a:spcPct val="100000"/>
+        </a:lnSpc>
+        <a:spcBef>
+          <a:spcPct val="0"/>
+        </a:spcBef>
+        <a:spcAft>
+          <a:spcPct val="0"/>
+        </a:spcAft>
+        <a:buFont typeface="Arial" panose="020B0604020202020204" pitchFamily="34" charset="0"/>
+        <a:buNone/>
+        <a:defRPr b="0" i="0" u="none" kern="1200" baseline="0">
           <a:solidFill>
             <a:schemeClr val="tx1"/>
           </a:solidFill>
-          <a:latin typeface="+mn-lt"/>
+          <a:latin typeface="Arial" panose="020B0604020202020204" pitchFamily="34" charset="0"/>
           <a:ea typeface="+mn-ea"/>
           <a:cs typeface="+mn-cs"/>
         </a:defRPr>
       </a:lvl4pPr>
-      <a:lvl5pPr marL="1828800" algn="l" defTabSz="914400" rtl="0" eaLnBrk="1" latinLnBrk="0" hangingPunct="1">
-        <a:defRPr sz="1800" kern="1200">
+      <a:lvl5pPr marL="1828800" lvl="4" indent="0" algn="l" defTabSz="914400" eaLnBrk="1" fontAlgn="base" latinLnBrk="0" hangingPunct="1">
+        <a:lnSpc>
+          <a:spcPct val="100000"/>
+        </a:lnSpc>
+        <a:spcBef>
+          <a:spcPct val="0"/>
+        </a:spcBef>
+        <a:spcAft>
+          <a:spcPct val="0"/>
+        </a:spcAft>
+        <a:buFont typeface="Arial" panose="020B0604020202020204" pitchFamily="34" charset="0"/>
+        <a:buNone/>
+        <a:defRPr b="0" i="0" u="none" kern="1200" baseline="0">
           <a:solidFill>
             <a:schemeClr val="tx1"/>
           </a:solidFill>
-          <a:latin typeface="+mn-lt"/>
+          <a:latin typeface="Arial" panose="020B0604020202020204" pitchFamily="34" charset="0"/>
           <a:ea typeface="+mn-ea"/>
           <a:cs typeface="+mn-cs"/>
         </a:defRPr>
       </a:lvl5pPr>
-      <a:lvl6pPr marL="2286000" algn="l" defTabSz="914400" rtl="0" eaLnBrk="1" latinLnBrk="0" hangingPunct="1">
-        <a:defRPr sz="1800" kern="1200">
+      <a:lvl6pPr marL="2286000" lvl="5" indent="0" algn="l" defTabSz="914400" eaLnBrk="1" fontAlgn="base" latinLnBrk="0" hangingPunct="1">
+        <a:lnSpc>
+          <a:spcPct val="100000"/>
+        </a:lnSpc>
+        <a:spcBef>
+          <a:spcPct val="0"/>
+        </a:spcBef>
+        <a:spcAft>
+          <a:spcPct val="0"/>
+        </a:spcAft>
+        <a:buFont typeface="Arial" panose="020B0604020202020204" pitchFamily="34" charset="0"/>
+        <a:buNone/>
+        <a:defRPr b="0" i="0" u="none" kern="1200" baseline="0">
           <a:solidFill>
             <a:schemeClr val="tx1"/>
           </a:solidFill>
-          <a:latin typeface="+mn-lt"/>
+          <a:latin typeface="Arial" panose="020B0604020202020204" pitchFamily="34" charset="0"/>
           <a:ea typeface="+mn-ea"/>
           <a:cs typeface="+mn-cs"/>
         </a:defRPr>
       </a:lvl6pPr>
-      <a:lvl7pPr marL="2743200" algn="l" defTabSz="914400" rtl="0" eaLnBrk="1" latinLnBrk="0" hangingPunct="1">
-        <a:defRPr sz="1800" kern="1200">
+      <a:lvl7pPr marL="2743200" lvl="6" indent="0" algn="l" defTabSz="914400" eaLnBrk="1" fontAlgn="base" latinLnBrk="0" hangingPunct="1">
+        <a:lnSpc>
+          <a:spcPct val="100000"/>
+        </a:lnSpc>
+        <a:spcBef>
+          <a:spcPct val="0"/>
+        </a:spcBef>
+        <a:spcAft>
+          <a:spcPct val="0"/>
+        </a:spcAft>
+        <a:buFont typeface="Arial" panose="020B0604020202020204" pitchFamily="34" charset="0"/>
+        <a:buNone/>
+        <a:defRPr b="0" i="0" u="none" kern="1200" baseline="0">
           <a:solidFill>
             <a:schemeClr val="tx1"/>
           </a:solidFill>
-          <a:latin typeface="+mn-lt"/>
+          <a:latin typeface="Arial" panose="020B0604020202020204" pitchFamily="34" charset="0"/>
           <a:ea typeface="+mn-ea"/>
           <a:cs typeface="+mn-cs"/>
         </a:defRPr>
       </a:lvl7pPr>
-      <a:lvl8pPr marL="3200400" algn="l" defTabSz="914400" rtl="0" eaLnBrk="1" latinLnBrk="0" hangingPunct="1">
-        <a:defRPr sz="1800" kern="1200">
+      <a:lvl8pPr marL="3200400" lvl="7" indent="0" algn="l" defTabSz="914400" eaLnBrk="1" fontAlgn="base" latinLnBrk="0" hangingPunct="1">
+        <a:lnSpc>
+          <a:spcPct val="100000"/>
+        </a:lnSpc>
+        <a:spcBef>
+          <a:spcPct val="0"/>
+        </a:spcBef>
+        <a:spcAft>
+          <a:spcPct val="0"/>
+        </a:spcAft>
+        <a:buFont typeface="Arial" panose="020B0604020202020204" pitchFamily="34" charset="0"/>
+        <a:buNone/>
+        <a:defRPr b="0" i="0" u="none" kern="1200" baseline="0">
           <a:solidFill>
             <a:schemeClr val="tx1"/>
           </a:solidFill>
-          <a:latin typeface="+mn-lt"/>
+          <a:latin typeface="Arial" panose="020B0604020202020204" pitchFamily="34" charset="0"/>
           <a:ea typeface="+mn-ea"/>
           <a:cs typeface="+mn-cs"/>
         </a:defRPr>
       </a:lvl8pPr>
-      <a:lvl9pPr marL="3657600" algn="l" defTabSz="914400" rtl="0" eaLnBrk="1" latinLnBrk="0" hangingPunct="1">
-        <a:defRPr sz="1800" kern="1200">
+      <a:lvl9pPr marL="3657600" lvl="8" indent="0" algn="l" defTabSz="914400" eaLnBrk="1" fontAlgn="base" latinLnBrk="0" hangingPunct="1">
+        <a:lnSpc>
+          <a:spcPct val="100000"/>
+        </a:lnSpc>
+        <a:spcBef>
+          <a:spcPct val="0"/>
+        </a:spcBef>
+        <a:spcAft>
+          <a:spcPct val="0"/>
+        </a:spcAft>
+        <a:buFont typeface="Arial" panose="020B0604020202020204" pitchFamily="34" charset="0"/>
+        <a:buNone/>
+        <a:defRPr b="0" i="0" u="none" kern="1200" baseline="0">
           <a:solidFill>
             <a:schemeClr val="tx1"/>
           </a:solidFill>
-          <a:latin typeface="+mn-lt"/>
+          <a:latin typeface="Arial" panose="020B0604020202020204" pitchFamily="34" charset="0"/>
           <a:ea typeface="+mn-ea"/>
           <a:cs typeface="+mn-cs"/>
         </a:defRPr>
@@ -9215,178 +9320,31 @@
       </p:grpSpPr>
       <p:sp>
         <p:nvSpPr>
-          <p:cNvPr id="1036" name="Flowchart: Document 1035"/>
-          <p:cNvSpPr>
-            <a:spLocks noGrp="1" noRot="1" noChangeAspect="1" noMove="1" noResize="1" noEditPoints="1" noAdjustHandles="1" noChangeArrowheads="1" noChangeShapeType="1" noTextEdit="1"/>
-          </p:cNvSpPr>
-          <p:nvPr/>
+          <p:cNvPr id="5" name="Title 4"/>
+          <p:cNvSpPr>
+            <a:spLocks noGrp="1"/>
+          </p:cNvSpPr>
+          <p:nvPr>
+            <p:ph type="ctrTitle"/>
+          </p:nvPr>
         </p:nvSpPr>
         <p:spPr>
           <a:xfrm>
-            <a:off x="638175" y="0"/>
-            <a:ext cx="3248025" cy="3400426"/>
-          </a:xfrm>
-          <a:prstGeom prst="flowChartDocument">
-            <a:avLst/>
-          </a:prstGeom>
-          <a:solidFill>
-            <a:srgbClr val="4B5362"/>
-          </a:solidFill>
-          <a:ln>
-            <a:noFill/>
-          </a:ln>
-        </p:spPr>
-        <p:style>
-          <a:lnRef idx="2">
-            <a:schemeClr val="accent1">
-              <a:shade val="50000"/>
-            </a:schemeClr>
-          </a:lnRef>
-          <a:fillRef idx="1">
-            <a:schemeClr val="accent1"/>
-          </a:fillRef>
-          <a:effectRef idx="0">
-            <a:schemeClr val="accent1"/>
-          </a:effectRef>
-          <a:fontRef idx="minor">
-            <a:schemeClr val="lt1"/>
-          </a:fontRef>
-        </p:style>
-        <p:txBody>
-          <a:bodyPr rtlCol="0" anchor="ctr"/>
-          <a:lstStyle/>
-          <a:p>
-            <a:pPr algn="ctr"/>
-            <a:endParaRPr lang="en-US"/>
-          </a:p>
-        </p:txBody>
-      </p:sp>
-      <p:sp>
-        <p:nvSpPr>
-          <p:cNvPr id="2" name="Title 1"/>
-          <p:cNvSpPr>
-            <a:spLocks noGrp="1"/>
-          </p:cNvSpPr>
-          <p:nvPr>
-            <p:ph type="title"/>
-          </p:nvPr>
-        </p:nvSpPr>
-        <p:spPr>
-          <a:xfrm>
-            <a:off x="838200" y="171162"/>
-            <a:ext cx="2840182" cy="2371148"/>
+            <a:off x="1524000" y="2234883"/>
+            <a:ext cx="9144000" cy="2387600"/>
           </a:xfrm>
         </p:spPr>
         <p:txBody>
-          <a:bodyPr vert="horz" lIns="91440" tIns="45720" rIns="91440" bIns="45720" rtlCol="0" anchor="ctr">
-            <a:normAutofit/>
-          </a:bodyPr>
-          <a:lstStyle/>
-          <a:p>
-            <a:r>
-              <a:rPr lang="en-US" sz="3200" kern="1200" dirty="0">
-                <a:solidFill>
-                  <a:srgbClr val="FFFFFF"/>
-                </a:solidFill>
-                <a:latin typeface="+mj-lt"/>
-                <a:ea typeface="+mj-ea"/>
-                <a:cs typeface="+mj-cs"/>
-              </a:rPr>
-              <a:t>Citations</a:t>
-            </a:r>
-            <a:endParaRPr lang="en-US" sz="3200" kern="1200" dirty="0">
-              <a:solidFill>
-                <a:srgbClr val="FFFFFF"/>
-              </a:solidFill>
-              <a:latin typeface="+mj-lt"/>
-              <a:ea typeface="+mj-ea"/>
-              <a:cs typeface="+mj-cs"/>
-            </a:endParaRPr>
-          </a:p>
-        </p:txBody>
-      </p:sp>
-      <p:sp>
-        <p:nvSpPr>
-          <p:cNvPr id="3" name="TextBox 2"/>
-          <p:cNvSpPr txBox="1"/>
-          <p:nvPr/>
-        </p:nvSpPr>
-        <p:spPr>
-          <a:xfrm>
-            <a:off x="4086224" y="557212"/>
-            <a:ext cx="7384416" cy="5416868"/>
-          </a:xfrm>
-          <a:prstGeom prst="rect">
-            <a:avLst/>
-          </a:prstGeom>
-          <a:noFill/>
-        </p:spPr>
-        <p:txBody>
-          <a:bodyPr wrap="square" rtlCol="0">
-            <a:spAutoFit/>
-          </a:bodyPr>
-          <a:lstStyle/>
-          <a:p>
-            <a:pPr marL="457200" indent="-457200">
-              <a:spcBef>
-                <a:spcPts val="600"/>
-              </a:spcBef>
-              <a:buFont typeface="Arial" panose="020B0604020202020204" pitchFamily="34" charset="0"/>
-              <a:buChar char="•"/>
-            </a:pPr>
-            <a:r>
-              <a:rPr lang="en-US" sz="2800" dirty="0"/>
-              <a:t>[1]: C. -N. Li, Y. -H. Shao, W. Yin and M. -Z. Liu, "Robust and Sparse Linear Discriminant Analysis via an Alternating Direction Method of Multipliers," in </a:t>
-            </a:r>
-            <a:r>
-              <a:rPr lang="en-US" sz="2800" i="1" dirty="0"/>
-              <a:t>IEEE Transactions on Neural Networks and Learning Systems</a:t>
-            </a:r>
-            <a:r>
-              <a:rPr lang="en-US" sz="2800" dirty="0"/>
-              <a:t>, vol. 31, no. 3, pp. 915-926, March 2020, </a:t>
-            </a:r>
-            <a:r>
-              <a:rPr lang="en-US" sz="2800" dirty="0" err="1"/>
-              <a:t>doi</a:t>
-            </a:r>
-            <a:r>
-              <a:rPr lang="en-US" sz="2800" dirty="0"/>
-              <a:t>: 10.1109/TNNLS.2019.2910991.</a:t>
-            </a:r>
-            <a:endParaRPr lang="en-US" sz="2800" dirty="0"/>
-          </a:p>
-          <a:p>
-            <a:pPr marL="457200" indent="-457200">
-              <a:spcBef>
-                <a:spcPts val="600"/>
-              </a:spcBef>
-              <a:buFont typeface="Arial" panose="020B0604020202020204" pitchFamily="34" charset="0"/>
-              <a:buChar char="•"/>
-            </a:pPr>
-            <a:r>
-              <a:rPr lang="en-US" sz="2800" dirty="0"/>
-              <a:t>[2]: Distributed Optimization and Statistical Learning via the Alternating Direction Method of Multipliers (Boyd, Parikh, Chu, </a:t>
-            </a:r>
-            <a:r>
-              <a:rPr lang="en-US" sz="2800" dirty="0" err="1"/>
-              <a:t>Peleato</a:t>
-            </a:r>
-            <a:r>
-              <a:rPr lang="en-US" sz="2800" dirty="0"/>
-              <a:t>, Eckstein)</a:t>
-            </a:r>
-            <a:endParaRPr lang="en-US" sz="2800" dirty="0"/>
-          </a:p>
-          <a:p>
-            <a:pPr marL="457200" indent="-457200">
-              <a:spcBef>
-                <a:spcPts val="600"/>
-              </a:spcBef>
-              <a:buFont typeface="Arial" panose="020B0604020202020204" pitchFamily="34" charset="0"/>
-              <a:buChar char="•"/>
-            </a:pPr>
-            <a:endParaRPr lang="en-US" sz="2800" dirty="0"/>
+          <a:bodyPr/>
+          <a:p>
+            <a:r>
+              <a:rPr lang="en-US"/>
+              <a:t>Thank You!</a:t>
+            </a:r>
+            <a:br>
+              <a:rPr lang="en-US"/>
+            </a:br>
+            <a:endParaRPr lang="en-US"/>
           </a:p>
         </p:txBody>
       </p:sp>
@@ -9537,7 +9495,7 @@
         </p:blipFill>
         <p:spPr bwMode="auto">
           <a:xfrm>
-            <a:off x="4086225" y="945350"/>
+            <a:off x="5061585" y="3900640"/>
             <a:ext cx="5114743" cy="2455076"/>
           </a:xfrm>
           <a:prstGeom prst="rect">
@@ -9555,6 +9513,50 @@
           </a:extLst>
         </p:spPr>
       </p:pic>
+      <p:sp>
+        <p:nvSpPr>
+          <p:cNvPr id="3" name="Text Box 2"/>
+          <p:cNvSpPr txBox="1"/>
+          <p:nvPr/>
+        </p:nvSpPr>
+        <p:spPr>
+          <a:xfrm>
+            <a:off x="4634230" y="361950"/>
+            <a:ext cx="6387465" cy="2676525"/>
+          </a:xfrm>
+          <a:prstGeom prst="rect">
+            <a:avLst/>
+          </a:prstGeom>
+          <a:noFill/>
+        </p:spPr>
+        <p:txBody>
+          <a:bodyPr wrap="square" rtlCol="0">
+            <a:spAutoFit/>
+          </a:bodyPr>
+          <a:p>
+            <a:pPr marL="285750" indent="-285750">
+              <a:buFont typeface="Arial" panose="020B0604020202020204" pitchFamily="34" charset="0"/>
+              <a:buChar char="•"/>
+            </a:pPr>
+            <a:r>
+              <a:rPr lang="en-US" sz="2800"/>
+              <a:t>Linear Discriminant Analysis (LDA) is a linear classification method used to separate two or more classes of objects or events by projecting them onto a lower-dimensional space.</a:t>
+            </a:r>
+            <a:endParaRPr lang="en-US" sz="2800"/>
+          </a:p>
+          <a:p>
+            <a:pPr marL="285750" indent="-285750">
+              <a:buFont typeface="Arial" panose="020B0604020202020204" pitchFamily="34" charset="0"/>
+              <a:buChar char="•"/>
+            </a:pPr>
+            <a:r>
+              <a:rPr lang="en-US" sz="2800"/>
+              <a:t>LDA focuses on seperability</a:t>
+            </a:r>
+            <a:endParaRPr lang="en-US" sz="2800"/>
+          </a:p>
+        </p:txBody>
+      </p:sp>
     </p:spTree>
   </p:cSld>
   <p:clrMapOvr>
@@ -11282,7 +11284,7 @@
 </file>
 
 <file path=ppt/theme/theme1.xml><?xml version="1.0" encoding="utf-8"?>
-<a:theme xmlns:a="http://schemas.openxmlformats.org/drawingml/2006/main" name="Office Theme">
+<a:theme xmlns:a="http://schemas.openxmlformats.org/drawingml/2006/main" name="1_Office Theme">
   <a:themeElements>
     <a:clrScheme name="Office">
       <a:dk1>
@@ -11541,116 +11543,56 @@
 </file>
 
 <file path=ppt/theme/theme2.xml><?xml version="1.0" encoding="utf-8"?>
-<a:theme xmlns:a="http://schemas.openxmlformats.org/drawingml/2006/main" name="1_Office Theme">
+<a:theme xmlns:a="http://schemas.openxmlformats.org/drawingml/2006/main" name="Default Design">
   <a:themeElements>
-    <a:clrScheme name="Office">
+    <a:clrScheme name="">
       <a:dk1>
-        <a:sysClr val="windowText" lastClr="000000"/>
+        <a:srgbClr val="000000"/>
       </a:dk1>
       <a:lt1>
-        <a:sysClr val="window" lastClr="FFFFFF"/>
+        <a:srgbClr val="FFFFFF"/>
       </a:lt1>
       <a:dk2>
-        <a:srgbClr val="44546A"/>
+        <a:srgbClr val="000000"/>
       </a:dk2>
       <a:lt2>
-        <a:srgbClr val="E7E6E6"/>
+        <a:srgbClr val="808080"/>
       </a:lt2>
       <a:accent1>
-        <a:srgbClr val="4472C4"/>
+        <a:srgbClr val="7DB6EF"/>
       </a:accent1>
       <a:accent2>
-        <a:srgbClr val="ED7D31"/>
+        <a:srgbClr val="C0504D"/>
       </a:accent2>
       <a:accent3>
-        <a:srgbClr val="A5A5A5"/>
+        <a:srgbClr val="FFFFFF"/>
       </a:accent3>
       <a:accent4>
-        <a:srgbClr val="FFC000"/>
+        <a:srgbClr val="000000"/>
       </a:accent4>
       <a:accent5>
-        <a:srgbClr val="5B9BD5"/>
+        <a:srgbClr val="C0D7F5"/>
       </a:accent5>
       <a:accent6>
-        <a:srgbClr val="70AD47"/>
+        <a:srgbClr val="AC4744"/>
       </a:accent6>
       <a:hlink>
-        <a:srgbClr val="0563C1"/>
+        <a:srgbClr val="0066CC"/>
       </a:hlink>
       <a:folHlink>
-        <a:srgbClr val="954F72"/>
+        <a:srgbClr val="800080"/>
       </a:folHlink>
     </a:clrScheme>
-    <a:fontScheme name="Office">
+    <a:fontScheme name="">
       <a:majorFont>
-        <a:latin typeface="Calibri Light"/>
-        <a:ea typeface=""/>
+        <a:latin typeface="Arial"/>
+        <a:ea typeface="Arial"/>
         <a:cs typeface=""/>
-        <a:font script="Jpan" typeface="游ゴシック Light"/>
-        <a:font script="Hang" typeface="맑은 고딕"/>
-        <a:font script="Hans" typeface="等线 Light"/>
-        <a:font script="Hant" typeface="新細明體"/>
-        <a:font script="Arab" typeface="Times New Roman"/>
-        <a:font script="Hebr" typeface="Times New Roman"/>
-        <a:font script="Thai" typeface="Angsana New"/>
-        <a:font script="Ethi" typeface="Nyala"/>
-        <a:font script="Beng" typeface="Vrinda"/>
-        <a:font script="Gujr" typeface="Shruti"/>
-        <a:font script="Khmr" typeface="MoolBoran"/>
-        <a:font script="Knda" typeface="Tunga"/>
-        <a:font script="Guru" typeface="Raavi"/>
-        <a:font script="Cans" typeface="Euphemia"/>
-        <a:font script="Cher" typeface="Plantagenet Cherokee"/>
-        <a:font script="Yiii" typeface="Microsoft Yi Baiti"/>
-        <a:font script="Tibt" typeface="Microsoft Himalaya"/>
-        <a:font script="Thaa" typeface="MV Boli"/>
-        <a:font script="Deva" typeface="Mangal"/>
-        <a:font script="Telu" typeface="Gautami"/>
-        <a:font script="Taml" typeface="Latha"/>
-        <a:font script="Syrc" typeface="Estrangelo Edessa"/>
-        <a:font script="Orya" typeface="Kalinga"/>
-        <a:font script="Mlym" typeface="Kartika"/>
-        <a:font script="Laoo" typeface="DokChampa"/>
-        <a:font script="Sinh" typeface="Iskoola Pota"/>
-        <a:font script="Mong" typeface="Mongolian Baiti"/>
-        <a:font script="Viet" typeface="Times New Roman"/>
-        <a:font script="Uigh" typeface="Microsoft Uighur"/>
-        <a:font script="Geor" typeface="Sylfaen"/>
       </a:majorFont>
       <a:minorFont>
-        <a:latin typeface="Calibri"/>
-        <a:ea typeface=""/>
+        <a:latin typeface="Arial"/>
+        <a:ea typeface="Arial"/>
         <a:cs typeface=""/>
-        <a:font script="Jpan" typeface="游ゴシック"/>
-        <a:font script="Hang" typeface="맑은 고딕"/>
-        <a:font script="Hans" typeface="等线"/>
-        <a:font script="Hant" typeface="新細明體"/>
-        <a:font script="Arab" typeface="Arial"/>
-        <a:font script="Hebr" typeface="Arial"/>
-        <a:font script="Thai" typeface="Cordia New"/>
-        <a:font script="Ethi" typeface="Nyala"/>
-        <a:font script="Beng" typeface="Vrinda"/>
-        <a:font script="Gujr" typeface="Shruti"/>
-        <a:font script="Khmr" typeface="DaunPenh"/>
-        <a:font script="Knda" typeface="Tunga"/>
-        <a:font script="Guru" typeface="Raavi"/>
-        <a:font script="Cans" typeface="Euphemia"/>
-        <a:font script="Cher" typeface="Plantagenet Cherokee"/>
-        <a:font script="Yiii" typeface="Microsoft Yi Baiti"/>
-        <a:font script="Tibt" typeface="Microsoft Himalaya"/>
-        <a:font script="Thaa" typeface="MV Boli"/>
-        <a:font script="Deva" typeface="Mangal"/>
-        <a:font script="Telu" typeface="Gautami"/>
-        <a:font script="Taml" typeface="Latha"/>
-        <a:font script="Syrc" typeface="Estrangelo Edessa"/>
-        <a:font script="Orya" typeface="Kalinga"/>
-        <a:font script="Mlym" typeface="Kartika"/>
-        <a:font script="Laoo" typeface="DokChampa"/>
-        <a:font script="Sinh" typeface="Iskoola Pota"/>
-        <a:font script="Mong" typeface="Mongolian Baiti"/>
-        <a:font script="Viet" typeface="Arial"/>
-        <a:font script="Uigh" typeface="Microsoft Uighur"/>
-        <a:font script="Geor" typeface="Sylfaen"/>
       </a:minorFont>
     </a:fontScheme>
     <a:fmtScheme name="Office">
@@ -11791,6 +11733,500 @@
       </a:bgFillStyleLst>
     </a:fmtScheme>
   </a:themeElements>
+  <a:extraClrSchemeLst>
+    <a:extraClrScheme>
+      <a:clrScheme name="">
+        <a:dk1>
+          <a:srgbClr val="000000"/>
+        </a:dk1>
+        <a:lt1>
+          <a:srgbClr val="FFFFFF"/>
+        </a:lt1>
+        <a:dk2>
+          <a:srgbClr val="000000"/>
+        </a:dk2>
+        <a:lt2>
+          <a:srgbClr val="969696"/>
+        </a:lt2>
+        <a:accent1>
+          <a:srgbClr val="FBDF53"/>
+        </a:accent1>
+        <a:accent2>
+          <a:srgbClr val="FF9966"/>
+        </a:accent2>
+        <a:accent3>
+          <a:srgbClr val="FFFFFF"/>
+        </a:accent3>
+        <a:accent4>
+          <a:srgbClr val="000000"/>
+        </a:accent4>
+        <a:accent5>
+          <a:srgbClr val="FDECB4"/>
+        </a:accent5>
+        <a:accent6>
+          <a:srgbClr val="E5895B"/>
+        </a:accent6>
+        <a:hlink>
+          <a:srgbClr val="CC3300"/>
+        </a:hlink>
+        <a:folHlink>
+          <a:srgbClr val="996600"/>
+        </a:folHlink>
+      </a:clrScheme>
+      <a:clrMap bg1="lt1" tx1="dk1" bg2="lt2" tx2="dk2" accent1="accent1" accent2="accent2" accent3="accent3" accent4="accent4" accent5="accent5" accent6="accent6" hlink="hlink" folHlink="folHlink"/>
+    </a:extraClrScheme>
+    <a:extraClrScheme>
+      <a:clrScheme name="">
+        <a:dk1>
+          <a:srgbClr val="000000"/>
+        </a:dk1>
+        <a:lt1>
+          <a:srgbClr val="FFFFFF"/>
+        </a:lt1>
+        <a:dk2>
+          <a:srgbClr val="000000"/>
+        </a:dk2>
+        <a:lt2>
+          <a:srgbClr val="808080"/>
+        </a:lt2>
+        <a:accent1>
+          <a:srgbClr val="99CCFF"/>
+        </a:accent1>
+        <a:accent2>
+          <a:srgbClr val="CCCCFF"/>
+        </a:accent2>
+        <a:accent3>
+          <a:srgbClr val="FFFFFF"/>
+        </a:accent3>
+        <a:accent4>
+          <a:srgbClr val="000000"/>
+        </a:accent4>
+        <a:accent5>
+          <a:srgbClr val="CAE2FF"/>
+        </a:accent5>
+        <a:accent6>
+          <a:srgbClr val="B7B7E5"/>
+        </a:accent6>
+        <a:hlink>
+          <a:srgbClr val="3333CC"/>
+        </a:hlink>
+        <a:folHlink>
+          <a:srgbClr val="AF67FF"/>
+        </a:folHlink>
+      </a:clrScheme>
+      <a:clrMap bg1="lt1" tx1="dk1" bg2="lt2" tx2="dk2" accent1="accent1" accent2="accent2" accent3="accent3" accent4="accent4" accent5="accent5" accent6="accent6" hlink="hlink" folHlink="folHlink"/>
+    </a:extraClrScheme>
+    <a:extraClrScheme>
+      <a:clrScheme name="">
+        <a:dk1>
+          <a:srgbClr val="000000"/>
+        </a:dk1>
+        <a:lt1>
+          <a:srgbClr val="DEF6F1"/>
+        </a:lt1>
+        <a:dk2>
+          <a:srgbClr val="000000"/>
+        </a:dk2>
+        <a:lt2>
+          <a:srgbClr val="969696"/>
+        </a:lt2>
+        <a:accent1>
+          <a:srgbClr val="FFFFFF"/>
+        </a:accent1>
+        <a:accent2>
+          <a:srgbClr val="8DC6FF"/>
+        </a:accent2>
+        <a:accent3>
+          <a:srgbClr val="EBFAF7"/>
+        </a:accent3>
+        <a:accent4>
+          <a:srgbClr val="000000"/>
+        </a:accent4>
+        <a:accent5>
+          <a:srgbClr val="FFFFFF"/>
+        </a:accent5>
+        <a:accent6>
+          <a:srgbClr val="7EB1E5"/>
+        </a:accent6>
+        <a:hlink>
+          <a:srgbClr val="0066CC"/>
+        </a:hlink>
+        <a:folHlink>
+          <a:srgbClr val="00A800"/>
+        </a:folHlink>
+      </a:clrScheme>
+      <a:clrMap bg1="lt1" tx1="dk1" bg2="lt2" tx2="dk2" accent1="accent1" accent2="accent2" accent3="accent3" accent4="accent4" accent5="accent5" accent6="accent6" hlink="hlink" folHlink="folHlink"/>
+    </a:extraClrScheme>
+    <a:extraClrScheme>
+      <a:clrScheme name="">
+        <a:dk1>
+          <a:srgbClr val="000000"/>
+        </a:dk1>
+        <a:lt1>
+          <a:srgbClr val="FFFFD9"/>
+        </a:lt1>
+        <a:dk2>
+          <a:srgbClr val="000000"/>
+        </a:dk2>
+        <a:lt2>
+          <a:srgbClr val="777777"/>
+        </a:lt2>
+        <a:accent1>
+          <a:srgbClr val="FFFFF7"/>
+        </a:accent1>
+        <a:accent2>
+          <a:srgbClr val="33CCCC"/>
+        </a:accent2>
+        <a:accent3>
+          <a:srgbClr val="FFFFE9"/>
+        </a:accent3>
+        <a:accent4>
+          <a:srgbClr val="000000"/>
+        </a:accent4>
+        <a:accent5>
+          <a:srgbClr val="FFFFFA"/>
+        </a:accent5>
+        <a:accent6>
+          <a:srgbClr val="2DB7B7"/>
+        </a:accent6>
+        <a:hlink>
+          <a:srgbClr val="FF5050"/>
+        </a:hlink>
+        <a:folHlink>
+          <a:srgbClr val="FF9900"/>
+        </a:folHlink>
+      </a:clrScheme>
+      <a:clrMap bg1="lt1" tx1="dk1" bg2="lt2" tx2="dk2" accent1="accent1" accent2="accent2" accent3="accent3" accent4="accent4" accent5="accent5" accent6="accent6" hlink="hlink" folHlink="folHlink"/>
+    </a:extraClrScheme>
+    <a:extraClrScheme>
+      <a:clrScheme name="">
+        <a:dk1>
+          <a:srgbClr val="FFFFFF"/>
+        </a:dk1>
+        <a:lt1>
+          <a:srgbClr val="008080"/>
+        </a:lt1>
+        <a:dk2>
+          <a:srgbClr val="FFFF99"/>
+        </a:dk2>
+        <a:lt2>
+          <a:srgbClr val="005A58"/>
+        </a:lt2>
+        <a:accent1>
+          <a:srgbClr val="006462"/>
+        </a:accent1>
+        <a:accent2>
+          <a:srgbClr val="6D6FC7"/>
+        </a:accent2>
+        <a:accent3>
+          <a:srgbClr val="AAC1C1"/>
+        </a:accent3>
+        <a:accent4>
+          <a:srgbClr val="DCDCDC"/>
+        </a:accent4>
+        <a:accent5>
+          <a:srgbClr val="AAB8B8"/>
+        </a:accent5>
+        <a:accent6>
+          <a:srgbClr val="6163B2"/>
+        </a:accent6>
+        <a:hlink>
+          <a:srgbClr val="00FFFF"/>
+        </a:hlink>
+        <a:folHlink>
+          <a:srgbClr val="00FF00"/>
+        </a:folHlink>
+      </a:clrScheme>
+      <a:clrMap bg1="lt1" tx1="dk1" bg2="lt2" tx2="dk2" accent1="accent1" accent2="accent2" accent3="accent3" accent4="accent4" accent5="accent5" accent6="accent6" hlink="hlink" folHlink="folHlink"/>
+    </a:extraClrScheme>
+    <a:extraClrScheme>
+      <a:clrScheme name="">
+        <a:dk1>
+          <a:srgbClr val="FFFFFF"/>
+        </a:dk1>
+        <a:lt1>
+          <a:srgbClr val="800000"/>
+        </a:lt1>
+        <a:dk2>
+          <a:srgbClr val="DFD293"/>
+        </a:dk2>
+        <a:lt2>
+          <a:srgbClr val="5C1F00"/>
+        </a:lt2>
+        <a:accent1>
+          <a:srgbClr val="CC3300"/>
+        </a:accent1>
+        <a:accent2>
+          <a:srgbClr val="BE7960"/>
+        </a:accent2>
+        <a:accent3>
+          <a:srgbClr val="C1AAAA"/>
+        </a:accent3>
+        <a:accent4>
+          <a:srgbClr val="DCDCDC"/>
+        </a:accent4>
+        <a:accent5>
+          <a:srgbClr val="E2ADAA"/>
+        </a:accent5>
+        <a:accent6>
+          <a:srgbClr val="AA6C55"/>
+        </a:accent6>
+        <a:hlink>
+          <a:srgbClr val="FFFF99"/>
+        </a:hlink>
+        <a:folHlink>
+          <a:srgbClr val="D3A219"/>
+        </a:folHlink>
+      </a:clrScheme>
+      <a:clrMap bg1="lt1" tx1="dk1" bg2="lt2" tx2="dk2" accent1="accent1" accent2="accent2" accent3="accent3" accent4="accent4" accent5="accent5" accent6="accent6" hlink="hlink" folHlink="folHlink"/>
+    </a:extraClrScheme>
+    <a:extraClrScheme>
+      <a:clrScheme name="">
+        <a:dk1>
+          <a:srgbClr val="FFFFFF"/>
+        </a:dk1>
+        <a:lt1>
+          <a:srgbClr val="000099"/>
+        </a:lt1>
+        <a:dk2>
+          <a:srgbClr val="CCFFFF"/>
+        </a:dk2>
+        <a:lt2>
+          <a:srgbClr val="003366"/>
+        </a:lt2>
+        <a:accent1>
+          <a:srgbClr val="3366CC"/>
+        </a:accent1>
+        <a:accent2>
+          <a:srgbClr val="00B000"/>
+        </a:accent2>
+        <a:accent3>
+          <a:srgbClr val="AAAACA"/>
+        </a:accent3>
+        <a:accent4>
+          <a:srgbClr val="DCDCDC"/>
+        </a:accent4>
+        <a:accent5>
+          <a:srgbClr val="ADB9E2"/>
+        </a:accent5>
+        <a:accent6>
+          <a:srgbClr val="009D00"/>
+        </a:accent6>
+        <a:hlink>
+          <a:srgbClr val="66CCFF"/>
+        </a:hlink>
+        <a:folHlink>
+          <a:srgbClr val="FFE701"/>
+        </a:folHlink>
+      </a:clrScheme>
+      <a:clrMap bg1="lt1" tx1="dk1" bg2="lt2" tx2="dk2" accent1="accent1" accent2="accent2" accent3="accent3" accent4="accent4" accent5="accent5" accent6="accent6" hlink="hlink" folHlink="folHlink"/>
+    </a:extraClrScheme>
+    <a:extraClrScheme>
+      <a:clrScheme name="">
+        <a:dk1>
+          <a:srgbClr val="FFFFFF"/>
+        </a:dk1>
+        <a:lt1>
+          <a:srgbClr val="000000"/>
+        </a:lt1>
+        <a:dk2>
+          <a:srgbClr val="E3EBF1"/>
+        </a:dk2>
+        <a:lt2>
+          <a:srgbClr val="336699"/>
+        </a:lt2>
+        <a:accent1>
+          <a:srgbClr val="003399"/>
+        </a:accent1>
+        <a:accent2>
+          <a:srgbClr val="468A4B"/>
+        </a:accent2>
+        <a:accent3>
+          <a:srgbClr val="AAAAAA"/>
+        </a:accent3>
+        <a:accent4>
+          <a:srgbClr val="DCDCDC"/>
+        </a:accent4>
+        <a:accent5>
+          <a:srgbClr val="AAADCA"/>
+        </a:accent5>
+        <a:accent6>
+          <a:srgbClr val="3E7B43"/>
+        </a:accent6>
+        <a:hlink>
+          <a:srgbClr val="66CCFF"/>
+        </a:hlink>
+        <a:folHlink>
+          <a:srgbClr val="F0E500"/>
+        </a:folHlink>
+      </a:clrScheme>
+      <a:clrMap bg1="lt1" tx1="dk1" bg2="lt2" tx2="dk2" accent1="accent1" accent2="accent2" accent3="accent3" accent4="accent4" accent5="accent5" accent6="accent6" hlink="hlink" folHlink="folHlink"/>
+    </a:extraClrScheme>
+    <a:extraClrScheme>
+      <a:clrScheme name="">
+        <a:dk1>
+          <a:srgbClr val="FFFFFF"/>
+        </a:dk1>
+        <a:lt1>
+          <a:srgbClr val="686B5D"/>
+        </a:lt1>
+        <a:dk2>
+          <a:srgbClr val="D1D1CB"/>
+        </a:dk2>
+        <a:lt2>
+          <a:srgbClr val="777777"/>
+        </a:lt2>
+        <a:accent1>
+          <a:srgbClr val="909082"/>
+        </a:accent1>
+        <a:accent2>
+          <a:srgbClr val="809EA8"/>
+        </a:accent2>
+        <a:accent3>
+          <a:srgbClr val="B9BAB6"/>
+        </a:accent3>
+        <a:accent4>
+          <a:srgbClr val="DCDCDC"/>
+        </a:accent4>
+        <a:accent5>
+          <a:srgbClr val="C7C7C1"/>
+        </a:accent5>
+        <a:accent6>
+          <a:srgbClr val="728D96"/>
+        </a:accent6>
+        <a:hlink>
+          <a:srgbClr val="FFCC66"/>
+        </a:hlink>
+        <a:folHlink>
+          <a:srgbClr val="E9DCB9"/>
+        </a:folHlink>
+      </a:clrScheme>
+      <a:clrMap bg1="lt1" tx1="dk1" bg2="lt2" tx2="dk2" accent1="accent1" accent2="accent2" accent3="accent3" accent4="accent4" accent5="accent5" accent6="accent6" hlink="hlink" folHlink="folHlink"/>
+    </a:extraClrScheme>
+    <a:extraClrScheme>
+      <a:clrScheme name="">
+        <a:dk1>
+          <a:srgbClr val="FFFFFF"/>
+        </a:dk1>
+        <a:lt1>
+          <a:srgbClr val="666699"/>
+        </a:lt1>
+        <a:dk2>
+          <a:srgbClr val="FFFFFF"/>
+        </a:dk2>
+        <a:lt2>
+          <a:srgbClr val="3E3E5C"/>
+        </a:lt2>
+        <a:accent1>
+          <a:srgbClr val="60597B"/>
+        </a:accent1>
+        <a:accent2>
+          <a:srgbClr val="6666FF"/>
+        </a:accent2>
+        <a:accent3>
+          <a:srgbClr val="B9B9CA"/>
+        </a:accent3>
+        <a:accent4>
+          <a:srgbClr val="DCDCDC"/>
+        </a:accent4>
+        <a:accent5>
+          <a:srgbClr val="B7B5BF"/>
+        </a:accent5>
+        <a:accent6>
+          <a:srgbClr val="5B5BE5"/>
+        </a:accent6>
+        <a:hlink>
+          <a:srgbClr val="99CCFF"/>
+        </a:hlink>
+        <a:folHlink>
+          <a:srgbClr val="FFFF99"/>
+        </a:folHlink>
+      </a:clrScheme>
+      <a:clrMap bg1="lt1" tx1="dk1" bg2="lt2" tx2="dk2" accent1="accent1" accent2="accent2" accent3="accent3" accent4="accent4" accent5="accent5" accent6="accent6" hlink="hlink" folHlink="folHlink"/>
+    </a:extraClrScheme>
+    <a:extraClrScheme>
+      <a:clrScheme name="">
+        <a:dk1>
+          <a:srgbClr val="FFFFFF"/>
+        </a:dk1>
+        <a:lt1>
+          <a:srgbClr val="523E26"/>
+        </a:lt1>
+        <a:dk2>
+          <a:srgbClr val="DFC08D"/>
+        </a:dk2>
+        <a:lt2>
+          <a:srgbClr val="2D2015"/>
+        </a:lt2>
+        <a:accent1>
+          <a:srgbClr val="8C7B70"/>
+        </a:accent1>
+        <a:accent2>
+          <a:srgbClr val="8F5F2F"/>
+        </a:accent2>
+        <a:accent3>
+          <a:srgbClr val="B3AFAB"/>
+        </a:accent3>
+        <a:accent4>
+          <a:srgbClr val="DCDCDC"/>
+        </a:accent4>
+        <a:accent5>
+          <a:srgbClr val="C5BFBC"/>
+        </a:accent5>
+        <a:accent6>
+          <a:srgbClr val="805529"/>
+        </a:accent6>
+        <a:hlink>
+          <a:srgbClr val="CCB400"/>
+        </a:hlink>
+        <a:folHlink>
+          <a:srgbClr val="8C9EA0"/>
+        </a:folHlink>
+      </a:clrScheme>
+      <a:clrMap bg1="lt1" tx1="dk1" bg2="lt2" tx2="dk2" accent1="accent1" accent2="accent2" accent3="accent3" accent4="accent4" accent5="accent5" accent6="accent6" hlink="hlink" folHlink="folHlink"/>
+    </a:extraClrScheme>
+    <a:extraClrScheme>
+      <a:clrScheme name="">
+        <a:dk1>
+          <a:srgbClr val="000000"/>
+        </a:dk1>
+        <a:lt1>
+          <a:srgbClr val="FFFFFF"/>
+        </a:lt1>
+        <a:dk2>
+          <a:srgbClr val="000000"/>
+        </a:dk2>
+        <a:lt2>
+          <a:srgbClr val="808080"/>
+        </a:lt2>
+        <a:accent1>
+          <a:srgbClr val="7DB6EF"/>
+        </a:accent1>
+        <a:accent2>
+          <a:srgbClr val="C0504D"/>
+        </a:accent2>
+        <a:accent3>
+          <a:srgbClr val="FFFFFF"/>
+        </a:accent3>
+        <a:accent4>
+          <a:srgbClr val="000000"/>
+        </a:accent4>
+        <a:accent5>
+          <a:srgbClr val="C0D7F5"/>
+        </a:accent5>
+        <a:accent6>
+          <a:srgbClr val="AC4744"/>
+        </a:accent6>
+        <a:hlink>
+          <a:srgbClr val="0066CC"/>
+        </a:hlink>
+        <a:folHlink>
+          <a:srgbClr val="800080"/>
+        </a:folHlink>
+      </a:clrScheme>
+      <a:clrMap bg1="lt1" tx1="dk1" bg2="lt2" tx2="dk2" accent1="accent1" accent2="accent2" accent3="accent3" accent4="accent4" accent5="accent5" accent6="accent6" hlink="hlink" folHlink="folHlink"/>
+    </a:extraClrScheme>
+  </a:extraClrSchemeLst>
   <a:extLst>
     <a:ext uri="{05A4C25C-085E-4340-85A3-A5531E510DB2}">
       <thm15:themeFamily xmlns:thm15="http://schemas.microsoft.com/office/thememl/2012/main" name="Office Theme" id="{62F939B6-93AF-4DB8-9C6B-D6C7DFDC589F}" vid="{4A3C46E8-61CC-4603-A589-7422A47A8E4A}"/>

--- a/LDA Presentation CECS 550.pptx
+++ b/LDA Presentation CECS 550.pptx
@@ -3,26 +3,27 @@
 <p:presentation xmlns:a="http://schemas.openxmlformats.org/drawingml/2006/main" xmlns:r="http://schemas.openxmlformats.org/officeDocument/2006/relationships" xmlns:p="http://schemas.openxmlformats.org/presentationml/2006/main">
   <p:sldMasterIdLst>
     <p:sldMasterId id="2147483648" r:id="rId1"/>
-    <p:sldMasterId id="2147483660" r:id="rId3"/>
+    <p:sldMasterId id="2147483660" r:id="rId2"/>
   </p:sldMasterIdLst>
   <p:notesMasterIdLst>
-    <p:notesMasterId r:id="rId5"/>
+    <p:notesMasterId r:id="rId15"/>
   </p:notesMasterIdLst>
   <p:handoutMasterIdLst>
     <p:handoutMasterId r:id="rId16"/>
   </p:handoutMasterIdLst>
   <p:sldIdLst>
-    <p:sldId id="256" r:id="rId4"/>
-    <p:sldId id="268" r:id="rId6"/>
-    <p:sldId id="271" r:id="rId7"/>
-    <p:sldId id="272" r:id="rId8"/>
-    <p:sldId id="273" r:id="rId9"/>
-    <p:sldId id="274" r:id="rId10"/>
-    <p:sldId id="275" r:id="rId11"/>
-    <p:sldId id="288" r:id="rId12"/>
-    <p:sldId id="289" r:id="rId13"/>
-    <p:sldId id="287" r:id="rId14"/>
-    <p:sldId id="276" r:id="rId15"/>
+    <p:sldId id="256" r:id="rId3"/>
+    <p:sldId id="268" r:id="rId4"/>
+    <p:sldId id="271" r:id="rId5"/>
+    <p:sldId id="272" r:id="rId6"/>
+    <p:sldId id="273" r:id="rId7"/>
+    <p:sldId id="274" r:id="rId8"/>
+    <p:sldId id="275" r:id="rId9"/>
+    <p:sldId id="288" r:id="rId10"/>
+    <p:sldId id="289" r:id="rId11"/>
+    <p:sldId id="287" r:id="rId12"/>
+    <p:sldId id="276" r:id="rId13"/>
+    <p:sldId id="290" r:id="rId14"/>
   </p:sldIdLst>
   <p:sldSz cx="12192000" cy="6858000"/>
   <p:notesSz cx="6858000" cy="9144000"/>
@@ -121,6 +122,14 @@
       </a:defRPr>
     </a:lvl9pPr>
   </p:defaultTextStyle>
+  <p:extLst>
+    <p:ext uri="{EFAFB233-063F-42B5-8137-9DF3F51BA10A}">
+      <p15:sldGuideLst xmlns:p15="http://schemas.microsoft.com/office/powerpoint/2012/main"/>
+    </p:ext>
+    <p:ext uri="{2D200454-40CA-4A62-9FC3-DE9A4176ACB9}">
+      <p15:notesGuideLst xmlns:p15="http://schemas.microsoft.com/office/powerpoint/2012/main"/>
+    </p:ext>
+  </p:extLst>
 </p:presentation>
 </file>
 
@@ -206,6 +215,7 @@
           <a:p>
             <a:fld id="{73B2889B-A0AC-4482-8592-5C96F2309420}" type="datetimeFigureOut">
               <a:rPr lang="en-US" smtClean="0"/>
+              <a:t>4/3/2023</a:t>
             </a:fld>
             <a:endParaRPr lang="en-US"/>
           </a:p>
@@ -271,12 +281,18 @@
           <a:p>
             <a:fld id="{AD529299-61FF-4B93-ADA6-2FD5975D62F6}" type="slidenum">
               <a:rPr lang="en-US" smtClean="0"/>
+              <a:t>‹#›</a:t>
             </a:fld>
             <a:endParaRPr lang="en-US"/>
           </a:p>
         </p:txBody>
       </p:sp>
     </p:spTree>
+    <p:extLst>
+      <p:ext uri="{BB962C8B-B14F-4D97-AF65-F5344CB8AC3E}">
+        <p14:creationId xmlns:p14="http://schemas.microsoft.com/office/powerpoint/2010/main" val="1"/>
+      </p:ext>
+    </p:extLst>
   </p:cSld>
   <p:clrMap bg1="lt1" tx1="dk1" bg2="lt2" tx2="dk2" accent1="accent1" accent2="accent2" accent3="accent3" accent4="accent4" accent5="accent5" accent6="accent6" hlink="hlink" folHlink="folHlink"/>
 </p:handoutMaster>
@@ -364,6 +380,7 @@
           <a:p>
             <a:fld id="{830EB223-FFC0-462A-A3B8-EAA7CE0F8CBD}" type="datetimeFigureOut">
               <a:rPr lang="en-US" smtClean="0"/>
+              <a:t>4/3/2023</a:t>
             </a:fld>
             <a:endParaRPr lang="en-US" dirty="0"/>
           </a:p>
@@ -430,7 +447,6 @@
               <a:rPr lang="en-US"/>
               <a:t>Edit Master text styles</a:t>
             </a:r>
-            <a:endParaRPr lang="en-US"/>
           </a:p>
           <a:p>
             <a:pPr lvl="1"/>
@@ -438,7 +454,6 @@
               <a:rPr lang="en-US"/>
               <a:t>Second level</a:t>
             </a:r>
-            <a:endParaRPr lang="en-US"/>
           </a:p>
           <a:p>
             <a:pPr lvl="2"/>
@@ -446,7 +461,6 @@
               <a:rPr lang="en-US"/>
               <a:t>Third level</a:t>
             </a:r>
-            <a:endParaRPr lang="en-US"/>
           </a:p>
           <a:p>
             <a:pPr lvl="3"/>
@@ -454,7 +468,6 @@
               <a:rPr lang="en-US"/>
               <a:t>Fourth level</a:t>
             </a:r>
-            <a:endParaRPr lang="en-US"/>
           </a:p>
           <a:p>
             <a:pPr lvl="4"/>
@@ -462,7 +475,6 @@
               <a:rPr lang="en-US"/>
               <a:t>Fifth level</a:t>
             </a:r>
-            <a:endParaRPr lang="en-US"/>
           </a:p>
         </p:txBody>
       </p:sp>
@@ -526,6 +538,7 @@
           <a:p>
             <a:fld id="{BC849E9A-41F7-4779-A581-48A7C374A227}" type="slidenum">
               <a:rPr lang="en-US" smtClean="0"/>
+              <a:t>‹#›</a:t>
             </a:fld>
             <a:endParaRPr lang="en-US" dirty="0"/>
           </a:p>
@@ -684,13 +697,6 @@
               </a:rPr>
               <a:t>I. Introduction</a:t>
             </a:r>
-            <a:endParaRPr lang="en-US" b="0" i="0" dirty="0">
-              <a:solidFill>
-                <a:srgbClr val="000000"/>
-              </a:solidFill>
-              <a:effectLst/>
-              <a:latin typeface="Söhne"/>
-            </a:endParaRPr>
           </a:p>
           <a:p>
             <a:pPr algn="l">
@@ -707,13 +713,6 @@
               </a:rPr>
               <a:t>- Overview of the problem being studied</a:t>
             </a:r>
-            <a:endParaRPr lang="en-US" b="0" i="0" dirty="0">
-              <a:solidFill>
-                <a:srgbClr val="000000"/>
-              </a:solidFill>
-              <a:effectLst/>
-              <a:latin typeface="Söhne"/>
-            </a:endParaRPr>
           </a:p>
           <a:p>
             <a:pPr algn="l">
@@ -730,13 +729,6 @@
               </a:rPr>
               <a:t>- Importance of solving the problem</a:t>
             </a:r>
-            <a:endParaRPr lang="en-US" b="0" i="0" dirty="0">
-              <a:solidFill>
-                <a:srgbClr val="000000"/>
-              </a:solidFill>
-              <a:effectLst/>
-              <a:latin typeface="Söhne"/>
-            </a:endParaRPr>
           </a:p>
           <a:p>
             <a:pPr algn="l"/>
@@ -750,13 +742,6 @@
               </a:rPr>
               <a:t>II. Limitations of Classical LDA</a:t>
             </a:r>
-            <a:endParaRPr lang="en-US" b="0" i="0" dirty="0">
-              <a:solidFill>
-                <a:srgbClr val="000000"/>
-              </a:solidFill>
-              <a:effectLst/>
-              <a:latin typeface="Söhne"/>
-            </a:endParaRPr>
           </a:p>
           <a:p>
             <a:pPr algn="l">
@@ -773,13 +758,6 @@
               </a:rPr>
               <a:t>- LDA's susceptibility to polluted data</a:t>
             </a:r>
-            <a:endParaRPr lang="en-US" b="0" i="0" dirty="0">
-              <a:solidFill>
-                <a:srgbClr val="000000"/>
-              </a:solidFill>
-              <a:effectLst/>
-              <a:latin typeface="Söhne"/>
-            </a:endParaRPr>
           </a:p>
           <a:p>
             <a:pPr algn="l">
@@ -796,13 +774,6 @@
               </a:rPr>
               <a:t>- The SSS problem in L2-norm-based LDA</a:t>
             </a:r>
-            <a:endParaRPr lang="en-US" b="0" i="0" dirty="0">
-              <a:solidFill>
-                <a:srgbClr val="000000"/>
-              </a:solidFill>
-              <a:effectLst/>
-              <a:latin typeface="Söhne"/>
-            </a:endParaRPr>
           </a:p>
           <a:p>
             <a:pPr algn="l"/>
@@ -816,13 +787,6 @@
               </a:rPr>
               <a:t>III. Robust and Sparse Linear Discriminant Analysis</a:t>
             </a:r>
-            <a:endParaRPr lang="en-US" b="0" i="0" dirty="0">
-              <a:solidFill>
-                <a:srgbClr val="000000"/>
-              </a:solidFill>
-              <a:effectLst/>
-              <a:latin typeface="Söhne"/>
-            </a:endParaRPr>
           </a:p>
           <a:p>
             <a:pPr algn="l">
@@ -839,13 +803,6 @@
               </a:rPr>
               <a:t>- Explanation of the proposed method</a:t>
             </a:r>
-            <a:endParaRPr lang="en-US" b="0" i="0" dirty="0">
-              <a:solidFill>
-                <a:srgbClr val="000000"/>
-              </a:solidFill>
-              <a:effectLst/>
-              <a:latin typeface="Söhne"/>
-            </a:endParaRPr>
           </a:p>
           <a:p>
             <a:pPr algn="l">
@@ -862,13 +819,6 @@
               </a:rPr>
               <a:t>- Benefits of the method over classical LDA</a:t>
             </a:r>
-            <a:endParaRPr lang="en-US" b="0" i="0" dirty="0">
-              <a:solidFill>
-                <a:srgbClr val="000000"/>
-              </a:solidFill>
-              <a:effectLst/>
-              <a:latin typeface="Söhne"/>
-            </a:endParaRPr>
           </a:p>
           <a:p>
             <a:pPr algn="l"/>
@@ -882,13 +832,6 @@
               </a:rPr>
               <a:t>IV. Alternating Direction Method of Multipliers (ADMM)</a:t>
             </a:r>
-            <a:endParaRPr lang="en-US" b="0" i="0" dirty="0">
-              <a:solidFill>
-                <a:srgbClr val="000000"/>
-              </a:solidFill>
-              <a:effectLst/>
-              <a:latin typeface="Söhne"/>
-            </a:endParaRPr>
           </a:p>
           <a:p>
             <a:pPr algn="l">
@@ -905,13 +848,6 @@
               </a:rPr>
               <a:t>- Overview of ADMM</a:t>
             </a:r>
-            <a:endParaRPr lang="en-US" b="0" i="0" dirty="0">
-              <a:solidFill>
-                <a:srgbClr val="000000"/>
-              </a:solidFill>
-              <a:effectLst/>
-              <a:latin typeface="Söhne"/>
-            </a:endParaRPr>
           </a:p>
           <a:p>
             <a:pPr algn="l">
@@ -928,13 +864,6 @@
               </a:rPr>
               <a:t>- How ADMM is applied to the proposed method</a:t>
             </a:r>
-            <a:endParaRPr lang="en-US" b="0" i="0" dirty="0">
-              <a:solidFill>
-                <a:srgbClr val="000000"/>
-              </a:solidFill>
-              <a:effectLst/>
-              <a:latin typeface="Söhne"/>
-            </a:endParaRPr>
           </a:p>
           <a:p>
             <a:pPr algn="l"/>
@@ -948,13 +877,6 @@
               </a:rPr>
               <a:t>V. Experimental Results</a:t>
             </a:r>
-            <a:endParaRPr lang="en-US" b="0" i="0" dirty="0">
-              <a:solidFill>
-                <a:srgbClr val="000000"/>
-              </a:solidFill>
-              <a:effectLst/>
-              <a:latin typeface="Söhne"/>
-            </a:endParaRPr>
           </a:p>
           <a:p>
             <a:pPr algn="l">
@@ -971,13 +893,6 @@
               </a:rPr>
               <a:t>- Description of the experiments conducted</a:t>
             </a:r>
-            <a:endParaRPr lang="en-US" b="0" i="0" dirty="0">
-              <a:solidFill>
-                <a:srgbClr val="000000"/>
-              </a:solidFill>
-              <a:effectLst/>
-              <a:latin typeface="Söhne"/>
-            </a:endParaRPr>
           </a:p>
           <a:p>
             <a:pPr algn="l">
@@ -994,13 +909,6 @@
               </a:rPr>
               <a:t>- Comparison of the proposed method to other methods</a:t>
             </a:r>
-            <a:endParaRPr lang="en-US" b="0" i="0" dirty="0">
-              <a:solidFill>
-                <a:srgbClr val="000000"/>
-              </a:solidFill>
-              <a:effectLst/>
-              <a:latin typeface="Söhne"/>
-            </a:endParaRPr>
           </a:p>
           <a:p>
             <a:pPr algn="l">
@@ -1017,13 +925,6 @@
               </a:rPr>
               <a:t>- Discussion of the results</a:t>
             </a:r>
-            <a:endParaRPr lang="en-US" b="0" i="0" dirty="0">
-              <a:solidFill>
-                <a:srgbClr val="000000"/>
-              </a:solidFill>
-              <a:effectLst/>
-              <a:latin typeface="Söhne"/>
-            </a:endParaRPr>
           </a:p>
           <a:p>
             <a:pPr algn="l"/>
@@ -1037,13 +938,6 @@
               </a:rPr>
               <a:t>VI. Conclusion</a:t>
             </a:r>
-            <a:endParaRPr lang="en-US" b="0" i="0" dirty="0">
-              <a:solidFill>
-                <a:srgbClr val="000000"/>
-              </a:solidFill>
-              <a:effectLst/>
-              <a:latin typeface="Söhne"/>
-            </a:endParaRPr>
           </a:p>
           <a:p>
             <a:pPr algn="l">
@@ -1060,13 +954,6 @@
               </a:rPr>
               <a:t>- Summary of the paper's contributions</a:t>
             </a:r>
-            <a:endParaRPr lang="en-US" b="0" i="0" dirty="0">
-              <a:solidFill>
-                <a:srgbClr val="000000"/>
-              </a:solidFill>
-              <a:effectLst/>
-              <a:latin typeface="Söhne"/>
-            </a:endParaRPr>
           </a:p>
           <a:p>
             <a:pPr algn="l">
@@ -1083,13 +970,6 @@
               </a:rPr>
               <a:t>- Future work and potential areas for improvement</a:t>
             </a:r>
-            <a:endParaRPr lang="en-US" b="0" i="0" dirty="0">
-              <a:solidFill>
-                <a:srgbClr val="000000"/>
-              </a:solidFill>
-              <a:effectLst/>
-              <a:latin typeface="Söhne"/>
-            </a:endParaRPr>
           </a:p>
           <a:p>
             <a:br>
@@ -1122,6 +1002,7 @@
           <a:p>
             <a:fld id="{BC849E9A-41F7-4779-A581-48A7C374A227}" type="slidenum">
               <a:rPr lang="en-US" smtClean="0"/>
+              <a:t>1</a:t>
             </a:fld>
             <a:endParaRPr lang="en-US" dirty="0"/>
           </a:p>
@@ -1191,7 +1072,6 @@
               <a:rPr lang="en-US" dirty="0"/>
               <a:t> LDA, LDA with L1-norm, and other methods.</a:t>
             </a:r>
-            <a:endParaRPr lang="en-US" dirty="0"/>
           </a:p>
           <a:p>
             <a:endParaRPr lang="en-US" dirty="0"/>
@@ -1226,6 +1106,7 @@
           <a:p>
             <a:fld id="{BC849E9A-41F7-4779-A581-48A7C374A227}" type="slidenum">
               <a:rPr lang="en-US" smtClean="0"/>
+              <a:t>10</a:t>
             </a:fld>
             <a:endParaRPr lang="en-US" dirty="0"/>
           </a:p>
@@ -1295,7 +1176,6 @@
               <a:rPr lang="en-US" dirty="0"/>
               <a:t> LDA, LDA with L1-norm, and other methods.</a:t>
             </a:r>
-            <a:endParaRPr lang="en-US" dirty="0"/>
           </a:p>
           <a:p>
             <a:endParaRPr lang="en-US" dirty="0"/>
@@ -1330,12 +1210,122 @@
           <a:p>
             <a:fld id="{BC849E9A-41F7-4779-A581-48A7C374A227}" type="slidenum">
               <a:rPr lang="en-US" smtClean="0"/>
+              <a:t>11</a:t>
             </a:fld>
             <a:endParaRPr lang="en-US" dirty="0"/>
           </a:p>
         </p:txBody>
       </p:sp>
     </p:spTree>
+  </p:cSld>
+  <p:clrMapOvr>
+    <a:masterClrMapping/>
+  </p:clrMapOvr>
+</p:notes>
+</file>
+
+<file path=ppt/notesSlides/notesSlide12.xml><?xml version="1.0" encoding="utf-8"?>
+<p:notes xmlns:a="http://schemas.openxmlformats.org/drawingml/2006/main" xmlns:r="http://schemas.openxmlformats.org/officeDocument/2006/relationships" xmlns:p="http://schemas.openxmlformats.org/presentationml/2006/main">
+  <p:cSld>
+    <p:spTree>
+      <p:nvGrpSpPr>
+        <p:cNvPr id="1" name=""/>
+        <p:cNvGrpSpPr/>
+        <p:nvPr/>
+      </p:nvGrpSpPr>
+      <p:grpSpPr>
+        <a:xfrm>
+          <a:off x="0" y="0"/>
+          <a:ext cx="0" cy="0"/>
+          <a:chOff x="0" y="0"/>
+          <a:chExt cx="0" cy="0"/>
+        </a:xfrm>
+      </p:grpSpPr>
+      <p:sp>
+        <p:nvSpPr>
+          <p:cNvPr id="2" name="Slide Image Placeholder 1"/>
+          <p:cNvSpPr>
+            <a:spLocks noGrp="1" noRot="1" noChangeAspect="1"/>
+          </p:cNvSpPr>
+          <p:nvPr>
+            <p:ph type="sldImg"/>
+          </p:nvPr>
+        </p:nvSpPr>
+        <p:spPr/>
+      </p:sp>
+      <p:sp>
+        <p:nvSpPr>
+          <p:cNvPr id="3" name="Notes Placeholder 2"/>
+          <p:cNvSpPr>
+            <a:spLocks noGrp="1"/>
+          </p:cNvSpPr>
+          <p:nvPr>
+            <p:ph type="body" idx="1"/>
+          </p:nvPr>
+        </p:nvSpPr>
+        <p:spPr/>
+        <p:txBody>
+          <a:bodyPr/>
+          <a:lstStyle/>
+          <a:p>
+            <a:r>
+              <a:rPr lang="en-US" dirty="0"/>
+              <a:t>In order to test whether their Robust LDA has real improvement, the authors decided to test it against both artificial and real datasets. Here, they compare it against PCA, Principal Component Analysis, PCA with L1-norm, LDA, </a:t>
+            </a:r>
+            <a:r>
+              <a:rPr lang="en-US" dirty="0" err="1"/>
+              <a:t>regularlized</a:t>
+            </a:r>
+            <a:r>
+              <a:rPr lang="en-US" dirty="0"/>
+              <a:t> LDA, LDA with L1-norm, and other methods.</a:t>
+            </a:r>
+          </a:p>
+          <a:p>
+            <a:endParaRPr lang="en-US" dirty="0"/>
+          </a:p>
+          <a:p>
+            <a:r>
+              <a:rPr lang="en-US" dirty="0"/>
+              <a:t>For their datasets, they created two datasets with 2 dimensions, with both dimensions being normally distributed with different parameters. Each dataset has 50 samples, but one dataset has one outlier and the other has two outliers. For the real dataset, they used the images of Indian female faces, with each image being 32x32 pixels and 8-bit grayscale. To test robustness, they add normally distributed noise to </a:t>
+            </a:r>
+            <a:r>
+              <a:rPr lang="en-US"/>
+              <a:t>each image.</a:t>
+            </a:r>
+            <a:endParaRPr lang="en-US" dirty="0"/>
+          </a:p>
+        </p:txBody>
+      </p:sp>
+      <p:sp>
+        <p:nvSpPr>
+          <p:cNvPr id="4" name="Slide Number Placeholder 3"/>
+          <p:cNvSpPr>
+            <a:spLocks noGrp="1"/>
+          </p:cNvSpPr>
+          <p:nvPr>
+            <p:ph type="sldNum" sz="quarter" idx="10"/>
+          </p:nvPr>
+        </p:nvSpPr>
+        <p:spPr/>
+        <p:txBody>
+          <a:bodyPr/>
+          <a:lstStyle/>
+          <a:p>
+            <a:fld id="{BC849E9A-41F7-4779-A581-48A7C374A227}" type="slidenum">
+              <a:rPr lang="en-US" smtClean="0"/>
+              <a:t>12</a:t>
+            </a:fld>
+            <a:endParaRPr lang="en-US" dirty="0"/>
+          </a:p>
+        </p:txBody>
+      </p:sp>
+    </p:spTree>
+    <p:extLst>
+      <p:ext uri="{BB962C8B-B14F-4D97-AF65-F5344CB8AC3E}">
+        <p14:creationId xmlns:p14="http://schemas.microsoft.com/office/powerpoint/2010/main" val="349205559"/>
+      </p:ext>
+    </p:extLst>
   </p:cSld>
   <p:clrMapOvr>
     <a:masterClrMapping/>
@@ -1408,6 +1398,7 @@
           <a:p>
             <a:fld id="{BC849E9A-41F7-4779-A581-48A7C374A227}" type="slidenum">
               <a:rPr lang="en-US" smtClean="0"/>
+              <a:t>2</a:t>
             </a:fld>
             <a:endParaRPr lang="en-US" dirty="0"/>
           </a:p>
@@ -1486,6 +1477,7 @@
           <a:p>
             <a:fld id="{BC849E9A-41F7-4779-A581-48A7C374A227}" type="slidenum">
               <a:rPr lang="en-US" smtClean="0"/>
+              <a:t>3</a:t>
             </a:fld>
             <a:endParaRPr lang="en-US" dirty="0"/>
           </a:p>
@@ -1564,6 +1556,7 @@
           <a:p>
             <a:fld id="{BC849E9A-41F7-4779-A581-48A7C374A227}" type="slidenum">
               <a:rPr lang="en-US" smtClean="0"/>
+              <a:t>4</a:t>
             </a:fld>
             <a:endParaRPr lang="en-US" dirty="0"/>
           </a:p>
@@ -1625,7 +1618,6 @@
               <a:rPr lang="en-US" dirty="0"/>
               <a:t>Let’s talk about the paper’s contribution. We know that L1-norm provides more robustness to outliers and noise, but how? We can use Bhattacharyya’s error bound, a measure of how similar two distributions are. The two distributions we compare are the data and its dimensionally-reduced projection. Minimizing this error is essential in getting accurate reductions. Thankfully, the authors proved that it’s a close bound to Bayes’ irreducible error.</a:t>
             </a:r>
-            <a:endParaRPr lang="en-US" dirty="0"/>
           </a:p>
           <a:p>
             <a:endParaRPr lang="en-US" dirty="0"/>
@@ -1643,7 +1635,6 @@
               <a:rPr lang="en-US" dirty="0"/>
               <a:t>, but we use an Alternating Direction Method of Multipliers instead for L1-norm. Not only can it work with the nonconvex nature of LDA, it also doesn’t have the same restriction where the number of features must be one less than the number of classes.</a:t>
             </a:r>
-            <a:endParaRPr lang="en-US" dirty="0"/>
           </a:p>
           <a:p>
             <a:endParaRPr lang="en-US" dirty="0"/>
@@ -1653,7 +1644,6 @@
               <a:rPr lang="en-US" dirty="0"/>
               <a:t>A variant of RLDA, Sparse RLDA, can work with fewer observations and extract more features.</a:t>
             </a:r>
-            <a:endParaRPr lang="en-US" dirty="0"/>
           </a:p>
         </p:txBody>
       </p:sp>
@@ -1674,6 +1664,7 @@
           <a:p>
             <a:fld id="{BC849E9A-41F7-4779-A581-48A7C374A227}" type="slidenum">
               <a:rPr lang="en-US" smtClean="0"/>
+              <a:t>5</a:t>
             </a:fld>
             <a:endParaRPr lang="en-US" dirty="0"/>
           </a:p>
@@ -1735,7 +1726,6 @@
               <a:rPr lang="en-US" dirty="0"/>
               <a:t>Alternating Direction Method of Multipliers is unique in how it optimizes. Instead of minimizing any generic function with one variable, it minimizes the sum of two functions with different variables.</a:t>
             </a:r>
-            <a:endParaRPr lang="en-US" dirty="0"/>
           </a:p>
           <a:p>
             <a:endParaRPr lang="en-US" dirty="0"/>
@@ -1753,7 +1743,6 @@
               <a:rPr lang="en-US" dirty="0"/>
               <a:t>. This helps us because other researchers found an efficient way to minimize both variables at the same time within one iteration. Finding the arguments of the minima for both variables can also be done in parallel, speeding up computation.</a:t>
             </a:r>
-            <a:endParaRPr lang="en-US" dirty="0"/>
           </a:p>
         </p:txBody>
       </p:sp>
@@ -1774,6 +1763,7 @@
           <a:p>
             <a:fld id="{BC849E9A-41F7-4779-A581-48A7C374A227}" type="slidenum">
               <a:rPr lang="en-US" smtClean="0"/>
+              <a:t>6</a:t>
             </a:fld>
             <a:endParaRPr lang="en-US" dirty="0"/>
           </a:p>
@@ -1843,7 +1833,6 @@
               <a:rPr lang="en-US" dirty="0"/>
               <a:t> LDA, LDA with L1-norm, and other methods.</a:t>
             </a:r>
-            <a:endParaRPr lang="en-US" dirty="0"/>
           </a:p>
           <a:p>
             <a:endParaRPr lang="en-US" dirty="0"/>
@@ -1878,6 +1867,7 @@
           <a:p>
             <a:fld id="{BC849E9A-41F7-4779-A581-48A7C374A227}" type="slidenum">
               <a:rPr lang="en-US" smtClean="0"/>
+              <a:t>7</a:t>
             </a:fld>
             <a:endParaRPr lang="en-US" dirty="0"/>
           </a:p>
@@ -1956,6 +1946,7 @@
           <a:p>
             <a:fld id="{BC849E9A-41F7-4779-A581-48A7C374A227}" type="slidenum">
               <a:rPr lang="en-US" smtClean="0"/>
+              <a:t>8</a:t>
             </a:fld>
             <a:endParaRPr lang="en-US" dirty="0"/>
           </a:p>
@@ -2034,6 +2025,7 @@
           <a:p>
             <a:fld id="{BC849E9A-41F7-4779-A581-48A7C374A227}" type="slidenum">
               <a:rPr lang="en-US" smtClean="0"/>
+              <a:t>9</a:t>
             </a:fld>
             <a:endParaRPr lang="en-US" dirty="0"/>
           </a:p>
@@ -2092,7 +2084,6 @@
               <a:rPr lang="en-US"/>
               <a:t>Click to edit Master title style</a:t>
             </a:r>
-            <a:endParaRPr lang="en-US"/>
           </a:p>
         </p:txBody>
       </p:sp>
@@ -2157,7 +2148,6 @@
               <a:rPr lang="en-US"/>
               <a:t>Click to edit Master subtitle style</a:t>
             </a:r>
-            <a:endParaRPr lang="en-US"/>
           </a:p>
         </p:txBody>
       </p:sp>
@@ -2178,6 +2168,7 @@
           <a:p>
             <a:fld id="{DECF21A4-E71B-4D3A-AF45-E989C23A7BB1}" type="datetimeFigureOut">
               <a:rPr lang="en-US" smtClean="0"/>
+              <a:t>4/3/2023</a:t>
             </a:fld>
             <a:endParaRPr lang="en-US" dirty="0"/>
           </a:p>
@@ -2219,6 +2210,7 @@
           <a:p>
             <a:fld id="{A6AF1B4E-90EC-4A51-B6E5-B702C054ECB0}" type="slidenum">
               <a:rPr lang="en-US" smtClean="0"/>
+              <a:t>‹#›</a:t>
             </a:fld>
             <a:endParaRPr lang="en-US" dirty="0"/>
           </a:p>
@@ -2268,7 +2260,6 @@
               <a:rPr lang="en-US"/>
               <a:t>Click to edit Master title style</a:t>
             </a:r>
-            <a:endParaRPr lang="en-US"/>
           </a:p>
         </p:txBody>
       </p:sp>
@@ -2292,7 +2283,6 @@
               <a:rPr lang="en-US"/>
               <a:t>Click to edit Master text styles</a:t>
             </a:r>
-            <a:endParaRPr lang="en-US"/>
           </a:p>
           <a:p>
             <a:pPr lvl="1"/>
@@ -2300,7 +2290,6 @@
               <a:rPr lang="en-US"/>
               <a:t>Second level</a:t>
             </a:r>
-            <a:endParaRPr lang="en-US"/>
           </a:p>
           <a:p>
             <a:pPr lvl="2"/>
@@ -2308,7 +2297,6 @@
               <a:rPr lang="en-US"/>
               <a:t>Third level</a:t>
             </a:r>
-            <a:endParaRPr lang="en-US"/>
           </a:p>
           <a:p>
             <a:pPr lvl="3"/>
@@ -2316,7 +2304,6 @@
               <a:rPr lang="en-US"/>
               <a:t>Fourth level</a:t>
             </a:r>
-            <a:endParaRPr lang="en-US"/>
           </a:p>
           <a:p>
             <a:pPr lvl="4"/>
@@ -2324,7 +2311,6 @@
               <a:rPr lang="en-US"/>
               <a:t>Fifth level</a:t>
             </a:r>
-            <a:endParaRPr lang="en-US"/>
           </a:p>
         </p:txBody>
       </p:sp>
@@ -2345,6 +2331,7 @@
           <a:p>
             <a:fld id="{DECF21A4-E71B-4D3A-AF45-E989C23A7BB1}" type="datetimeFigureOut">
               <a:rPr lang="en-US" smtClean="0"/>
+              <a:t>4/3/2023</a:t>
             </a:fld>
             <a:endParaRPr lang="en-US" dirty="0"/>
           </a:p>
@@ -2386,6 +2373,7 @@
           <a:p>
             <a:fld id="{A6AF1B4E-90EC-4A51-B6E5-B702C054ECB0}" type="slidenum">
               <a:rPr lang="en-US" smtClean="0"/>
+              <a:t>‹#›</a:t>
             </a:fld>
             <a:endParaRPr lang="en-US" dirty="0"/>
           </a:p>
@@ -2440,7 +2428,6 @@
               <a:rPr lang="en-US"/>
               <a:t>Click to edit Master title style</a:t>
             </a:r>
-            <a:endParaRPr lang="en-US"/>
           </a:p>
         </p:txBody>
       </p:sp>
@@ -2469,7 +2456,6 @@
               <a:rPr lang="en-US"/>
               <a:t>Click to edit Master text styles</a:t>
             </a:r>
-            <a:endParaRPr lang="en-US"/>
           </a:p>
           <a:p>
             <a:pPr lvl="1"/>
@@ -2477,7 +2463,6 @@
               <a:rPr lang="en-US"/>
               <a:t>Second level</a:t>
             </a:r>
-            <a:endParaRPr lang="en-US"/>
           </a:p>
           <a:p>
             <a:pPr lvl="2"/>
@@ -2485,7 +2470,6 @@
               <a:rPr lang="en-US"/>
               <a:t>Third level</a:t>
             </a:r>
-            <a:endParaRPr lang="en-US"/>
           </a:p>
           <a:p>
             <a:pPr lvl="3"/>
@@ -2493,7 +2477,6 @@
               <a:rPr lang="en-US"/>
               <a:t>Fourth level</a:t>
             </a:r>
-            <a:endParaRPr lang="en-US"/>
           </a:p>
           <a:p>
             <a:pPr lvl="4"/>
@@ -2501,7 +2484,6 @@
               <a:rPr lang="en-US"/>
               <a:t>Fifth level</a:t>
             </a:r>
-            <a:endParaRPr lang="en-US"/>
           </a:p>
         </p:txBody>
       </p:sp>
@@ -2522,6 +2504,7 @@
           <a:p>
             <a:fld id="{DECF21A4-E71B-4D3A-AF45-E989C23A7BB1}" type="datetimeFigureOut">
               <a:rPr lang="en-US" smtClean="0"/>
+              <a:t>4/3/2023</a:t>
             </a:fld>
             <a:endParaRPr lang="en-US" dirty="0"/>
           </a:p>
@@ -2563,6 +2546,7 @@
           <a:p>
             <a:fld id="{A6AF1B4E-90EC-4A51-B6E5-B702C054ECB0}" type="slidenum">
               <a:rPr lang="en-US" smtClean="0"/>
+              <a:t>‹#›</a:t>
             </a:fld>
             <a:endParaRPr lang="en-US" dirty="0"/>
           </a:p>
@@ -2618,10 +2602,9 @@
           </a:lstStyle>
           <a:p>
             <a:r>
-              <a:rPr lang="en-US" smtClean="0"/>
+              <a:rPr lang="en-US"/>
               <a:t>Click to edit Master title style</a:t>
             </a:r>
-            <a:endParaRPr lang="en-US"/>
           </a:p>
         </p:txBody>
       </p:sp>
@@ -2683,10 +2666,9 @@
           </a:lstStyle>
           <a:p>
             <a:r>
-              <a:rPr lang="en-US" smtClean="0"/>
+              <a:rPr lang="en-US"/>
               <a:t>Click to edit Master subtitle style</a:t>
             </a:r>
-            <a:endParaRPr lang="en-US"/>
           </a:p>
         </p:txBody>
       </p:sp>
@@ -2707,6 +2689,7 @@
           <a:p>
             <a:fld id="{DECF21A4-E71B-4D3A-AF45-E989C23A7BB1}" type="datetimeFigureOut">
               <a:rPr lang="en-US" smtClean="0"/>
+              <a:t>4/3/2023</a:t>
             </a:fld>
             <a:endParaRPr lang="en-US" dirty="0"/>
           </a:p>
@@ -2748,6 +2731,7 @@
           <a:p>
             <a:fld id="{A6AF1B4E-90EC-4A51-B6E5-B702C054ECB0}" type="slidenum">
               <a:rPr lang="en-US" smtClean="0"/>
+              <a:t>‹#›</a:t>
             </a:fld>
             <a:endParaRPr lang="en-US" dirty="0"/>
           </a:p>
@@ -2795,10 +2779,9 @@
           <a:lstStyle/>
           <a:p>
             <a:r>
-              <a:rPr lang="en-US" smtClean="0"/>
+              <a:rPr lang="en-US"/>
               <a:t>Click to edit Master title style</a:t>
             </a:r>
-            <a:endParaRPr lang="en-US"/>
           </a:p>
         </p:txBody>
       </p:sp>
@@ -2819,42 +2802,37 @@
           <a:p>
             <a:pPr lvl="0"/>
             <a:r>
-              <a:rPr lang="en-US" smtClean="0"/>
+              <a:rPr lang="en-US"/>
               <a:t>Click to edit Master text styles</a:t>
             </a:r>
-            <a:endParaRPr lang="en-US" smtClean="0"/>
           </a:p>
           <a:p>
             <a:pPr lvl="1"/>
             <a:r>
-              <a:rPr lang="en-US" smtClean="0"/>
+              <a:rPr lang="en-US"/>
               <a:t>Second level</a:t>
             </a:r>
-            <a:endParaRPr lang="en-US" smtClean="0"/>
           </a:p>
           <a:p>
             <a:pPr lvl="2"/>
             <a:r>
-              <a:rPr lang="en-US" smtClean="0"/>
+              <a:rPr lang="en-US"/>
               <a:t>Third level</a:t>
             </a:r>
-            <a:endParaRPr lang="en-US" smtClean="0"/>
           </a:p>
           <a:p>
             <a:pPr lvl="3"/>
             <a:r>
-              <a:rPr lang="en-US" smtClean="0"/>
+              <a:rPr lang="en-US"/>
               <a:t>Fourth level</a:t>
             </a:r>
-            <a:endParaRPr lang="en-US" smtClean="0"/>
           </a:p>
           <a:p>
             <a:pPr lvl="4"/>
             <a:r>
-              <a:rPr lang="en-US" smtClean="0"/>
+              <a:rPr lang="en-US"/>
               <a:t>Fifth level</a:t>
             </a:r>
-            <a:endParaRPr lang="en-US"/>
           </a:p>
         </p:txBody>
       </p:sp>
@@ -2875,6 +2853,7 @@
           <a:p>
             <a:fld id="{DECF21A4-E71B-4D3A-AF45-E989C23A7BB1}" type="datetimeFigureOut">
               <a:rPr lang="en-US" smtClean="0"/>
+              <a:t>4/3/2023</a:t>
             </a:fld>
             <a:endParaRPr lang="en-US" dirty="0"/>
           </a:p>
@@ -2916,6 +2895,7 @@
           <a:p>
             <a:fld id="{A6AF1B4E-90EC-4A51-B6E5-B702C054ECB0}" type="slidenum">
               <a:rPr lang="en-US" smtClean="0"/>
+              <a:t>‹#›</a:t>
             </a:fld>
             <a:endParaRPr lang="en-US" dirty="0"/>
           </a:p>
@@ -2972,10 +2952,9 @@
           </a:lstStyle>
           <a:p>
             <a:r>
-              <a:rPr lang="en-US" smtClean="0"/>
+              <a:rPr lang="en-US"/>
               <a:t>Click to edit Master title style</a:t>
             </a:r>
-            <a:endParaRPr lang="en-US"/>
           </a:p>
         </p:txBody>
       </p:sp>
@@ -3092,10 +3071,9 @@
           <a:p>
             <a:pPr lvl="0"/>
             <a:r>
-              <a:rPr lang="en-US" smtClean="0"/>
+              <a:rPr lang="en-US"/>
               <a:t>Click to edit Master text styles</a:t>
             </a:r>
-            <a:endParaRPr lang="en-US" smtClean="0"/>
           </a:p>
         </p:txBody>
       </p:sp>
@@ -3116,6 +3094,7 @@
           <a:p>
             <a:fld id="{DECF21A4-E71B-4D3A-AF45-E989C23A7BB1}" type="datetimeFigureOut">
               <a:rPr lang="en-US" smtClean="0"/>
+              <a:t>4/3/2023</a:t>
             </a:fld>
             <a:endParaRPr lang="en-US" dirty="0"/>
           </a:p>
@@ -3157,6 +3136,7 @@
           <a:p>
             <a:fld id="{A6AF1B4E-90EC-4A51-B6E5-B702C054ECB0}" type="slidenum">
               <a:rPr lang="en-US" smtClean="0"/>
+              <a:t>‹#›</a:t>
             </a:fld>
             <a:endParaRPr lang="en-US" dirty="0"/>
           </a:p>
@@ -3204,10 +3184,9 @@
           <a:lstStyle/>
           <a:p>
             <a:r>
-              <a:rPr lang="en-US" smtClean="0"/>
+              <a:rPr lang="en-US"/>
               <a:t>Click to edit Master title style</a:t>
             </a:r>
-            <a:endParaRPr lang="en-US"/>
           </a:p>
         </p:txBody>
       </p:sp>
@@ -3233,42 +3212,37 @@
           <a:p>
             <a:pPr lvl="0"/>
             <a:r>
-              <a:rPr lang="en-US" smtClean="0"/>
+              <a:rPr lang="en-US"/>
               <a:t>Click to edit Master text styles</a:t>
             </a:r>
-            <a:endParaRPr lang="en-US" smtClean="0"/>
           </a:p>
           <a:p>
             <a:pPr lvl="1"/>
             <a:r>
-              <a:rPr lang="en-US" smtClean="0"/>
+              <a:rPr lang="en-US"/>
               <a:t>Second level</a:t>
             </a:r>
-            <a:endParaRPr lang="en-US" smtClean="0"/>
           </a:p>
           <a:p>
             <a:pPr lvl="2"/>
             <a:r>
-              <a:rPr lang="en-US" smtClean="0"/>
+              <a:rPr lang="en-US"/>
               <a:t>Third level</a:t>
             </a:r>
-            <a:endParaRPr lang="en-US" smtClean="0"/>
           </a:p>
           <a:p>
             <a:pPr lvl="3"/>
             <a:r>
-              <a:rPr lang="en-US" smtClean="0"/>
+              <a:rPr lang="en-US"/>
               <a:t>Fourth level</a:t>
             </a:r>
-            <a:endParaRPr lang="en-US" smtClean="0"/>
           </a:p>
           <a:p>
             <a:pPr lvl="4"/>
             <a:r>
-              <a:rPr lang="en-US" smtClean="0"/>
+              <a:rPr lang="en-US"/>
               <a:t>Fifth level</a:t>
             </a:r>
-            <a:endParaRPr lang="en-US"/>
           </a:p>
         </p:txBody>
       </p:sp>
@@ -3294,42 +3268,37 @@
           <a:p>
             <a:pPr lvl="0"/>
             <a:r>
-              <a:rPr lang="en-US" smtClean="0"/>
+              <a:rPr lang="en-US"/>
               <a:t>Click to edit Master text styles</a:t>
             </a:r>
-            <a:endParaRPr lang="en-US" smtClean="0"/>
           </a:p>
           <a:p>
             <a:pPr lvl="1"/>
             <a:r>
-              <a:rPr lang="en-US" smtClean="0"/>
+              <a:rPr lang="en-US"/>
               <a:t>Second level</a:t>
             </a:r>
-            <a:endParaRPr lang="en-US" smtClean="0"/>
           </a:p>
           <a:p>
             <a:pPr lvl="2"/>
             <a:r>
-              <a:rPr lang="en-US" smtClean="0"/>
+              <a:rPr lang="en-US"/>
               <a:t>Third level</a:t>
             </a:r>
-            <a:endParaRPr lang="en-US" smtClean="0"/>
           </a:p>
           <a:p>
             <a:pPr lvl="3"/>
             <a:r>
-              <a:rPr lang="en-US" smtClean="0"/>
+              <a:rPr lang="en-US"/>
               <a:t>Fourth level</a:t>
             </a:r>
-            <a:endParaRPr lang="en-US" smtClean="0"/>
           </a:p>
           <a:p>
             <a:pPr lvl="4"/>
             <a:r>
-              <a:rPr lang="en-US" smtClean="0"/>
+              <a:rPr lang="en-US"/>
               <a:t>Fifth level</a:t>
             </a:r>
-            <a:endParaRPr lang="en-US"/>
           </a:p>
         </p:txBody>
       </p:sp>
@@ -3350,6 +3319,7 @@
           <a:p>
             <a:fld id="{DECF21A4-E71B-4D3A-AF45-E989C23A7BB1}" type="datetimeFigureOut">
               <a:rPr lang="en-US" smtClean="0"/>
+              <a:t>4/3/2023</a:t>
             </a:fld>
             <a:endParaRPr lang="en-US" dirty="0"/>
           </a:p>
@@ -3391,6 +3361,7 @@
           <a:p>
             <a:fld id="{A6AF1B4E-90EC-4A51-B6E5-B702C054ECB0}" type="slidenum">
               <a:rPr lang="en-US" smtClean="0"/>
+              <a:t>‹#›</a:t>
             </a:fld>
             <a:endParaRPr lang="en-US" dirty="0"/>
           </a:p>
@@ -3443,10 +3414,9 @@
           <a:lstStyle/>
           <a:p>
             <a:r>
-              <a:rPr lang="en-US" smtClean="0"/>
+              <a:rPr lang="en-US"/>
               <a:t>Click to edit Master title style</a:t>
             </a:r>
-            <a:endParaRPr lang="en-US"/>
           </a:p>
         </p:txBody>
       </p:sp>
@@ -3509,10 +3479,9 @@
           <a:p>
             <a:pPr lvl="0"/>
             <a:r>
-              <a:rPr lang="en-US" smtClean="0"/>
+              <a:rPr lang="en-US"/>
               <a:t>Click to edit Master text styles</a:t>
             </a:r>
-            <a:endParaRPr lang="en-US" smtClean="0"/>
           </a:p>
         </p:txBody>
       </p:sp>
@@ -3538,42 +3507,37 @@
           <a:p>
             <a:pPr lvl="0"/>
             <a:r>
-              <a:rPr lang="en-US" smtClean="0"/>
+              <a:rPr lang="en-US"/>
               <a:t>Click to edit Master text styles</a:t>
             </a:r>
-            <a:endParaRPr lang="en-US" smtClean="0"/>
           </a:p>
           <a:p>
             <a:pPr lvl="1"/>
             <a:r>
-              <a:rPr lang="en-US" smtClean="0"/>
+              <a:rPr lang="en-US"/>
               <a:t>Second level</a:t>
             </a:r>
-            <a:endParaRPr lang="en-US" smtClean="0"/>
           </a:p>
           <a:p>
             <a:pPr lvl="2"/>
             <a:r>
-              <a:rPr lang="en-US" smtClean="0"/>
+              <a:rPr lang="en-US"/>
               <a:t>Third level</a:t>
             </a:r>
-            <a:endParaRPr lang="en-US" smtClean="0"/>
           </a:p>
           <a:p>
             <a:pPr lvl="3"/>
             <a:r>
-              <a:rPr lang="en-US" smtClean="0"/>
+              <a:rPr lang="en-US"/>
               <a:t>Fourth level</a:t>
             </a:r>
-            <a:endParaRPr lang="en-US" smtClean="0"/>
           </a:p>
           <a:p>
             <a:pPr lvl="4"/>
             <a:r>
-              <a:rPr lang="en-US" smtClean="0"/>
+              <a:rPr lang="en-US"/>
               <a:t>Fifth level</a:t>
             </a:r>
-            <a:endParaRPr lang="en-US"/>
           </a:p>
         </p:txBody>
       </p:sp>
@@ -3636,10 +3600,9 @@
           <a:p>
             <a:pPr lvl="0"/>
             <a:r>
-              <a:rPr lang="en-US" smtClean="0"/>
+              <a:rPr lang="en-US"/>
               <a:t>Click to edit Master text styles</a:t>
             </a:r>
-            <a:endParaRPr lang="en-US" smtClean="0"/>
           </a:p>
         </p:txBody>
       </p:sp>
@@ -3665,42 +3628,37 @@
           <a:p>
             <a:pPr lvl="0"/>
             <a:r>
-              <a:rPr lang="en-US" smtClean="0"/>
+              <a:rPr lang="en-US"/>
               <a:t>Click to edit Master text styles</a:t>
             </a:r>
-            <a:endParaRPr lang="en-US" smtClean="0"/>
           </a:p>
           <a:p>
             <a:pPr lvl="1"/>
             <a:r>
-              <a:rPr lang="en-US" smtClean="0"/>
+              <a:rPr lang="en-US"/>
               <a:t>Second level</a:t>
             </a:r>
-            <a:endParaRPr lang="en-US" smtClean="0"/>
           </a:p>
           <a:p>
             <a:pPr lvl="2"/>
             <a:r>
-              <a:rPr lang="en-US" smtClean="0"/>
+              <a:rPr lang="en-US"/>
               <a:t>Third level</a:t>
             </a:r>
-            <a:endParaRPr lang="en-US" smtClean="0"/>
           </a:p>
           <a:p>
             <a:pPr lvl="3"/>
             <a:r>
-              <a:rPr lang="en-US" smtClean="0"/>
+              <a:rPr lang="en-US"/>
               <a:t>Fourth level</a:t>
             </a:r>
-            <a:endParaRPr lang="en-US" smtClean="0"/>
           </a:p>
           <a:p>
             <a:pPr lvl="4"/>
             <a:r>
-              <a:rPr lang="en-US" smtClean="0"/>
+              <a:rPr lang="en-US"/>
               <a:t>Fifth level</a:t>
             </a:r>
-            <a:endParaRPr lang="en-US"/>
           </a:p>
         </p:txBody>
       </p:sp>
@@ -3721,6 +3679,7 @@
           <a:p>
             <a:fld id="{DECF21A4-E71B-4D3A-AF45-E989C23A7BB1}" type="datetimeFigureOut">
               <a:rPr lang="en-US" smtClean="0"/>
+              <a:t>4/3/2023</a:t>
             </a:fld>
             <a:endParaRPr lang="en-US" dirty="0"/>
           </a:p>
@@ -3762,6 +3721,7 @@
           <a:p>
             <a:fld id="{A6AF1B4E-90EC-4A51-B6E5-B702C054ECB0}" type="slidenum">
               <a:rPr lang="en-US" smtClean="0"/>
+              <a:t>‹#›</a:t>
             </a:fld>
             <a:endParaRPr lang="en-US" dirty="0"/>
           </a:p>
@@ -3809,10 +3769,9 @@
           <a:lstStyle/>
           <a:p>
             <a:r>
-              <a:rPr lang="en-US" smtClean="0"/>
+              <a:rPr lang="en-US"/>
               <a:t>Click to edit Master title style</a:t>
             </a:r>
-            <a:endParaRPr lang="en-US"/>
           </a:p>
         </p:txBody>
       </p:sp>
@@ -3833,6 +3792,7 @@
           <a:p>
             <a:fld id="{DECF21A4-E71B-4D3A-AF45-E989C23A7BB1}" type="datetimeFigureOut">
               <a:rPr lang="en-US" smtClean="0"/>
+              <a:t>4/3/2023</a:t>
             </a:fld>
             <a:endParaRPr lang="en-US" dirty="0"/>
           </a:p>
@@ -3874,6 +3834,7 @@
           <a:p>
             <a:fld id="{A6AF1B4E-90EC-4A51-B6E5-B702C054ECB0}" type="slidenum">
               <a:rPr lang="en-US" smtClean="0"/>
+              <a:t>‹#›</a:t>
             </a:fld>
             <a:endParaRPr lang="en-US" dirty="0"/>
           </a:p>
@@ -3922,6 +3883,7 @@
           <a:p>
             <a:fld id="{DECF21A4-E71B-4D3A-AF45-E989C23A7BB1}" type="datetimeFigureOut">
               <a:rPr lang="en-US" smtClean="0"/>
+              <a:t>4/3/2023</a:t>
             </a:fld>
             <a:endParaRPr lang="en-US" dirty="0"/>
           </a:p>
@@ -3963,6 +3925,7 @@
           <a:p>
             <a:fld id="{A6AF1B4E-90EC-4A51-B6E5-B702C054ECB0}" type="slidenum">
               <a:rPr lang="en-US" smtClean="0"/>
+              <a:t>‹#›</a:t>
             </a:fld>
             <a:endParaRPr lang="en-US" dirty="0"/>
           </a:p>
@@ -4019,10 +3982,9 @@
           </a:lstStyle>
           <a:p>
             <a:r>
-              <a:rPr lang="en-US" smtClean="0"/>
+              <a:rPr lang="en-US"/>
               <a:t>Click to edit Master title style</a:t>
             </a:r>
-            <a:endParaRPr lang="en-US"/>
           </a:p>
         </p:txBody>
       </p:sp>
@@ -4076,42 +4038,37 @@
           <a:p>
             <a:pPr lvl="0"/>
             <a:r>
-              <a:rPr lang="en-US" smtClean="0"/>
+              <a:rPr lang="en-US"/>
               <a:t>Click to edit Master text styles</a:t>
             </a:r>
-            <a:endParaRPr lang="en-US" smtClean="0"/>
           </a:p>
           <a:p>
             <a:pPr lvl="1"/>
             <a:r>
-              <a:rPr lang="en-US" smtClean="0"/>
+              <a:rPr lang="en-US"/>
               <a:t>Second level</a:t>
             </a:r>
-            <a:endParaRPr lang="en-US" smtClean="0"/>
           </a:p>
           <a:p>
             <a:pPr lvl="2"/>
             <a:r>
-              <a:rPr lang="en-US" smtClean="0"/>
+              <a:rPr lang="en-US"/>
               <a:t>Third level</a:t>
             </a:r>
-            <a:endParaRPr lang="en-US" smtClean="0"/>
           </a:p>
           <a:p>
             <a:pPr lvl="3"/>
             <a:r>
-              <a:rPr lang="en-US" smtClean="0"/>
+              <a:rPr lang="en-US"/>
               <a:t>Fourth level</a:t>
             </a:r>
-            <a:endParaRPr lang="en-US" smtClean="0"/>
           </a:p>
           <a:p>
             <a:pPr lvl="4"/>
             <a:r>
-              <a:rPr lang="en-US" smtClean="0"/>
+              <a:rPr lang="en-US"/>
               <a:t>Fifth level</a:t>
             </a:r>
-            <a:endParaRPr lang="en-US"/>
           </a:p>
         </p:txBody>
       </p:sp>
@@ -4174,10 +4131,9 @@
           <a:p>
             <a:pPr lvl="0"/>
             <a:r>
-              <a:rPr lang="en-US" smtClean="0"/>
+              <a:rPr lang="en-US"/>
               <a:t>Click to edit Master text styles</a:t>
             </a:r>
-            <a:endParaRPr lang="en-US" smtClean="0"/>
           </a:p>
         </p:txBody>
       </p:sp>
@@ -4198,6 +4154,7 @@
           <a:p>
             <a:fld id="{DECF21A4-E71B-4D3A-AF45-E989C23A7BB1}" type="datetimeFigureOut">
               <a:rPr lang="en-US" smtClean="0"/>
+              <a:t>4/3/2023</a:t>
             </a:fld>
             <a:endParaRPr lang="en-US" dirty="0"/>
           </a:p>
@@ -4239,6 +4196,7 @@
           <a:p>
             <a:fld id="{A6AF1B4E-90EC-4A51-B6E5-B702C054ECB0}" type="slidenum">
               <a:rPr lang="en-US" smtClean="0"/>
+              <a:t>‹#›</a:t>
             </a:fld>
             <a:endParaRPr lang="en-US" dirty="0"/>
           </a:p>
@@ -4289,7 +4247,6 @@
               <a:rPr lang="en-US"/>
               <a:t>Click to edit Master title style</a:t>
             </a:r>
-            <a:endParaRPr lang="en-US"/>
           </a:p>
         </p:txBody>
       </p:sp>
@@ -4313,7 +4270,6 @@
               <a:rPr lang="en-US"/>
               <a:t>Click to edit Master text styles</a:t>
             </a:r>
-            <a:endParaRPr lang="en-US"/>
           </a:p>
           <a:p>
             <a:pPr lvl="1"/>
@@ -4321,7 +4277,6 @@
               <a:rPr lang="en-US"/>
               <a:t>Second level</a:t>
             </a:r>
-            <a:endParaRPr lang="en-US"/>
           </a:p>
           <a:p>
             <a:pPr lvl="2"/>
@@ -4329,7 +4284,6 @@
               <a:rPr lang="en-US"/>
               <a:t>Third level</a:t>
             </a:r>
-            <a:endParaRPr lang="en-US"/>
           </a:p>
           <a:p>
             <a:pPr lvl="3"/>
@@ -4337,7 +4291,6 @@
               <a:rPr lang="en-US"/>
               <a:t>Fourth level</a:t>
             </a:r>
-            <a:endParaRPr lang="en-US"/>
           </a:p>
           <a:p>
             <a:pPr lvl="4"/>
@@ -4345,7 +4298,6 @@
               <a:rPr lang="en-US"/>
               <a:t>Fifth level</a:t>
             </a:r>
-            <a:endParaRPr lang="en-US"/>
           </a:p>
         </p:txBody>
       </p:sp>
@@ -4366,6 +4318,7 @@
           <a:p>
             <a:fld id="{DECF21A4-E71B-4D3A-AF45-E989C23A7BB1}" type="datetimeFigureOut">
               <a:rPr lang="en-US" smtClean="0"/>
+              <a:t>4/3/2023</a:t>
             </a:fld>
             <a:endParaRPr lang="en-US" dirty="0"/>
           </a:p>
@@ -4407,6 +4360,7 @@
           <a:p>
             <a:fld id="{A6AF1B4E-90EC-4A51-B6E5-B702C054ECB0}" type="slidenum">
               <a:rPr lang="en-US" smtClean="0"/>
+              <a:t>‹#›</a:t>
             </a:fld>
             <a:endParaRPr lang="en-US" dirty="0"/>
           </a:p>
@@ -4462,10 +4416,9 @@
           </a:lstStyle>
           <a:p>
             <a:r>
-              <a:rPr lang="en-US" smtClean="0"/>
+              <a:rPr lang="en-US"/>
               <a:t>Click to edit Master title style</a:t>
             </a:r>
-            <a:endParaRPr lang="en-US"/>
           </a:p>
         </p:txBody>
       </p:sp>
@@ -4589,10 +4542,9 @@
           <a:p>
             <a:pPr lvl="0"/>
             <a:r>
-              <a:rPr lang="en-US" smtClean="0"/>
+              <a:rPr lang="en-US"/>
               <a:t>Click to edit Master text styles</a:t>
             </a:r>
-            <a:endParaRPr lang="en-US" smtClean="0"/>
           </a:p>
         </p:txBody>
       </p:sp>
@@ -4613,6 +4565,7 @@
           <a:p>
             <a:fld id="{DECF21A4-E71B-4D3A-AF45-E989C23A7BB1}" type="datetimeFigureOut">
               <a:rPr lang="en-US" smtClean="0"/>
+              <a:t>4/3/2023</a:t>
             </a:fld>
             <a:endParaRPr lang="en-US" dirty="0"/>
           </a:p>
@@ -4654,6 +4607,7 @@
           <a:p>
             <a:fld id="{A6AF1B4E-90EC-4A51-B6E5-B702C054ECB0}" type="slidenum">
               <a:rPr lang="en-US" smtClean="0"/>
+              <a:t>‹#›</a:t>
             </a:fld>
             <a:endParaRPr lang="en-US" dirty="0"/>
           </a:p>
@@ -4664,13 +4618,6 @@
   <p:clrMapOvr>
     <a:masterClrMapping/>
   </p:clrMapOvr>
-  <p:timing>
-    <p:tnLst>
-      <p:par>
-        <p:cTn id="1" dur="indefinite" restart="never" nodeType="tmRoot"/>
-      </p:par>
-    </p:tnLst>
-  </p:timing>
   <p:hf sldNum="0" hdr="0" ftr="0" dt="0"/>
 </p:sldLayout>
 </file>
@@ -4708,10 +4655,9 @@
           <a:lstStyle/>
           <a:p>
             <a:r>
-              <a:rPr lang="en-US" smtClean="0"/>
+              <a:rPr lang="en-US"/>
               <a:t>Click to edit Master title style</a:t>
             </a:r>
-            <a:endParaRPr lang="en-US"/>
           </a:p>
         </p:txBody>
       </p:sp>
@@ -4732,42 +4678,37 @@
           <a:p>
             <a:pPr lvl="0"/>
             <a:r>
-              <a:rPr lang="en-US" smtClean="0"/>
+              <a:rPr lang="en-US"/>
               <a:t>Click to edit Master text styles</a:t>
             </a:r>
-            <a:endParaRPr lang="en-US" smtClean="0"/>
           </a:p>
           <a:p>
             <a:pPr lvl="1"/>
             <a:r>
-              <a:rPr lang="en-US" smtClean="0"/>
+              <a:rPr lang="en-US"/>
               <a:t>Second level</a:t>
             </a:r>
-            <a:endParaRPr lang="en-US" smtClean="0"/>
           </a:p>
           <a:p>
             <a:pPr lvl="2"/>
             <a:r>
-              <a:rPr lang="en-US" smtClean="0"/>
+              <a:rPr lang="en-US"/>
               <a:t>Third level</a:t>
             </a:r>
-            <a:endParaRPr lang="en-US" smtClean="0"/>
           </a:p>
           <a:p>
             <a:pPr lvl="3"/>
             <a:r>
-              <a:rPr lang="en-US" smtClean="0"/>
+              <a:rPr lang="en-US"/>
               <a:t>Fourth level</a:t>
             </a:r>
-            <a:endParaRPr lang="en-US" smtClean="0"/>
           </a:p>
           <a:p>
             <a:pPr lvl="4"/>
             <a:r>
-              <a:rPr lang="en-US" smtClean="0"/>
+              <a:rPr lang="en-US"/>
               <a:t>Fifth level</a:t>
             </a:r>
-            <a:endParaRPr lang="en-US"/>
           </a:p>
         </p:txBody>
       </p:sp>
@@ -4788,6 +4729,7 @@
           <a:p>
             <a:fld id="{DECF21A4-E71B-4D3A-AF45-E989C23A7BB1}" type="datetimeFigureOut">
               <a:rPr lang="en-US" smtClean="0"/>
+              <a:t>4/3/2023</a:t>
             </a:fld>
             <a:endParaRPr lang="en-US" dirty="0"/>
           </a:p>
@@ -4829,6 +4771,7 @@
           <a:p>
             <a:fld id="{A6AF1B4E-90EC-4A51-B6E5-B702C054ECB0}" type="slidenum">
               <a:rPr lang="en-US" smtClean="0"/>
+              <a:t>‹#›</a:t>
             </a:fld>
             <a:endParaRPr lang="en-US" dirty="0"/>
           </a:p>
@@ -4881,10 +4824,9 @@
           <a:lstStyle/>
           <a:p>
             <a:r>
-              <a:rPr lang="en-US" smtClean="0"/>
+              <a:rPr lang="en-US"/>
               <a:t>Click to edit Master title style</a:t>
             </a:r>
-            <a:endParaRPr lang="en-US"/>
           </a:p>
         </p:txBody>
       </p:sp>
@@ -4910,42 +4852,37 @@
           <a:p>
             <a:pPr lvl="0"/>
             <a:r>
-              <a:rPr lang="en-US" smtClean="0"/>
+              <a:rPr lang="en-US"/>
               <a:t>Click to edit Master text styles</a:t>
             </a:r>
-            <a:endParaRPr lang="en-US" smtClean="0"/>
           </a:p>
           <a:p>
             <a:pPr lvl="1"/>
             <a:r>
-              <a:rPr lang="en-US" smtClean="0"/>
+              <a:rPr lang="en-US"/>
               <a:t>Second level</a:t>
             </a:r>
-            <a:endParaRPr lang="en-US" smtClean="0"/>
           </a:p>
           <a:p>
             <a:pPr lvl="2"/>
             <a:r>
-              <a:rPr lang="en-US" smtClean="0"/>
+              <a:rPr lang="en-US"/>
               <a:t>Third level</a:t>
             </a:r>
-            <a:endParaRPr lang="en-US" smtClean="0"/>
           </a:p>
           <a:p>
             <a:pPr lvl="3"/>
             <a:r>
-              <a:rPr lang="en-US" smtClean="0"/>
+              <a:rPr lang="en-US"/>
               <a:t>Fourth level</a:t>
             </a:r>
-            <a:endParaRPr lang="en-US" smtClean="0"/>
           </a:p>
           <a:p>
             <a:pPr lvl="4"/>
             <a:r>
-              <a:rPr lang="en-US" smtClean="0"/>
+              <a:rPr lang="en-US"/>
               <a:t>Fifth level</a:t>
             </a:r>
-            <a:endParaRPr lang="en-US"/>
           </a:p>
         </p:txBody>
       </p:sp>
@@ -4966,6 +4903,7 @@
           <a:p>
             <a:fld id="{DECF21A4-E71B-4D3A-AF45-E989C23A7BB1}" type="datetimeFigureOut">
               <a:rPr lang="en-US" smtClean="0"/>
+              <a:t>4/3/2023</a:t>
             </a:fld>
             <a:endParaRPr lang="en-US" dirty="0"/>
           </a:p>
@@ -5007,6 +4945,7 @@
           <a:p>
             <a:fld id="{A6AF1B4E-90EC-4A51-B6E5-B702C054ECB0}" type="slidenum">
               <a:rPr lang="en-US" smtClean="0"/>
+              <a:t>‹#›</a:t>
             </a:fld>
             <a:endParaRPr lang="en-US" dirty="0"/>
           </a:p>
@@ -5066,7 +5005,6 @@
               <a:rPr lang="en-US"/>
               <a:t>Click to edit Master title style</a:t>
             </a:r>
-            <a:endParaRPr lang="en-US"/>
           </a:p>
         </p:txBody>
       </p:sp>
@@ -5186,7 +5124,6 @@
               <a:rPr lang="en-US"/>
               <a:t>Click to edit Master text styles</a:t>
             </a:r>
-            <a:endParaRPr lang="en-US"/>
           </a:p>
         </p:txBody>
       </p:sp>
@@ -5207,6 +5144,7 @@
           <a:p>
             <a:fld id="{DECF21A4-E71B-4D3A-AF45-E989C23A7BB1}" type="datetimeFigureOut">
               <a:rPr lang="en-US" smtClean="0"/>
+              <a:t>4/3/2023</a:t>
             </a:fld>
             <a:endParaRPr lang="en-US" dirty="0"/>
           </a:p>
@@ -5248,6 +5186,7 @@
           <a:p>
             <a:fld id="{A6AF1B4E-90EC-4A51-B6E5-B702C054ECB0}" type="slidenum">
               <a:rPr lang="en-US" smtClean="0"/>
+              <a:t>‹#›</a:t>
             </a:fld>
             <a:endParaRPr lang="en-US" dirty="0"/>
           </a:p>
@@ -5297,7 +5236,6 @@
               <a:rPr lang="en-US"/>
               <a:t>Click to edit Master title style</a:t>
             </a:r>
-            <a:endParaRPr lang="en-US"/>
           </a:p>
         </p:txBody>
       </p:sp>
@@ -5326,7 +5264,6 @@
               <a:rPr lang="en-US"/>
               <a:t>Click to edit Master text styles</a:t>
             </a:r>
-            <a:endParaRPr lang="en-US"/>
           </a:p>
           <a:p>
             <a:pPr lvl="1"/>
@@ -5334,7 +5271,6 @@
               <a:rPr lang="en-US"/>
               <a:t>Second level</a:t>
             </a:r>
-            <a:endParaRPr lang="en-US"/>
           </a:p>
           <a:p>
             <a:pPr lvl="2"/>
@@ -5342,7 +5278,6 @@
               <a:rPr lang="en-US"/>
               <a:t>Third level</a:t>
             </a:r>
-            <a:endParaRPr lang="en-US"/>
           </a:p>
           <a:p>
             <a:pPr lvl="3"/>
@@ -5350,7 +5285,6 @@
               <a:rPr lang="en-US"/>
               <a:t>Fourth level</a:t>
             </a:r>
-            <a:endParaRPr lang="en-US"/>
           </a:p>
           <a:p>
             <a:pPr lvl="4"/>
@@ -5358,7 +5292,6 @@
               <a:rPr lang="en-US"/>
               <a:t>Fifth level</a:t>
             </a:r>
-            <a:endParaRPr lang="en-US"/>
           </a:p>
         </p:txBody>
       </p:sp>
@@ -5387,7 +5320,6 @@
               <a:rPr lang="en-US"/>
               <a:t>Click to edit Master text styles</a:t>
             </a:r>
-            <a:endParaRPr lang="en-US"/>
           </a:p>
           <a:p>
             <a:pPr lvl="1"/>
@@ -5395,7 +5327,6 @@
               <a:rPr lang="en-US"/>
               <a:t>Second level</a:t>
             </a:r>
-            <a:endParaRPr lang="en-US"/>
           </a:p>
           <a:p>
             <a:pPr lvl="2"/>
@@ -5403,7 +5334,6 @@
               <a:rPr lang="en-US"/>
               <a:t>Third level</a:t>
             </a:r>
-            <a:endParaRPr lang="en-US"/>
           </a:p>
           <a:p>
             <a:pPr lvl="3"/>
@@ -5411,7 +5341,6 @@
               <a:rPr lang="en-US"/>
               <a:t>Fourth level</a:t>
             </a:r>
-            <a:endParaRPr lang="en-US"/>
           </a:p>
           <a:p>
             <a:pPr lvl="4"/>
@@ -5419,7 +5348,6 @@
               <a:rPr lang="en-US"/>
               <a:t>Fifth level</a:t>
             </a:r>
-            <a:endParaRPr lang="en-US"/>
           </a:p>
         </p:txBody>
       </p:sp>
@@ -5440,6 +5368,7 @@
           <a:p>
             <a:fld id="{DECF21A4-E71B-4D3A-AF45-E989C23A7BB1}" type="datetimeFigureOut">
               <a:rPr lang="en-US" smtClean="0"/>
+              <a:t>4/3/2023</a:t>
             </a:fld>
             <a:endParaRPr lang="en-US" dirty="0"/>
           </a:p>
@@ -5481,6 +5410,7 @@
           <a:p>
             <a:fld id="{A6AF1B4E-90EC-4A51-B6E5-B702C054ECB0}" type="slidenum">
               <a:rPr lang="en-US" smtClean="0"/>
+              <a:t>‹#›</a:t>
             </a:fld>
             <a:endParaRPr lang="en-US" dirty="0"/>
           </a:p>
@@ -5535,7 +5465,6 @@
               <a:rPr lang="en-US"/>
               <a:t>Click to edit Master title style</a:t>
             </a:r>
-            <a:endParaRPr lang="en-US"/>
           </a:p>
         </p:txBody>
       </p:sp>
@@ -5601,7 +5530,6 @@
               <a:rPr lang="en-US"/>
               <a:t>Click to edit Master text styles</a:t>
             </a:r>
-            <a:endParaRPr lang="en-US"/>
           </a:p>
         </p:txBody>
       </p:sp>
@@ -5630,7 +5558,6 @@
               <a:rPr lang="en-US"/>
               <a:t>Click to edit Master text styles</a:t>
             </a:r>
-            <a:endParaRPr lang="en-US"/>
           </a:p>
           <a:p>
             <a:pPr lvl="1"/>
@@ -5638,7 +5565,6 @@
               <a:rPr lang="en-US"/>
               <a:t>Second level</a:t>
             </a:r>
-            <a:endParaRPr lang="en-US"/>
           </a:p>
           <a:p>
             <a:pPr lvl="2"/>
@@ -5646,7 +5572,6 @@
               <a:rPr lang="en-US"/>
               <a:t>Third level</a:t>
             </a:r>
-            <a:endParaRPr lang="en-US"/>
           </a:p>
           <a:p>
             <a:pPr lvl="3"/>
@@ -5654,7 +5579,6 @@
               <a:rPr lang="en-US"/>
               <a:t>Fourth level</a:t>
             </a:r>
-            <a:endParaRPr lang="en-US"/>
           </a:p>
           <a:p>
             <a:pPr lvl="4"/>
@@ -5662,7 +5586,6 @@
               <a:rPr lang="en-US"/>
               <a:t>Fifth level</a:t>
             </a:r>
-            <a:endParaRPr lang="en-US"/>
           </a:p>
         </p:txBody>
       </p:sp>
@@ -5728,7 +5651,6 @@
               <a:rPr lang="en-US"/>
               <a:t>Click to edit Master text styles</a:t>
             </a:r>
-            <a:endParaRPr lang="en-US"/>
           </a:p>
         </p:txBody>
       </p:sp>
@@ -5757,7 +5679,6 @@
               <a:rPr lang="en-US"/>
               <a:t>Click to edit Master text styles</a:t>
             </a:r>
-            <a:endParaRPr lang="en-US"/>
           </a:p>
           <a:p>
             <a:pPr lvl="1"/>
@@ -5765,7 +5686,6 @@
               <a:rPr lang="en-US"/>
               <a:t>Second level</a:t>
             </a:r>
-            <a:endParaRPr lang="en-US"/>
           </a:p>
           <a:p>
             <a:pPr lvl="2"/>
@@ -5773,7 +5693,6 @@
               <a:rPr lang="en-US"/>
               <a:t>Third level</a:t>
             </a:r>
-            <a:endParaRPr lang="en-US"/>
           </a:p>
           <a:p>
             <a:pPr lvl="3"/>
@@ -5781,7 +5700,6 @@
               <a:rPr lang="en-US"/>
               <a:t>Fourth level</a:t>
             </a:r>
-            <a:endParaRPr lang="en-US"/>
           </a:p>
           <a:p>
             <a:pPr lvl="4"/>
@@ -5789,7 +5707,6 @@
               <a:rPr lang="en-US"/>
               <a:t>Fifth level</a:t>
             </a:r>
-            <a:endParaRPr lang="en-US"/>
           </a:p>
         </p:txBody>
       </p:sp>
@@ -5810,6 +5727,7 @@
           <a:p>
             <a:fld id="{DECF21A4-E71B-4D3A-AF45-E989C23A7BB1}" type="datetimeFigureOut">
               <a:rPr lang="en-US" smtClean="0"/>
+              <a:t>4/3/2023</a:t>
             </a:fld>
             <a:endParaRPr lang="en-US" dirty="0"/>
           </a:p>
@@ -5851,6 +5769,7 @@
           <a:p>
             <a:fld id="{A6AF1B4E-90EC-4A51-B6E5-B702C054ECB0}" type="slidenum">
               <a:rPr lang="en-US" smtClean="0"/>
+              <a:t>‹#›</a:t>
             </a:fld>
             <a:endParaRPr lang="en-US" dirty="0"/>
           </a:p>
@@ -5900,7 +5819,6 @@
               <a:rPr lang="en-US"/>
               <a:t>Click to edit Master title style</a:t>
             </a:r>
-            <a:endParaRPr lang="en-US"/>
           </a:p>
         </p:txBody>
       </p:sp>
@@ -5921,6 +5839,7 @@
           <a:p>
             <a:fld id="{DECF21A4-E71B-4D3A-AF45-E989C23A7BB1}" type="datetimeFigureOut">
               <a:rPr lang="en-US" smtClean="0"/>
+              <a:t>4/3/2023</a:t>
             </a:fld>
             <a:endParaRPr lang="en-US" dirty="0"/>
           </a:p>
@@ -5962,6 +5881,7 @@
           <a:p>
             <a:fld id="{A6AF1B4E-90EC-4A51-B6E5-B702C054ECB0}" type="slidenum">
               <a:rPr lang="en-US" smtClean="0"/>
+              <a:t>‹#›</a:t>
             </a:fld>
             <a:endParaRPr lang="en-US" dirty="0"/>
           </a:p>
@@ -6009,6 +5929,7 @@
           <a:p>
             <a:fld id="{DECF21A4-E71B-4D3A-AF45-E989C23A7BB1}" type="datetimeFigureOut">
               <a:rPr lang="en-US" smtClean="0"/>
+              <a:t>4/3/2023</a:t>
             </a:fld>
             <a:endParaRPr lang="en-US" dirty="0"/>
           </a:p>
@@ -6050,6 +5971,7 @@
           <a:p>
             <a:fld id="{A6AF1B4E-90EC-4A51-B6E5-B702C054ECB0}" type="slidenum">
               <a:rPr lang="en-US" smtClean="0"/>
+              <a:t>‹#›</a:t>
             </a:fld>
             <a:endParaRPr lang="en-US" dirty="0"/>
           </a:p>
@@ -6108,7 +6030,6 @@
               <a:rPr lang="en-US"/>
               <a:t>Click to edit Master title style</a:t>
             </a:r>
-            <a:endParaRPr lang="en-US"/>
           </a:p>
         </p:txBody>
       </p:sp>
@@ -6165,7 +6086,6 @@
               <a:rPr lang="en-US"/>
               <a:t>Click to edit Master text styles</a:t>
             </a:r>
-            <a:endParaRPr lang="en-US"/>
           </a:p>
           <a:p>
             <a:pPr lvl="1"/>
@@ -6173,7 +6093,6 @@
               <a:rPr lang="en-US"/>
               <a:t>Second level</a:t>
             </a:r>
-            <a:endParaRPr lang="en-US"/>
           </a:p>
           <a:p>
             <a:pPr lvl="2"/>
@@ -6181,7 +6100,6 @@
               <a:rPr lang="en-US"/>
               <a:t>Third level</a:t>
             </a:r>
-            <a:endParaRPr lang="en-US"/>
           </a:p>
           <a:p>
             <a:pPr lvl="3"/>
@@ -6189,7 +6107,6 @@
               <a:rPr lang="en-US"/>
               <a:t>Fourth level</a:t>
             </a:r>
-            <a:endParaRPr lang="en-US"/>
           </a:p>
           <a:p>
             <a:pPr lvl="4"/>
@@ -6197,7 +6114,6 @@
               <a:rPr lang="en-US"/>
               <a:t>Fifth level</a:t>
             </a:r>
-            <a:endParaRPr lang="en-US"/>
           </a:p>
         </p:txBody>
       </p:sp>
@@ -6263,7 +6179,6 @@
               <a:rPr lang="en-US"/>
               <a:t>Click to edit Master text styles</a:t>
             </a:r>
-            <a:endParaRPr lang="en-US"/>
           </a:p>
         </p:txBody>
       </p:sp>
@@ -6284,6 +6199,7 @@
           <a:p>
             <a:fld id="{DECF21A4-E71B-4D3A-AF45-E989C23A7BB1}" type="datetimeFigureOut">
               <a:rPr lang="en-US" smtClean="0"/>
+              <a:t>4/3/2023</a:t>
             </a:fld>
             <a:endParaRPr lang="en-US" dirty="0"/>
           </a:p>
@@ -6325,6 +6241,7 @@
           <a:p>
             <a:fld id="{A6AF1B4E-90EC-4A51-B6E5-B702C054ECB0}" type="slidenum">
               <a:rPr lang="en-US" smtClean="0"/>
+              <a:t>‹#›</a:t>
             </a:fld>
             <a:endParaRPr lang="en-US" dirty="0"/>
           </a:p>
@@ -6383,7 +6300,6 @@
               <a:rPr lang="en-US"/>
               <a:t>Click to edit Master title style</a:t>
             </a:r>
-            <a:endParaRPr lang="en-US"/>
           </a:p>
         </p:txBody>
       </p:sp>
@@ -6514,7 +6430,6 @@
               <a:rPr lang="en-US"/>
               <a:t>Click to edit Master text styles</a:t>
             </a:r>
-            <a:endParaRPr lang="en-US"/>
           </a:p>
         </p:txBody>
       </p:sp>
@@ -6535,6 +6450,7 @@
           <a:p>
             <a:fld id="{DECF21A4-E71B-4D3A-AF45-E989C23A7BB1}" type="datetimeFigureOut">
               <a:rPr lang="en-US" smtClean="0"/>
+              <a:t>4/3/2023</a:t>
             </a:fld>
             <a:endParaRPr lang="en-US" dirty="0"/>
           </a:p>
@@ -6576,6 +6492,7 @@
           <a:p>
             <a:fld id="{A6AF1B4E-90EC-4A51-B6E5-B702C054ECB0}" type="slidenum">
               <a:rPr lang="en-US" smtClean="0"/>
+              <a:t>‹#›</a:t>
             </a:fld>
             <a:endParaRPr lang="en-US" dirty="0"/>
           </a:p>
@@ -6640,7 +6557,6 @@
               <a:rPr lang="en-US"/>
               <a:t>Click to edit Master title style</a:t>
             </a:r>
-            <a:endParaRPr lang="en-US"/>
           </a:p>
         </p:txBody>
       </p:sp>
@@ -6674,7 +6590,6 @@
               <a:rPr lang="en-US"/>
               <a:t>Click to edit Master text styles</a:t>
             </a:r>
-            <a:endParaRPr lang="en-US"/>
           </a:p>
           <a:p>
             <a:pPr lvl="1"/>
@@ -6682,7 +6597,6 @@
               <a:rPr lang="en-US"/>
               <a:t>Second level</a:t>
             </a:r>
-            <a:endParaRPr lang="en-US"/>
           </a:p>
           <a:p>
             <a:pPr lvl="2"/>
@@ -6690,7 +6604,6 @@
               <a:rPr lang="en-US"/>
               <a:t>Third level</a:t>
             </a:r>
-            <a:endParaRPr lang="en-US"/>
           </a:p>
           <a:p>
             <a:pPr lvl="3"/>
@@ -6698,7 +6611,6 @@
               <a:rPr lang="en-US"/>
               <a:t>Fourth level</a:t>
             </a:r>
-            <a:endParaRPr lang="en-US"/>
           </a:p>
           <a:p>
             <a:pPr lvl="4"/>
@@ -6706,7 +6618,6 @@
               <a:rPr lang="en-US"/>
               <a:t>Fifth level</a:t>
             </a:r>
-            <a:endParaRPr lang="en-US"/>
           </a:p>
         </p:txBody>
       </p:sp>
@@ -6745,6 +6656,7 @@
           <a:p>
             <a:fld id="{DECF21A4-E71B-4D3A-AF45-E989C23A7BB1}" type="datetimeFigureOut">
               <a:rPr lang="en-US" smtClean="0"/>
+              <a:t>4/3/2023</a:t>
             </a:fld>
             <a:endParaRPr lang="en-US" dirty="0"/>
           </a:p>
@@ -6822,6 +6734,7 @@
           <a:p>
             <a:fld id="{A6AF1B4E-90EC-4A51-B6E5-B702C054ECB0}" type="slidenum">
               <a:rPr lang="en-US" smtClean="0"/>
+              <a:t>‹#›</a:t>
             </a:fld>
             <a:endParaRPr lang="en-US" dirty="0"/>
           </a:p>
@@ -7145,11 +7058,20 @@
         <p:cNvGrpSpPr/>
         <p:nvPr/>
       </p:nvGrpSpPr>
-      <p:grpSpPr/>
+      <p:grpSpPr>
+        <a:xfrm>
+          <a:off x="0" y="0"/>
+          <a:ext cx="0" cy="0"/>
+          <a:chOff x="0" y="0"/>
+          <a:chExt cx="0" cy="0"/>
+        </a:xfrm>
+      </p:grpSpPr>
       <p:sp>
         <p:nvSpPr>
           <p:cNvPr id="1026" name="Title 1025"/>
-          <p:cNvSpPr/>
+          <p:cNvSpPr>
+            <a:spLocks noGrp="1"/>
+          </p:cNvSpPr>
           <p:nvPr>
             <p:ph type="title"/>
           </p:nvPr>
@@ -7169,6 +7091,7 @@
         </p:spPr>
         <p:txBody>
           <a:bodyPr anchor="ctr" anchorCtr="0"/>
+          <a:lstStyle/>
           <a:p>
             <a:pPr lvl="0"/>
             <a:r>
@@ -7180,7 +7103,9 @@
       <p:sp>
         <p:nvSpPr>
           <p:cNvPr id="1027" name="Text Placeholder 1026"/>
-          <p:cNvSpPr/>
+          <p:cNvSpPr>
+            <a:spLocks noGrp="1"/>
+          </p:cNvSpPr>
           <p:nvPr>
             <p:ph type="body" idx="1"/>
           </p:nvPr>
@@ -7200,6 +7125,7 @@
         </p:spPr>
         <p:txBody>
           <a:bodyPr/>
+          <a:lstStyle/>
           <a:p>
             <a:pPr lvl="0"/>
             <a:r>
@@ -7235,7 +7161,9 @@
       <p:sp>
         <p:nvSpPr>
           <p:cNvPr id="1028" name="Date Placeholder 1027"/>
-          <p:cNvSpPr/>
+          <p:cNvSpPr>
+            <a:spLocks noGrp="1"/>
+          </p:cNvSpPr>
           <p:nvPr>
             <p:ph type="dt" sz="half" idx="2"/>
           </p:nvPr>
@@ -7263,6 +7191,7 @@
           <a:p>
             <a:fld id="{DECF21A4-E71B-4D3A-AF45-E989C23A7BB1}" type="datetimeFigureOut">
               <a:rPr lang="en-US" smtClean="0"/>
+              <a:t>4/3/2023</a:t>
             </a:fld>
             <a:endParaRPr lang="en-US" dirty="0"/>
           </a:p>
@@ -7271,7 +7200,9 @@
       <p:sp>
         <p:nvSpPr>
           <p:cNvPr id="1029" name="Footer Placeholder 1028"/>
-          <p:cNvSpPr/>
+          <p:cNvSpPr>
+            <a:spLocks noGrp="1"/>
+          </p:cNvSpPr>
           <p:nvPr>
             <p:ph type="ftr" sz="quarter" idx="3"/>
           </p:nvPr>
@@ -7304,7 +7235,9 @@
       <p:sp>
         <p:nvSpPr>
           <p:cNvPr id="1030" name="Slide Number Placeholder 1029"/>
-          <p:cNvSpPr/>
+          <p:cNvSpPr>
+            <a:spLocks noGrp="1"/>
+          </p:cNvSpPr>
           <p:nvPr>
             <p:ph type="sldNum" sz="quarter" idx="4"/>
           </p:nvPr>
@@ -7332,6 +7265,7 @@
           <a:p>
             <a:fld id="{A6AF1B4E-90EC-4A51-B6E5-B702C054ECB0}" type="slidenum">
               <a:rPr lang="en-US" smtClean="0"/>
+              <a:t>‹#›</a:t>
             </a:fld>
             <a:endParaRPr lang="en-US" dirty="0"/>
           </a:p>
@@ -7794,23 +7728,70 @@
         </p:nvSpPr>
         <p:spPr>
           <a:xfrm>
-            <a:off x="4863062" y="5110225"/>
-            <a:ext cx="5609222" cy="1363215"/>
+            <a:off x="4364966" y="5248999"/>
+            <a:ext cx="6937874" cy="1363215"/>
           </a:xfrm>
         </p:spPr>
         <p:txBody>
           <a:bodyPr anchor="t">
-            <a:normAutofit/>
+            <a:noAutofit/>
           </a:bodyPr>
           <a:lstStyle/>
           <a:p>
             <a:pPr algn="l"/>
             <a:r>
+              <a:rPr lang="en-US" sz="3600" dirty="0">
+                <a:latin typeface="Franklin Gothic Book" panose="020B0503020102020204" pitchFamily="34" charset="0"/>
+                <a:cs typeface="Segoe UI" panose="020B0502040204020203" pitchFamily="34" charset="0"/>
+              </a:rPr>
+              <a:t>Research Presentation</a:t>
+            </a:r>
+            <a:br>
               <a:rPr lang="en-US" sz="4400" dirty="0">
                 <a:latin typeface="Franklin Gothic Book" panose="020B0503020102020204" pitchFamily="34" charset="0"/>
                 <a:cs typeface="Segoe UI" panose="020B0502040204020203" pitchFamily="34" charset="0"/>
               </a:rPr>
-              <a:t>Research Presentation</a:t>
+            </a:br>
+            <a:r>
+              <a:rPr lang="en-US" sz="2000" dirty="0">
+                <a:latin typeface="Franklin Gothic Book" panose="020B0503020102020204" pitchFamily="34" charset="0"/>
+                <a:cs typeface="Segoe UI" panose="020B0502040204020203" pitchFamily="34" charset="0"/>
+              </a:rPr>
+              <a:t>Presented by: Joseph Chorbajian, Aniruddha Gawande, Abhishek </a:t>
+            </a:r>
+            <a:r>
+              <a:rPr lang="en-US" sz="2000" dirty="0" err="1">
+                <a:latin typeface="Franklin Gothic Book" panose="020B0503020102020204" pitchFamily="34" charset="0"/>
+                <a:cs typeface="Segoe UI" panose="020B0502040204020203" pitchFamily="34" charset="0"/>
+              </a:rPr>
+              <a:t>Jajoo</a:t>
+            </a:r>
+            <a:r>
+              <a:rPr lang="en-US" sz="2000" dirty="0">
+                <a:latin typeface="Franklin Gothic Book" panose="020B0503020102020204" pitchFamily="34" charset="0"/>
+                <a:cs typeface="Segoe UI" panose="020B0502040204020203" pitchFamily="34" charset="0"/>
+              </a:rPr>
+              <a:t>, Satyam Sharma, Ishan </a:t>
+            </a:r>
+            <a:r>
+              <a:rPr lang="en-US" sz="2000" dirty="0" err="1">
+                <a:latin typeface="Franklin Gothic Book" panose="020B0503020102020204" pitchFamily="34" charset="0"/>
+                <a:cs typeface="Segoe UI" panose="020B0502040204020203" pitchFamily="34" charset="0"/>
+              </a:rPr>
+              <a:t>Unnarkar</a:t>
+            </a:r>
+            <a:br>
+              <a:rPr lang="en-US" sz="2000" dirty="0">
+                <a:latin typeface="Franklin Gothic Book" panose="020B0503020102020204" pitchFamily="34" charset="0"/>
+                <a:cs typeface="Segoe UI" panose="020B0502040204020203" pitchFamily="34" charset="0"/>
+              </a:rPr>
+            </a:br>
+            <a:r>
+              <a:rPr lang="en-US" sz="2000" dirty="0">
+                <a:latin typeface="Franklin Gothic Book" panose="020B0503020102020204" pitchFamily="34" charset="0"/>
+                <a:cs typeface="Segoe UI" panose="020B0502040204020203" pitchFamily="34" charset="0"/>
+              </a:rPr>
+              <a:t>Group 4</a:t>
             </a:r>
             <a:endParaRPr lang="en-US" sz="4400" dirty="0">
               <a:latin typeface="Franklin Gothic Book" panose="020B0503020102020204" pitchFamily="34" charset="0"/>
@@ -7831,26 +7812,25 @@
         </p:nvSpPr>
         <p:spPr>
           <a:xfrm>
-            <a:off x="4654296" y="3945418"/>
-            <a:ext cx="6468816" cy="981420"/>
+            <a:off x="4364966" y="3762031"/>
+            <a:ext cx="6758146" cy="1486968"/>
           </a:xfrm>
         </p:spPr>
         <p:txBody>
           <a:bodyPr anchor="b">
-            <a:normAutofit lnSpcReduction="10000"/>
+            <a:noAutofit/>
           </a:bodyPr>
           <a:lstStyle/>
           <a:p>
             <a:pPr algn="l"/>
             <a:r>
+              <a:rPr lang="en-US" sz="2400" dirty="0"/>
+              <a:t>“Robust and Sparse Linear Discriminant Analysis via an Alternating Direction Method of Multipliers”</a:t>
+            </a:r>
+            <a:r>
               <a:rPr lang="en-US" sz="2000" dirty="0"/>
-              <a:t>“Robust and Sparse Linear Discriminant Analysis via an Alternating Direction Method of Multipliers”</a:t>
-            </a:r>
-            <a:r>
-              <a:rPr lang="en-US" sz="1600" dirty="0"/>
               <a:t> </a:t>
             </a:r>
-            <a:endParaRPr lang="en-US" sz="1600" dirty="0"/>
           </a:p>
           <a:p>
             <a:pPr algn="l"/>
@@ -8513,13 +8493,13 @@
           <p:nvPr/>
         </p:nvPicPr>
         <p:blipFill>
-          <a:blip r:embed="rId1">
+          <a:blip r:embed="rId3">
             <a:extLst>
               <a:ext uri="{28A0092B-C50C-407E-A947-70E740481C1C}">
                 <a14:useLocalDpi xmlns:a14="http://schemas.microsoft.com/office/drawing/2010/main" val="0"/>
               </a:ext>
               <a:ext uri="{96DAC541-7B7A-43D3-8B79-37D633B846F1}">
-                <asvg:svgBlip xmlns:asvg="http://schemas.microsoft.com/office/drawing/2016/SVG/main" r:embed="rId2"/>
+                <asvg:svgBlip xmlns:asvg="http://schemas.microsoft.com/office/drawing/2016/SVG/main" r:embed="rId4"/>
               </a:ext>
             </a:extLst>
           </a:blip>
@@ -8700,13 +8680,13 @@
           <p:nvPr/>
         </p:nvPicPr>
         <p:blipFill>
-          <a:blip r:embed="rId3">
+          <a:blip r:embed="rId5">
             <a:extLst>
               <a:ext uri="{28A0092B-C50C-407E-A947-70E740481C1C}">
                 <a14:useLocalDpi xmlns:a14="http://schemas.microsoft.com/office/drawing/2010/main" val="0"/>
               </a:ext>
               <a:ext uri="{96DAC541-7B7A-43D3-8B79-37D633B846F1}">
-                <asvg:svgBlip xmlns:asvg="http://schemas.microsoft.com/office/drawing/2016/SVG/main" r:embed="rId4"/>
+                <asvg:svgBlip xmlns:asvg="http://schemas.microsoft.com/office/drawing/2016/SVG/main" r:embed="rId6"/>
               </a:ext>
             </a:extLst>
           </a:blip>
@@ -8733,13 +8713,13 @@
           <p:nvPr/>
         </p:nvPicPr>
         <p:blipFill>
-          <a:blip r:embed="rId5">
+          <a:blip r:embed="rId7">
             <a:extLst>
               <a:ext uri="{28A0092B-C50C-407E-A947-70E740481C1C}">
                 <a14:useLocalDpi xmlns:a14="http://schemas.microsoft.com/office/drawing/2010/main" val="0"/>
               </a:ext>
               <a:ext uri="{96DAC541-7B7A-43D3-8B79-37D633B846F1}">
-                <asvg:svgBlip xmlns:asvg="http://schemas.microsoft.com/office/drawing/2016/SVG/main" r:embed="rId6"/>
+                <asvg:svgBlip xmlns:asvg="http://schemas.microsoft.com/office/drawing/2016/SVG/main" r:embed="rId8"/>
               </a:ext>
             </a:extLst>
           </a:blip>
@@ -9070,13 +9050,13 @@
           <p:nvPr/>
         </p:nvPicPr>
         <p:blipFill>
-          <a:blip r:embed="rId7">
+          <a:blip r:embed="rId9">
             <a:extLst>
               <a:ext uri="{28A0092B-C50C-407E-A947-70E740481C1C}">
                 <a14:useLocalDpi xmlns:a14="http://schemas.microsoft.com/office/drawing/2010/main" val="0"/>
               </a:ext>
               <a:ext uri="{96DAC541-7B7A-43D3-8B79-37D633B846F1}">
-                <asvg:svgBlip xmlns:asvg="http://schemas.microsoft.com/office/drawing/2016/SVG/main" r:embed="rId8"/>
+                <asvg:svgBlip xmlns:asvg="http://schemas.microsoft.com/office/drawing/2016/SVG/main" r:embed="rId10"/>
               </a:ext>
             </a:extLst>
           </a:blip>
@@ -9208,14 +9188,6 @@
               </a:rPr>
               <a:t>Conclusion</a:t>
             </a:r>
-            <a:endParaRPr lang="en-US" sz="3200" kern="1200" dirty="0">
-              <a:solidFill>
-                <a:srgbClr val="FFFFFF"/>
-              </a:solidFill>
-              <a:latin typeface="+mj-lt"/>
-              <a:ea typeface="+mj-ea"/>
-              <a:cs typeface="+mj-cs"/>
-            </a:endParaRPr>
           </a:p>
         </p:txBody>
       </p:sp>
@@ -9239,16 +9211,16 @@
           <a:bodyPr wrap="square" rtlCol="0">
             <a:spAutoFit/>
           </a:bodyPr>
+          <a:lstStyle/>
           <a:p>
             <a:pPr marL="457200" indent="-457200" algn="l">
               <a:buFont typeface="Arial" panose="020B0604020202020204" pitchFamily="34" charset="0"/>
               <a:buChar char="•"/>
             </a:pPr>
             <a:r>
-              <a:rPr lang="en-US" sz="2800"/>
+              <a:rPr lang="en-US" sz="2800" dirty="0"/>
               <a:t>The paper proposes a robust and sparse linear discriminant analysis (RSDA) method via an alternating direction method of multipliers (ADMM).</a:t>
             </a:r>
-            <a:endParaRPr lang="en-US" sz="2800"/>
           </a:p>
           <a:p>
             <a:pPr marL="457200" indent="-457200" algn="l">
@@ -9256,10 +9228,9 @@
               <a:buChar char="•"/>
             </a:pPr>
             <a:r>
-              <a:rPr lang="en-US" sz="2800"/>
+              <a:rPr lang="en-US" sz="2800" dirty="0"/>
               <a:t>RSDA is able to handle both outliers and noise in the data.</a:t>
             </a:r>
-            <a:endParaRPr lang="en-US" sz="2800"/>
           </a:p>
           <a:p>
             <a:pPr marL="457200" indent="-457200" algn="l">
@@ -9267,10 +9238,9 @@
               <a:buChar char="•"/>
             </a:pPr>
             <a:r>
-              <a:rPr lang="en-US" sz="2800"/>
+              <a:rPr lang="en-US" sz="2800" dirty="0"/>
               <a:t>RSDA is also able to find a sparse set of discriminant features.</a:t>
             </a:r>
-            <a:endParaRPr lang="en-US" sz="2800"/>
           </a:p>
           <a:p>
             <a:pPr marL="457200" indent="-457200" algn="l">
@@ -9278,10 +9248,9 @@
               <a:buChar char="•"/>
             </a:pPr>
             <a:r>
-              <a:rPr lang="en-US" sz="2800"/>
+              <a:rPr lang="en-US" sz="2800" dirty="0"/>
               <a:t>Experimental results show that RSDA outperforms other state-of-the-art methods on both synthetic and real-world data sets.</a:t>
             </a:r>
-            <a:endParaRPr lang="en-US" sz="2800"/>
           </a:p>
         </p:txBody>
       </p:sp>
@@ -9336,6 +9305,7 @@
         </p:spPr>
         <p:txBody>
           <a:bodyPr/>
+          <a:lstStyle/>
           <a:p>
             <a:r>
               <a:rPr lang="en-US"/>
@@ -9349,6 +9319,311 @@
         </p:txBody>
       </p:sp>
     </p:spTree>
+  </p:cSld>
+  <p:clrMapOvr>
+    <a:masterClrMapping/>
+  </p:clrMapOvr>
+</p:sld>
+</file>
+
+<file path=ppt/slides/slide12.xml><?xml version="1.0" encoding="utf-8"?>
+<p:sld xmlns:a="http://schemas.openxmlformats.org/drawingml/2006/main" xmlns:r="http://schemas.openxmlformats.org/officeDocument/2006/relationships" xmlns:p="http://schemas.openxmlformats.org/presentationml/2006/main">
+  <p:cSld>
+    <p:spTree>
+      <p:nvGrpSpPr>
+        <p:cNvPr id="1" name=""/>
+        <p:cNvGrpSpPr/>
+        <p:nvPr/>
+      </p:nvGrpSpPr>
+      <p:grpSpPr>
+        <a:xfrm>
+          <a:off x="0" y="0"/>
+          <a:ext cx="0" cy="0"/>
+          <a:chOff x="0" y="0"/>
+          <a:chExt cx="0" cy="0"/>
+        </a:xfrm>
+      </p:grpSpPr>
+      <p:sp>
+        <p:nvSpPr>
+          <p:cNvPr id="2" name="Title 1">
+            <a:extLst>
+              <a:ext uri="{FF2B5EF4-FFF2-40B4-BE49-F238E27FC236}">
+                <a16:creationId xmlns:a16="http://schemas.microsoft.com/office/drawing/2014/main" id="{042C824B-4279-4D47-92DD-71F5353FAA23}"/>
+              </a:ext>
+            </a:extLst>
+          </p:cNvPr>
+          <p:cNvSpPr>
+            <a:spLocks noGrp="1"/>
+          </p:cNvSpPr>
+          <p:nvPr>
+            <p:ph type="title"/>
+          </p:nvPr>
+        </p:nvSpPr>
+        <p:spPr>
+          <a:xfrm>
+            <a:off x="838200" y="171162"/>
+            <a:ext cx="2840182" cy="2371148"/>
+          </a:xfrm>
+        </p:spPr>
+        <p:txBody>
+          <a:bodyPr vert="horz" lIns="91440" tIns="45720" rIns="91440" bIns="45720" rtlCol="0" anchor="ctr">
+            <a:normAutofit/>
+          </a:bodyPr>
+          <a:lstStyle/>
+          <a:p>
+            <a:r>
+              <a:rPr lang="en-US" sz="3200" kern="1200" dirty="0">
+                <a:solidFill>
+                  <a:srgbClr val="FFFFFF"/>
+                </a:solidFill>
+                <a:latin typeface="+mj-lt"/>
+                <a:ea typeface="+mj-ea"/>
+                <a:cs typeface="+mj-cs"/>
+              </a:rPr>
+              <a:t>Citations</a:t>
+            </a:r>
+          </a:p>
+        </p:txBody>
+      </p:sp>
+      <p:sp>
+        <p:nvSpPr>
+          <p:cNvPr id="3" name="TextBox 2">
+            <a:extLst>
+              <a:ext uri="{FF2B5EF4-FFF2-40B4-BE49-F238E27FC236}">
+                <a16:creationId xmlns:a16="http://schemas.microsoft.com/office/drawing/2014/main" id="{50FE390F-35C1-B42D-03C4-675CE536459A}"/>
+              </a:ext>
+            </a:extLst>
+          </p:cNvPr>
+          <p:cNvSpPr txBox="1"/>
+          <p:nvPr/>
+        </p:nvSpPr>
+        <p:spPr>
+          <a:xfrm>
+            <a:off x="4086224" y="557212"/>
+            <a:ext cx="7384416" cy="6355586"/>
+          </a:xfrm>
+          <a:prstGeom prst="rect">
+            <a:avLst/>
+          </a:prstGeom>
+          <a:noFill/>
+        </p:spPr>
+        <p:txBody>
+          <a:bodyPr wrap="square" rtlCol="0">
+            <a:spAutoFit/>
+          </a:bodyPr>
+          <a:lstStyle/>
+          <a:p>
+            <a:pPr marL="457200" indent="-457200">
+              <a:spcBef>
+                <a:spcPts val="600"/>
+              </a:spcBef>
+              <a:buFont typeface="Arial" panose="020B0604020202020204" pitchFamily="34" charset="0"/>
+              <a:buChar char="•"/>
+            </a:pPr>
+            <a:r>
+              <a:rPr lang="en-US" sz="2800" dirty="0"/>
+              <a:t>[1]: C. -N. Li, Y. -H. Shao, W. Yin and M. -Z. Liu, "Robust and Sparse Linear Discriminant Analysis via an Alternating Direction Method of Multipliers," in </a:t>
+            </a:r>
+            <a:r>
+              <a:rPr lang="en-US" sz="2800" i="1" dirty="0"/>
+              <a:t>IEEE Transactions on Neural Networks and Learning Systems</a:t>
+            </a:r>
+            <a:r>
+              <a:rPr lang="en-US" sz="2800" dirty="0"/>
+              <a:t>, vol. 31, no. 3, pp. 915-926, March 2020, </a:t>
+            </a:r>
+            <a:r>
+              <a:rPr lang="en-US" sz="2800" dirty="0" err="1"/>
+              <a:t>doi</a:t>
+            </a:r>
+            <a:r>
+              <a:rPr lang="en-US" sz="2800" dirty="0"/>
+              <a:t>: 10.1109/TNNLS.2019.2910991.</a:t>
+            </a:r>
+          </a:p>
+          <a:p>
+            <a:pPr marL="457200" indent="-457200">
+              <a:spcBef>
+                <a:spcPts val="600"/>
+              </a:spcBef>
+              <a:buFont typeface="Arial" panose="020B0604020202020204" pitchFamily="34" charset="0"/>
+              <a:buChar char="•"/>
+            </a:pPr>
+            <a:r>
+              <a:rPr lang="en-US" sz="2800" dirty="0"/>
+              <a:t>[2]: Distributed Optimization and Statistical Learning via the Alternating Direction Method of Multipliers (Boyd, Parikh, Chu, </a:t>
+            </a:r>
+            <a:r>
+              <a:rPr lang="en-US" sz="2800" dirty="0" err="1"/>
+              <a:t>Peleato</a:t>
+            </a:r>
+            <a:r>
+              <a:rPr lang="en-US" sz="2800" dirty="0"/>
+              <a:t>, Eckstein)</a:t>
+            </a:r>
+          </a:p>
+          <a:p>
+            <a:pPr marL="457200" indent="-457200">
+              <a:spcBef>
+                <a:spcPts val="600"/>
+              </a:spcBef>
+              <a:buFont typeface="Arial" panose="020B0604020202020204" pitchFamily="34" charset="0"/>
+              <a:buChar char="•"/>
+            </a:pPr>
+            <a:r>
+              <a:rPr lang="en-US" sz="2800" dirty="0"/>
+              <a:t>[3]: L. </a:t>
+            </a:r>
+            <a:r>
+              <a:rPr lang="en-US" sz="2800" dirty="0" err="1"/>
+              <a:t>Clemmensen</a:t>
+            </a:r>
+            <a:r>
+              <a:rPr lang="en-US" sz="2800" dirty="0"/>
+              <a:t>, T. Hastie, D. Witten, and B. </a:t>
+            </a:r>
+            <a:r>
+              <a:rPr lang="en-US" sz="2800" dirty="0" err="1"/>
+              <a:t>Ersbøll</a:t>
+            </a:r>
+            <a:r>
+              <a:rPr lang="en-US" sz="2800" dirty="0"/>
+              <a:t>, “Sparse discriminant analysis"</a:t>
+            </a:r>
+          </a:p>
+          <a:p>
+            <a:pPr marL="457200" indent="-457200">
+              <a:spcBef>
+                <a:spcPts val="600"/>
+              </a:spcBef>
+              <a:buFont typeface="Arial" panose="020B0604020202020204" pitchFamily="34" charset="0"/>
+              <a:buChar char="•"/>
+            </a:pPr>
+            <a:endParaRPr lang="en-US" sz="2800" dirty="0"/>
+          </a:p>
+        </p:txBody>
+      </p:sp>
+      <p:sp>
+        <p:nvSpPr>
+          <p:cNvPr id="4" name="Flowchart: Document 3">
+            <a:extLst>
+              <a:ext uri="{FF2B5EF4-FFF2-40B4-BE49-F238E27FC236}">
+                <a16:creationId xmlns:a16="http://schemas.microsoft.com/office/drawing/2014/main" id="{417100A3-E809-AC10-2702-F3E46F036520}"/>
+              </a:ext>
+            </a:extLst>
+          </p:cNvPr>
+          <p:cNvSpPr/>
+          <p:nvPr/>
+        </p:nvSpPr>
+        <p:spPr>
+          <a:xfrm>
+            <a:off x="671825" y="-1975"/>
+            <a:ext cx="3248025" cy="3400426"/>
+          </a:xfrm>
+          <a:prstGeom prst="flowChartDocument">
+            <a:avLst/>
+          </a:prstGeom>
+          <a:solidFill>
+            <a:srgbClr val="4B5362"/>
+          </a:solidFill>
+          <a:ln>
+            <a:noFill/>
+          </a:ln>
+        </p:spPr>
+        <p:style>
+          <a:lnRef idx="2">
+            <a:schemeClr val="accent1">
+              <a:shade val="50000"/>
+            </a:schemeClr>
+          </a:lnRef>
+          <a:fillRef idx="1">
+            <a:schemeClr val="accent1"/>
+          </a:fillRef>
+          <a:effectRef idx="0">
+            <a:schemeClr val="accent1"/>
+          </a:effectRef>
+          <a:fontRef idx="minor">
+            <a:schemeClr val="lt1"/>
+          </a:fontRef>
+        </p:style>
+        <p:txBody>
+          <a:bodyPr rtlCol="0" anchor="ctr"/>
+          <a:lstStyle/>
+          <a:p>
+            <a:pPr algn="ctr"/>
+            <a:endParaRPr lang="en-US"/>
+          </a:p>
+        </p:txBody>
+      </p:sp>
+      <p:sp>
+        <p:nvSpPr>
+          <p:cNvPr id="5" name="Title 1">
+            <a:extLst>
+              <a:ext uri="{FF2B5EF4-FFF2-40B4-BE49-F238E27FC236}">
+                <a16:creationId xmlns:a16="http://schemas.microsoft.com/office/drawing/2014/main" id="{0BE83A35-6C57-08FA-7255-388E9E578210}"/>
+              </a:ext>
+            </a:extLst>
+          </p:cNvPr>
+          <p:cNvSpPr txBox="1">
+            <a:spLocks/>
+          </p:cNvSpPr>
+          <p:nvPr/>
+        </p:nvSpPr>
+        <p:spPr>
+          <a:xfrm>
+            <a:off x="871850" y="169187"/>
+            <a:ext cx="2840182" cy="2371148"/>
+          </a:xfrm>
+          <a:prstGeom prst="rect">
+            <a:avLst/>
+          </a:prstGeom>
+        </p:spPr>
+        <p:txBody>
+          <a:bodyPr vert="horz" lIns="91440" tIns="45720" rIns="91440" bIns="45720" rtlCol="0" anchor="ctr">
+            <a:normAutofit/>
+          </a:bodyPr>
+          <a:lstStyle>
+            <a:lvl1pPr algn="l" defTabSz="914400" rtl="0" eaLnBrk="1" latinLnBrk="0" hangingPunct="1">
+              <a:lnSpc>
+                <a:spcPct val="90000"/>
+              </a:lnSpc>
+              <a:spcBef>
+                <a:spcPct val="0"/>
+              </a:spcBef>
+              <a:buNone/>
+              <a:defRPr sz="4400" kern="1200">
+                <a:solidFill>
+                  <a:schemeClr val="tx1"/>
+                </a:solidFill>
+                <a:latin typeface="+mj-lt"/>
+                <a:ea typeface="+mj-ea"/>
+                <a:cs typeface="+mj-cs"/>
+              </a:defRPr>
+            </a:lvl1pPr>
+          </a:lstStyle>
+          <a:p>
+            <a:r>
+              <a:rPr lang="en-US" sz="3200">
+                <a:solidFill>
+                  <a:srgbClr val="FFFFFF"/>
+                </a:solidFill>
+              </a:rPr>
+              <a:t>Conclusion</a:t>
+            </a:r>
+            <a:endParaRPr lang="en-US" sz="3200" dirty="0">
+              <a:solidFill>
+                <a:srgbClr val="FFFFFF"/>
+              </a:solidFill>
+            </a:endParaRPr>
+          </a:p>
+        </p:txBody>
+      </p:sp>
+    </p:spTree>
+    <p:extLst>
+      <p:ext uri="{BB962C8B-B14F-4D97-AF65-F5344CB8AC3E}">
+        <p14:creationId xmlns:p14="http://schemas.microsoft.com/office/powerpoint/2010/main" val="4151254819"/>
+      </p:ext>
+    </p:extLst>
   </p:cSld>
   <p:clrMapOvr>
     <a:masterClrMapping/>
@@ -9462,14 +9737,6 @@
               </a:rPr>
               <a:t>Introduction</a:t>
             </a:r>
-            <a:endParaRPr lang="en-US" sz="3200" kern="1200" dirty="0">
-              <a:solidFill>
-                <a:srgbClr val="FFFFFF"/>
-              </a:solidFill>
-              <a:latin typeface="+mj-lt"/>
-              <a:ea typeface="+mj-ea"/>
-              <a:cs typeface="+mj-cs"/>
-            </a:endParaRPr>
           </a:p>
         </p:txBody>
       </p:sp>
@@ -9482,7 +9749,7 @@
           <p:nvPr/>
         </p:nvPicPr>
         <p:blipFill>
-          <a:blip r:embed="rId1">
+          <a:blip r:embed="rId3">
             <a:extLst>
               <a:ext uri="{28A0092B-C50C-407E-A947-70E740481C1C}">
                 <a14:useLocalDpi xmlns:a14="http://schemas.microsoft.com/office/drawing/2010/main" val="0"/>
@@ -9533,16 +9800,16 @@
           <a:bodyPr wrap="square" rtlCol="0">
             <a:spAutoFit/>
           </a:bodyPr>
+          <a:lstStyle/>
           <a:p>
             <a:pPr marL="285750" indent="-285750">
               <a:buFont typeface="Arial" panose="020B0604020202020204" pitchFamily="34" charset="0"/>
               <a:buChar char="•"/>
             </a:pPr>
             <a:r>
-              <a:rPr lang="en-US" sz="2800"/>
+              <a:rPr lang="en-US" sz="2800" dirty="0"/>
               <a:t>Linear Discriminant Analysis (LDA) is a linear classification method used to separate two or more classes of objects or events by projecting them onto a lower-dimensional space.</a:t>
             </a:r>
-            <a:endParaRPr lang="en-US" sz="2800"/>
           </a:p>
           <a:p>
             <a:pPr marL="285750" indent="-285750">
@@ -9550,10 +9817,9 @@
               <a:buChar char="•"/>
             </a:pPr>
             <a:r>
-              <a:rPr lang="en-US" sz="2800"/>
-              <a:t>LDA focuses on seperability</a:t>
-            </a:r>
-            <a:endParaRPr lang="en-US" sz="2800"/>
+              <a:rPr lang="en-US" sz="2800" dirty="0"/>
+              <a:t>LDA focuses on separability</a:t>
+            </a:r>
           </a:p>
         </p:txBody>
       </p:sp>
@@ -9671,14 +9937,6 @@
               </a:rPr>
               <a:t>Overview of the problem being studied</a:t>
             </a:r>
-            <a:endParaRPr lang="en-US" sz="3200" kern="1200" dirty="0">
-              <a:solidFill>
-                <a:srgbClr val="FFFFFF"/>
-              </a:solidFill>
-              <a:latin typeface="+mj-lt"/>
-              <a:ea typeface="+mj-ea"/>
-              <a:cs typeface="+mj-cs"/>
-            </a:endParaRPr>
           </a:p>
         </p:txBody>
       </p:sp>
@@ -9702,6 +9960,7 @@
           <a:bodyPr wrap="square" rtlCol="0" anchor="t">
             <a:spAutoFit/>
           </a:bodyPr>
+          <a:lstStyle/>
           <a:p>
             <a:pPr marL="457200" indent="-457200" fontAlgn="ctr">
               <a:lnSpc>
@@ -9714,14 +9973,11 @@
               <a:buChar char="•"/>
             </a:pPr>
             <a:r>
-              <a:rPr lang="en-US" sz="2800">
+              <a:rPr lang="en-US" sz="2800" dirty="0">
                 <a:sym typeface="+mn-ea"/>
               </a:rPr>
               <a:t>LDA methods can produce a large number of features, which can lead to overfitting and poor generalization to new data.</a:t>
             </a:r>
-            <a:endParaRPr lang="en-US" sz="2800">
-              <a:sym typeface="+mn-ea"/>
-            </a:endParaRPr>
           </a:p>
           <a:p>
             <a:pPr marL="457200" indent="-457200" fontAlgn="ctr">
@@ -9735,10 +9991,9 @@
               <a:buChar char="•"/>
             </a:pPr>
             <a:r>
-              <a:rPr lang="en-US" sz="2800"/>
+              <a:rPr lang="en-US" sz="2800" dirty="0"/>
               <a:t>LDA methods can be sensitive to outliers, which can adversely affect the classification accuracy.</a:t>
             </a:r>
-            <a:endParaRPr lang="en-US" sz="2800"/>
           </a:p>
           <a:p>
             <a:pPr marL="457200" indent="-457200" fontAlgn="ctr">
@@ -9752,10 +10007,9 @@
               <a:buChar char="•"/>
             </a:pPr>
             <a:r>
-              <a:rPr lang="en-US" sz="2800"/>
+              <a:rPr lang="en-US" sz="2800" dirty="0"/>
               <a:t>LDA methods assume that the covariance matrix is the same for all classes, which may not be true in practice and can lead to poor classification accuracy.</a:t>
             </a:r>
-            <a:endParaRPr lang="en-US" sz="2800"/>
           </a:p>
           <a:p>
             <a:pPr marL="457200" indent="-457200" fontAlgn="ctr">
@@ -9768,7 +10022,7 @@
               <a:buFont typeface="Arial" panose="020B0604020202020204" pitchFamily="34" charset="0"/>
               <a:buChar char="•"/>
             </a:pPr>
-            <a:endParaRPr lang="en-US" sz="2800"/>
+            <a:endParaRPr lang="en-US" sz="2800" dirty="0"/>
           </a:p>
         </p:txBody>
       </p:sp>
@@ -9886,14 +10140,6 @@
               </a:rPr>
               <a:t>Importance of solving the problem</a:t>
             </a:r>
-            <a:endParaRPr lang="en-US" sz="3200" kern="1200" dirty="0">
-              <a:solidFill>
-                <a:srgbClr val="FFFFFF"/>
-              </a:solidFill>
-              <a:latin typeface="+mj-lt"/>
-              <a:ea typeface="+mj-ea"/>
-              <a:cs typeface="+mj-cs"/>
-            </a:endParaRPr>
           </a:p>
         </p:txBody>
       </p:sp>
@@ -9917,6 +10163,7 @@
           <a:bodyPr wrap="square" rtlCol="0" anchor="t">
             <a:spAutoFit/>
           </a:bodyPr>
+          <a:lstStyle/>
           <a:p>
             <a:pPr marL="457200" indent="-457200">
               <a:spcBef>
@@ -9929,7 +10176,6 @@
               <a:rPr lang="en-US" sz="2800"/>
               <a:t>LDA is sensitive to outliers which can result in misclassification and poor accuracy.</a:t>
             </a:r>
-            <a:endParaRPr lang="en-US" sz="2800"/>
           </a:p>
           <a:p>
             <a:pPr marL="457200" indent="-457200">
@@ -9943,7 +10189,6 @@
               <a:rPr lang="en-US" sz="2800"/>
               <a:t>Overfitting can result in poor generalization to new data. </a:t>
             </a:r>
-            <a:endParaRPr lang="en-US" sz="2800"/>
           </a:p>
           <a:p>
             <a:pPr marL="457200" indent="-457200">
@@ -9957,7 +10202,6 @@
               <a:rPr lang="en-US" sz="2800"/>
               <a:t>Covariance matrix assumptions may not be valid in many real-world problems.</a:t>
             </a:r>
-            <a:endParaRPr lang="en-US" sz="2800"/>
           </a:p>
           <a:p>
             <a:pPr marL="457200" indent="-457200">
@@ -9971,7 +10215,6 @@
               <a:rPr lang="en-US" sz="2800"/>
               <a:t>When projection vectors drift far from their desired directions they result in poor classification accuracy and reduced usefulness of the model for real-world problems.</a:t>
             </a:r>
-            <a:endParaRPr lang="en-US" sz="2800"/>
           </a:p>
         </p:txBody>
       </p:sp>
@@ -10089,14 +10332,6 @@
               </a:rPr>
               <a:t>Robust LDA</a:t>
             </a:r>
-            <a:endParaRPr lang="en-US" sz="3200" kern="1200" dirty="0">
-              <a:solidFill>
-                <a:srgbClr val="FFFFFF"/>
-              </a:solidFill>
-              <a:latin typeface="+mj-lt"/>
-              <a:ea typeface="+mj-ea"/>
-              <a:cs typeface="+mj-cs"/>
-            </a:endParaRPr>
           </a:p>
         </p:txBody>
       </p:sp>
@@ -10111,7 +10346,7 @@
             <p:spPr>
               <a:xfrm>
                 <a:off x="4086224" y="557212"/>
-                <a:ext cx="7384416" cy="5293757"/>
+                <a:ext cx="7384416" cy="5724644"/>
               </a:xfrm>
               <a:prstGeom prst="rect">
                 <a:avLst/>
@@ -10168,7 +10403,6 @@
                   <a:rPr lang="en-US" sz="2800" dirty="0"/>
                   <a:t>-norm to be robust to outliers and noise</a:t>
                 </a:r>
-                <a:endParaRPr lang="en-US" sz="2800" dirty="0"/>
               </a:p>
               <a:p>
                 <a:pPr marL="457200" indent="-457200">
@@ -10182,7 +10416,6 @@
                   <a:rPr lang="en-US" sz="2800" dirty="0"/>
                   <a:t>Prove robustness through Bhattacharyya’s error bound</a:t>
                 </a:r>
-                <a:endParaRPr lang="en-US" sz="2800" dirty="0"/>
               </a:p>
               <a:p>
                 <a:pPr marL="914400" lvl="1" indent="-457200">
@@ -10196,7 +10429,6 @@
                   <a:rPr lang="en-US" sz="2800" dirty="0"/>
                   <a:t>Guaranteed close bound to Bayes’ (irreducible) error</a:t>
                 </a:r>
-                <a:endParaRPr lang="en-US" sz="2800" dirty="0"/>
               </a:p>
               <a:p>
                 <a:pPr marL="457200" indent="-457200">
@@ -10210,7 +10442,6 @@
                   <a:rPr lang="en-US" sz="2800" dirty="0"/>
                   <a:t>Get decomposition through Alternating Direction Method of Multipliers (ADMM)</a:t>
                 </a:r>
-                <a:endParaRPr lang="en-US" sz="2800" dirty="0"/>
               </a:p>
               <a:p>
                 <a:pPr marL="914400" lvl="1" indent="-457200">
@@ -10224,7 +10455,6 @@
                   <a:rPr lang="en-US" sz="2800" dirty="0"/>
                   <a:t>Deals with nonconvex nature</a:t>
                 </a:r>
-                <a:endParaRPr lang="en-US" sz="2800" dirty="0"/>
               </a:p>
               <a:p>
                 <a:pPr marL="914400" lvl="1" indent="-457200">
@@ -10238,7 +10468,6 @@
                   <a:rPr lang="en-US" sz="2800" dirty="0"/>
                   <a:t>Able to extract more features</a:t>
                 </a:r>
-                <a:endParaRPr lang="en-US" sz="2800" dirty="0"/>
               </a:p>
               <a:p>
                 <a:pPr marL="457200" indent="-457200">
@@ -10250,9 +10479,8 @@
                 </a:pPr>
                 <a:r>
                   <a:rPr lang="en-US" sz="2800" dirty="0"/>
-                  <a:t>Sparse: number of features large, number of observations limited</a:t>
+                  <a:t>Sparse: number of features large, number of observations limited [3]</a:t>
                 </a:r>
-                <a:endParaRPr lang="en-US" sz="2800" dirty="0"/>
               </a:p>
             </p:txBody>
           </p:sp>
@@ -10269,15 +10497,15 @@
             <p:spPr>
               <a:xfrm>
                 <a:off x="4086224" y="557212"/>
-                <a:ext cx="7384416" cy="5293757"/>
+                <a:ext cx="7384416" cy="5724644"/>
               </a:xfrm>
               <a:prstGeom prst="rect">
                 <a:avLst/>
               </a:prstGeom>
-              <a:blipFill rotWithShape="1">
-                <a:blip r:embed="rId1"/>
+              <a:blipFill>
+                <a:blip r:embed="rId3"/>
                 <a:stretch>
-                  <a:fillRect l="-9" t="-6" b="-7604"/>
+                  <a:fillRect l="-1485" t="-1065" r="-2475" b="-2023"/>
                 </a:stretch>
               </a:blipFill>
             </p:spPr>
@@ -10286,7 +10514,7 @@
               <a:lstStyle/>
               <a:p>
                 <a:r>
-                  <a:rPr lang="en-US" altLang="en-US">
+                  <a:rPr lang="en-US">
                     <a:noFill/>
                   </a:rPr>
                   <a:t> </a:t>
@@ -10410,14 +10638,6 @@
               </a:rPr>
               <a:t>Alternating Direction Method of Multipliers</a:t>
             </a:r>
-            <a:endParaRPr lang="en-US" sz="3200" kern="1200" dirty="0">
-              <a:solidFill>
-                <a:srgbClr val="FFFFFF"/>
-              </a:solidFill>
-              <a:latin typeface="+mj-lt"/>
-              <a:ea typeface="+mj-ea"/>
-              <a:cs typeface="+mj-cs"/>
-            </a:endParaRPr>
           </a:p>
         </p:txBody>
       </p:sp>
@@ -10454,7 +10674,6 @@
               <a:rPr lang="en-US" sz="2800" dirty="0"/>
               <a:t>Rewrite the minimization to the form</a:t>
             </a:r>
-            <a:endParaRPr lang="en-US" sz="2800" dirty="0"/>
           </a:p>
           <a:p>
             <a:pPr marL="457200" indent="-457200">
@@ -10488,7 +10707,6 @@
               <a:rPr lang="en-US" sz="2800" dirty="0"/>
               <a:t>Add penalty</a:t>
             </a:r>
-            <a:endParaRPr lang="en-US" sz="2800" dirty="0"/>
           </a:p>
           <a:p>
             <a:pPr marL="457200" indent="-457200">
@@ -10502,7 +10720,6 @@
               <a:rPr lang="en-US" sz="2800" dirty="0"/>
               <a:t>We know how to minimize efficiently</a:t>
             </a:r>
-            <a:endParaRPr lang="en-US" sz="2800" dirty="0"/>
           </a:p>
         </p:txBody>
       </p:sp>
@@ -10515,7 +10732,7 @@
           <p:nvPr/>
         </p:nvPicPr>
         <p:blipFill rotWithShape="1">
-          <a:blip r:embed="rId1"/>
+          <a:blip r:embed="rId3"/>
           <a:srcRect l="47049" t="46509"/>
           <a:stretch>
             <a:fillRect/>
@@ -10540,7 +10757,7 @@
           <p:nvPr/>
         </p:nvPicPr>
         <p:blipFill>
-          <a:blip r:embed="rId2"/>
+          <a:blip r:embed="rId4"/>
           <a:stretch>
             <a:fillRect/>
           </a:stretch>
@@ -10579,9 +10796,8 @@
           <a:p>
             <a:r>
               <a:rPr lang="en-US" dirty="0"/>
-              <a:t>Figure. [2]</a:t>
-            </a:r>
-            <a:endParaRPr lang="en-US" dirty="0"/>
+              <a:t>Figure 1. [2]</a:t>
+            </a:r>
           </a:p>
         </p:txBody>
       </p:sp>
@@ -10593,8 +10809,8 @@
         </p:nvSpPr>
         <p:spPr>
           <a:xfrm>
-            <a:off x="5884581" y="5178981"/>
-            <a:ext cx="3787702" cy="646331"/>
+            <a:off x="5884580" y="5178981"/>
+            <a:ext cx="3880521" cy="646331"/>
           </a:xfrm>
           <a:prstGeom prst="rect">
             <a:avLst/>
@@ -10609,7 +10825,7 @@
           <a:p>
             <a:r>
               <a:rPr lang="en-US" dirty="0"/>
-              <a:t>Figure. Augmented </a:t>
+              <a:t>Figure 2. Augmented </a:t>
             </a:r>
             <a:r>
               <a:rPr lang="en-US" dirty="0" err="1"/>
@@ -10619,7 +10835,6 @@
               <a:rPr lang="en-US" dirty="0"/>
               <a:t> and minimization of two variables [2]</a:t>
             </a:r>
-            <a:endParaRPr lang="en-US" dirty="0"/>
           </a:p>
         </p:txBody>
       </p:sp>
@@ -10737,14 +10952,6 @@
               </a:rPr>
               <a:t>Methodology</a:t>
             </a:r>
-            <a:endParaRPr lang="en-US" sz="3200" kern="1200" dirty="0">
-              <a:solidFill>
-                <a:srgbClr val="FFFFFF"/>
-              </a:solidFill>
-              <a:latin typeface="+mj-lt"/>
-              <a:ea typeface="+mj-ea"/>
-              <a:cs typeface="+mj-cs"/>
-            </a:endParaRPr>
           </a:p>
         </p:txBody>
       </p:sp>
@@ -10781,7 +10988,6 @@
               <a:rPr lang="en-US" sz="2800" dirty="0"/>
               <a:t>Compare multiple dimensionality reducing algorithms</a:t>
             </a:r>
-            <a:endParaRPr lang="en-US" sz="2800" dirty="0"/>
           </a:p>
           <a:p>
             <a:pPr marL="457200" indent="-457200">
@@ -10795,7 +11001,6 @@
               <a:rPr lang="en-US" sz="2800" dirty="0"/>
               <a:t>Use artificial and real datasets</a:t>
             </a:r>
-            <a:endParaRPr lang="en-US" sz="2800" dirty="0"/>
           </a:p>
           <a:p>
             <a:pPr marL="457200" indent="-457200">
@@ -10809,7 +11014,6 @@
               <a:rPr lang="en-US" sz="2800" dirty="0"/>
               <a:t>Measure accuracy and time</a:t>
             </a:r>
-            <a:endParaRPr lang="en-US" sz="2800" dirty="0"/>
           </a:p>
         </p:txBody>
       </p:sp>
@@ -10822,7 +11026,7 @@
           <p:nvPr/>
         </p:nvPicPr>
         <p:blipFill>
-          <a:blip r:embed="rId1"/>
+          <a:blip r:embed="rId3"/>
           <a:stretch>
             <a:fillRect/>
           </a:stretch>
@@ -10846,7 +11050,7 @@
         <p:spPr>
           <a:xfrm>
             <a:off x="4560124" y="6300788"/>
-            <a:ext cx="5260770" cy="369332"/>
+            <a:ext cx="5260770" cy="646331"/>
           </a:xfrm>
           <a:prstGeom prst="rect">
             <a:avLst/>
@@ -10861,9 +11065,8 @@
           <a:p>
             <a:r>
               <a:rPr lang="en-US" dirty="0"/>
-              <a:t>Figure. Samples of the noisy female Indian dataset [1]</a:t>
-            </a:r>
-            <a:endParaRPr lang="en-US" dirty="0"/>
+              <a:t>Figure 3. Samples of the noisy female Indian dataset [1]</a:t>
+            </a:r>
           </a:p>
         </p:txBody>
       </p:sp>
@@ -11025,7 +11228,6 @@
               <a:rPr lang="en-US" sz="2800" dirty="0"/>
               <a:t>RLDA and RSLDA are new LDA (Linear Discriminant Analysis) methods that are more reliable and sparser.</a:t>
             </a:r>
-            <a:endParaRPr lang="en-US" sz="2800" dirty="0"/>
           </a:p>
           <a:p>
             <a:pPr marL="457200" indent="-457200">
@@ -11039,7 +11241,6 @@
               <a:rPr lang="en-US" sz="2800" dirty="0"/>
               <a:t>They use negative formulations, avoiding the use of L1-norm to solve complex optimization problems.</a:t>
             </a:r>
-            <a:endParaRPr lang="en-US" sz="2800" dirty="0"/>
           </a:p>
           <a:p>
             <a:pPr marL="457200" indent="-457200">
@@ -11053,7 +11254,6 @@
               <a:rPr lang="en-US" sz="2800" dirty="0"/>
               <a:t>This allows for the selection of the right regularization term.</a:t>
             </a:r>
-            <a:endParaRPr lang="en-US" sz="2800" dirty="0"/>
           </a:p>
           <a:p>
             <a:pPr marL="457200" indent="-457200">
@@ -11067,7 +11267,77 @@
               <a:rPr lang="en-US" sz="2800" dirty="0"/>
               <a:t>The proposed approaches can ensure optimal answers since the RSLDA method combines robustness and sparsity. </a:t>
             </a:r>
-            <a:endParaRPr lang="en-US" sz="2800" dirty="0"/>
+          </a:p>
+        </p:txBody>
+      </p:sp>
+      <p:pic>
+        <p:nvPicPr>
+          <p:cNvPr id="5" name="Picture 4" descr="Table">
+            <a:extLst>
+              <a:ext uri="{FF2B5EF4-FFF2-40B4-BE49-F238E27FC236}">
+                <a16:creationId xmlns:a16="http://schemas.microsoft.com/office/drawing/2014/main" id="{4BCAE8AD-857D-B655-7C4F-EFFFF9132DD0}"/>
+              </a:ext>
+            </a:extLst>
+          </p:cNvPr>
+          <p:cNvPicPr>
+            <a:picLocks noChangeAspect="1"/>
+          </p:cNvPicPr>
+          <p:nvPr/>
+        </p:nvPicPr>
+        <p:blipFill>
+          <a:blip r:embed="rId3" cstate="print">
+            <a:extLst>
+              <a:ext uri="{28A0092B-C50C-407E-A947-70E740481C1C}">
+                <a14:useLocalDpi xmlns:a14="http://schemas.microsoft.com/office/drawing/2010/main" val="0"/>
+              </a:ext>
+            </a:extLst>
+          </a:blip>
+          <a:stretch>
+            <a:fillRect/>
+          </a:stretch>
+        </p:blipFill>
+        <p:spPr>
+          <a:xfrm>
+            <a:off x="113921" y="4509163"/>
+            <a:ext cx="4446203" cy="2177676"/>
+          </a:xfrm>
+          <a:prstGeom prst="rect">
+            <a:avLst/>
+          </a:prstGeom>
+        </p:spPr>
+      </p:pic>
+      <p:sp>
+        <p:nvSpPr>
+          <p:cNvPr id="6" name="TextBox 5">
+            <a:extLst>
+              <a:ext uri="{FF2B5EF4-FFF2-40B4-BE49-F238E27FC236}">
+                <a16:creationId xmlns:a16="http://schemas.microsoft.com/office/drawing/2014/main" id="{29C3044B-5A0E-B580-F383-6047F78DB23B}"/>
+              </a:ext>
+            </a:extLst>
+          </p:cNvPr>
+          <p:cNvSpPr txBox="1"/>
+          <p:nvPr/>
+        </p:nvSpPr>
+        <p:spPr>
+          <a:xfrm>
+            <a:off x="457199" y="3916392"/>
+            <a:ext cx="3338423" cy="646331"/>
+          </a:xfrm>
+          <a:prstGeom prst="rect">
+            <a:avLst/>
+          </a:prstGeom>
+          <a:noFill/>
+        </p:spPr>
+        <p:txBody>
+          <a:bodyPr wrap="square" rtlCol="0">
+            <a:spAutoFit/>
+          </a:bodyPr>
+          <a:lstStyle/>
+          <a:p>
+            <a:r>
+              <a:rPr lang="en-US" dirty="0"/>
+              <a:t>Figure 4. Table of results. Bold values indicate best in column [1]</a:t>
+            </a:r>
           </a:p>
         </p:txBody>
       </p:sp>
@@ -11229,7 +11499,6 @@
               <a:rPr lang="en-US" sz="2800" dirty="0"/>
               <a:t>Since the suggested RLDA approach leverages Bhattacharyya error bound optimization without this restriction, it is an improvement above L1-LDA.</a:t>
             </a:r>
-            <a:endParaRPr lang="en-US" sz="2800" dirty="0"/>
           </a:p>
           <a:p>
             <a:pPr marL="457200" indent="-457200">
@@ -11243,7 +11512,6 @@
               <a:rPr lang="en-US" sz="2800" dirty="0"/>
               <a:t>The ADMM algorithm is employed to solve RLDA and RSLDA. </a:t>
             </a:r>
-            <a:endParaRPr lang="en-US" sz="2800" dirty="0"/>
           </a:p>
           <a:p>
             <a:pPr marL="457200" indent="-457200">
@@ -11257,7 +11525,6 @@
               <a:rPr lang="en-US" sz="2800" dirty="0"/>
               <a:t>SULDA and its variants SULDA-ADMM and SULDA 1 seek sparse solutions but do not consider robustness.</a:t>
             </a:r>
-            <a:endParaRPr lang="en-US" sz="2800" dirty="0"/>
           </a:p>
           <a:p>
             <a:pPr marL="457200" indent="-457200">
@@ -11271,7 +11538,6 @@
               <a:rPr lang="en-US" sz="2800" dirty="0"/>
               <a:t>RLDA and RSLDA utilize L1-norm to achieve robustness and sparseness, and they are an improvement over SULDA in terms of both these aspects.</a:t>
             </a:r>
-            <a:endParaRPr lang="en-US" sz="2800" dirty="0"/>
           </a:p>
         </p:txBody>
       </p:sp>
@@ -11534,6 +11800,8 @@
       </a:bgFillStyleLst>
     </a:fmtScheme>
   </a:themeElements>
+  <a:objectDefaults/>
+  <a:extraClrSchemeLst/>
   <a:extLst>
     <a:ext uri="{05A4C25C-085E-4340-85A3-A5531E510DB2}">
       <thm15:themeFamily xmlns:thm15="http://schemas.microsoft.com/office/thememl/2012/main" name="Office Theme" id="{62F939B6-93AF-4DB8-9C6B-D6C7DFDC589F}" vid="{4A3C46E8-61CC-4603-A589-7422A47A8E4A}"/>
@@ -11733,6 +12001,7 @@
       </a:bgFillStyleLst>
     </a:fmtScheme>
   </a:themeElements>
+  <a:objectDefaults/>
   <a:extraClrSchemeLst>
     <a:extraClrScheme>
       <a:clrScheme name="">
@@ -12486,6 +12755,8 @@
       </a:bgFillStyleLst>
     </a:fmtScheme>
   </a:themeElements>
+  <a:objectDefaults/>
+  <a:extraClrSchemeLst/>
   <a:extLst>
     <a:ext uri="{05A4C25C-085E-4340-85A3-A5531E510DB2}">
       <thm15:themeFamily xmlns:thm15="http://schemas.microsoft.com/office/thememl/2012/main" name="Office Theme" id="{62F939B6-93AF-4DB8-9C6B-D6C7DFDC589F}" vid="{4A3C46E8-61CC-4603-A589-7422A47A8E4A}"/>
@@ -12745,6 +13016,8 @@
       </a:bgFillStyleLst>
     </a:fmtScheme>
   </a:themeElements>
+  <a:objectDefaults/>
+  <a:extraClrSchemeLst/>
   <a:extLst>
     <a:ext uri="{05A4C25C-085E-4340-85A3-A5531E510DB2}">
       <thm15:themeFamily xmlns:thm15="http://schemas.microsoft.com/office/thememl/2012/main" name="Office Theme" id="{62F939B6-93AF-4DB8-9C6B-D6C7DFDC589F}" vid="{4A3C46E8-61CC-4603-A589-7422A47A8E4A}"/>

--- a/LDA Presentation CECS 550.pptx
+++ b/LDA Presentation CECS 550.pptx
@@ -215,7 +215,7 @@
           <a:p>
             <a:fld id="{73B2889B-A0AC-4482-8592-5C96F2309420}" type="datetimeFigureOut">
               <a:rPr lang="en-US" smtClean="0"/>
-              <a:t>4/3/2023</a:t>
+              <a:t>4/4/2023</a:t>
             </a:fld>
             <a:endParaRPr lang="en-US"/>
           </a:p>
@@ -380,7 +380,7 @@
           <a:p>
             <a:fld id="{830EB223-FFC0-462A-A3B8-EAA7CE0F8CBD}" type="datetimeFigureOut">
               <a:rPr lang="en-US" smtClean="0"/>
-              <a:t>4/3/2023</a:t>
+              <a:t>4/4/2023</a:t>
             </a:fld>
             <a:endParaRPr lang="en-US" dirty="0"/>
           </a:p>
@@ -695,6 +695,89 @@
                 <a:effectLst/>
                 <a:latin typeface="Söhne"/>
               </a:rPr>
+              <a:t>Hello! Our group has chosen the paper “Robust and Sparse Linear Discriminant Analysis via an Alternating Direction Method of Multipliers.”</a:t>
+            </a:r>
+          </a:p>
+          <a:p>
+            <a:pPr algn="l"/>
+            <a:endParaRPr lang="en-US" b="0" i="0" dirty="0">
+              <a:solidFill>
+                <a:srgbClr val="000000"/>
+              </a:solidFill>
+              <a:effectLst/>
+              <a:latin typeface="Söhne"/>
+            </a:endParaRPr>
+          </a:p>
+          <a:p>
+            <a:pPr algn="l"/>
+            <a:endParaRPr lang="en-US" b="0" i="0" dirty="0">
+              <a:solidFill>
+                <a:srgbClr val="000000"/>
+              </a:solidFill>
+              <a:effectLst/>
+              <a:latin typeface="Söhne"/>
+            </a:endParaRPr>
+          </a:p>
+          <a:p>
+            <a:pPr algn="l"/>
+            <a:endParaRPr lang="en-US" b="0" i="0" dirty="0">
+              <a:solidFill>
+                <a:srgbClr val="000000"/>
+              </a:solidFill>
+              <a:effectLst/>
+              <a:latin typeface="Söhne"/>
+            </a:endParaRPr>
+          </a:p>
+          <a:p>
+            <a:pPr algn="l"/>
+            <a:endParaRPr lang="en-US" b="0" i="0" dirty="0">
+              <a:solidFill>
+                <a:srgbClr val="000000"/>
+              </a:solidFill>
+              <a:effectLst/>
+              <a:latin typeface="Söhne"/>
+            </a:endParaRPr>
+          </a:p>
+          <a:p>
+            <a:pPr algn="l"/>
+            <a:endParaRPr lang="en-US" b="0" i="0" dirty="0">
+              <a:solidFill>
+                <a:srgbClr val="000000"/>
+              </a:solidFill>
+              <a:effectLst/>
+              <a:latin typeface="Söhne"/>
+            </a:endParaRPr>
+          </a:p>
+          <a:p>
+            <a:pPr algn="l"/>
+            <a:endParaRPr lang="en-US" b="0" i="0" dirty="0">
+              <a:solidFill>
+                <a:srgbClr val="000000"/>
+              </a:solidFill>
+              <a:effectLst/>
+              <a:latin typeface="Söhne"/>
+            </a:endParaRPr>
+          </a:p>
+          <a:p>
+            <a:pPr algn="l"/>
+            <a:endParaRPr lang="en-US" b="0" i="0" dirty="0">
+              <a:solidFill>
+                <a:srgbClr val="000000"/>
+              </a:solidFill>
+              <a:effectLst/>
+              <a:latin typeface="Söhne"/>
+            </a:endParaRPr>
+          </a:p>
+          <a:p>
+            <a:pPr algn="l"/>
+            <a:r>
+              <a:rPr lang="en-US" b="0" i="0" dirty="0">
+                <a:solidFill>
+                  <a:srgbClr val="000000"/>
+                </a:solidFill>
+                <a:effectLst/>
+                <a:latin typeface="Söhne"/>
+              </a:rPr>
               <a:t>I. Introduction</a:t>
             </a:r>
           </a:p>
@@ -1062,30 +1145,17 @@
           <a:p>
             <a:r>
               <a:rPr lang="en-US" dirty="0"/>
-              <a:t>In order to test whether their Robust LDA has real improvement, the authors decided to test it against both artificial and real datasets. Here, they compare it against PCA, Principal Component Analysis, PCA with L1-norm, LDA, </a:t>
-            </a:r>
-            <a:r>
-              <a:rPr lang="en-US" dirty="0" err="1"/>
-              <a:t>regularlized</a:t>
-            </a:r>
+              <a:t>In conclusion, this paper introduces a robust and a robust sparse LDA by using L1-norm instead of L2-norm. We use ADMM to avoid issues with extracting a high number of features with fewer classes.</a:t>
+            </a:r>
+          </a:p>
+          <a:p>
+            <a:endParaRPr lang="en-US" dirty="0"/>
+          </a:p>
+          <a:p>
             <a:r>
               <a:rPr lang="en-US" dirty="0"/>
-              <a:t> LDA, LDA with L1-norm, and other methods.</a:t>
-            </a:r>
-          </a:p>
-          <a:p>
-            <a:endParaRPr lang="en-US" dirty="0"/>
-          </a:p>
-          <a:p>
-            <a:r>
-              <a:rPr lang="en-US" dirty="0"/>
-              <a:t>For their datasets, they created two datasets with 2 dimensions, with both dimensions being normally distributed with different parameters. Each dataset has 50 samples, but one dataset has one outlier and the other has two outliers. For the real dataset, they used the images of Indian female faces, with each image being 32x32 pixels and 8-bit grayscale. To test robustness, they add normally distributed noise to </a:t>
-            </a:r>
-            <a:r>
-              <a:rPr lang="en-US"/>
-              <a:t>each image.</a:t>
-            </a:r>
-            <a:endParaRPr lang="en-US" dirty="0"/>
+              <a:t>Bhattacharyya’s error bound can be used to prove the robustness in RLDA. RSLDA also works optimally on a small dataset if we wanted to extract a large number of features. Both features make it a very practical tool on real-world datasets, outperforming the current state of the art methods in terms of accuracy. It also performs similarly on synthetic datasets, proving it to be a versatile tool.</a:t>
+            </a:r>
           </a:p>
         </p:txBody>
       </p:sp>
@@ -1166,30 +1236,17 @@
           <a:p>
             <a:r>
               <a:rPr lang="en-US" dirty="0"/>
-              <a:t>In order to test whether their Robust LDA has real improvement, the authors decided to test it against both artificial and real datasets. Here, they compare it against PCA, Principal Component Analysis, PCA with L1-norm, LDA, </a:t>
-            </a:r>
-            <a:r>
-              <a:rPr lang="en-US" dirty="0" err="1"/>
-              <a:t>regularlized</a:t>
-            </a:r>
+              <a:t>And that’s it! I hope you learned the novel technique that helps improve LDA! Are there any questions?</a:t>
+            </a:r>
+          </a:p>
+          <a:p>
+            <a:endParaRPr lang="en-US" dirty="0"/>
+          </a:p>
+          <a:p>
             <a:r>
               <a:rPr lang="en-US" dirty="0"/>
-              <a:t> LDA, LDA with L1-norm, and other methods.</a:t>
-            </a:r>
-          </a:p>
-          <a:p>
-            <a:endParaRPr lang="en-US" dirty="0"/>
-          </a:p>
-          <a:p>
-            <a:r>
-              <a:rPr lang="en-US" dirty="0"/>
-              <a:t>For their datasets, they created two datasets with 2 dimensions, with both dimensions being normally distributed with different parameters. Each dataset has 50 samples, but one dataset has one outlier and the other has two outliers. For the real dataset, they used the images of Indian female faces, with each image being 32x32 pixels and 8-bit grayscale. To test robustness, they add normally distributed noise to </a:t>
-            </a:r>
-            <a:r>
-              <a:rPr lang="en-US"/>
-              <a:t>each image.</a:t>
-            </a:r>
-            <a:endParaRPr lang="en-US" dirty="0"/>
+              <a:t>[Linger on the slide a bit before going to citations.]</a:t>
+            </a:r>
           </a:p>
         </p:txBody>
       </p:sp>
@@ -1377,7 +1434,19 @@
           <a:bodyPr/>
           <a:lstStyle/>
           <a:p>
+            <a:r>
+              <a:rPr lang="en-US" dirty="0"/>
+              <a:t>As we know, Linear Discriminant Analysis is a method that separates two or more classes by projecting them on a lower-dimensional space. While LDA can be used as a linear classifier, we study its purpose as a dimensionality reducer, where it finds vectors pointing in the most discriminative direction by maximizing the between-class variance and minimizing the within-class variance, essentially separating the classes. Its purpose is twofold: LDA can perform feature extraction and the reduced dimensionality of datasets can speed up computation.</a:t>
+            </a:r>
+          </a:p>
+          <a:p>
             <a:endParaRPr lang="en-US" dirty="0"/>
+          </a:p>
+          <a:p>
+            <a:r>
+              <a:rPr lang="en-US" dirty="0"/>
+              <a:t>However, LDA is not without problems.</a:t>
+            </a:r>
           </a:p>
         </p:txBody>
       </p:sp>
@@ -1456,7 +1525,28 @@
           <a:bodyPr/>
           <a:lstStyle/>
           <a:p>
+            <a:r>
+              <a:rPr lang="en-US" dirty="0"/>
+              <a:t>For example, with high-dimensional data, some LDA methods can produce a large number of features, which may not improve the accuracy on models fed with LDA-fitted data.</a:t>
+            </a:r>
+          </a:p>
+          <a:p>
             <a:endParaRPr lang="en-US" dirty="0"/>
+          </a:p>
+          <a:p>
+            <a:r>
+              <a:rPr lang="en-US" dirty="0"/>
+              <a:t>Furthermore, typical LDA methods use normalization that is particularly sensitive to outliers. While this may not be a problem in synthetic datasets, real datasets, especially ones with many observations and features, have noisy data and labels. These outliers can exacerbate and can produce suboptimal classification accuracy.</a:t>
+            </a:r>
+          </a:p>
+          <a:p>
+            <a:endParaRPr lang="en-US" dirty="0"/>
+          </a:p>
+          <a:p>
+            <a:r>
+              <a:rPr lang="en-US" dirty="0"/>
+              <a:t>And further optimizations of LDA can produce suboptimal classification accuracy. Typically, LDA methods assume that all classes share the same covariance matrix. If they don’t, then the chance for misprediction only increases.</a:t>
+            </a:r>
           </a:p>
         </p:txBody>
       </p:sp>
@@ -1535,7 +1625,36 @@
           <a:bodyPr/>
           <a:lstStyle/>
           <a:p>
+            <a:r>
+              <a:rPr lang="en-US" dirty="0"/>
+              <a:t>It’s important to find solutions to LDA’s problems. As we mentioned, any outliers in the data, any overfitting or having too many features, and any false assumptions of the covariance matrix in the data can all produce suboptimal results.</a:t>
+            </a:r>
+          </a:p>
+          <a:p>
             <a:endParaRPr lang="en-US" dirty="0"/>
+          </a:p>
+          <a:p>
+            <a:pPr marL="0" marR="0" lvl="0" indent="0" algn="l" defTabSz="914400" rtl="0" eaLnBrk="1" fontAlgn="auto" latinLnBrk="0" hangingPunct="1">
+              <a:lnSpc>
+                <a:spcPct val="100000"/>
+              </a:lnSpc>
+              <a:spcBef>
+                <a:spcPts val="0"/>
+              </a:spcBef>
+              <a:spcAft>
+                <a:spcPts val="0"/>
+              </a:spcAft>
+              <a:buClrTx/>
+              <a:buSzTx/>
+              <a:buFontTx/>
+              <a:buNone/>
+              <a:tabLst/>
+              <a:defRPr/>
+            </a:pPr>
+            <a:r>
+              <a:rPr lang="en-US" dirty="0"/>
+              <a:t>These suboptimal results manifest in projection vectors not pointing in their idealized directions. This throws off LDA’s classification accuracy or, if used as feature extraction, its inability to find the most important vectors. It’s important to keep this in mind for real-world problems. This paper attempts to solve these problems by being more robust, or more resilient to outliers and noise, and using different methods than a typical LDA.</a:t>
+            </a:r>
           </a:p>
         </p:txBody>
       </p:sp>
@@ -1616,7 +1735,7 @@
           <a:p>
             <a:r>
               <a:rPr lang="en-US" dirty="0"/>
-              <a:t>Let’s talk about the paper’s contribution. We know that L1-norm provides more robustness to outliers and noise, but how? We can use Bhattacharyya’s error bound, a measure of how similar two distributions are. The two distributions we compare are the data and its dimensionally-reduced projection. Minimizing this error is essential in getting accurate reductions. Thankfully, the authors proved that it’s a close bound to Bayes’ irreducible error.</a:t>
+              <a:t>Let’s talk about the paper’s contribution. Previous research showed that L1-norm is more robust. The authors of this paper prove its robustness through Bhattacharyya’s error bound, a measure of how similar two distributions are. The two distributions we compare are the data and its dimensionally-reduced projection. Minimizing this error is essential in getting accurate reductions. Thankfully, the authors proved that it’s a close bound to Bayes’ irreducible error.</a:t>
             </a:r>
           </a:p>
           <a:p>
@@ -1633,7 +1752,7 @@
             </a:r>
             <a:r>
               <a:rPr lang="en-US" dirty="0"/>
-              <a:t>, but we use an Alternating Direction Method of Multipliers instead for L1-norm. Not only can it work with the nonconvex nature of LDA, it also doesn’t have the same restriction where the number of features must be one less than the number of classes.</a:t>
+              <a:t>, but we use an Alternating Direction Method of Multipliers instead for L1-norm. Not only can it work with the nonconvex nature of LDA, it also doesn’t have the same restriction where the number of features must be less than the number of classes minus one.</a:t>
             </a:r>
           </a:p>
           <a:p>
@@ -1642,7 +1761,7 @@
           <a:p>
             <a:r>
               <a:rPr lang="en-US" dirty="0"/>
-              <a:t>A variant of RLDA, Sparse RLDA, can work with fewer observations and extract more features.</a:t>
+              <a:t>A variant of RLDA, Robust Sparse LDA, can work with fewer observations and extract more features. It’s considered a variant because of an additional constraint on the discriminant direction. It typically performs worse than RLDA on data that works on both variants, but in some cases, it can perform better.</a:t>
             </a:r>
           </a:p>
         </p:txBody>
@@ -1823,30 +1942,17 @@
           <a:p>
             <a:r>
               <a:rPr lang="en-US" dirty="0"/>
-              <a:t>In order to test whether their Robust LDA has real improvement, the authors decided to test it against both artificial and real datasets. Here, they compare it against PCA, Principal Component Analysis, PCA with L1-norm, LDA, </a:t>
-            </a:r>
-            <a:r>
-              <a:rPr lang="en-US" dirty="0" err="1"/>
-              <a:t>regularlized</a:t>
-            </a:r>
+              <a:t>In order to test whether their Robust LDA has real improvement, the authors decided to test it against both artificial and real datasets. Here, they compare it against PCA, Principal Component Analysis, PCA with L1-norm, LDA, regularized LDA, LDA with L1-norm, and other methods.</a:t>
+            </a:r>
+          </a:p>
+          <a:p>
+            <a:endParaRPr lang="en-US" dirty="0"/>
+          </a:p>
+          <a:p>
             <a:r>
               <a:rPr lang="en-US" dirty="0"/>
-              <a:t> LDA, LDA with L1-norm, and other methods.</a:t>
-            </a:r>
-          </a:p>
-          <a:p>
-            <a:endParaRPr lang="en-US" dirty="0"/>
-          </a:p>
-          <a:p>
-            <a:r>
-              <a:rPr lang="en-US" dirty="0"/>
-              <a:t>For their datasets, they created two datasets with 2 dimensions, with both dimensions being normally distributed with different parameters. Each dataset has 50 samples, but one dataset has one outlier and the other has two outliers. For the real dataset, they used the images of Indian female faces, with each image being 32x32 pixels and 8-bit grayscale. To test robustness, they add normally distributed noise to </a:t>
-            </a:r>
-            <a:r>
-              <a:rPr lang="en-US"/>
-              <a:t>each image.</a:t>
-            </a:r>
-            <a:endParaRPr lang="en-US" dirty="0"/>
+              <a:t>They created two artificial datasets with 2 dimensions, with both dimensions being normally distributed with different parameters. Each dataset has 50 samples, but one dataset has one outlier and the other has two. For the real dataset, they used the images of Indian female faces, with each image being 32x32 pixels and 8-bit grayscale. To test robustness, they add normally distributed noise to each image. </a:t>
+            </a:r>
           </a:p>
         </p:txBody>
       </p:sp>
@@ -1925,7 +2031,19 @@
           <a:bodyPr/>
           <a:lstStyle/>
           <a:p>
+            <a:r>
+              <a:rPr lang="en-US" dirty="0"/>
+              <a:t>Here, we can see the table at the bottom left corner. The middle columns are how many training samples are in each class, starting at 2 up to 10. The rightmost column is the mean accuracy in the female Indian face dataset. Each row is a different method. The authors bolded the best accuracy in each column. It might be hard to see, but the bottom two rows are RLDA and RSLDA, respectively. They contain the best accuracy out of all the methods, with RLDA having the best mean accuracy of 86.47%. Note that we also show the time for each method, but we do not prioritize time as a metric. Plain LDA remains the fastest method but has all the issues we discussed.</a:t>
+            </a:r>
+          </a:p>
+          <a:p>
             <a:endParaRPr lang="en-US" dirty="0"/>
+          </a:p>
+          <a:p>
+            <a:r>
+              <a:rPr lang="en-US" dirty="0"/>
+              <a:t>Each method that they used had their parameters tuned on the datasets. If we look at L1-LDA, we find that it uses a minus formulation to avoid some problems with finding the best optimization.</a:t>
+            </a:r>
           </a:p>
         </p:txBody>
       </p:sp>
@@ -2004,7 +2122,19 @@
           <a:bodyPr/>
           <a:lstStyle/>
           <a:p>
+            <a:r>
+              <a:rPr lang="en-US" dirty="0"/>
+              <a:t>Because we use Bhattacharyya’s error bound to create a guarantee, we do not have to worry about the same issue with L1-LDA. This can explain how RLDA outperforms L1-LDA.</a:t>
+            </a:r>
+          </a:p>
+          <a:p>
             <a:endParaRPr lang="en-US" dirty="0"/>
+          </a:p>
+          <a:p>
+            <a:r>
+              <a:rPr lang="en-US" dirty="0"/>
+              <a:t>SULDA, or sparse uncorrelated LDA, are a group of methods that we test against. Despite SULDA-ADMM having the same optimization method we use, it does not consider robustness. SULDA with L1 norm is a faster variant of SULDA-ADMM due to another optimization technique, but at the expense of lower accuracy. Either SULDA model fails to consider both robustness and sparseness, so they perform worse.</a:t>
+            </a:r>
           </a:p>
         </p:txBody>
       </p:sp>
@@ -2168,7 +2298,7 @@
           <a:p>
             <a:fld id="{DECF21A4-E71B-4D3A-AF45-E989C23A7BB1}" type="datetimeFigureOut">
               <a:rPr lang="en-US" smtClean="0"/>
-              <a:t>4/3/2023</a:t>
+              <a:t>4/4/2023</a:t>
             </a:fld>
             <a:endParaRPr lang="en-US" dirty="0"/>
           </a:p>
@@ -2331,7 +2461,7 @@
           <a:p>
             <a:fld id="{DECF21A4-E71B-4D3A-AF45-E989C23A7BB1}" type="datetimeFigureOut">
               <a:rPr lang="en-US" smtClean="0"/>
-              <a:t>4/3/2023</a:t>
+              <a:t>4/4/2023</a:t>
             </a:fld>
             <a:endParaRPr lang="en-US" dirty="0"/>
           </a:p>
@@ -2504,7 +2634,7 @@
           <a:p>
             <a:fld id="{DECF21A4-E71B-4D3A-AF45-E989C23A7BB1}" type="datetimeFigureOut">
               <a:rPr lang="en-US" smtClean="0"/>
-              <a:t>4/3/2023</a:t>
+              <a:t>4/4/2023</a:t>
             </a:fld>
             <a:endParaRPr lang="en-US" dirty="0"/>
           </a:p>
@@ -2689,7 +2819,7 @@
           <a:p>
             <a:fld id="{DECF21A4-E71B-4D3A-AF45-E989C23A7BB1}" type="datetimeFigureOut">
               <a:rPr lang="en-US" smtClean="0"/>
-              <a:t>4/3/2023</a:t>
+              <a:t>4/4/2023</a:t>
             </a:fld>
             <a:endParaRPr lang="en-US" dirty="0"/>
           </a:p>
@@ -2853,7 +2983,7 @@
           <a:p>
             <a:fld id="{DECF21A4-E71B-4D3A-AF45-E989C23A7BB1}" type="datetimeFigureOut">
               <a:rPr lang="en-US" smtClean="0"/>
-              <a:t>4/3/2023</a:t>
+              <a:t>4/4/2023</a:t>
             </a:fld>
             <a:endParaRPr lang="en-US" dirty="0"/>
           </a:p>
@@ -3094,7 +3224,7 @@
           <a:p>
             <a:fld id="{DECF21A4-E71B-4D3A-AF45-E989C23A7BB1}" type="datetimeFigureOut">
               <a:rPr lang="en-US" smtClean="0"/>
-              <a:t>4/3/2023</a:t>
+              <a:t>4/4/2023</a:t>
             </a:fld>
             <a:endParaRPr lang="en-US" dirty="0"/>
           </a:p>
@@ -3319,7 +3449,7 @@
           <a:p>
             <a:fld id="{DECF21A4-E71B-4D3A-AF45-E989C23A7BB1}" type="datetimeFigureOut">
               <a:rPr lang="en-US" smtClean="0"/>
-              <a:t>4/3/2023</a:t>
+              <a:t>4/4/2023</a:t>
             </a:fld>
             <a:endParaRPr lang="en-US" dirty="0"/>
           </a:p>
@@ -3679,7 +3809,7 @@
           <a:p>
             <a:fld id="{DECF21A4-E71B-4D3A-AF45-E989C23A7BB1}" type="datetimeFigureOut">
               <a:rPr lang="en-US" smtClean="0"/>
-              <a:t>4/3/2023</a:t>
+              <a:t>4/4/2023</a:t>
             </a:fld>
             <a:endParaRPr lang="en-US" dirty="0"/>
           </a:p>
@@ -3792,7 +3922,7 @@
           <a:p>
             <a:fld id="{DECF21A4-E71B-4D3A-AF45-E989C23A7BB1}" type="datetimeFigureOut">
               <a:rPr lang="en-US" smtClean="0"/>
-              <a:t>4/3/2023</a:t>
+              <a:t>4/4/2023</a:t>
             </a:fld>
             <a:endParaRPr lang="en-US" dirty="0"/>
           </a:p>
@@ -3883,7 +4013,7 @@
           <a:p>
             <a:fld id="{DECF21A4-E71B-4D3A-AF45-E989C23A7BB1}" type="datetimeFigureOut">
               <a:rPr lang="en-US" smtClean="0"/>
-              <a:t>4/3/2023</a:t>
+              <a:t>4/4/2023</a:t>
             </a:fld>
             <a:endParaRPr lang="en-US" dirty="0"/>
           </a:p>
@@ -4154,7 +4284,7 @@
           <a:p>
             <a:fld id="{DECF21A4-E71B-4D3A-AF45-E989C23A7BB1}" type="datetimeFigureOut">
               <a:rPr lang="en-US" smtClean="0"/>
-              <a:t>4/3/2023</a:t>
+              <a:t>4/4/2023</a:t>
             </a:fld>
             <a:endParaRPr lang="en-US" dirty="0"/>
           </a:p>
@@ -4318,7 +4448,7 @@
           <a:p>
             <a:fld id="{DECF21A4-E71B-4D3A-AF45-E989C23A7BB1}" type="datetimeFigureOut">
               <a:rPr lang="en-US" smtClean="0"/>
-              <a:t>4/3/2023</a:t>
+              <a:t>4/4/2023</a:t>
             </a:fld>
             <a:endParaRPr lang="en-US" dirty="0"/>
           </a:p>
@@ -4565,7 +4695,7 @@
           <a:p>
             <a:fld id="{DECF21A4-E71B-4D3A-AF45-E989C23A7BB1}" type="datetimeFigureOut">
               <a:rPr lang="en-US" smtClean="0"/>
-              <a:t>4/3/2023</a:t>
+              <a:t>4/4/2023</a:t>
             </a:fld>
             <a:endParaRPr lang="en-US" dirty="0"/>
           </a:p>
@@ -4729,7 +4859,7 @@
           <a:p>
             <a:fld id="{DECF21A4-E71B-4D3A-AF45-E989C23A7BB1}" type="datetimeFigureOut">
               <a:rPr lang="en-US" smtClean="0"/>
-              <a:t>4/3/2023</a:t>
+              <a:t>4/4/2023</a:t>
             </a:fld>
             <a:endParaRPr lang="en-US" dirty="0"/>
           </a:p>
@@ -4903,7 +5033,7 @@
           <a:p>
             <a:fld id="{DECF21A4-E71B-4D3A-AF45-E989C23A7BB1}" type="datetimeFigureOut">
               <a:rPr lang="en-US" smtClean="0"/>
-              <a:t>4/3/2023</a:t>
+              <a:t>4/4/2023</a:t>
             </a:fld>
             <a:endParaRPr lang="en-US" dirty="0"/>
           </a:p>
@@ -5144,7 +5274,7 @@
           <a:p>
             <a:fld id="{DECF21A4-E71B-4D3A-AF45-E989C23A7BB1}" type="datetimeFigureOut">
               <a:rPr lang="en-US" smtClean="0"/>
-              <a:t>4/3/2023</a:t>
+              <a:t>4/4/2023</a:t>
             </a:fld>
             <a:endParaRPr lang="en-US" dirty="0"/>
           </a:p>
@@ -5368,7 +5498,7 @@
           <a:p>
             <a:fld id="{DECF21A4-E71B-4D3A-AF45-E989C23A7BB1}" type="datetimeFigureOut">
               <a:rPr lang="en-US" smtClean="0"/>
-              <a:t>4/3/2023</a:t>
+              <a:t>4/4/2023</a:t>
             </a:fld>
             <a:endParaRPr lang="en-US" dirty="0"/>
           </a:p>
@@ -5727,7 +5857,7 @@
           <a:p>
             <a:fld id="{DECF21A4-E71B-4D3A-AF45-E989C23A7BB1}" type="datetimeFigureOut">
               <a:rPr lang="en-US" smtClean="0"/>
-              <a:t>4/3/2023</a:t>
+              <a:t>4/4/2023</a:t>
             </a:fld>
             <a:endParaRPr lang="en-US" dirty="0"/>
           </a:p>
@@ -5839,7 +5969,7 @@
           <a:p>
             <a:fld id="{DECF21A4-E71B-4D3A-AF45-E989C23A7BB1}" type="datetimeFigureOut">
               <a:rPr lang="en-US" smtClean="0"/>
-              <a:t>4/3/2023</a:t>
+              <a:t>4/4/2023</a:t>
             </a:fld>
             <a:endParaRPr lang="en-US" dirty="0"/>
           </a:p>
@@ -5929,7 +6059,7 @@
           <a:p>
             <a:fld id="{DECF21A4-E71B-4D3A-AF45-E989C23A7BB1}" type="datetimeFigureOut">
               <a:rPr lang="en-US" smtClean="0"/>
-              <a:t>4/3/2023</a:t>
+              <a:t>4/4/2023</a:t>
             </a:fld>
             <a:endParaRPr lang="en-US" dirty="0"/>
           </a:p>
@@ -6199,7 +6329,7 @@
           <a:p>
             <a:fld id="{DECF21A4-E71B-4D3A-AF45-E989C23A7BB1}" type="datetimeFigureOut">
               <a:rPr lang="en-US" smtClean="0"/>
-              <a:t>4/3/2023</a:t>
+              <a:t>4/4/2023</a:t>
             </a:fld>
             <a:endParaRPr lang="en-US" dirty="0"/>
           </a:p>
@@ -6450,7 +6580,7 @@
           <a:p>
             <a:fld id="{DECF21A4-E71B-4D3A-AF45-E989C23A7BB1}" type="datetimeFigureOut">
               <a:rPr lang="en-US" smtClean="0"/>
-              <a:t>4/3/2023</a:t>
+              <a:t>4/4/2023</a:t>
             </a:fld>
             <a:endParaRPr lang="en-US" dirty="0"/>
           </a:p>
@@ -6656,7 +6786,7 @@
           <a:p>
             <a:fld id="{DECF21A4-E71B-4D3A-AF45-E989C23A7BB1}" type="datetimeFigureOut">
               <a:rPr lang="en-US" smtClean="0"/>
-              <a:t>4/3/2023</a:t>
+              <a:t>4/4/2023</a:t>
             </a:fld>
             <a:endParaRPr lang="en-US" dirty="0"/>
           </a:p>
@@ -7191,7 +7321,7 @@
           <a:p>
             <a:fld id="{DECF21A4-E71B-4D3A-AF45-E989C23A7BB1}" type="datetimeFigureOut">
               <a:rPr lang="en-US" smtClean="0"/>
-              <a:t>4/3/2023</a:t>
+              <a:t>4/4/2023</a:t>
             </a:fld>
             <a:endParaRPr lang="en-US" dirty="0"/>
           </a:p>
@@ -10335,8 +10465,8 @@
           </a:p>
         </p:txBody>
       </p:sp>
-      <mc:AlternateContent xmlns:mc="http://schemas.openxmlformats.org/markup-compatibility/2006">
-        <mc:Choice xmlns:a14="http://schemas.microsoft.com/office/drawing/2010/main" Requires="a14">
+      <mc:AlternateContent xmlns:mc="http://schemas.openxmlformats.org/markup-compatibility/2006" xmlns:a14="http://schemas.microsoft.com/office/drawing/2010/main">
+        <mc:Choice Requires="a14">
           <p:sp>
             <p:nvSpPr>
               <p:cNvPr id="3" name="TextBox 2"/>
@@ -10485,7 +10615,7 @@
             </p:txBody>
           </p:sp>
         </mc:Choice>
-        <mc:Fallback>
+        <mc:Fallback xmlns="">
           <p:sp>
             <p:nvSpPr>
               <p:cNvPr id="3" name="TextBox 2"/>

--- a/LDA Presentation CECS 550.pptx
+++ b/LDA Presentation CECS 550.pptx
@@ -1735,7 +1735,16 @@
           <a:p>
             <a:r>
               <a:rPr lang="en-US" dirty="0"/>
-              <a:t>Let’s talk about the paper’s contribution. Previous research showed that L1-norm is more robust. The authors of this paper prove its robustness through Bhattacharyya’s error bound, a measure of how similar two distributions are. The two distributions we compare are the data and its dimensionally-reduced projection. Minimizing this error is essential in getting accurate reductions. Thankfully, the authors proved that it’s a close bound to Bayes’ irreducible error.</a:t>
+              <a:t>Before we can talk about the paper’s contribution, let’s talk about how L1-norm is more robust. L1-norm is the sum of the absolute value of the entries in a given vector. In this case, we take the norm of the scatter of points that share the same class. Typical LDA methods use L2-norm, which struggles with a small sample size problem. Other researchers have formally proven that L1-norm is more robust than L2-norm, which is the driving factor as to why we use L1-norm in this new method.</a:t>
+            </a:r>
+          </a:p>
+          <a:p>
+            <a:endParaRPr lang="en-US" dirty="0"/>
+          </a:p>
+          <a:p>
+            <a:r>
+              <a:rPr lang="en-US" dirty="0"/>
+              <a:t>Now let’s talk about the paper’s contribution. In order to truly prove that L1-norm is the most appropriate for this problem, the authors of this paper prove its robustness through Bhattacharyya’s error bound, a measure of how similar two distributions are. The two distributions we compare are the data and its dimensionally-reduced projection. Minimizing this error is essential in getting accurate reductions. Thankfully, the authors proved that it’s a close bound to Bayes’ irreducible error.</a:t>
             </a:r>
           </a:p>
           <a:p>
@@ -1752,16 +1761,21 @@
             </a:r>
             <a:r>
               <a:rPr lang="en-US" dirty="0"/>
-              <a:t>, but we use an Alternating Direction Method of Multipliers instead for L1-norm. Not only can it work with the nonconvex nature of LDA, it also doesn’t have the same restriction where the number of features must be less than the number of classes minus one.</a:t>
-            </a:r>
-          </a:p>
-          <a:p>
+              <a:t>, but we use an Alternating Direction Method of Multipliers instead for L1-norm. Not only can it work with the nonconvex nature of LDA, it also doesn’t have the same restriction where the number of features must be less than the number of classes minus one (because that is the rank of the problem </a:t>
+            </a:r>
+            <a:r>
+              <a:rPr lang="en-US"/>
+              <a:t>instance matrix).</a:t>
+            </a:r>
             <a:endParaRPr lang="en-US" dirty="0"/>
           </a:p>
           <a:p>
+            <a:endParaRPr lang="en-US" dirty="0"/>
+          </a:p>
+          <a:p>
             <a:r>
               <a:rPr lang="en-US" dirty="0"/>
-              <a:t>A variant of RLDA, Robust Sparse LDA, can work with fewer observations and extract more features. It’s considered a variant because of an additional constraint on the discriminant direction. It typically performs worse than RLDA on data that works on both variants, but in some cases, it can perform better.</a:t>
+              <a:t>A variant of RLDA, Robust Sparse LDA, or RSLDA, can work with fewer observations and while being able to extract more features. It’s considered a variant because of an additional constraint on the discriminant direction during ADMM optimization. It typically performs worse than RLDA on data that works on both variants, but in some cases, it can perform better.</a:t>
             </a:r>
           </a:p>
         </p:txBody>

--- a/LDA Presentation CECS 550.pptx
+++ b/LDA Presentation CECS 550.pptx
@@ -1735,7 +1735,7 @@
           <a:p>
             <a:r>
               <a:rPr lang="en-US" dirty="0"/>
-              <a:t>Before we can talk about the paper’s contribution, let’s talk about how L1-norm is more robust. L1-norm is the sum of the absolute value of the entries in a given vector. In this case, we take the norm of the scatter of points that share the same class. Typical LDA methods use L2-norm, which struggles with a small sample size problem. Other researchers have formally proven that L1-norm is more robust than L2-norm, which is the driving factor as to why we use L1-norm in this new method.</a:t>
+              <a:t>Before we can talk about the paper’s contribution, let’s talk about how L1-norm is more robust. L1-norm is the sum of the absolute value of the entries in a given vector. In this case, we take the norm of the scatter of the points that share the same class. Typical LDA methods use L2-norm, which struggles with a small sample size problem. Other researchers have formally proven that L1-norm is more robust than L2-norm, which is the driving factor as to why we use L1-norm in this new method.</a:t>
             </a:r>
           </a:p>
           <a:p>
@@ -1744,7 +1744,7 @@
           <a:p>
             <a:r>
               <a:rPr lang="en-US" dirty="0"/>
-              <a:t>Now let’s talk about the paper’s contribution. In order to truly prove that L1-norm is the most appropriate for this problem, the authors of this paper prove its robustness through Bhattacharyya’s error bound, a measure of how similar two distributions are. The two distributions we compare are the data and its dimensionally-reduced projection. Minimizing this error is essential in getting accurate reductions. Thankfully, the authors proved that it’s a close bound to Bayes’ irreducible error.</a:t>
+              <a:t>Now let’s talk about the paper’s contribution. In order to truly prove that L1-norm is the most appropriate for this problem, the authors of this paper prove its robustness through Bhattacharyya’s error bound, a measure of how similar two distributions are. The two distributions we compare are the data and its dimensionally-reduced projection. Minimizing this error is essential in getting accurate reductions. Thankfully, the authors proved that it’s a close bound to Bayes’ error, also known as the irreducible error.</a:t>
             </a:r>
           </a:p>
           <a:p>
@@ -1761,13 +1761,16 @@
             </a:r>
             <a:r>
               <a:rPr lang="en-US" dirty="0"/>
-              <a:t>, but we use an Alternating Direction Method of Multipliers instead for L1-norm. Not only can it work with the nonconvex nature of LDA, it also doesn’t have the same restriction where the number of features must be less than the number of classes minus one (because that is the rank of the problem </a:t>
-            </a:r>
-            <a:r>
-              <a:rPr lang="en-US"/>
-              <a:t>instance matrix).</a:t>
-            </a:r>
-            <a:endParaRPr lang="en-US" dirty="0"/>
+              <a:t>, but we use an Alternating Direction Method of Multipliers instead for L1-norm. Not only can it work with the nonconvex nature of LDA (that is, the problem has multiple local minima), it also doesn’t have the same restriction where the number of features must be less than the number of classes minus one (because that is the rank of the problem instance matrix that </a:t>
+            </a:r>
+            <a:r>
+              <a:rPr lang="en-US" dirty="0" err="1"/>
+              <a:t>eigendecomposition</a:t>
+            </a:r>
+            <a:r>
+              <a:rPr lang="en-US" dirty="0"/>
+              <a:t> struggles with).</a:t>
+            </a:r>
           </a:p>
           <a:p>
             <a:endParaRPr lang="en-US" dirty="0"/>
@@ -1876,6 +1879,20 @@
               <a:rPr lang="en-US" dirty="0"/>
               <a:t>. This helps us because other researchers found an efficient way to minimize both variables at the same time within one iteration. Finding the arguments of the minima for both variables can also be done in parallel, speeding up computation.</a:t>
             </a:r>
+          </a:p>
+          <a:p>
+            <a:endParaRPr lang="en-US" dirty="0"/>
+          </a:p>
+          <a:p>
+            <a:r>
+              <a:rPr lang="en-US" dirty="0"/>
+              <a:t>There is a lot more to ADMM, including its requirement of a simple function, but we give a high-level overview on how it performs </a:t>
+            </a:r>
+            <a:r>
+              <a:rPr lang="en-US"/>
+              <a:t>our decomposition.</a:t>
+            </a:r>
+            <a:endParaRPr lang="en-US" dirty="0"/>
           </a:p>
         </p:txBody>
       </p:sp>
